--- a/Documentation/LSTM Presentation.pptx
+++ b/Documentation/LSTM Presentation.pptx
@@ -4,16 +4,28 @@
   <p:sldMasterIdLst>
     <p:sldMasterId id="2147483726" r:id="rId1"/>
   </p:sldMasterIdLst>
+  <p:notesMasterIdLst>
+    <p:notesMasterId r:id="rId20"/>
+  </p:notesMasterIdLst>
   <p:sldIdLst>
     <p:sldId id="256" r:id="rId2"/>
-    <p:sldId id="257" r:id="rId3"/>
-    <p:sldId id="258" r:id="rId4"/>
-    <p:sldId id="259" r:id="rId5"/>
-    <p:sldId id="260" r:id="rId6"/>
-    <p:sldId id="261" r:id="rId7"/>
-    <p:sldId id="262" r:id="rId8"/>
-    <p:sldId id="263" r:id="rId9"/>
-    <p:sldId id="264" r:id="rId10"/>
+    <p:sldId id="265" r:id="rId3"/>
+    <p:sldId id="266" r:id="rId4"/>
+    <p:sldId id="257" r:id="rId5"/>
+    <p:sldId id="258" r:id="rId6"/>
+    <p:sldId id="259" r:id="rId7"/>
+    <p:sldId id="260" r:id="rId8"/>
+    <p:sldId id="261" r:id="rId9"/>
+    <p:sldId id="262" r:id="rId10"/>
+    <p:sldId id="263" r:id="rId11"/>
+    <p:sldId id="282" r:id="rId12"/>
+    <p:sldId id="283" r:id="rId13"/>
+    <p:sldId id="268" r:id="rId14"/>
+    <p:sldId id="269" r:id="rId15"/>
+    <p:sldId id="274" r:id="rId16"/>
+    <p:sldId id="275" r:id="rId17"/>
+    <p:sldId id="281" r:id="rId18"/>
+    <p:sldId id="264" r:id="rId19"/>
   </p:sldIdLst>
   <p:sldSz cx="12192000" cy="6858000"/>
   <p:notesSz cx="6858000" cy="9144000"/>
@@ -120,6 +132,1433 @@
 </p:presentation>
 </file>
 
+<file path=ppt/notesMasters/notesMaster1.xml><?xml version="1.0" encoding="utf-8"?>
+<p:notesMaster xmlns:a="http://schemas.openxmlformats.org/drawingml/2006/main" xmlns:r="http://schemas.openxmlformats.org/officeDocument/2006/relationships" xmlns:p="http://schemas.openxmlformats.org/presentationml/2006/main">
+  <p:cSld>
+    <p:bg>
+      <p:bgRef idx="1001">
+        <a:schemeClr val="bg1"/>
+      </p:bgRef>
+    </p:bg>
+    <p:spTree>
+      <p:nvGrpSpPr>
+        <p:cNvPr id="1" name=""/>
+        <p:cNvGrpSpPr/>
+        <p:nvPr/>
+      </p:nvGrpSpPr>
+      <p:grpSpPr>
+        <a:xfrm>
+          <a:off x="0" y="0"/>
+          <a:ext cx="0" cy="0"/>
+          <a:chOff x="0" y="0"/>
+          <a:chExt cx="0" cy="0"/>
+        </a:xfrm>
+      </p:grpSpPr>
+      <p:sp>
+        <p:nvSpPr>
+          <p:cNvPr id="2" name="Header Placeholder 1"/>
+          <p:cNvSpPr>
+            <a:spLocks noGrp="1"/>
+          </p:cNvSpPr>
+          <p:nvPr>
+            <p:ph type="hdr" sz="quarter"/>
+          </p:nvPr>
+        </p:nvSpPr>
+        <p:spPr>
+          <a:xfrm>
+            <a:off x="0" y="0"/>
+            <a:ext cx="2971800" cy="458788"/>
+          </a:xfrm>
+          <a:prstGeom prst="rect">
+            <a:avLst/>
+          </a:prstGeom>
+        </p:spPr>
+        <p:txBody>
+          <a:bodyPr vert="horz" lIns="91440" tIns="45720" rIns="91440" bIns="45720" rtlCol="0"/>
+          <a:lstStyle>
+            <a:lvl1pPr algn="l">
+              <a:defRPr sz="1200"/>
+            </a:lvl1pPr>
+          </a:lstStyle>
+          <a:p>
+            <a:endParaRPr lang="en-IN"/>
+          </a:p>
+        </p:txBody>
+      </p:sp>
+      <p:sp>
+        <p:nvSpPr>
+          <p:cNvPr id="3" name="Date Placeholder 2"/>
+          <p:cNvSpPr>
+            <a:spLocks noGrp="1"/>
+          </p:cNvSpPr>
+          <p:nvPr>
+            <p:ph type="dt" idx="1"/>
+          </p:nvPr>
+        </p:nvSpPr>
+        <p:spPr>
+          <a:xfrm>
+            <a:off x="3884613" y="0"/>
+            <a:ext cx="2971800" cy="458788"/>
+          </a:xfrm>
+          <a:prstGeom prst="rect">
+            <a:avLst/>
+          </a:prstGeom>
+        </p:spPr>
+        <p:txBody>
+          <a:bodyPr vert="horz" lIns="91440" tIns="45720" rIns="91440" bIns="45720" rtlCol="0"/>
+          <a:lstStyle>
+            <a:lvl1pPr algn="r">
+              <a:defRPr sz="1200"/>
+            </a:lvl1pPr>
+          </a:lstStyle>
+          <a:p>
+            <a:fld id="{C9707BD5-6FF2-4517-806C-0850975B6446}" type="datetimeFigureOut">
+              <a:rPr lang="en-IN" smtClean="0"/>
+              <a:t>11-09-2020</a:t>
+            </a:fld>
+            <a:endParaRPr lang="en-IN"/>
+          </a:p>
+        </p:txBody>
+      </p:sp>
+      <p:sp>
+        <p:nvSpPr>
+          <p:cNvPr id="4" name="Slide Image Placeholder 3"/>
+          <p:cNvSpPr>
+            <a:spLocks noGrp="1" noRot="1" noChangeAspect="1"/>
+          </p:cNvSpPr>
+          <p:nvPr>
+            <p:ph type="sldImg" idx="2"/>
+          </p:nvPr>
+        </p:nvSpPr>
+        <p:spPr>
+          <a:xfrm>
+            <a:off x="685800" y="1143000"/>
+            <a:ext cx="5486400" cy="3086100"/>
+          </a:xfrm>
+          <a:prstGeom prst="rect">
+            <a:avLst/>
+          </a:prstGeom>
+          <a:noFill/>
+          <a:ln w="12700">
+            <a:solidFill>
+              <a:prstClr val="black"/>
+            </a:solidFill>
+          </a:ln>
+        </p:spPr>
+        <p:txBody>
+          <a:bodyPr vert="horz" lIns="91440" tIns="45720" rIns="91440" bIns="45720" rtlCol="0" anchor="ctr"/>
+          <a:lstStyle/>
+          <a:p>
+            <a:endParaRPr lang="en-IN"/>
+          </a:p>
+        </p:txBody>
+      </p:sp>
+      <p:sp>
+        <p:nvSpPr>
+          <p:cNvPr id="5" name="Notes Placeholder 4"/>
+          <p:cNvSpPr>
+            <a:spLocks noGrp="1"/>
+          </p:cNvSpPr>
+          <p:nvPr>
+            <p:ph type="body" sz="quarter" idx="3"/>
+          </p:nvPr>
+        </p:nvSpPr>
+        <p:spPr>
+          <a:xfrm>
+            <a:off x="685800" y="4400550"/>
+            <a:ext cx="5486400" cy="3600450"/>
+          </a:xfrm>
+          <a:prstGeom prst="rect">
+            <a:avLst/>
+          </a:prstGeom>
+        </p:spPr>
+        <p:txBody>
+          <a:bodyPr vert="horz" lIns="91440" tIns="45720" rIns="91440" bIns="45720" rtlCol="0"/>
+          <a:lstStyle/>
+          <a:p>
+            <a:pPr lvl="0"/>
+            <a:r>
+              <a:rPr lang="en-US"/>
+              <a:t>Click to edit Master text styles</a:t>
+            </a:r>
+          </a:p>
+          <a:p>
+            <a:pPr lvl="1"/>
+            <a:r>
+              <a:rPr lang="en-US"/>
+              <a:t>Second level</a:t>
+            </a:r>
+          </a:p>
+          <a:p>
+            <a:pPr lvl="2"/>
+            <a:r>
+              <a:rPr lang="en-US"/>
+              <a:t>Third level</a:t>
+            </a:r>
+          </a:p>
+          <a:p>
+            <a:pPr lvl="3"/>
+            <a:r>
+              <a:rPr lang="en-US"/>
+              <a:t>Fourth level</a:t>
+            </a:r>
+          </a:p>
+          <a:p>
+            <a:pPr lvl="4"/>
+            <a:r>
+              <a:rPr lang="en-US"/>
+              <a:t>Fifth level</a:t>
+            </a:r>
+            <a:endParaRPr lang="en-IN"/>
+          </a:p>
+        </p:txBody>
+      </p:sp>
+      <p:sp>
+        <p:nvSpPr>
+          <p:cNvPr id="6" name="Footer Placeholder 5"/>
+          <p:cNvSpPr>
+            <a:spLocks noGrp="1"/>
+          </p:cNvSpPr>
+          <p:nvPr>
+            <p:ph type="ftr" sz="quarter" idx="4"/>
+          </p:nvPr>
+        </p:nvSpPr>
+        <p:spPr>
+          <a:xfrm>
+            <a:off x="0" y="8685213"/>
+            <a:ext cx="2971800" cy="458787"/>
+          </a:xfrm>
+          <a:prstGeom prst="rect">
+            <a:avLst/>
+          </a:prstGeom>
+        </p:spPr>
+        <p:txBody>
+          <a:bodyPr vert="horz" lIns="91440" tIns="45720" rIns="91440" bIns="45720" rtlCol="0" anchor="b"/>
+          <a:lstStyle>
+            <a:lvl1pPr algn="l">
+              <a:defRPr sz="1200"/>
+            </a:lvl1pPr>
+          </a:lstStyle>
+          <a:p>
+            <a:endParaRPr lang="en-IN"/>
+          </a:p>
+        </p:txBody>
+      </p:sp>
+      <p:sp>
+        <p:nvSpPr>
+          <p:cNvPr id="7" name="Slide Number Placeholder 6"/>
+          <p:cNvSpPr>
+            <a:spLocks noGrp="1"/>
+          </p:cNvSpPr>
+          <p:nvPr>
+            <p:ph type="sldNum" sz="quarter" idx="5"/>
+          </p:nvPr>
+        </p:nvSpPr>
+        <p:spPr>
+          <a:xfrm>
+            <a:off x="3884613" y="8685213"/>
+            <a:ext cx="2971800" cy="458787"/>
+          </a:xfrm>
+          <a:prstGeom prst="rect">
+            <a:avLst/>
+          </a:prstGeom>
+        </p:spPr>
+        <p:txBody>
+          <a:bodyPr vert="horz" lIns="91440" tIns="45720" rIns="91440" bIns="45720" rtlCol="0" anchor="b"/>
+          <a:lstStyle>
+            <a:lvl1pPr algn="r">
+              <a:defRPr sz="1200"/>
+            </a:lvl1pPr>
+          </a:lstStyle>
+          <a:p>
+            <a:fld id="{E20557C8-F147-4847-B78C-1FBF2B08520A}" type="slidenum">
+              <a:rPr lang="en-IN" smtClean="0"/>
+              <a:t>‹#›</a:t>
+            </a:fld>
+            <a:endParaRPr lang="en-IN"/>
+          </a:p>
+        </p:txBody>
+      </p:sp>
+    </p:spTree>
+    <p:extLst>
+      <p:ext uri="{BB962C8B-B14F-4D97-AF65-F5344CB8AC3E}">
+        <p14:creationId xmlns:p14="http://schemas.microsoft.com/office/powerpoint/2010/main" val="1566712959"/>
+      </p:ext>
+    </p:extLst>
+  </p:cSld>
+  <p:clrMap bg1="lt1" tx1="dk1" bg2="lt2" tx2="dk2" accent1="accent1" accent2="accent2" accent3="accent3" accent4="accent4" accent5="accent5" accent6="accent6" hlink="hlink" folHlink="folHlink"/>
+  <p:notesStyle>
+    <a:lvl1pPr marL="0" algn="l" defTabSz="914400" rtl="0" eaLnBrk="1" latinLnBrk="0" hangingPunct="1">
+      <a:defRPr sz="1200" kern="1200">
+        <a:solidFill>
+          <a:schemeClr val="tx1"/>
+        </a:solidFill>
+        <a:latin typeface="+mn-lt"/>
+        <a:ea typeface="+mn-ea"/>
+        <a:cs typeface="+mn-cs"/>
+      </a:defRPr>
+    </a:lvl1pPr>
+    <a:lvl2pPr marL="457200" algn="l" defTabSz="914400" rtl="0" eaLnBrk="1" latinLnBrk="0" hangingPunct="1">
+      <a:defRPr sz="1200" kern="1200">
+        <a:solidFill>
+          <a:schemeClr val="tx1"/>
+        </a:solidFill>
+        <a:latin typeface="+mn-lt"/>
+        <a:ea typeface="+mn-ea"/>
+        <a:cs typeface="+mn-cs"/>
+      </a:defRPr>
+    </a:lvl2pPr>
+    <a:lvl3pPr marL="914400" algn="l" defTabSz="914400" rtl="0" eaLnBrk="1" latinLnBrk="0" hangingPunct="1">
+      <a:defRPr sz="1200" kern="1200">
+        <a:solidFill>
+          <a:schemeClr val="tx1"/>
+        </a:solidFill>
+        <a:latin typeface="+mn-lt"/>
+        <a:ea typeface="+mn-ea"/>
+        <a:cs typeface="+mn-cs"/>
+      </a:defRPr>
+    </a:lvl3pPr>
+    <a:lvl4pPr marL="1371600" algn="l" defTabSz="914400" rtl="0" eaLnBrk="1" latinLnBrk="0" hangingPunct="1">
+      <a:defRPr sz="1200" kern="1200">
+        <a:solidFill>
+          <a:schemeClr val="tx1"/>
+        </a:solidFill>
+        <a:latin typeface="+mn-lt"/>
+        <a:ea typeface="+mn-ea"/>
+        <a:cs typeface="+mn-cs"/>
+      </a:defRPr>
+    </a:lvl4pPr>
+    <a:lvl5pPr marL="1828800" algn="l" defTabSz="914400" rtl="0" eaLnBrk="1" latinLnBrk="0" hangingPunct="1">
+      <a:defRPr sz="1200" kern="1200">
+        <a:solidFill>
+          <a:schemeClr val="tx1"/>
+        </a:solidFill>
+        <a:latin typeface="+mn-lt"/>
+        <a:ea typeface="+mn-ea"/>
+        <a:cs typeface="+mn-cs"/>
+      </a:defRPr>
+    </a:lvl5pPr>
+    <a:lvl6pPr marL="2286000" algn="l" defTabSz="914400" rtl="0" eaLnBrk="1" latinLnBrk="0" hangingPunct="1">
+      <a:defRPr sz="1200" kern="1200">
+        <a:solidFill>
+          <a:schemeClr val="tx1"/>
+        </a:solidFill>
+        <a:latin typeface="+mn-lt"/>
+        <a:ea typeface="+mn-ea"/>
+        <a:cs typeface="+mn-cs"/>
+      </a:defRPr>
+    </a:lvl6pPr>
+    <a:lvl7pPr marL="2743200" algn="l" defTabSz="914400" rtl="0" eaLnBrk="1" latinLnBrk="0" hangingPunct="1">
+      <a:defRPr sz="1200" kern="1200">
+        <a:solidFill>
+          <a:schemeClr val="tx1"/>
+        </a:solidFill>
+        <a:latin typeface="+mn-lt"/>
+        <a:ea typeface="+mn-ea"/>
+        <a:cs typeface="+mn-cs"/>
+      </a:defRPr>
+    </a:lvl7pPr>
+    <a:lvl8pPr marL="3200400" algn="l" defTabSz="914400" rtl="0" eaLnBrk="1" latinLnBrk="0" hangingPunct="1">
+      <a:defRPr sz="1200" kern="1200">
+        <a:solidFill>
+          <a:schemeClr val="tx1"/>
+        </a:solidFill>
+        <a:latin typeface="+mn-lt"/>
+        <a:ea typeface="+mn-ea"/>
+        <a:cs typeface="+mn-cs"/>
+      </a:defRPr>
+    </a:lvl8pPr>
+    <a:lvl9pPr marL="3657600" algn="l" defTabSz="914400" rtl="0" eaLnBrk="1" latinLnBrk="0" hangingPunct="1">
+      <a:defRPr sz="1200" kern="1200">
+        <a:solidFill>
+          <a:schemeClr val="tx1"/>
+        </a:solidFill>
+        <a:latin typeface="+mn-lt"/>
+        <a:ea typeface="+mn-ea"/>
+        <a:cs typeface="+mn-cs"/>
+      </a:defRPr>
+    </a:lvl9pPr>
+  </p:notesStyle>
+</p:notesMaster>
+</file>
+
+<file path=ppt/notesSlides/notesSlide1.xml><?xml version="1.0" encoding="utf-8"?>
+<p:notes xmlns:a="http://schemas.openxmlformats.org/drawingml/2006/main" xmlns:r="http://schemas.openxmlformats.org/officeDocument/2006/relationships" xmlns:p="http://schemas.openxmlformats.org/presentationml/2006/main">
+  <p:cSld>
+    <p:spTree>
+      <p:nvGrpSpPr>
+        <p:cNvPr id="1" name=""/>
+        <p:cNvGrpSpPr/>
+        <p:nvPr/>
+      </p:nvGrpSpPr>
+      <p:grpSpPr>
+        <a:xfrm>
+          <a:off x="0" y="0"/>
+          <a:ext cx="0" cy="0"/>
+          <a:chOff x="0" y="0"/>
+          <a:chExt cx="0" cy="0"/>
+        </a:xfrm>
+      </p:grpSpPr>
+      <p:sp>
+        <p:nvSpPr>
+          <p:cNvPr id="2" name="Slide Image Placeholder 1"/>
+          <p:cNvSpPr>
+            <a:spLocks noGrp="1" noRot="1" noChangeAspect="1"/>
+          </p:cNvSpPr>
+          <p:nvPr>
+            <p:ph type="sldImg"/>
+          </p:nvPr>
+        </p:nvSpPr>
+        <p:spPr/>
+      </p:sp>
+      <p:sp>
+        <p:nvSpPr>
+          <p:cNvPr id="3" name="Notes Placeholder 2"/>
+          <p:cNvSpPr>
+            <a:spLocks noGrp="1"/>
+          </p:cNvSpPr>
+          <p:nvPr>
+            <p:ph type="body" idx="1"/>
+          </p:nvPr>
+        </p:nvSpPr>
+        <p:spPr/>
+        <p:txBody>
+          <a:bodyPr/>
+          <a:lstStyle/>
+          <a:p>
+            <a:pPr marL="0" marR="0" lvl="0" indent="0" algn="l" defTabSz="914400" rtl="0" eaLnBrk="1" fontAlgn="auto" latinLnBrk="0" hangingPunct="1">
+              <a:lnSpc>
+                <a:spcPct val="100000"/>
+              </a:lnSpc>
+              <a:spcBef>
+                <a:spcPts val="0"/>
+              </a:spcBef>
+              <a:spcAft>
+                <a:spcPts val="0"/>
+              </a:spcAft>
+              <a:buClrTx/>
+              <a:buSzTx/>
+              <a:buFontTx/>
+              <a:buNone/>
+              <a:tabLst/>
+              <a:defRPr/>
+            </a:pPr>
+            <a:r>
+              <a:rPr lang="en-US" b="0" i="0" dirty="0">
+                <a:solidFill>
+                  <a:srgbClr val="000000"/>
+                </a:solidFill>
+                <a:effectLst/>
+                <a:latin typeface="Open Sans"/>
+              </a:rPr>
+              <a:t>Phi, M., Medium. 2018. Illustrated Guide to LSTM’s and GRU’s: A step by step explanation. [Blog] Available at: &lt;https://towardsdatascience.com/illustrated-guide-to-lstms-and-gru-s-a-step-by-step-explanation-44e9eb85bf21&gt; [Accessed 11 September 2020].</a:t>
+            </a:r>
+            <a:endParaRPr lang="en-IN" dirty="0"/>
+          </a:p>
+          <a:p>
+            <a:endParaRPr lang="en-IN" dirty="0"/>
+          </a:p>
+        </p:txBody>
+      </p:sp>
+      <p:sp>
+        <p:nvSpPr>
+          <p:cNvPr id="4" name="Slide Number Placeholder 3"/>
+          <p:cNvSpPr>
+            <a:spLocks noGrp="1"/>
+          </p:cNvSpPr>
+          <p:nvPr>
+            <p:ph type="sldNum" sz="quarter" idx="5"/>
+          </p:nvPr>
+        </p:nvSpPr>
+        <p:spPr/>
+        <p:txBody>
+          <a:bodyPr/>
+          <a:lstStyle/>
+          <a:p>
+            <a:fld id="{E20557C8-F147-4847-B78C-1FBF2B08520A}" type="slidenum">
+              <a:rPr lang="en-IN" smtClean="0"/>
+              <a:t>3</a:t>
+            </a:fld>
+            <a:endParaRPr lang="en-IN"/>
+          </a:p>
+        </p:txBody>
+      </p:sp>
+    </p:spTree>
+    <p:extLst>
+      <p:ext uri="{BB962C8B-B14F-4D97-AF65-F5344CB8AC3E}">
+        <p14:creationId xmlns:p14="http://schemas.microsoft.com/office/powerpoint/2010/main" val="1568047904"/>
+      </p:ext>
+    </p:extLst>
+  </p:cSld>
+  <p:clrMapOvr>
+    <a:masterClrMapping/>
+  </p:clrMapOvr>
+</p:notes>
+</file>
+
+<file path=ppt/notesSlides/notesSlide10.xml><?xml version="1.0" encoding="utf-8"?>
+<p:notes xmlns:a="http://schemas.openxmlformats.org/drawingml/2006/main" xmlns:r="http://schemas.openxmlformats.org/officeDocument/2006/relationships" xmlns:p="http://schemas.openxmlformats.org/presentationml/2006/main">
+  <p:cSld>
+    <p:spTree>
+      <p:nvGrpSpPr>
+        <p:cNvPr id="1" name=""/>
+        <p:cNvGrpSpPr/>
+        <p:nvPr/>
+      </p:nvGrpSpPr>
+      <p:grpSpPr>
+        <a:xfrm>
+          <a:off x="0" y="0"/>
+          <a:ext cx="0" cy="0"/>
+          <a:chOff x="0" y="0"/>
+          <a:chExt cx="0" cy="0"/>
+        </a:xfrm>
+      </p:grpSpPr>
+      <p:sp>
+        <p:nvSpPr>
+          <p:cNvPr id="2" name="Slide Image Placeholder 1"/>
+          <p:cNvSpPr>
+            <a:spLocks noGrp="1" noRot="1" noChangeAspect="1"/>
+          </p:cNvSpPr>
+          <p:nvPr>
+            <p:ph type="sldImg"/>
+          </p:nvPr>
+        </p:nvSpPr>
+        <p:spPr/>
+      </p:sp>
+      <p:sp>
+        <p:nvSpPr>
+          <p:cNvPr id="3" name="Notes Placeholder 2"/>
+          <p:cNvSpPr>
+            <a:spLocks noGrp="1"/>
+          </p:cNvSpPr>
+          <p:nvPr>
+            <p:ph type="body" idx="1"/>
+          </p:nvPr>
+        </p:nvSpPr>
+        <p:spPr/>
+        <p:txBody>
+          <a:bodyPr/>
+          <a:lstStyle/>
+          <a:p>
+            <a:endParaRPr lang="en-IN" dirty="0"/>
+          </a:p>
+        </p:txBody>
+      </p:sp>
+      <p:sp>
+        <p:nvSpPr>
+          <p:cNvPr id="4" name="Slide Number Placeholder 3"/>
+          <p:cNvSpPr>
+            <a:spLocks noGrp="1"/>
+          </p:cNvSpPr>
+          <p:nvPr>
+            <p:ph type="sldNum" sz="quarter" idx="5"/>
+          </p:nvPr>
+        </p:nvSpPr>
+        <p:spPr/>
+        <p:txBody>
+          <a:bodyPr/>
+          <a:lstStyle/>
+          <a:p>
+            <a:fld id="{E20557C8-F147-4847-B78C-1FBF2B08520A}" type="slidenum">
+              <a:rPr lang="en-IN" smtClean="0"/>
+              <a:t>12</a:t>
+            </a:fld>
+            <a:endParaRPr lang="en-IN"/>
+          </a:p>
+        </p:txBody>
+      </p:sp>
+    </p:spTree>
+    <p:extLst>
+      <p:ext uri="{BB962C8B-B14F-4D97-AF65-F5344CB8AC3E}">
+        <p14:creationId xmlns:p14="http://schemas.microsoft.com/office/powerpoint/2010/main" val="1741358760"/>
+      </p:ext>
+    </p:extLst>
+  </p:cSld>
+  <p:clrMapOvr>
+    <a:masterClrMapping/>
+  </p:clrMapOvr>
+</p:notes>
+</file>
+
+<file path=ppt/notesSlides/notesSlide2.xml><?xml version="1.0" encoding="utf-8"?>
+<p:notes xmlns:a="http://schemas.openxmlformats.org/drawingml/2006/main" xmlns:r="http://schemas.openxmlformats.org/officeDocument/2006/relationships" xmlns:p="http://schemas.openxmlformats.org/presentationml/2006/main">
+  <p:cSld>
+    <p:spTree>
+      <p:nvGrpSpPr>
+        <p:cNvPr id="1" name=""/>
+        <p:cNvGrpSpPr/>
+        <p:nvPr/>
+      </p:nvGrpSpPr>
+      <p:grpSpPr>
+        <a:xfrm>
+          <a:off x="0" y="0"/>
+          <a:ext cx="0" cy="0"/>
+          <a:chOff x="0" y="0"/>
+          <a:chExt cx="0" cy="0"/>
+        </a:xfrm>
+      </p:grpSpPr>
+      <p:sp>
+        <p:nvSpPr>
+          <p:cNvPr id="2" name="Slide Image Placeholder 1"/>
+          <p:cNvSpPr>
+            <a:spLocks noGrp="1" noRot="1" noChangeAspect="1"/>
+          </p:cNvSpPr>
+          <p:nvPr>
+            <p:ph type="sldImg"/>
+          </p:nvPr>
+        </p:nvSpPr>
+        <p:spPr/>
+      </p:sp>
+      <p:sp>
+        <p:nvSpPr>
+          <p:cNvPr id="3" name="Notes Placeholder 2"/>
+          <p:cNvSpPr>
+            <a:spLocks noGrp="1"/>
+          </p:cNvSpPr>
+          <p:nvPr>
+            <p:ph type="body" idx="1"/>
+          </p:nvPr>
+        </p:nvSpPr>
+        <p:spPr/>
+        <p:txBody>
+          <a:bodyPr/>
+          <a:lstStyle/>
+          <a:p>
+            <a:r>
+              <a:rPr lang="en-US" b="0" i="0" dirty="0">
+                <a:solidFill>
+                  <a:srgbClr val="000000"/>
+                </a:solidFill>
+                <a:effectLst/>
+                <a:latin typeface="Open Sans"/>
+              </a:rPr>
+              <a:t>Phi, M., Medium. 2018. Illustrated Guide to LSTM’s and GRU’s: A step by step explanation. [Blog] Available at: &lt;https://towardsdatascience.com/illustrated-guide-to-lstms-and-gru-s-a-step-by-step-explanation-44e9eb85bf21&gt; [Accessed 11 September 2020].</a:t>
+            </a:r>
+            <a:endParaRPr lang="en-IN" dirty="0"/>
+          </a:p>
+        </p:txBody>
+      </p:sp>
+      <p:sp>
+        <p:nvSpPr>
+          <p:cNvPr id="4" name="Slide Number Placeholder 3"/>
+          <p:cNvSpPr>
+            <a:spLocks noGrp="1"/>
+          </p:cNvSpPr>
+          <p:nvPr>
+            <p:ph type="sldNum" sz="quarter" idx="5"/>
+          </p:nvPr>
+        </p:nvSpPr>
+        <p:spPr/>
+        <p:txBody>
+          <a:bodyPr/>
+          <a:lstStyle/>
+          <a:p>
+            <a:fld id="{E20557C8-F147-4847-B78C-1FBF2B08520A}" type="slidenum">
+              <a:rPr lang="en-IN" smtClean="0"/>
+              <a:t>4</a:t>
+            </a:fld>
+            <a:endParaRPr lang="en-IN"/>
+          </a:p>
+        </p:txBody>
+      </p:sp>
+    </p:spTree>
+    <p:extLst>
+      <p:ext uri="{BB962C8B-B14F-4D97-AF65-F5344CB8AC3E}">
+        <p14:creationId xmlns:p14="http://schemas.microsoft.com/office/powerpoint/2010/main" val="4264728491"/>
+      </p:ext>
+    </p:extLst>
+  </p:cSld>
+  <p:clrMapOvr>
+    <a:masterClrMapping/>
+  </p:clrMapOvr>
+</p:notes>
+</file>
+
+<file path=ppt/notesSlides/notesSlide3.xml><?xml version="1.0" encoding="utf-8"?>
+<p:notes xmlns:a="http://schemas.openxmlformats.org/drawingml/2006/main" xmlns:r="http://schemas.openxmlformats.org/officeDocument/2006/relationships" xmlns:p="http://schemas.openxmlformats.org/presentationml/2006/main">
+  <p:cSld>
+    <p:spTree>
+      <p:nvGrpSpPr>
+        <p:cNvPr id="1" name=""/>
+        <p:cNvGrpSpPr/>
+        <p:nvPr/>
+      </p:nvGrpSpPr>
+      <p:grpSpPr>
+        <a:xfrm>
+          <a:off x="0" y="0"/>
+          <a:ext cx="0" cy="0"/>
+          <a:chOff x="0" y="0"/>
+          <a:chExt cx="0" cy="0"/>
+        </a:xfrm>
+      </p:grpSpPr>
+      <p:sp>
+        <p:nvSpPr>
+          <p:cNvPr id="2" name="Slide Image Placeholder 1"/>
+          <p:cNvSpPr>
+            <a:spLocks noGrp="1" noRot="1" noChangeAspect="1"/>
+          </p:cNvSpPr>
+          <p:nvPr>
+            <p:ph type="sldImg"/>
+          </p:nvPr>
+        </p:nvSpPr>
+        <p:spPr/>
+      </p:sp>
+      <p:sp>
+        <p:nvSpPr>
+          <p:cNvPr id="3" name="Notes Placeholder 2"/>
+          <p:cNvSpPr>
+            <a:spLocks noGrp="1"/>
+          </p:cNvSpPr>
+          <p:nvPr>
+            <p:ph type="body" idx="1"/>
+          </p:nvPr>
+        </p:nvSpPr>
+        <p:spPr/>
+        <p:txBody>
+          <a:bodyPr/>
+          <a:lstStyle/>
+          <a:p>
+            <a:pPr marL="0" marR="0" lvl="0" indent="0" algn="l" defTabSz="914400" rtl="0" eaLnBrk="1" fontAlgn="auto" latinLnBrk="0" hangingPunct="1">
+              <a:lnSpc>
+                <a:spcPct val="100000"/>
+              </a:lnSpc>
+              <a:spcBef>
+                <a:spcPts val="0"/>
+              </a:spcBef>
+              <a:spcAft>
+                <a:spcPts val="0"/>
+              </a:spcAft>
+              <a:buClrTx/>
+              <a:buSzTx/>
+              <a:buFontTx/>
+              <a:buNone/>
+              <a:tabLst/>
+              <a:defRPr/>
+            </a:pPr>
+            <a:r>
+              <a:rPr lang="en-US" b="0" i="0" dirty="0">
+                <a:solidFill>
+                  <a:srgbClr val="000000"/>
+                </a:solidFill>
+                <a:effectLst/>
+                <a:latin typeface="Open Sans"/>
+              </a:rPr>
+              <a:t>Phi, M., Medium. 2018. Illustrated Guide to LSTM’s and GRU’s: A step by step explanation. [Blog] Available at: &lt;https://towardsdatascience.com/illustrated-guide-to-lstms-and-gru-s-a-step-by-step-explanation-44e9eb85bf21&gt; [Accessed 11 September 2020].</a:t>
+            </a:r>
+            <a:endParaRPr lang="en-IN" dirty="0"/>
+          </a:p>
+          <a:p>
+            <a:endParaRPr lang="en-IN" dirty="0"/>
+          </a:p>
+        </p:txBody>
+      </p:sp>
+      <p:sp>
+        <p:nvSpPr>
+          <p:cNvPr id="4" name="Slide Number Placeholder 3"/>
+          <p:cNvSpPr>
+            <a:spLocks noGrp="1"/>
+          </p:cNvSpPr>
+          <p:nvPr>
+            <p:ph type="sldNum" sz="quarter" idx="5"/>
+          </p:nvPr>
+        </p:nvSpPr>
+        <p:spPr/>
+        <p:txBody>
+          <a:bodyPr/>
+          <a:lstStyle/>
+          <a:p>
+            <a:fld id="{E20557C8-F147-4847-B78C-1FBF2B08520A}" type="slidenum">
+              <a:rPr lang="en-IN" smtClean="0"/>
+              <a:t>5</a:t>
+            </a:fld>
+            <a:endParaRPr lang="en-IN"/>
+          </a:p>
+        </p:txBody>
+      </p:sp>
+    </p:spTree>
+    <p:extLst>
+      <p:ext uri="{BB962C8B-B14F-4D97-AF65-F5344CB8AC3E}">
+        <p14:creationId xmlns:p14="http://schemas.microsoft.com/office/powerpoint/2010/main" val="2300051736"/>
+      </p:ext>
+    </p:extLst>
+  </p:cSld>
+  <p:clrMapOvr>
+    <a:masterClrMapping/>
+  </p:clrMapOvr>
+</p:notes>
+</file>
+
+<file path=ppt/notesSlides/notesSlide4.xml><?xml version="1.0" encoding="utf-8"?>
+<p:notes xmlns:a="http://schemas.openxmlformats.org/drawingml/2006/main" xmlns:r="http://schemas.openxmlformats.org/officeDocument/2006/relationships" xmlns:p="http://schemas.openxmlformats.org/presentationml/2006/main">
+  <p:cSld>
+    <p:spTree>
+      <p:nvGrpSpPr>
+        <p:cNvPr id="1" name=""/>
+        <p:cNvGrpSpPr/>
+        <p:nvPr/>
+      </p:nvGrpSpPr>
+      <p:grpSpPr>
+        <a:xfrm>
+          <a:off x="0" y="0"/>
+          <a:ext cx="0" cy="0"/>
+          <a:chOff x="0" y="0"/>
+          <a:chExt cx="0" cy="0"/>
+        </a:xfrm>
+      </p:grpSpPr>
+      <p:sp>
+        <p:nvSpPr>
+          <p:cNvPr id="2" name="Slide Image Placeholder 1"/>
+          <p:cNvSpPr>
+            <a:spLocks noGrp="1" noRot="1" noChangeAspect="1"/>
+          </p:cNvSpPr>
+          <p:nvPr>
+            <p:ph type="sldImg"/>
+          </p:nvPr>
+        </p:nvSpPr>
+        <p:spPr/>
+      </p:sp>
+      <p:sp>
+        <p:nvSpPr>
+          <p:cNvPr id="3" name="Notes Placeholder 2"/>
+          <p:cNvSpPr>
+            <a:spLocks noGrp="1"/>
+          </p:cNvSpPr>
+          <p:nvPr>
+            <p:ph type="body" idx="1"/>
+          </p:nvPr>
+        </p:nvSpPr>
+        <p:spPr/>
+        <p:txBody>
+          <a:bodyPr/>
+          <a:lstStyle/>
+          <a:p>
+            <a:pPr marL="0" marR="0" lvl="0" indent="0" algn="l" defTabSz="914400" rtl="0" eaLnBrk="1" fontAlgn="auto" latinLnBrk="0" hangingPunct="1">
+              <a:lnSpc>
+                <a:spcPct val="100000"/>
+              </a:lnSpc>
+              <a:spcBef>
+                <a:spcPts val="0"/>
+              </a:spcBef>
+              <a:spcAft>
+                <a:spcPts val="0"/>
+              </a:spcAft>
+              <a:buClrTx/>
+              <a:buSzTx/>
+              <a:buFontTx/>
+              <a:buNone/>
+              <a:tabLst/>
+              <a:defRPr/>
+            </a:pPr>
+            <a:r>
+              <a:rPr lang="en-US" b="0" i="0" dirty="0">
+                <a:solidFill>
+                  <a:srgbClr val="000000"/>
+                </a:solidFill>
+                <a:effectLst/>
+                <a:latin typeface="Open Sans"/>
+              </a:rPr>
+              <a:t>Colah, 2015. Understanding LSTM Networks. [Blog] </a:t>
+            </a:r>
+            <a:r>
+              <a:rPr lang="en-US" b="0" i="1" dirty="0">
+                <a:solidFill>
+                  <a:srgbClr val="000000"/>
+                </a:solidFill>
+                <a:effectLst/>
+                <a:latin typeface="Open Sans"/>
+              </a:rPr>
+              <a:t>Colah's Blog</a:t>
+            </a:r>
+            <a:r>
+              <a:rPr lang="en-US" b="0" i="0" dirty="0">
+                <a:solidFill>
+                  <a:srgbClr val="000000"/>
+                </a:solidFill>
+                <a:effectLst/>
+                <a:latin typeface="Open Sans"/>
+              </a:rPr>
+              <a:t>, Available at: &lt;http://colah.github.io/posts/2015-08-Understanding-LSTMs/&gt; [Accessed 11 September 2020].</a:t>
+            </a:r>
+            <a:endParaRPr lang="en-IN" dirty="0"/>
+          </a:p>
+        </p:txBody>
+      </p:sp>
+      <p:sp>
+        <p:nvSpPr>
+          <p:cNvPr id="4" name="Slide Number Placeholder 3"/>
+          <p:cNvSpPr>
+            <a:spLocks noGrp="1"/>
+          </p:cNvSpPr>
+          <p:nvPr>
+            <p:ph type="sldNum" sz="quarter" idx="5"/>
+          </p:nvPr>
+        </p:nvSpPr>
+        <p:spPr/>
+        <p:txBody>
+          <a:bodyPr/>
+          <a:lstStyle/>
+          <a:p>
+            <a:fld id="{E20557C8-F147-4847-B78C-1FBF2B08520A}" type="slidenum">
+              <a:rPr lang="en-IN" smtClean="0"/>
+              <a:t>6</a:t>
+            </a:fld>
+            <a:endParaRPr lang="en-IN"/>
+          </a:p>
+        </p:txBody>
+      </p:sp>
+    </p:spTree>
+    <p:extLst>
+      <p:ext uri="{BB962C8B-B14F-4D97-AF65-F5344CB8AC3E}">
+        <p14:creationId xmlns:p14="http://schemas.microsoft.com/office/powerpoint/2010/main" val="3972750239"/>
+      </p:ext>
+    </p:extLst>
+  </p:cSld>
+  <p:clrMapOvr>
+    <a:masterClrMapping/>
+  </p:clrMapOvr>
+</p:notes>
+</file>
+
+<file path=ppt/notesSlides/notesSlide5.xml><?xml version="1.0" encoding="utf-8"?>
+<p:notes xmlns:a="http://schemas.openxmlformats.org/drawingml/2006/main" xmlns:r="http://schemas.openxmlformats.org/officeDocument/2006/relationships" xmlns:p="http://schemas.openxmlformats.org/presentationml/2006/main">
+  <p:cSld>
+    <p:spTree>
+      <p:nvGrpSpPr>
+        <p:cNvPr id="1" name=""/>
+        <p:cNvGrpSpPr/>
+        <p:nvPr/>
+      </p:nvGrpSpPr>
+      <p:grpSpPr>
+        <a:xfrm>
+          <a:off x="0" y="0"/>
+          <a:ext cx="0" cy="0"/>
+          <a:chOff x="0" y="0"/>
+          <a:chExt cx="0" cy="0"/>
+        </a:xfrm>
+      </p:grpSpPr>
+      <p:sp>
+        <p:nvSpPr>
+          <p:cNvPr id="2" name="Slide Image Placeholder 1"/>
+          <p:cNvSpPr>
+            <a:spLocks noGrp="1" noRot="1" noChangeAspect="1"/>
+          </p:cNvSpPr>
+          <p:nvPr>
+            <p:ph type="sldImg"/>
+          </p:nvPr>
+        </p:nvSpPr>
+        <p:spPr/>
+      </p:sp>
+      <p:sp>
+        <p:nvSpPr>
+          <p:cNvPr id="3" name="Notes Placeholder 2"/>
+          <p:cNvSpPr>
+            <a:spLocks noGrp="1"/>
+          </p:cNvSpPr>
+          <p:nvPr>
+            <p:ph type="body" idx="1"/>
+          </p:nvPr>
+        </p:nvSpPr>
+        <p:spPr/>
+        <p:txBody>
+          <a:bodyPr/>
+          <a:lstStyle/>
+          <a:p>
+            <a:pPr marL="0" marR="0" lvl="0" indent="0" algn="l" defTabSz="914400" rtl="0" eaLnBrk="1" fontAlgn="auto" latinLnBrk="0" hangingPunct="1">
+              <a:lnSpc>
+                <a:spcPct val="100000"/>
+              </a:lnSpc>
+              <a:spcBef>
+                <a:spcPts val="0"/>
+              </a:spcBef>
+              <a:spcAft>
+                <a:spcPts val="0"/>
+              </a:spcAft>
+              <a:buClrTx/>
+              <a:buSzTx/>
+              <a:buFontTx/>
+              <a:buNone/>
+              <a:tabLst/>
+              <a:defRPr/>
+            </a:pPr>
+            <a:r>
+              <a:rPr lang="en-US" b="0" i="0" dirty="0">
+                <a:solidFill>
+                  <a:srgbClr val="000000"/>
+                </a:solidFill>
+                <a:effectLst/>
+                <a:latin typeface="Open Sans"/>
+              </a:rPr>
+              <a:t>Phi, M., Medium. 2018. Illustrated Guide to LSTM’s and GRU’s: A step by step explanation. [Blog] Available at: &lt;https://towardsdatascience.com/illustrated-guide-to-lstms-and-gru-s-a-step-by-step-explanation-44e9eb85bf21&gt; [Accessed 11 September 2020].</a:t>
+            </a:r>
+            <a:endParaRPr lang="en-IN" dirty="0"/>
+          </a:p>
+          <a:p>
+            <a:endParaRPr lang="en-IN" dirty="0"/>
+          </a:p>
+        </p:txBody>
+      </p:sp>
+      <p:sp>
+        <p:nvSpPr>
+          <p:cNvPr id="4" name="Slide Number Placeholder 3"/>
+          <p:cNvSpPr>
+            <a:spLocks noGrp="1"/>
+          </p:cNvSpPr>
+          <p:nvPr>
+            <p:ph type="sldNum" sz="quarter" idx="5"/>
+          </p:nvPr>
+        </p:nvSpPr>
+        <p:spPr/>
+        <p:txBody>
+          <a:bodyPr/>
+          <a:lstStyle/>
+          <a:p>
+            <a:fld id="{E20557C8-F147-4847-B78C-1FBF2B08520A}" type="slidenum">
+              <a:rPr lang="en-IN" smtClean="0"/>
+              <a:t>7</a:t>
+            </a:fld>
+            <a:endParaRPr lang="en-IN"/>
+          </a:p>
+        </p:txBody>
+      </p:sp>
+    </p:spTree>
+    <p:extLst>
+      <p:ext uri="{BB962C8B-B14F-4D97-AF65-F5344CB8AC3E}">
+        <p14:creationId xmlns:p14="http://schemas.microsoft.com/office/powerpoint/2010/main" val="3414125972"/>
+      </p:ext>
+    </p:extLst>
+  </p:cSld>
+  <p:clrMapOvr>
+    <a:masterClrMapping/>
+  </p:clrMapOvr>
+</p:notes>
+</file>
+
+<file path=ppt/notesSlides/notesSlide6.xml><?xml version="1.0" encoding="utf-8"?>
+<p:notes xmlns:a="http://schemas.openxmlformats.org/drawingml/2006/main" xmlns:r="http://schemas.openxmlformats.org/officeDocument/2006/relationships" xmlns:p="http://schemas.openxmlformats.org/presentationml/2006/main">
+  <p:cSld>
+    <p:spTree>
+      <p:nvGrpSpPr>
+        <p:cNvPr id="1" name=""/>
+        <p:cNvGrpSpPr/>
+        <p:nvPr/>
+      </p:nvGrpSpPr>
+      <p:grpSpPr>
+        <a:xfrm>
+          <a:off x="0" y="0"/>
+          <a:ext cx="0" cy="0"/>
+          <a:chOff x="0" y="0"/>
+          <a:chExt cx="0" cy="0"/>
+        </a:xfrm>
+      </p:grpSpPr>
+      <p:sp>
+        <p:nvSpPr>
+          <p:cNvPr id="2" name="Slide Image Placeholder 1"/>
+          <p:cNvSpPr>
+            <a:spLocks noGrp="1" noRot="1" noChangeAspect="1"/>
+          </p:cNvSpPr>
+          <p:nvPr>
+            <p:ph type="sldImg"/>
+          </p:nvPr>
+        </p:nvSpPr>
+        <p:spPr/>
+      </p:sp>
+      <p:sp>
+        <p:nvSpPr>
+          <p:cNvPr id="3" name="Notes Placeholder 2"/>
+          <p:cNvSpPr>
+            <a:spLocks noGrp="1"/>
+          </p:cNvSpPr>
+          <p:nvPr>
+            <p:ph type="body" idx="1"/>
+          </p:nvPr>
+        </p:nvSpPr>
+        <p:spPr/>
+        <p:txBody>
+          <a:bodyPr/>
+          <a:lstStyle/>
+          <a:p>
+            <a:pPr marL="0" marR="0" lvl="0" indent="0" algn="l" defTabSz="914400" rtl="0" eaLnBrk="1" fontAlgn="auto" latinLnBrk="0" hangingPunct="1">
+              <a:lnSpc>
+                <a:spcPct val="100000"/>
+              </a:lnSpc>
+              <a:spcBef>
+                <a:spcPts val="0"/>
+              </a:spcBef>
+              <a:spcAft>
+                <a:spcPts val="0"/>
+              </a:spcAft>
+              <a:buClrTx/>
+              <a:buSzTx/>
+              <a:buFontTx/>
+              <a:buNone/>
+              <a:tabLst/>
+              <a:defRPr/>
+            </a:pPr>
+            <a:r>
+              <a:rPr lang="en-US" b="0" i="0" dirty="0">
+                <a:solidFill>
+                  <a:srgbClr val="000000"/>
+                </a:solidFill>
+                <a:effectLst/>
+                <a:latin typeface="Open Sans"/>
+              </a:rPr>
+              <a:t>Phi, M., Medium. 2018. Illustrated Guide to LSTM’s and GRU’s: A step by step explanation. [Blog] Available at: &lt;https://towardsdatascience.com/illustrated-guide-to-lstms-and-gru-s-a-step-by-step-explanation-44e9eb85bf21&gt; [Accessed 11 September 2020].</a:t>
+            </a:r>
+            <a:endParaRPr lang="en-IN" dirty="0"/>
+          </a:p>
+          <a:p>
+            <a:endParaRPr lang="en-IN" dirty="0"/>
+          </a:p>
+        </p:txBody>
+      </p:sp>
+      <p:sp>
+        <p:nvSpPr>
+          <p:cNvPr id="4" name="Slide Number Placeholder 3"/>
+          <p:cNvSpPr>
+            <a:spLocks noGrp="1"/>
+          </p:cNvSpPr>
+          <p:nvPr>
+            <p:ph type="sldNum" sz="quarter" idx="5"/>
+          </p:nvPr>
+        </p:nvSpPr>
+        <p:spPr/>
+        <p:txBody>
+          <a:bodyPr/>
+          <a:lstStyle/>
+          <a:p>
+            <a:fld id="{E20557C8-F147-4847-B78C-1FBF2B08520A}" type="slidenum">
+              <a:rPr lang="en-IN" smtClean="0"/>
+              <a:t>8</a:t>
+            </a:fld>
+            <a:endParaRPr lang="en-IN"/>
+          </a:p>
+        </p:txBody>
+      </p:sp>
+    </p:spTree>
+    <p:extLst>
+      <p:ext uri="{BB962C8B-B14F-4D97-AF65-F5344CB8AC3E}">
+        <p14:creationId xmlns:p14="http://schemas.microsoft.com/office/powerpoint/2010/main" val="1693929035"/>
+      </p:ext>
+    </p:extLst>
+  </p:cSld>
+  <p:clrMapOvr>
+    <a:masterClrMapping/>
+  </p:clrMapOvr>
+</p:notes>
+</file>
+
+<file path=ppt/notesSlides/notesSlide7.xml><?xml version="1.0" encoding="utf-8"?>
+<p:notes xmlns:a="http://schemas.openxmlformats.org/drawingml/2006/main" xmlns:r="http://schemas.openxmlformats.org/officeDocument/2006/relationships" xmlns:p="http://schemas.openxmlformats.org/presentationml/2006/main">
+  <p:cSld>
+    <p:spTree>
+      <p:nvGrpSpPr>
+        <p:cNvPr id="1" name=""/>
+        <p:cNvGrpSpPr/>
+        <p:nvPr/>
+      </p:nvGrpSpPr>
+      <p:grpSpPr>
+        <a:xfrm>
+          <a:off x="0" y="0"/>
+          <a:ext cx="0" cy="0"/>
+          <a:chOff x="0" y="0"/>
+          <a:chExt cx="0" cy="0"/>
+        </a:xfrm>
+      </p:grpSpPr>
+      <p:sp>
+        <p:nvSpPr>
+          <p:cNvPr id="2" name="Slide Image Placeholder 1"/>
+          <p:cNvSpPr>
+            <a:spLocks noGrp="1" noRot="1" noChangeAspect="1"/>
+          </p:cNvSpPr>
+          <p:nvPr>
+            <p:ph type="sldImg"/>
+          </p:nvPr>
+        </p:nvSpPr>
+        <p:spPr/>
+      </p:sp>
+      <p:sp>
+        <p:nvSpPr>
+          <p:cNvPr id="3" name="Notes Placeholder 2"/>
+          <p:cNvSpPr>
+            <a:spLocks noGrp="1"/>
+          </p:cNvSpPr>
+          <p:nvPr>
+            <p:ph type="body" idx="1"/>
+          </p:nvPr>
+        </p:nvSpPr>
+        <p:spPr/>
+        <p:txBody>
+          <a:bodyPr/>
+          <a:lstStyle/>
+          <a:p>
+            <a:pPr marL="0" marR="0" lvl="0" indent="0" algn="l" defTabSz="914400" rtl="0" eaLnBrk="1" fontAlgn="auto" latinLnBrk="0" hangingPunct="1">
+              <a:lnSpc>
+                <a:spcPct val="100000"/>
+              </a:lnSpc>
+              <a:spcBef>
+                <a:spcPts val="0"/>
+              </a:spcBef>
+              <a:spcAft>
+                <a:spcPts val="0"/>
+              </a:spcAft>
+              <a:buClrTx/>
+              <a:buSzTx/>
+              <a:buFontTx/>
+              <a:buNone/>
+              <a:tabLst/>
+              <a:defRPr/>
+            </a:pPr>
+            <a:r>
+              <a:rPr lang="en-US" b="0" i="0" dirty="0">
+                <a:solidFill>
+                  <a:srgbClr val="000000"/>
+                </a:solidFill>
+                <a:effectLst/>
+                <a:latin typeface="Open Sans"/>
+              </a:rPr>
+              <a:t>Phi, M., Medium. 2018. Illustrated Guide to LSTM’s and GRU’s: A step by step explanation. [Blog] Available at: &lt;https://towardsdatascience.com/illustrated-guide-to-lstms-and-gru-s-a-step-by-step-explanation-44e9eb85bf21&gt; [Accessed 11 September 2020].</a:t>
+            </a:r>
+            <a:endParaRPr lang="en-IN" dirty="0"/>
+          </a:p>
+          <a:p>
+            <a:endParaRPr lang="en-IN" dirty="0"/>
+          </a:p>
+        </p:txBody>
+      </p:sp>
+      <p:sp>
+        <p:nvSpPr>
+          <p:cNvPr id="4" name="Slide Number Placeholder 3"/>
+          <p:cNvSpPr>
+            <a:spLocks noGrp="1"/>
+          </p:cNvSpPr>
+          <p:nvPr>
+            <p:ph type="sldNum" sz="quarter" idx="5"/>
+          </p:nvPr>
+        </p:nvSpPr>
+        <p:spPr/>
+        <p:txBody>
+          <a:bodyPr/>
+          <a:lstStyle/>
+          <a:p>
+            <a:fld id="{E20557C8-F147-4847-B78C-1FBF2B08520A}" type="slidenum">
+              <a:rPr lang="en-IN" smtClean="0"/>
+              <a:t>9</a:t>
+            </a:fld>
+            <a:endParaRPr lang="en-IN"/>
+          </a:p>
+        </p:txBody>
+      </p:sp>
+    </p:spTree>
+    <p:extLst>
+      <p:ext uri="{BB962C8B-B14F-4D97-AF65-F5344CB8AC3E}">
+        <p14:creationId xmlns:p14="http://schemas.microsoft.com/office/powerpoint/2010/main" val="4253254031"/>
+      </p:ext>
+    </p:extLst>
+  </p:cSld>
+  <p:clrMapOvr>
+    <a:masterClrMapping/>
+  </p:clrMapOvr>
+</p:notes>
+</file>
+
+<file path=ppt/notesSlides/notesSlide8.xml><?xml version="1.0" encoding="utf-8"?>
+<p:notes xmlns:a="http://schemas.openxmlformats.org/drawingml/2006/main" xmlns:r="http://schemas.openxmlformats.org/officeDocument/2006/relationships" xmlns:p="http://schemas.openxmlformats.org/presentationml/2006/main">
+  <p:cSld>
+    <p:spTree>
+      <p:nvGrpSpPr>
+        <p:cNvPr id="1" name=""/>
+        <p:cNvGrpSpPr/>
+        <p:nvPr/>
+      </p:nvGrpSpPr>
+      <p:grpSpPr>
+        <a:xfrm>
+          <a:off x="0" y="0"/>
+          <a:ext cx="0" cy="0"/>
+          <a:chOff x="0" y="0"/>
+          <a:chExt cx="0" cy="0"/>
+        </a:xfrm>
+      </p:grpSpPr>
+      <p:sp>
+        <p:nvSpPr>
+          <p:cNvPr id="2" name="Slide Image Placeholder 1"/>
+          <p:cNvSpPr>
+            <a:spLocks noGrp="1" noRot="1" noChangeAspect="1"/>
+          </p:cNvSpPr>
+          <p:nvPr>
+            <p:ph type="sldImg"/>
+          </p:nvPr>
+        </p:nvSpPr>
+        <p:spPr/>
+      </p:sp>
+      <p:sp>
+        <p:nvSpPr>
+          <p:cNvPr id="3" name="Notes Placeholder 2"/>
+          <p:cNvSpPr>
+            <a:spLocks noGrp="1"/>
+          </p:cNvSpPr>
+          <p:nvPr>
+            <p:ph type="body" idx="1"/>
+          </p:nvPr>
+        </p:nvSpPr>
+        <p:spPr/>
+        <p:txBody>
+          <a:bodyPr/>
+          <a:lstStyle/>
+          <a:p>
+            <a:pPr marL="0" marR="0" lvl="0" indent="0" algn="l" defTabSz="914400" rtl="0" eaLnBrk="1" fontAlgn="auto" latinLnBrk="0" hangingPunct="1">
+              <a:lnSpc>
+                <a:spcPct val="100000"/>
+              </a:lnSpc>
+              <a:spcBef>
+                <a:spcPts val="0"/>
+              </a:spcBef>
+              <a:spcAft>
+                <a:spcPts val="0"/>
+              </a:spcAft>
+              <a:buClrTx/>
+              <a:buSzTx/>
+              <a:buFontTx/>
+              <a:buNone/>
+              <a:tabLst/>
+              <a:defRPr/>
+            </a:pPr>
+            <a:r>
+              <a:rPr lang="en-US" b="0" i="0" dirty="0">
+                <a:solidFill>
+                  <a:srgbClr val="000000"/>
+                </a:solidFill>
+                <a:effectLst/>
+                <a:latin typeface="Open Sans"/>
+              </a:rPr>
+              <a:t>Phi, M., Medium. 2018. Illustrated Guide to LSTM’s and GRU’s: A step by step explanation. [Blog] Available at: &lt;https://towardsdatascience.com/illustrated-guide-to-lstms-and-gru-s-a-step-by-step-explanation-44e9eb85bf21&gt; [Accessed 11 September 2020].</a:t>
+            </a:r>
+            <a:endParaRPr lang="en-IN" dirty="0"/>
+          </a:p>
+          <a:p>
+            <a:endParaRPr lang="en-IN" dirty="0"/>
+          </a:p>
+        </p:txBody>
+      </p:sp>
+      <p:sp>
+        <p:nvSpPr>
+          <p:cNvPr id="4" name="Slide Number Placeholder 3"/>
+          <p:cNvSpPr>
+            <a:spLocks noGrp="1"/>
+          </p:cNvSpPr>
+          <p:nvPr>
+            <p:ph type="sldNum" sz="quarter" idx="5"/>
+          </p:nvPr>
+        </p:nvSpPr>
+        <p:spPr/>
+        <p:txBody>
+          <a:bodyPr/>
+          <a:lstStyle/>
+          <a:p>
+            <a:fld id="{E20557C8-F147-4847-B78C-1FBF2B08520A}" type="slidenum">
+              <a:rPr lang="en-IN" smtClean="0"/>
+              <a:t>10</a:t>
+            </a:fld>
+            <a:endParaRPr lang="en-IN"/>
+          </a:p>
+        </p:txBody>
+      </p:sp>
+    </p:spTree>
+    <p:extLst>
+      <p:ext uri="{BB962C8B-B14F-4D97-AF65-F5344CB8AC3E}">
+        <p14:creationId xmlns:p14="http://schemas.microsoft.com/office/powerpoint/2010/main" val="241556442"/>
+      </p:ext>
+    </p:extLst>
+  </p:cSld>
+  <p:clrMapOvr>
+    <a:masterClrMapping/>
+  </p:clrMapOvr>
+</p:notes>
+</file>
+
+<file path=ppt/notesSlides/notesSlide9.xml><?xml version="1.0" encoding="utf-8"?>
+<p:notes xmlns:a="http://schemas.openxmlformats.org/drawingml/2006/main" xmlns:r="http://schemas.openxmlformats.org/officeDocument/2006/relationships" xmlns:p="http://schemas.openxmlformats.org/presentationml/2006/main">
+  <p:cSld>
+    <p:spTree>
+      <p:nvGrpSpPr>
+        <p:cNvPr id="1" name=""/>
+        <p:cNvGrpSpPr/>
+        <p:nvPr/>
+      </p:nvGrpSpPr>
+      <p:grpSpPr>
+        <a:xfrm>
+          <a:off x="0" y="0"/>
+          <a:ext cx="0" cy="0"/>
+          <a:chOff x="0" y="0"/>
+          <a:chExt cx="0" cy="0"/>
+        </a:xfrm>
+      </p:grpSpPr>
+      <p:sp>
+        <p:nvSpPr>
+          <p:cNvPr id="2" name="Slide Image Placeholder 1"/>
+          <p:cNvSpPr>
+            <a:spLocks noGrp="1" noRot="1" noChangeAspect="1"/>
+          </p:cNvSpPr>
+          <p:nvPr>
+            <p:ph type="sldImg"/>
+          </p:nvPr>
+        </p:nvSpPr>
+        <p:spPr/>
+      </p:sp>
+      <p:sp>
+        <p:nvSpPr>
+          <p:cNvPr id="3" name="Notes Placeholder 2"/>
+          <p:cNvSpPr>
+            <a:spLocks noGrp="1"/>
+          </p:cNvSpPr>
+          <p:nvPr>
+            <p:ph type="body" idx="1"/>
+          </p:nvPr>
+        </p:nvSpPr>
+        <p:spPr/>
+        <p:txBody>
+          <a:bodyPr/>
+          <a:lstStyle/>
+          <a:p>
+            <a:endParaRPr lang="en-IN" dirty="0"/>
+          </a:p>
+        </p:txBody>
+      </p:sp>
+      <p:sp>
+        <p:nvSpPr>
+          <p:cNvPr id="4" name="Slide Number Placeholder 3"/>
+          <p:cNvSpPr>
+            <a:spLocks noGrp="1"/>
+          </p:cNvSpPr>
+          <p:nvPr>
+            <p:ph type="sldNum" sz="quarter" idx="5"/>
+          </p:nvPr>
+        </p:nvSpPr>
+        <p:spPr/>
+        <p:txBody>
+          <a:bodyPr/>
+          <a:lstStyle/>
+          <a:p>
+            <a:fld id="{E20557C8-F147-4847-B78C-1FBF2B08520A}" type="slidenum">
+              <a:rPr lang="en-IN" smtClean="0"/>
+              <a:t>11</a:t>
+            </a:fld>
+            <a:endParaRPr lang="en-IN"/>
+          </a:p>
+        </p:txBody>
+      </p:sp>
+    </p:spTree>
+    <p:extLst>
+      <p:ext uri="{BB962C8B-B14F-4D97-AF65-F5344CB8AC3E}">
+        <p14:creationId xmlns:p14="http://schemas.microsoft.com/office/powerpoint/2010/main" val="2987226378"/>
+      </p:ext>
+    </p:extLst>
+  </p:cSld>
+  <p:clrMapOvr>
+    <a:masterClrMapping/>
+  </p:clrMapOvr>
+</p:notes>
+</file>
+
 <file path=ppt/slideLayouts/slideLayout1.xml><?xml version="1.0" encoding="utf-8"?>
 <p:sldLayout xmlns:a="http://schemas.openxmlformats.org/drawingml/2006/main" xmlns:r="http://schemas.openxmlformats.org/officeDocument/2006/relationships" xmlns:p="http://schemas.openxmlformats.org/presentationml/2006/main" showMasterSp="0" type="title" preserve="1">
   <p:cSld name="Title Slide">
@@ -346,7 +1785,7 @@
           <a:p>
             <a:fld id="{AB16CC1F-89E6-461A-B086-D8C59DB75E21}" type="datetimeFigureOut">
               <a:rPr lang="en-IN" smtClean="0"/>
-              <a:t>04-09-2020</a:t>
+              <a:t>11-09-2020</a:t>
             </a:fld>
             <a:endParaRPr lang="en-IN"/>
           </a:p>
@@ -554,7 +1993,7 @@
           <a:p>
             <a:fld id="{AB16CC1F-89E6-461A-B086-D8C59DB75E21}" type="datetimeFigureOut">
               <a:rPr lang="en-IN" smtClean="0"/>
-              <a:t>04-09-2020</a:t>
+              <a:t>11-09-2020</a:t>
             </a:fld>
             <a:endParaRPr lang="en-IN"/>
           </a:p>
@@ -810,7 +2249,7 @@
           <a:p>
             <a:fld id="{AB16CC1F-89E6-461A-B086-D8C59DB75E21}" type="datetimeFigureOut">
               <a:rPr lang="en-IN" smtClean="0"/>
-              <a:t>04-09-2020</a:t>
+              <a:t>11-09-2020</a:t>
             </a:fld>
             <a:endParaRPr lang="en-IN"/>
           </a:p>
@@ -980,7 +2419,7 @@
           <a:p>
             <a:fld id="{AB16CC1F-89E6-461A-B086-D8C59DB75E21}" type="datetimeFigureOut">
               <a:rPr lang="en-IN" smtClean="0"/>
-              <a:t>04-09-2020</a:t>
+              <a:t>11-09-2020</a:t>
             </a:fld>
             <a:endParaRPr lang="en-IN"/>
           </a:p>
@@ -1323,7 +2762,7 @@
           <a:p>
             <a:fld id="{AB16CC1F-89E6-461A-B086-D8C59DB75E21}" type="datetimeFigureOut">
               <a:rPr lang="en-IN" smtClean="0"/>
-              <a:t>04-09-2020</a:t>
+              <a:t>11-09-2020</a:t>
             </a:fld>
             <a:endParaRPr lang="en-IN"/>
           </a:p>
@@ -1598,7 +3037,7 @@
           <a:p>
             <a:fld id="{AB16CC1F-89E6-461A-B086-D8C59DB75E21}" type="datetimeFigureOut">
               <a:rPr lang="en-IN" smtClean="0"/>
-              <a:t>04-09-2020</a:t>
+              <a:t>11-09-2020</a:t>
             </a:fld>
             <a:endParaRPr lang="en-IN"/>
           </a:p>
@@ -1977,7 +3416,7 @@
           <a:p>
             <a:fld id="{AB16CC1F-89E6-461A-B086-D8C59DB75E21}" type="datetimeFigureOut">
               <a:rPr lang="en-IN" smtClean="0"/>
-              <a:t>04-09-2020</a:t>
+              <a:t>11-09-2020</a:t>
             </a:fld>
             <a:endParaRPr lang="en-IN"/>
           </a:p>
@@ -2095,7 +3534,7 @@
           <a:p>
             <a:fld id="{AB16CC1F-89E6-461A-B086-D8C59DB75E21}" type="datetimeFigureOut">
               <a:rPr lang="en-IN" smtClean="0"/>
-              <a:t>04-09-2020</a:t>
+              <a:t>11-09-2020</a:t>
             </a:fld>
             <a:endParaRPr lang="en-IN"/>
           </a:p>
@@ -2266,7 +3705,7 @@
           <a:p>
             <a:fld id="{AB16CC1F-89E6-461A-B086-D8C59DB75E21}" type="datetimeFigureOut">
               <a:rPr lang="en-IN" smtClean="0"/>
-              <a:t>04-09-2020</a:t>
+              <a:t>11-09-2020</a:t>
             </a:fld>
             <a:endParaRPr lang="en-IN"/>
           </a:p>
@@ -2620,7 +4059,7 @@
           <a:p>
             <a:fld id="{AB16CC1F-89E6-461A-B086-D8C59DB75E21}" type="datetimeFigureOut">
               <a:rPr lang="en-IN" smtClean="0"/>
-              <a:t>04-09-2020</a:t>
+              <a:t>11-09-2020</a:t>
             </a:fld>
             <a:endParaRPr lang="en-IN"/>
           </a:p>
@@ -2997,7 +4436,7 @@
           <a:p>
             <a:fld id="{AB16CC1F-89E6-461A-B086-D8C59DB75E21}" type="datetimeFigureOut">
               <a:rPr lang="en-IN" smtClean="0"/>
-              <a:t>04-09-2020</a:t>
+              <a:t>11-09-2020</a:t>
             </a:fld>
             <a:endParaRPr lang="en-IN"/>
           </a:p>
@@ -3284,7 +4723,7 @@
           <a:p>
             <a:fld id="{AB16CC1F-89E6-461A-B086-D8C59DB75E21}" type="datetimeFigureOut">
               <a:rPr lang="en-IN" smtClean="0"/>
-              <a:t>04-09-2020</a:t>
+              <a:t>11-09-2020</a:t>
             </a:fld>
             <a:endParaRPr lang="en-IN"/>
           </a:p>
@@ -3843,74 +5282,341 @@
       </p:sp>
       <p:sp>
         <p:nvSpPr>
-          <p:cNvPr id="3" name="Subtitle 2">
+          <p:cNvPr id="4" name="Subtitle 2">
             <a:extLst>
               <a:ext uri="{FF2B5EF4-FFF2-40B4-BE49-F238E27FC236}">
-                <a16:creationId xmlns:a16="http://schemas.microsoft.com/office/drawing/2014/main" id="{377B3349-F0C6-4679-8180-7734210C089F}"/>
+                <a16:creationId xmlns:a16="http://schemas.microsoft.com/office/drawing/2014/main" id="{C4B3116E-E132-4EBF-BFE2-4BE09C3A2582}"/>
               </a:ext>
             </a:extLst>
           </p:cNvPr>
-          <p:cNvSpPr>
-            <a:spLocks noGrp="1"/>
-          </p:cNvSpPr>
-          <p:nvPr>
-            <p:ph type="subTitle" idx="1"/>
-          </p:nvPr>
+          <p:cNvSpPr txBox="1">
+            <a:spLocks/>
+          </p:cNvSpPr>
+          <p:nvPr/>
         </p:nvSpPr>
         <p:spPr>
           <a:xfrm>
-            <a:off x="5299788" y="4567588"/>
-            <a:ext cx="5855893" cy="1143000"/>
+            <a:off x="1097280" y="4562669"/>
+            <a:ext cx="10058400" cy="1536379"/>
           </a:xfrm>
+          <a:prstGeom prst="rect">
+            <a:avLst/>
+          </a:prstGeom>
         </p:spPr>
         <p:txBody>
-          <a:bodyPr>
-            <a:normAutofit fontScale="92500"/>
+          <a:bodyPr vert="horz" lIns="91440" tIns="45720" rIns="91440" bIns="45720" numCol="1" rtlCol="0">
+            <a:normAutofit/>
           </a:bodyPr>
-          <a:lstStyle/>
-          <a:p>
-            <a:r>
-              <a:rPr lang="en-IN" dirty="0"/>
-              <a:t>-By</a:t>
+          <a:lstStyle>
+            <a:lvl1pPr marL="0" indent="0" algn="l" defTabSz="914400" rtl="0" eaLnBrk="1" latinLnBrk="0" hangingPunct="1">
+              <a:lnSpc>
+                <a:spcPct val="90000"/>
+              </a:lnSpc>
+              <a:spcBef>
+                <a:spcPts val="1200"/>
+              </a:spcBef>
+              <a:spcAft>
+                <a:spcPts val="200"/>
+              </a:spcAft>
+              <a:buClr>
+                <a:schemeClr val="accent1"/>
+              </a:buClr>
+              <a:buSzPct val="100000"/>
+              <a:buFont typeface="Calibri" panose="020F0502020204030204" pitchFamily="34" charset="0"/>
+              <a:buNone/>
+              <a:defRPr sz="2400" kern="1200" cap="all" spc="200" baseline="0">
+                <a:solidFill>
+                  <a:schemeClr val="tx2"/>
+                </a:solidFill>
+                <a:latin typeface="+mj-lt"/>
+                <a:ea typeface="+mn-ea"/>
+                <a:cs typeface="+mn-cs"/>
+              </a:defRPr>
+            </a:lvl1pPr>
+            <a:lvl2pPr marL="457200" indent="0" algn="ctr" defTabSz="914400" rtl="0" eaLnBrk="1" latinLnBrk="0" hangingPunct="1">
+              <a:lnSpc>
+                <a:spcPct val="90000"/>
+              </a:lnSpc>
+              <a:spcBef>
+                <a:spcPts val="200"/>
+              </a:spcBef>
+              <a:spcAft>
+                <a:spcPts val="400"/>
+              </a:spcAft>
+              <a:buClr>
+                <a:schemeClr val="accent1"/>
+              </a:buClr>
+              <a:buFont typeface="Calibri" pitchFamily="34" charset="0"/>
+              <a:buNone/>
+              <a:defRPr sz="2400" kern="1200">
+                <a:solidFill>
+                  <a:schemeClr val="tx1">
+                    <a:lumMod val="75000"/>
+                    <a:lumOff val="25000"/>
+                  </a:schemeClr>
+                </a:solidFill>
+                <a:latin typeface="+mn-lt"/>
+                <a:ea typeface="+mn-ea"/>
+                <a:cs typeface="+mn-cs"/>
+              </a:defRPr>
+            </a:lvl2pPr>
+            <a:lvl3pPr marL="914400" indent="0" algn="ctr" defTabSz="914400" rtl="0" eaLnBrk="1" latinLnBrk="0" hangingPunct="1">
+              <a:lnSpc>
+                <a:spcPct val="90000"/>
+              </a:lnSpc>
+              <a:spcBef>
+                <a:spcPts val="200"/>
+              </a:spcBef>
+              <a:spcAft>
+                <a:spcPts val="400"/>
+              </a:spcAft>
+              <a:buClr>
+                <a:schemeClr val="accent1"/>
+              </a:buClr>
+              <a:buFont typeface="Calibri" pitchFamily="34" charset="0"/>
+              <a:buNone/>
+              <a:defRPr sz="2400" kern="1200">
+                <a:solidFill>
+                  <a:schemeClr val="tx1">
+                    <a:lumMod val="75000"/>
+                    <a:lumOff val="25000"/>
+                  </a:schemeClr>
+                </a:solidFill>
+                <a:latin typeface="+mn-lt"/>
+                <a:ea typeface="+mn-ea"/>
+                <a:cs typeface="+mn-cs"/>
+              </a:defRPr>
+            </a:lvl3pPr>
+            <a:lvl4pPr marL="1371600" indent="0" algn="ctr" defTabSz="914400" rtl="0" eaLnBrk="1" latinLnBrk="0" hangingPunct="1">
+              <a:lnSpc>
+                <a:spcPct val="90000"/>
+              </a:lnSpc>
+              <a:spcBef>
+                <a:spcPts val="200"/>
+              </a:spcBef>
+              <a:spcAft>
+                <a:spcPts val="400"/>
+              </a:spcAft>
+              <a:buClr>
+                <a:schemeClr val="accent1"/>
+              </a:buClr>
+              <a:buFont typeface="Calibri" pitchFamily="34" charset="0"/>
+              <a:buNone/>
+              <a:defRPr sz="2000" kern="1200">
+                <a:solidFill>
+                  <a:schemeClr val="tx1">
+                    <a:lumMod val="75000"/>
+                    <a:lumOff val="25000"/>
+                  </a:schemeClr>
+                </a:solidFill>
+                <a:latin typeface="+mn-lt"/>
+                <a:ea typeface="+mn-ea"/>
+                <a:cs typeface="+mn-cs"/>
+              </a:defRPr>
+            </a:lvl4pPr>
+            <a:lvl5pPr marL="1828800" indent="0" algn="ctr" defTabSz="914400" rtl="0" eaLnBrk="1" latinLnBrk="0" hangingPunct="1">
+              <a:lnSpc>
+                <a:spcPct val="90000"/>
+              </a:lnSpc>
+              <a:spcBef>
+                <a:spcPts val="200"/>
+              </a:spcBef>
+              <a:spcAft>
+                <a:spcPts val="400"/>
+              </a:spcAft>
+              <a:buClr>
+                <a:schemeClr val="accent1"/>
+              </a:buClr>
+              <a:buFont typeface="Calibri" pitchFamily="34" charset="0"/>
+              <a:buNone/>
+              <a:defRPr sz="2000" kern="1200">
+                <a:solidFill>
+                  <a:schemeClr val="tx1">
+                    <a:lumMod val="75000"/>
+                    <a:lumOff val="25000"/>
+                  </a:schemeClr>
+                </a:solidFill>
+                <a:latin typeface="+mn-lt"/>
+                <a:ea typeface="+mn-ea"/>
+                <a:cs typeface="+mn-cs"/>
+              </a:defRPr>
+            </a:lvl5pPr>
+            <a:lvl6pPr marL="2286000" indent="0" algn="ctr" defTabSz="914400" rtl="0" eaLnBrk="1" latinLnBrk="0" hangingPunct="1">
+              <a:lnSpc>
+                <a:spcPct val="90000"/>
+              </a:lnSpc>
+              <a:spcBef>
+                <a:spcPts val="200"/>
+              </a:spcBef>
+              <a:spcAft>
+                <a:spcPts val="400"/>
+              </a:spcAft>
+              <a:buClr>
+                <a:schemeClr val="accent1"/>
+              </a:buClr>
+              <a:buFont typeface="Calibri" pitchFamily="34" charset="0"/>
+              <a:buNone/>
+              <a:defRPr sz="2000" kern="1200">
+                <a:solidFill>
+                  <a:schemeClr val="tx1">
+                    <a:lumMod val="75000"/>
+                    <a:lumOff val="25000"/>
+                  </a:schemeClr>
+                </a:solidFill>
+                <a:latin typeface="+mn-lt"/>
+                <a:ea typeface="+mn-ea"/>
+                <a:cs typeface="+mn-cs"/>
+              </a:defRPr>
+            </a:lvl6pPr>
+            <a:lvl7pPr marL="2743200" indent="0" algn="ctr" defTabSz="914400" rtl="0" eaLnBrk="1" latinLnBrk="0" hangingPunct="1">
+              <a:lnSpc>
+                <a:spcPct val="90000"/>
+              </a:lnSpc>
+              <a:spcBef>
+                <a:spcPts val="200"/>
+              </a:spcBef>
+              <a:spcAft>
+                <a:spcPts val="400"/>
+              </a:spcAft>
+              <a:buClr>
+                <a:schemeClr val="accent1"/>
+              </a:buClr>
+              <a:buFont typeface="Calibri" pitchFamily="34" charset="0"/>
+              <a:buNone/>
+              <a:defRPr sz="2000" kern="1200">
+                <a:solidFill>
+                  <a:schemeClr val="tx1">
+                    <a:lumMod val="75000"/>
+                    <a:lumOff val="25000"/>
+                  </a:schemeClr>
+                </a:solidFill>
+                <a:latin typeface="+mn-lt"/>
+                <a:ea typeface="+mn-ea"/>
+                <a:cs typeface="+mn-cs"/>
+              </a:defRPr>
+            </a:lvl7pPr>
+            <a:lvl8pPr marL="3200400" indent="0" algn="ctr" defTabSz="914400" rtl="0" eaLnBrk="1" latinLnBrk="0" hangingPunct="1">
+              <a:lnSpc>
+                <a:spcPct val="90000"/>
+              </a:lnSpc>
+              <a:spcBef>
+                <a:spcPts val="200"/>
+              </a:spcBef>
+              <a:spcAft>
+                <a:spcPts val="400"/>
+              </a:spcAft>
+              <a:buClr>
+                <a:schemeClr val="accent1"/>
+              </a:buClr>
+              <a:buFont typeface="Calibri" pitchFamily="34" charset="0"/>
+              <a:buNone/>
+              <a:defRPr sz="2000" kern="1200">
+                <a:solidFill>
+                  <a:schemeClr val="tx1">
+                    <a:lumMod val="75000"/>
+                    <a:lumOff val="25000"/>
+                  </a:schemeClr>
+                </a:solidFill>
+                <a:latin typeface="+mn-lt"/>
+                <a:ea typeface="+mn-ea"/>
+                <a:cs typeface="+mn-cs"/>
+              </a:defRPr>
+            </a:lvl8pPr>
+            <a:lvl9pPr marL="3657600" indent="0" algn="ctr" defTabSz="914400" rtl="0" eaLnBrk="1" latinLnBrk="0" hangingPunct="1">
+              <a:lnSpc>
+                <a:spcPct val="90000"/>
+              </a:lnSpc>
+              <a:spcBef>
+                <a:spcPts val="200"/>
+              </a:spcBef>
+              <a:spcAft>
+                <a:spcPts val="400"/>
+              </a:spcAft>
+              <a:buClr>
+                <a:schemeClr val="accent1"/>
+              </a:buClr>
+              <a:buFont typeface="Calibri" pitchFamily="34" charset="0"/>
+              <a:buNone/>
+              <a:defRPr sz="2000" kern="1200">
+                <a:solidFill>
+                  <a:schemeClr val="tx1">
+                    <a:lumMod val="75000"/>
+                    <a:lumOff val="25000"/>
+                  </a:schemeClr>
+                </a:solidFill>
+                <a:latin typeface="+mn-lt"/>
+                <a:ea typeface="+mn-ea"/>
+                <a:cs typeface="+mn-cs"/>
+              </a:defRPr>
+            </a:lvl9pPr>
+          </a:lstStyle>
+          <a:p>
+            <a:r>
+              <a:rPr lang="en-US" b="1" dirty="0"/>
+              <a:t>Guidance-</a:t>
+            </a:r>
+            <a:r>
+              <a:rPr lang="en-US" dirty="0"/>
+              <a:t>				</a:t>
+            </a:r>
+            <a:r>
+              <a:rPr lang="en-US" b="1" dirty="0"/>
+              <a:t>by-</a:t>
             </a:r>
             <a:br>
-              <a:rPr lang="en-IN" dirty="0"/>
+              <a:rPr lang="en-US" dirty="0"/>
             </a:br>
             <a:r>
-              <a:rPr lang="en-IN" dirty="0"/>
+              <a:rPr lang="en-US" sz="2000" dirty="0"/>
+              <a:t>Prof. Dr. </a:t>
+            </a:r>
+            <a:r>
+              <a:rPr lang="en-US" sz="2000" dirty="0" err="1"/>
+              <a:t>Jörg</a:t>
+            </a:r>
+            <a:r>
+              <a:rPr lang="en-US" sz="2000" dirty="0"/>
+              <a:t> Schäfer		</a:t>
+            </a:r>
+            <a:r>
+              <a:rPr lang="en-IN" sz="2000" dirty="0"/>
               <a:t>1. shaikh </a:t>
             </a:r>
             <a:r>
-              <a:rPr lang="en-IN" dirty="0" err="1"/>
+              <a:rPr lang="en-IN" sz="2000" dirty="0" err="1"/>
               <a:t>safir</a:t>
             </a:r>
             <a:r>
-              <a:rPr lang="en-IN" dirty="0"/>
-              <a:t> mohammad (1322554)</a:t>
+              <a:rPr lang="en-IN" sz="2000" dirty="0"/>
+              <a:t> Mohammad (1322554)</a:t>
             </a:r>
             <a:br>
-              <a:rPr lang="en-IN" dirty="0"/>
+              <a:rPr lang="en-IN" sz="2000" dirty="0"/>
             </a:br>
             <a:r>
-              <a:rPr lang="en-IN" dirty="0"/>
-              <a:t>2. </a:t>
-            </a:r>
-            <a:r>
-              <a:rPr lang="en-IN" dirty="0" err="1"/>
+              <a:rPr lang="en-IN" sz="2000" dirty="0"/>
+              <a:t>Ms. Fatima butt			2. </a:t>
+            </a:r>
+            <a:r>
+              <a:rPr lang="en-IN" sz="2000" dirty="0" err="1"/>
               <a:t>Yelpale</a:t>
             </a:r>
             <a:r>
-              <a:rPr lang="en-IN" dirty="0"/>
+              <a:rPr lang="en-IN" sz="2000" dirty="0"/>
               <a:t> </a:t>
             </a:r>
             <a:r>
-              <a:rPr lang="en-IN" dirty="0" err="1"/>
+              <a:rPr lang="en-IN" sz="2000" dirty="0" err="1"/>
               <a:t>Kshitij</a:t>
             </a:r>
             <a:r>
-              <a:rPr lang="en-IN" dirty="0"/>
+              <a:rPr lang="en-IN" sz="2000" dirty="0"/>
               <a:t> (1322509)</a:t>
             </a:r>
+            <a:endParaRPr lang="en-US" sz="2000" dirty="0"/>
+          </a:p>
+          <a:p>
+            <a:endParaRPr lang="en-IN" dirty="0"/>
           </a:p>
         </p:txBody>
       </p:sp>
@@ -3918,6 +5624,2100 @@
     <p:extLst>
       <p:ext uri="{BB962C8B-B14F-4D97-AF65-F5344CB8AC3E}">
         <p14:creationId xmlns:p14="http://schemas.microsoft.com/office/powerpoint/2010/main" val="194952979"/>
+      </p:ext>
+    </p:extLst>
+  </p:cSld>
+  <p:clrMapOvr>
+    <a:masterClrMapping/>
+  </p:clrMapOvr>
+</p:sld>
+</file>
+
+<file path=ppt/slides/slide10.xml><?xml version="1.0" encoding="utf-8"?>
+<p:sld xmlns:a="http://schemas.openxmlformats.org/drawingml/2006/main" xmlns:r="http://schemas.openxmlformats.org/officeDocument/2006/relationships" xmlns:p="http://schemas.openxmlformats.org/presentationml/2006/main">
+  <p:cSld>
+    <p:spTree>
+      <p:nvGrpSpPr>
+        <p:cNvPr id="1" name=""/>
+        <p:cNvGrpSpPr/>
+        <p:nvPr/>
+      </p:nvGrpSpPr>
+      <p:grpSpPr>
+        <a:xfrm>
+          <a:off x="0" y="0"/>
+          <a:ext cx="0" cy="0"/>
+          <a:chOff x="0" y="0"/>
+          <a:chExt cx="0" cy="0"/>
+        </a:xfrm>
+      </p:grpSpPr>
+      <p:sp>
+        <p:nvSpPr>
+          <p:cNvPr id="2" name="Title 1">
+            <a:extLst>
+              <a:ext uri="{FF2B5EF4-FFF2-40B4-BE49-F238E27FC236}">
+                <a16:creationId xmlns:a16="http://schemas.microsoft.com/office/drawing/2014/main" id="{DAD6F3E8-ADD5-4647-8413-620A0E2F6604}"/>
+              </a:ext>
+            </a:extLst>
+          </p:cNvPr>
+          <p:cNvSpPr>
+            <a:spLocks noGrp="1"/>
+          </p:cNvSpPr>
+          <p:nvPr>
+            <p:ph type="title"/>
+          </p:nvPr>
+        </p:nvSpPr>
+        <p:spPr/>
+        <p:txBody>
+          <a:bodyPr/>
+          <a:lstStyle/>
+          <a:p>
+            <a:r>
+              <a:rPr lang="en-IN" dirty="0"/>
+              <a:t>Output Gate</a:t>
+            </a:r>
+          </a:p>
+        </p:txBody>
+      </p:sp>
+      <p:pic>
+        <p:nvPicPr>
+          <p:cNvPr id="5" name="Content Placeholder 4">
+            <a:extLst>
+              <a:ext uri="{FF2B5EF4-FFF2-40B4-BE49-F238E27FC236}">
+                <a16:creationId xmlns:a16="http://schemas.microsoft.com/office/drawing/2014/main" id="{2DADAF21-D070-4D78-884D-520F0A67CAAE}"/>
+              </a:ext>
+            </a:extLst>
+          </p:cNvPr>
+          <p:cNvPicPr>
+            <a:picLocks noGrp="1" noChangeAspect="1"/>
+          </p:cNvPicPr>
+          <p:nvPr>
+            <p:ph idx="1"/>
+          </p:nvPr>
+        </p:nvPicPr>
+        <p:blipFill>
+          <a:blip r:embed="rId3">
+            <a:extLst>
+              <a:ext uri="{28A0092B-C50C-407E-A947-70E740481C1C}">
+                <a14:useLocalDpi xmlns:a14="http://schemas.microsoft.com/office/drawing/2010/main" val="0"/>
+              </a:ext>
+            </a:extLst>
+          </a:blip>
+          <a:stretch>
+            <a:fillRect/>
+          </a:stretch>
+        </p:blipFill>
+        <p:spPr>
+          <a:xfrm>
+            <a:off x="1879953" y="1846263"/>
+            <a:ext cx="8492419" cy="4367925"/>
+          </a:xfrm>
+        </p:spPr>
+      </p:pic>
+    </p:spTree>
+    <p:extLst>
+      <p:ext uri="{BB962C8B-B14F-4D97-AF65-F5344CB8AC3E}">
+        <p14:creationId xmlns:p14="http://schemas.microsoft.com/office/powerpoint/2010/main" val="201911558"/>
+      </p:ext>
+    </p:extLst>
+  </p:cSld>
+  <p:clrMapOvr>
+    <a:masterClrMapping/>
+  </p:clrMapOvr>
+</p:sld>
+</file>
+
+<file path=ppt/slides/slide11.xml><?xml version="1.0" encoding="utf-8"?>
+<p:sld xmlns:a="http://schemas.openxmlformats.org/drawingml/2006/main" xmlns:r="http://schemas.openxmlformats.org/officeDocument/2006/relationships" xmlns:p="http://schemas.openxmlformats.org/presentationml/2006/main">
+  <p:cSld>
+    <p:spTree>
+      <p:nvGrpSpPr>
+        <p:cNvPr id="1" name=""/>
+        <p:cNvGrpSpPr/>
+        <p:nvPr/>
+      </p:nvGrpSpPr>
+      <p:grpSpPr>
+        <a:xfrm>
+          <a:off x="0" y="0"/>
+          <a:ext cx="0" cy="0"/>
+          <a:chOff x="0" y="0"/>
+          <a:chExt cx="0" cy="0"/>
+        </a:xfrm>
+      </p:grpSpPr>
+      <p:sp>
+        <p:nvSpPr>
+          <p:cNvPr id="2" name="Title 1">
+            <a:extLst>
+              <a:ext uri="{FF2B5EF4-FFF2-40B4-BE49-F238E27FC236}">
+                <a16:creationId xmlns:a16="http://schemas.microsoft.com/office/drawing/2014/main" id="{1DC1E5A1-DB6E-4E1A-972D-9E5CE68F3B23}"/>
+              </a:ext>
+            </a:extLst>
+          </p:cNvPr>
+          <p:cNvSpPr>
+            <a:spLocks noGrp="1"/>
+          </p:cNvSpPr>
+          <p:nvPr>
+            <p:ph type="title"/>
+          </p:nvPr>
+        </p:nvSpPr>
+        <p:spPr/>
+        <p:txBody>
+          <a:bodyPr/>
+          <a:lstStyle/>
+          <a:p>
+            <a:r>
+              <a:rPr lang="en-US" dirty="0"/>
+              <a:t>Application – Sentiment Analysis</a:t>
+            </a:r>
+            <a:endParaRPr lang="en-IN" dirty="0"/>
+          </a:p>
+        </p:txBody>
+      </p:sp>
+      <p:sp>
+        <p:nvSpPr>
+          <p:cNvPr id="3" name="Content Placeholder 2">
+            <a:extLst>
+              <a:ext uri="{FF2B5EF4-FFF2-40B4-BE49-F238E27FC236}">
+                <a16:creationId xmlns:a16="http://schemas.microsoft.com/office/drawing/2014/main" id="{59390695-9957-4C39-A179-ACCD5B97ABEE}"/>
+              </a:ext>
+            </a:extLst>
+          </p:cNvPr>
+          <p:cNvSpPr>
+            <a:spLocks noGrp="1"/>
+          </p:cNvSpPr>
+          <p:nvPr>
+            <p:ph idx="1"/>
+          </p:nvPr>
+        </p:nvSpPr>
+        <p:spPr>
+          <a:xfrm>
+            <a:off x="1097280" y="2043404"/>
+            <a:ext cx="10058400" cy="3825690"/>
+          </a:xfrm>
+        </p:spPr>
+        <p:txBody>
+          <a:bodyPr/>
+          <a:lstStyle/>
+          <a:p>
+            <a:pPr>
+              <a:buFont typeface="Wingdings" panose="05000000000000000000" pitchFamily="2" charset="2"/>
+              <a:buChar char="q"/>
+            </a:pPr>
+            <a:r>
+              <a:rPr lang="en-IN" dirty="0"/>
+              <a:t> Sentiment Analysis is -</a:t>
+            </a:r>
+          </a:p>
+          <a:p>
+            <a:pPr lvl="1">
+              <a:buFont typeface="Wingdings" panose="05000000000000000000" pitchFamily="2" charset="2"/>
+              <a:buChar char="q"/>
+            </a:pPr>
+            <a:r>
+              <a:rPr lang="en-US" dirty="0"/>
+              <a:t> the term which is used very often in web-based business sites, social networks and different fields.</a:t>
+            </a:r>
+          </a:p>
+          <a:p>
+            <a:pPr lvl="1">
+              <a:buFont typeface="Wingdings" panose="05000000000000000000" pitchFamily="2" charset="2"/>
+              <a:buChar char="q"/>
+            </a:pPr>
+            <a:r>
+              <a:rPr lang="en-US" dirty="0"/>
+              <a:t> an examination field to analyze people’s subjective sentiments.</a:t>
+            </a:r>
+            <a:endParaRPr lang="en-IN" dirty="0"/>
+          </a:p>
+          <a:p>
+            <a:pPr>
+              <a:buFont typeface="Wingdings" panose="05000000000000000000" pitchFamily="2" charset="2"/>
+              <a:buChar char="q"/>
+            </a:pPr>
+            <a:r>
+              <a:rPr lang="en-IN" dirty="0"/>
+              <a:t> More Advanced, Focus on “Beyond Polarity”</a:t>
+            </a:r>
+          </a:p>
+          <a:p>
+            <a:pPr>
+              <a:buFont typeface="Wingdings" panose="05000000000000000000" pitchFamily="2" charset="2"/>
+              <a:buChar char="q"/>
+            </a:pPr>
+            <a:endParaRPr lang="en-US" dirty="0"/>
+          </a:p>
+        </p:txBody>
+      </p:sp>
+    </p:spTree>
+    <p:extLst>
+      <p:ext uri="{BB962C8B-B14F-4D97-AF65-F5344CB8AC3E}">
+        <p14:creationId xmlns:p14="http://schemas.microsoft.com/office/powerpoint/2010/main" val="3917098044"/>
+      </p:ext>
+    </p:extLst>
+  </p:cSld>
+  <p:clrMapOvr>
+    <a:masterClrMapping/>
+  </p:clrMapOvr>
+</p:sld>
+</file>
+
+<file path=ppt/slides/slide12.xml><?xml version="1.0" encoding="utf-8"?>
+<p:sld xmlns:a="http://schemas.openxmlformats.org/drawingml/2006/main" xmlns:r="http://schemas.openxmlformats.org/officeDocument/2006/relationships" xmlns:p="http://schemas.openxmlformats.org/presentationml/2006/main">
+  <p:cSld>
+    <p:spTree>
+      <p:nvGrpSpPr>
+        <p:cNvPr id="1" name=""/>
+        <p:cNvGrpSpPr/>
+        <p:nvPr/>
+      </p:nvGrpSpPr>
+      <p:grpSpPr>
+        <a:xfrm>
+          <a:off x="0" y="0"/>
+          <a:ext cx="0" cy="0"/>
+          <a:chOff x="0" y="0"/>
+          <a:chExt cx="0" cy="0"/>
+        </a:xfrm>
+      </p:grpSpPr>
+      <p:sp>
+        <p:nvSpPr>
+          <p:cNvPr id="2" name="Title 1">
+            <a:extLst>
+              <a:ext uri="{FF2B5EF4-FFF2-40B4-BE49-F238E27FC236}">
+                <a16:creationId xmlns:a16="http://schemas.microsoft.com/office/drawing/2014/main" id="{05C56A8A-C10E-4F8C-99C4-192628EA6A26}"/>
+              </a:ext>
+            </a:extLst>
+          </p:cNvPr>
+          <p:cNvSpPr>
+            <a:spLocks noGrp="1"/>
+          </p:cNvSpPr>
+          <p:nvPr>
+            <p:ph type="title"/>
+          </p:nvPr>
+        </p:nvSpPr>
+        <p:spPr/>
+        <p:txBody>
+          <a:bodyPr/>
+          <a:lstStyle/>
+          <a:p>
+            <a:r>
+              <a:rPr lang="en-IN" dirty="0"/>
+              <a:t>Implementation</a:t>
+            </a:r>
+          </a:p>
+        </p:txBody>
+      </p:sp>
+      <p:sp>
+        <p:nvSpPr>
+          <p:cNvPr id="5" name="Content Placeholder 4">
+            <a:extLst>
+              <a:ext uri="{FF2B5EF4-FFF2-40B4-BE49-F238E27FC236}">
+                <a16:creationId xmlns:a16="http://schemas.microsoft.com/office/drawing/2014/main" id="{1CCD826B-69BF-4F37-8A83-B6D3962BCBBA}"/>
+              </a:ext>
+            </a:extLst>
+          </p:cNvPr>
+          <p:cNvSpPr>
+            <a:spLocks noGrp="1"/>
+          </p:cNvSpPr>
+          <p:nvPr>
+            <p:ph idx="1"/>
+          </p:nvPr>
+        </p:nvSpPr>
+        <p:spPr>
+          <a:xfrm>
+            <a:off x="1097280" y="2099388"/>
+            <a:ext cx="10058400" cy="3769705"/>
+          </a:xfrm>
+        </p:spPr>
+        <p:txBody>
+          <a:bodyPr/>
+          <a:lstStyle/>
+          <a:p>
+            <a:pPr lvl="0">
+              <a:buFont typeface="Wingdings" panose="05000000000000000000" pitchFamily="2" charset="2"/>
+              <a:buChar char="q"/>
+            </a:pPr>
+            <a:r>
+              <a:rPr lang="en-IN" dirty="0"/>
+              <a:t> Dataset: IMDB Movie Reviews [1]</a:t>
+            </a:r>
+          </a:p>
+          <a:p>
+            <a:pPr lvl="0">
+              <a:buFont typeface="Wingdings" panose="05000000000000000000" pitchFamily="2" charset="2"/>
+              <a:buChar char="q"/>
+            </a:pPr>
+            <a:r>
+              <a:rPr lang="en-IN" dirty="0"/>
+              <a:t> Data Pre-processing</a:t>
+            </a:r>
+          </a:p>
+          <a:p>
+            <a:pPr lvl="0">
+              <a:buFont typeface="Wingdings" panose="05000000000000000000" pitchFamily="2" charset="2"/>
+              <a:buChar char="q"/>
+            </a:pPr>
+            <a:r>
+              <a:rPr lang="en-IN" dirty="0"/>
+              <a:t> Library: </a:t>
+            </a:r>
+            <a:r>
+              <a:rPr lang="en-IN" dirty="0" err="1"/>
+              <a:t>Keras</a:t>
+            </a:r>
+            <a:endParaRPr lang="en-IN" dirty="0"/>
+          </a:p>
+          <a:p>
+            <a:pPr lvl="0">
+              <a:buFont typeface="Wingdings" panose="05000000000000000000" pitchFamily="2" charset="2"/>
+              <a:buChar char="q"/>
+            </a:pPr>
+            <a:r>
+              <a:rPr lang="en-IN" dirty="0"/>
+              <a:t> Word Embedding: One-Hot representation + </a:t>
+            </a:r>
+            <a:r>
+              <a:rPr lang="en-IN" dirty="0" err="1"/>
+              <a:t>Keras</a:t>
+            </a:r>
+            <a:r>
+              <a:rPr lang="en-IN" dirty="0"/>
+              <a:t> encoded </a:t>
+            </a:r>
+            <a:r>
+              <a:rPr lang="en-IN" dirty="0" err="1"/>
+              <a:t>Imdb</a:t>
+            </a:r>
+            <a:r>
+              <a:rPr lang="en-IN" dirty="0"/>
+              <a:t> format</a:t>
+            </a:r>
+          </a:p>
+          <a:p>
+            <a:pPr lvl="0">
+              <a:buFont typeface="Wingdings" panose="05000000000000000000" pitchFamily="2" charset="2"/>
+              <a:buChar char="q"/>
+            </a:pPr>
+            <a:r>
+              <a:rPr lang="en-IN" dirty="0"/>
+              <a:t> Model: (Embedding + Bidirectional(LSTM( )) + Bidirectional(LSTM( )) + Dense)</a:t>
+            </a:r>
+          </a:p>
+          <a:p>
+            <a:endParaRPr lang="en-IN" dirty="0"/>
+          </a:p>
+        </p:txBody>
+      </p:sp>
+    </p:spTree>
+    <p:extLst>
+      <p:ext uri="{BB962C8B-B14F-4D97-AF65-F5344CB8AC3E}">
+        <p14:creationId xmlns:p14="http://schemas.microsoft.com/office/powerpoint/2010/main" val="744375311"/>
+      </p:ext>
+    </p:extLst>
+  </p:cSld>
+  <p:clrMapOvr>
+    <a:masterClrMapping/>
+  </p:clrMapOvr>
+</p:sld>
+</file>
+
+<file path=ppt/slides/slide13.xml><?xml version="1.0" encoding="utf-8"?>
+<p:sld xmlns:a="http://schemas.openxmlformats.org/drawingml/2006/main" xmlns:r="http://schemas.openxmlformats.org/officeDocument/2006/relationships" xmlns:p="http://schemas.openxmlformats.org/presentationml/2006/main">
+  <p:cSld>
+    <p:spTree>
+      <p:nvGrpSpPr>
+        <p:cNvPr id="1" name=""/>
+        <p:cNvGrpSpPr/>
+        <p:nvPr/>
+      </p:nvGrpSpPr>
+      <p:grpSpPr>
+        <a:xfrm>
+          <a:off x="0" y="0"/>
+          <a:ext cx="0" cy="0"/>
+          <a:chOff x="0" y="0"/>
+          <a:chExt cx="0" cy="0"/>
+        </a:xfrm>
+      </p:grpSpPr>
+      <p:sp>
+        <p:nvSpPr>
+          <p:cNvPr id="2" name="Title 1">
+            <a:extLst>
+              <a:ext uri="{FF2B5EF4-FFF2-40B4-BE49-F238E27FC236}">
+                <a16:creationId xmlns:a16="http://schemas.microsoft.com/office/drawing/2014/main" id="{2B0CA056-C886-4289-8979-FB1C7003BE2C}"/>
+              </a:ext>
+            </a:extLst>
+          </p:cNvPr>
+          <p:cNvSpPr>
+            <a:spLocks noGrp="1"/>
+          </p:cNvSpPr>
+          <p:nvPr>
+            <p:ph type="title"/>
+          </p:nvPr>
+        </p:nvSpPr>
+        <p:spPr/>
+        <p:txBody>
+          <a:bodyPr/>
+          <a:lstStyle/>
+          <a:p>
+            <a:r>
+              <a:rPr lang="en-IN" dirty="0"/>
+              <a:t>Performance Measures</a:t>
+            </a:r>
+          </a:p>
+        </p:txBody>
+      </p:sp>
+      <p:graphicFrame>
+        <p:nvGraphicFramePr>
+          <p:cNvPr id="4" name="Table 4">
+            <a:extLst>
+              <a:ext uri="{FF2B5EF4-FFF2-40B4-BE49-F238E27FC236}">
+                <a16:creationId xmlns:a16="http://schemas.microsoft.com/office/drawing/2014/main" id="{FA1F8374-9713-48C9-A226-65464F0B1C2E}"/>
+              </a:ext>
+            </a:extLst>
+          </p:cNvPr>
+          <p:cNvGraphicFramePr>
+            <a:graphicFrameLocks noGrp="1"/>
+          </p:cNvGraphicFramePr>
+          <p:nvPr>
+            <p:ph idx="1"/>
+          </p:nvPr>
+        </p:nvGraphicFramePr>
+        <p:xfrm>
+          <a:off x="1096963" y="1846263"/>
+          <a:ext cx="10058399" cy="4349264"/>
+        </p:xfrm>
+        <a:graphic>
+          <a:graphicData uri="http://schemas.openxmlformats.org/drawingml/2006/table">
+            <a:tbl>
+              <a:tblPr firstRow="1" bandRow="1">
+                <a:tableStyleId>{5C22544A-7EE6-4342-B048-85BDC9FD1C3A}</a:tableStyleId>
+              </a:tblPr>
+              <a:tblGrid>
+                <a:gridCol w="3111143">
+                  <a:extLst>
+                    <a:ext uri="{9D8B030D-6E8A-4147-A177-3AD203B41FA5}">
+                      <a16:colId xmlns:a16="http://schemas.microsoft.com/office/drawing/2014/main" val="1087068912"/>
+                    </a:ext>
+                  </a:extLst>
+                </a:gridCol>
+                <a:gridCol w="2097092">
+                  <a:extLst>
+                    <a:ext uri="{9D8B030D-6E8A-4147-A177-3AD203B41FA5}">
+                      <a16:colId xmlns:a16="http://schemas.microsoft.com/office/drawing/2014/main" val="821414282"/>
+                    </a:ext>
+                  </a:extLst>
+                </a:gridCol>
+                <a:gridCol w="2425082">
+                  <a:extLst>
+                    <a:ext uri="{9D8B030D-6E8A-4147-A177-3AD203B41FA5}">
+                      <a16:colId xmlns:a16="http://schemas.microsoft.com/office/drawing/2014/main" val="1475585728"/>
+                    </a:ext>
+                  </a:extLst>
+                </a:gridCol>
+                <a:gridCol w="2425082">
+                  <a:extLst>
+                    <a:ext uri="{9D8B030D-6E8A-4147-A177-3AD203B41FA5}">
+                      <a16:colId xmlns:a16="http://schemas.microsoft.com/office/drawing/2014/main" val="2573752956"/>
+                    </a:ext>
+                  </a:extLst>
+                </a:gridCol>
+              </a:tblGrid>
+              <a:tr h="734387">
+                <a:tc>
+                  <a:txBody>
+                    <a:bodyPr/>
+                    <a:lstStyle/>
+                    <a:p>
+                      <a:pPr algn="ctr"/>
+                      <a:endParaRPr lang="en-IN" dirty="0"/>
+                    </a:p>
+                  </a:txBody>
+                  <a:tcPr/>
+                </a:tc>
+                <a:tc>
+                  <a:txBody>
+                    <a:bodyPr/>
+                    <a:lstStyle/>
+                    <a:p>
+                      <a:pPr algn="ctr"/>
+                      <a:r>
+                        <a:rPr lang="en-US" b="1" dirty="0"/>
+                        <a:t># Epochs</a:t>
+                      </a:r>
+                      <a:endParaRPr lang="en-IN" b="1" dirty="0"/>
+                    </a:p>
+                  </a:txBody>
+                  <a:tcPr/>
+                </a:tc>
+                <a:tc>
+                  <a:txBody>
+                    <a:bodyPr/>
+                    <a:lstStyle/>
+                    <a:p>
+                      <a:pPr algn="ctr"/>
+                      <a:r>
+                        <a:rPr lang="en-US" b="1" dirty="0"/>
+                        <a:t>Training Accuracy</a:t>
+                      </a:r>
+                      <a:endParaRPr lang="en-IN" b="1" dirty="0"/>
+                    </a:p>
+                  </a:txBody>
+                  <a:tcPr/>
+                </a:tc>
+                <a:tc>
+                  <a:txBody>
+                    <a:bodyPr/>
+                    <a:lstStyle/>
+                    <a:p>
+                      <a:pPr algn="ctr"/>
+                      <a:r>
+                        <a:rPr lang="en-US" dirty="0"/>
+                        <a:t>Validation Accuracy</a:t>
+                      </a:r>
+                      <a:endParaRPr lang="en-IN" dirty="0"/>
+                    </a:p>
+                  </a:txBody>
+                  <a:tcPr/>
+                </a:tc>
+                <a:extLst>
+                  <a:ext uri="{0D108BD9-81ED-4DB2-BD59-A6C34878D82A}">
+                    <a16:rowId xmlns:a16="http://schemas.microsoft.com/office/drawing/2014/main" val="1582756733"/>
+                  </a:ext>
+                </a:extLst>
+              </a:tr>
+              <a:tr h="1229390">
+                <a:tc>
+                  <a:txBody>
+                    <a:bodyPr/>
+                    <a:lstStyle/>
+                    <a:p>
+                      <a:pPr algn="ctr"/>
+                      <a:endParaRPr lang="en-US" b="1" dirty="0"/>
+                    </a:p>
+                    <a:p>
+                      <a:pPr algn="ctr"/>
+                      <a:r>
+                        <a:rPr lang="en-US" b="1" dirty="0"/>
+                        <a:t>LSTM (Trained on Custom IMDB Dataset with One-Hot Encoding)</a:t>
+                      </a:r>
+                      <a:endParaRPr lang="en-IN" b="1" dirty="0"/>
+                    </a:p>
+                  </a:txBody>
+                  <a:tcPr/>
+                </a:tc>
+                <a:tc>
+                  <a:txBody>
+                    <a:bodyPr/>
+                    <a:lstStyle/>
+                    <a:p>
+                      <a:pPr algn="ctr"/>
+                      <a:endParaRPr lang="en-US" dirty="0"/>
+                    </a:p>
+                    <a:p>
+                      <a:pPr algn="ctr"/>
+                      <a:r>
+                        <a:rPr lang="en-US" dirty="0"/>
+                        <a:t>15</a:t>
+                      </a:r>
+                      <a:endParaRPr lang="en-IN" dirty="0"/>
+                    </a:p>
+                  </a:txBody>
+                  <a:tcPr/>
+                </a:tc>
+                <a:tc>
+                  <a:txBody>
+                    <a:bodyPr/>
+                    <a:lstStyle/>
+                    <a:p>
+                      <a:pPr algn="ctr"/>
+                      <a:endParaRPr lang="en-US" dirty="0"/>
+                    </a:p>
+                    <a:p>
+                      <a:pPr algn="ctr"/>
+                      <a:r>
+                        <a:rPr lang="en-US" dirty="0"/>
+                        <a:t>99.85 %</a:t>
+                      </a:r>
+                      <a:endParaRPr lang="en-IN" dirty="0"/>
+                    </a:p>
+                  </a:txBody>
+                  <a:tcPr/>
+                </a:tc>
+                <a:tc>
+                  <a:txBody>
+                    <a:bodyPr/>
+                    <a:lstStyle/>
+                    <a:p>
+                      <a:pPr algn="ctr"/>
+                      <a:endParaRPr lang="en-US" dirty="0"/>
+                    </a:p>
+                    <a:p>
+                      <a:pPr algn="ctr"/>
+                      <a:r>
+                        <a:rPr lang="en-US" dirty="0"/>
+                        <a:t>81.29 %</a:t>
+                      </a:r>
+                      <a:endParaRPr lang="en-IN" dirty="0"/>
+                    </a:p>
+                  </a:txBody>
+                  <a:tcPr/>
+                </a:tc>
+                <a:extLst>
+                  <a:ext uri="{0D108BD9-81ED-4DB2-BD59-A6C34878D82A}">
+                    <a16:rowId xmlns:a16="http://schemas.microsoft.com/office/drawing/2014/main" val="3312662337"/>
+                  </a:ext>
+                </a:extLst>
+              </a:tr>
+              <a:tr h="1117915">
+                <a:tc>
+                  <a:txBody>
+                    <a:bodyPr/>
+                    <a:lstStyle/>
+                    <a:p>
+                      <a:pPr algn="ctr"/>
+                      <a:endParaRPr lang="en-US" b="1" dirty="0"/>
+                    </a:p>
+                    <a:p>
+                      <a:pPr algn="ctr"/>
+                      <a:r>
+                        <a:rPr lang="en-US" b="1" dirty="0"/>
+                        <a:t>LSTM (Trained on </a:t>
+                      </a:r>
+                      <a:r>
+                        <a:rPr lang="en-US" b="1" dirty="0" err="1"/>
+                        <a:t>Keras</a:t>
+                      </a:r>
+                      <a:r>
+                        <a:rPr lang="en-US" b="1" dirty="0"/>
+                        <a:t>’ IMDB Dataset)</a:t>
+                      </a:r>
+                      <a:endParaRPr lang="en-IN" b="1" dirty="0"/>
+                    </a:p>
+                  </a:txBody>
+                  <a:tcPr/>
+                </a:tc>
+                <a:tc>
+                  <a:txBody>
+                    <a:bodyPr/>
+                    <a:lstStyle/>
+                    <a:p>
+                      <a:pPr algn="ctr"/>
+                      <a:endParaRPr lang="en-US" dirty="0"/>
+                    </a:p>
+                    <a:p>
+                      <a:pPr algn="ctr"/>
+                      <a:r>
+                        <a:rPr lang="en-US" dirty="0"/>
+                        <a:t>3</a:t>
+                      </a:r>
+                      <a:endParaRPr lang="en-IN" dirty="0"/>
+                    </a:p>
+                  </a:txBody>
+                  <a:tcPr/>
+                </a:tc>
+                <a:tc>
+                  <a:txBody>
+                    <a:bodyPr/>
+                    <a:lstStyle/>
+                    <a:p>
+                      <a:pPr marL="0" marR="0" lvl="0" indent="0" algn="ctr" defTabSz="914400" rtl="0" eaLnBrk="1" fontAlgn="auto" latinLnBrk="0" hangingPunct="1">
+                        <a:lnSpc>
+                          <a:spcPct val="100000"/>
+                        </a:lnSpc>
+                        <a:spcBef>
+                          <a:spcPts val="0"/>
+                        </a:spcBef>
+                        <a:spcAft>
+                          <a:spcPts val="0"/>
+                        </a:spcAft>
+                        <a:buClrTx/>
+                        <a:buSzTx/>
+                        <a:buFontTx/>
+                        <a:buNone/>
+                        <a:tabLst/>
+                        <a:defRPr/>
+                      </a:pPr>
+                      <a:endParaRPr lang="en-US" dirty="0"/>
+                    </a:p>
+                    <a:p>
+                      <a:pPr marL="0" marR="0" lvl="0" indent="0" algn="ctr" defTabSz="914400" rtl="0" eaLnBrk="1" fontAlgn="auto" latinLnBrk="0" hangingPunct="1">
+                        <a:lnSpc>
+                          <a:spcPct val="100000"/>
+                        </a:lnSpc>
+                        <a:spcBef>
+                          <a:spcPts val="0"/>
+                        </a:spcBef>
+                        <a:spcAft>
+                          <a:spcPts val="0"/>
+                        </a:spcAft>
+                        <a:buClrTx/>
+                        <a:buSzTx/>
+                        <a:buFontTx/>
+                        <a:buNone/>
+                        <a:tabLst/>
+                        <a:defRPr/>
+                      </a:pPr>
+                      <a:r>
+                        <a:rPr lang="en-US" dirty="0"/>
+                        <a:t>85.42 %</a:t>
+                      </a:r>
+                      <a:endParaRPr lang="en-IN" dirty="0"/>
+                    </a:p>
+                    <a:p>
+                      <a:pPr algn="ctr"/>
+                      <a:endParaRPr lang="en-IN" dirty="0"/>
+                    </a:p>
+                  </a:txBody>
+                  <a:tcPr/>
+                </a:tc>
+                <a:tc>
+                  <a:txBody>
+                    <a:bodyPr/>
+                    <a:lstStyle/>
+                    <a:p>
+                      <a:pPr marL="0" marR="0" lvl="0" indent="0" algn="ctr" defTabSz="914400" rtl="0" eaLnBrk="1" fontAlgn="auto" latinLnBrk="0" hangingPunct="1">
+                        <a:lnSpc>
+                          <a:spcPct val="100000"/>
+                        </a:lnSpc>
+                        <a:spcBef>
+                          <a:spcPts val="0"/>
+                        </a:spcBef>
+                        <a:spcAft>
+                          <a:spcPts val="0"/>
+                        </a:spcAft>
+                        <a:buClrTx/>
+                        <a:buSzTx/>
+                        <a:buFontTx/>
+                        <a:buNone/>
+                        <a:tabLst/>
+                        <a:defRPr/>
+                      </a:pPr>
+                      <a:endParaRPr lang="en-US" dirty="0"/>
+                    </a:p>
+                    <a:p>
+                      <a:pPr marL="0" marR="0" lvl="0" indent="0" algn="ctr" defTabSz="914400" rtl="0" eaLnBrk="1" fontAlgn="auto" latinLnBrk="0" hangingPunct="1">
+                        <a:lnSpc>
+                          <a:spcPct val="100000"/>
+                        </a:lnSpc>
+                        <a:spcBef>
+                          <a:spcPts val="0"/>
+                        </a:spcBef>
+                        <a:spcAft>
+                          <a:spcPts val="0"/>
+                        </a:spcAft>
+                        <a:buClrTx/>
+                        <a:buSzTx/>
+                        <a:buFontTx/>
+                        <a:buNone/>
+                        <a:tabLst/>
+                        <a:defRPr/>
+                      </a:pPr>
+                      <a:r>
+                        <a:rPr lang="en-US" dirty="0"/>
+                        <a:t>82.81 %</a:t>
+                      </a:r>
+                      <a:endParaRPr lang="en-IN" dirty="0"/>
+                    </a:p>
+                    <a:p>
+                      <a:pPr algn="ctr"/>
+                      <a:endParaRPr lang="en-IN" dirty="0"/>
+                    </a:p>
+                  </a:txBody>
+                  <a:tcPr/>
+                </a:tc>
+                <a:extLst>
+                  <a:ext uri="{0D108BD9-81ED-4DB2-BD59-A6C34878D82A}">
+                    <a16:rowId xmlns:a16="http://schemas.microsoft.com/office/drawing/2014/main" val="1490070864"/>
+                  </a:ext>
+                </a:extLst>
+              </a:tr>
+              <a:tr h="1267572">
+                <a:tc>
+                  <a:txBody>
+                    <a:bodyPr/>
+                    <a:lstStyle/>
+                    <a:p>
+                      <a:pPr algn="ctr"/>
+                      <a:endParaRPr lang="en-US" b="1" dirty="0"/>
+                    </a:p>
+                    <a:p>
+                      <a:pPr algn="ctr"/>
+                      <a:r>
+                        <a:rPr lang="en-US" b="1" dirty="0"/>
+                        <a:t>Bi-LSTM (Trained on </a:t>
+                      </a:r>
+                      <a:r>
+                        <a:rPr lang="en-US" b="1" dirty="0" err="1"/>
+                        <a:t>Keras</a:t>
+                      </a:r>
+                      <a:r>
+                        <a:rPr lang="en-US" b="1" dirty="0"/>
+                        <a:t>’ IMDB Dataset)</a:t>
+                      </a:r>
+                      <a:endParaRPr lang="en-IN" b="1" dirty="0"/>
+                    </a:p>
+                  </a:txBody>
+                  <a:tcPr/>
+                </a:tc>
+                <a:tc>
+                  <a:txBody>
+                    <a:bodyPr/>
+                    <a:lstStyle/>
+                    <a:p>
+                      <a:pPr algn="ctr"/>
+                      <a:endParaRPr lang="en-US" dirty="0"/>
+                    </a:p>
+                    <a:p>
+                      <a:pPr algn="ctr"/>
+                      <a:r>
+                        <a:rPr lang="en-US" dirty="0">
+                          <a:highlight>
+                            <a:srgbClr val="FFFF00"/>
+                          </a:highlight>
+                        </a:rPr>
+                        <a:t>2</a:t>
+                      </a:r>
+                      <a:endParaRPr lang="en-IN" dirty="0">
+                        <a:highlight>
+                          <a:srgbClr val="FFFF00"/>
+                        </a:highlight>
+                      </a:endParaRPr>
+                    </a:p>
+                  </a:txBody>
+                  <a:tcPr/>
+                </a:tc>
+                <a:tc>
+                  <a:txBody>
+                    <a:bodyPr/>
+                    <a:lstStyle/>
+                    <a:p>
+                      <a:pPr algn="ctr"/>
+                      <a:endParaRPr lang="en-US" dirty="0"/>
+                    </a:p>
+                    <a:p>
+                      <a:pPr algn="ctr"/>
+                      <a:r>
+                        <a:rPr lang="en-US" dirty="0"/>
+                        <a:t>89.98 %</a:t>
+                      </a:r>
+                      <a:endParaRPr lang="en-IN" dirty="0"/>
+                    </a:p>
+                  </a:txBody>
+                  <a:tcPr/>
+                </a:tc>
+                <a:tc>
+                  <a:txBody>
+                    <a:bodyPr/>
+                    <a:lstStyle/>
+                    <a:p>
+                      <a:pPr algn="ctr"/>
+                      <a:endParaRPr lang="en-US" dirty="0"/>
+                    </a:p>
+                    <a:p>
+                      <a:pPr algn="ctr"/>
+                      <a:r>
+                        <a:rPr lang="en-US" b="1" dirty="0">
+                          <a:highlight>
+                            <a:srgbClr val="FFFF00"/>
+                          </a:highlight>
+                        </a:rPr>
+                        <a:t>86.89 %</a:t>
+                      </a:r>
+                      <a:endParaRPr lang="en-IN" b="1" dirty="0">
+                        <a:highlight>
+                          <a:srgbClr val="FFFF00"/>
+                        </a:highlight>
+                      </a:endParaRPr>
+                    </a:p>
+                  </a:txBody>
+                  <a:tcPr/>
+                </a:tc>
+                <a:extLst>
+                  <a:ext uri="{0D108BD9-81ED-4DB2-BD59-A6C34878D82A}">
+                    <a16:rowId xmlns:a16="http://schemas.microsoft.com/office/drawing/2014/main" val="366186822"/>
+                  </a:ext>
+                </a:extLst>
+              </a:tr>
+            </a:tbl>
+          </a:graphicData>
+        </a:graphic>
+      </p:graphicFrame>
+    </p:spTree>
+    <p:extLst>
+      <p:ext uri="{BB962C8B-B14F-4D97-AF65-F5344CB8AC3E}">
+        <p14:creationId xmlns:p14="http://schemas.microsoft.com/office/powerpoint/2010/main" val="1479201535"/>
+      </p:ext>
+    </p:extLst>
+  </p:cSld>
+  <p:clrMapOvr>
+    <a:masterClrMapping/>
+  </p:clrMapOvr>
+</p:sld>
+</file>
+
+<file path=ppt/slides/slide14.xml><?xml version="1.0" encoding="utf-8"?>
+<p:sld xmlns:a="http://schemas.openxmlformats.org/drawingml/2006/main" xmlns:r="http://schemas.openxmlformats.org/officeDocument/2006/relationships" xmlns:p="http://schemas.openxmlformats.org/presentationml/2006/main">
+  <p:cSld>
+    <p:spTree>
+      <p:nvGrpSpPr>
+        <p:cNvPr id="1" name=""/>
+        <p:cNvGrpSpPr/>
+        <p:nvPr/>
+      </p:nvGrpSpPr>
+      <p:grpSpPr>
+        <a:xfrm>
+          <a:off x="0" y="0"/>
+          <a:ext cx="0" cy="0"/>
+          <a:chOff x="0" y="0"/>
+          <a:chExt cx="0" cy="0"/>
+        </a:xfrm>
+      </p:grpSpPr>
+      <p:sp>
+        <p:nvSpPr>
+          <p:cNvPr id="2" name="Title 1">
+            <a:extLst>
+              <a:ext uri="{FF2B5EF4-FFF2-40B4-BE49-F238E27FC236}">
+                <a16:creationId xmlns:a16="http://schemas.microsoft.com/office/drawing/2014/main" id="{56A8963B-FBA9-4198-948E-58381C54D8B2}"/>
+              </a:ext>
+            </a:extLst>
+          </p:cNvPr>
+          <p:cNvSpPr>
+            <a:spLocks noGrp="1"/>
+          </p:cNvSpPr>
+          <p:nvPr>
+            <p:ph type="title"/>
+          </p:nvPr>
+        </p:nvSpPr>
+        <p:spPr/>
+        <p:txBody>
+          <a:bodyPr/>
+          <a:lstStyle/>
+          <a:p>
+            <a:r>
+              <a:rPr lang="en-IN" dirty="0"/>
+              <a:t>Problems / Challenges</a:t>
+            </a:r>
+          </a:p>
+        </p:txBody>
+      </p:sp>
+      <p:sp>
+        <p:nvSpPr>
+          <p:cNvPr id="3" name="Content Placeholder 2">
+            <a:extLst>
+              <a:ext uri="{FF2B5EF4-FFF2-40B4-BE49-F238E27FC236}">
+                <a16:creationId xmlns:a16="http://schemas.microsoft.com/office/drawing/2014/main" id="{232551D8-D5D9-402D-BE84-8851BDB7E948}"/>
+              </a:ext>
+            </a:extLst>
+          </p:cNvPr>
+          <p:cNvSpPr>
+            <a:spLocks noGrp="1"/>
+          </p:cNvSpPr>
+          <p:nvPr>
+            <p:ph idx="1"/>
+          </p:nvPr>
+        </p:nvSpPr>
+        <p:spPr/>
+        <p:txBody>
+          <a:bodyPr/>
+          <a:lstStyle/>
+          <a:p>
+            <a:pPr>
+              <a:buFont typeface="Wingdings" panose="05000000000000000000" pitchFamily="2" charset="2"/>
+              <a:buChar char="q"/>
+            </a:pPr>
+            <a:r>
+              <a:rPr lang="en-IN" dirty="0"/>
+              <a:t> Context</a:t>
+            </a:r>
+          </a:p>
+          <a:p>
+            <a:pPr lvl="1">
+              <a:buFont typeface="Wingdings" panose="05000000000000000000" pitchFamily="2" charset="2"/>
+              <a:buChar char="q"/>
+            </a:pPr>
+            <a:r>
+              <a:rPr lang="en-IN" dirty="0"/>
+              <a:t> Irony</a:t>
+            </a:r>
+          </a:p>
+          <a:p>
+            <a:pPr lvl="1">
+              <a:buFont typeface="Wingdings" panose="05000000000000000000" pitchFamily="2" charset="2"/>
+              <a:buChar char="q"/>
+            </a:pPr>
+            <a:r>
+              <a:rPr lang="en-IN" dirty="0"/>
+              <a:t> Sarcasm</a:t>
+            </a:r>
+          </a:p>
+          <a:p>
+            <a:pPr lvl="1">
+              <a:buFont typeface="Wingdings" panose="05000000000000000000" pitchFamily="2" charset="2"/>
+              <a:buChar char="q"/>
+            </a:pPr>
+            <a:r>
+              <a:rPr lang="en-IN" dirty="0"/>
+              <a:t> Emojis (:D, </a:t>
+            </a:r>
+            <a:r>
+              <a:rPr lang="en-US" altLang="ja-JP" sz="1800" dirty="0">
+                <a:effectLst/>
+                <a:latin typeface="Verdana" panose="020B0604030504040204" pitchFamily="34" charset="0"/>
+                <a:ea typeface="Calibri" panose="020F0502020204030204" pitchFamily="34" charset="0"/>
+                <a:cs typeface="Times New Roman" panose="02020603050405020304" pitchFamily="18" charset="0"/>
+              </a:rPr>
+              <a:t>¯ \ _ (</a:t>
+            </a:r>
+            <a:r>
+              <a:rPr lang="ja-JP" altLang="en-US" sz="1800" dirty="0">
+                <a:effectLst/>
+                <a:latin typeface="Verdana" panose="020B0604030504040204" pitchFamily="34" charset="0"/>
+                <a:ea typeface="Calibri" panose="020F0502020204030204" pitchFamily="34" charset="0"/>
+                <a:cs typeface="Times New Roman" panose="02020603050405020304" pitchFamily="18" charset="0"/>
+              </a:rPr>
+              <a:t>ツ</a:t>
+            </a:r>
+            <a:r>
+              <a:rPr lang="en-US" altLang="ja-JP" sz="1800" dirty="0">
+                <a:effectLst/>
+                <a:latin typeface="Verdana" panose="020B0604030504040204" pitchFamily="34" charset="0"/>
+                <a:ea typeface="Calibri" panose="020F0502020204030204" pitchFamily="34" charset="0"/>
+                <a:cs typeface="Times New Roman" panose="02020603050405020304" pitchFamily="18" charset="0"/>
+              </a:rPr>
+              <a:t>) _ / ¯ etc.</a:t>
+            </a:r>
+            <a:r>
+              <a:rPr lang="en-IN" dirty="0"/>
+              <a:t>)</a:t>
+            </a:r>
+          </a:p>
+          <a:p>
+            <a:pPr lvl="1">
+              <a:buFont typeface="Wingdings" panose="05000000000000000000" pitchFamily="2" charset="2"/>
+              <a:buChar char="q"/>
+            </a:pPr>
+            <a:r>
+              <a:rPr lang="en-IN" dirty="0"/>
+              <a:t> Definition of Neutral</a:t>
+            </a:r>
+          </a:p>
+          <a:p>
+            <a:pPr>
+              <a:buFont typeface="Wingdings" panose="05000000000000000000" pitchFamily="2" charset="2"/>
+              <a:buChar char="q"/>
+            </a:pPr>
+            <a:r>
+              <a:rPr lang="en-IN" dirty="0"/>
+              <a:t> Overfitting</a:t>
+            </a:r>
+          </a:p>
+          <a:p>
+            <a:pPr>
+              <a:buFont typeface="Wingdings" panose="05000000000000000000" pitchFamily="2" charset="2"/>
+              <a:buChar char="q"/>
+            </a:pPr>
+            <a:r>
+              <a:rPr lang="en-US" dirty="0"/>
+              <a:t> Large difference between training and validation accuracy</a:t>
+            </a:r>
+          </a:p>
+          <a:p>
+            <a:pPr>
+              <a:buFont typeface="Wingdings" panose="05000000000000000000" pitchFamily="2" charset="2"/>
+              <a:buChar char="q"/>
+            </a:pPr>
+            <a:r>
+              <a:rPr lang="en-US" dirty="0"/>
+              <a:t> </a:t>
+            </a:r>
+            <a:r>
+              <a:rPr lang="en-US" dirty="0" err="1"/>
+              <a:t>Keras</a:t>
+            </a:r>
+            <a:r>
+              <a:rPr lang="en-US" dirty="0"/>
+              <a:t>’ feature updates!</a:t>
+            </a:r>
+            <a:endParaRPr lang="en-IN" dirty="0"/>
+          </a:p>
+          <a:p>
+            <a:pPr>
+              <a:buFont typeface="Wingdings" panose="05000000000000000000" pitchFamily="2" charset="2"/>
+              <a:buChar char="q"/>
+            </a:pPr>
+            <a:endParaRPr lang="en-IN" dirty="0"/>
+          </a:p>
+          <a:p>
+            <a:pPr>
+              <a:buFont typeface="Wingdings" panose="05000000000000000000" pitchFamily="2" charset="2"/>
+              <a:buChar char="q"/>
+            </a:pPr>
+            <a:endParaRPr lang="en-IN" dirty="0"/>
+          </a:p>
+        </p:txBody>
+      </p:sp>
+    </p:spTree>
+    <p:extLst>
+      <p:ext uri="{BB962C8B-B14F-4D97-AF65-F5344CB8AC3E}">
+        <p14:creationId xmlns:p14="http://schemas.microsoft.com/office/powerpoint/2010/main" val="2723691266"/>
+      </p:ext>
+    </p:extLst>
+  </p:cSld>
+  <p:clrMapOvr>
+    <a:masterClrMapping/>
+  </p:clrMapOvr>
+</p:sld>
+</file>
+
+<file path=ppt/slides/slide15.xml><?xml version="1.0" encoding="utf-8"?>
+<p:sld xmlns:a="http://schemas.openxmlformats.org/drawingml/2006/main" xmlns:r="http://schemas.openxmlformats.org/officeDocument/2006/relationships" xmlns:p="http://schemas.openxmlformats.org/presentationml/2006/main">
+  <p:cSld>
+    <p:spTree>
+      <p:nvGrpSpPr>
+        <p:cNvPr id="1" name=""/>
+        <p:cNvGrpSpPr/>
+        <p:nvPr/>
+      </p:nvGrpSpPr>
+      <p:grpSpPr>
+        <a:xfrm>
+          <a:off x="0" y="0"/>
+          <a:ext cx="0" cy="0"/>
+          <a:chOff x="0" y="0"/>
+          <a:chExt cx="0" cy="0"/>
+        </a:xfrm>
+      </p:grpSpPr>
+      <p:sp>
+        <p:nvSpPr>
+          <p:cNvPr id="2" name="Title 1">
+            <a:extLst>
+              <a:ext uri="{FF2B5EF4-FFF2-40B4-BE49-F238E27FC236}">
+                <a16:creationId xmlns:a16="http://schemas.microsoft.com/office/drawing/2014/main" id="{9BB3ABE2-5017-4CFF-8752-D7ECB7E3ECAC}"/>
+              </a:ext>
+            </a:extLst>
+          </p:cNvPr>
+          <p:cNvSpPr>
+            <a:spLocks noGrp="1"/>
+          </p:cNvSpPr>
+          <p:nvPr>
+            <p:ph type="title"/>
+          </p:nvPr>
+        </p:nvSpPr>
+        <p:spPr/>
+        <p:txBody>
+          <a:bodyPr/>
+          <a:lstStyle/>
+          <a:p>
+            <a:r>
+              <a:rPr lang="en-US" dirty="0"/>
+              <a:t>Results - Correlation</a:t>
+            </a:r>
+            <a:endParaRPr lang="en-IN" dirty="0"/>
+          </a:p>
+        </p:txBody>
+      </p:sp>
+      <p:graphicFrame>
+        <p:nvGraphicFramePr>
+          <p:cNvPr id="4" name="Table 4">
+            <a:extLst>
+              <a:ext uri="{FF2B5EF4-FFF2-40B4-BE49-F238E27FC236}">
+                <a16:creationId xmlns:a16="http://schemas.microsoft.com/office/drawing/2014/main" id="{48A33F92-AD1D-4362-8BAB-E18FAE1D449B}"/>
+              </a:ext>
+            </a:extLst>
+          </p:cNvPr>
+          <p:cNvGraphicFramePr>
+            <a:graphicFrameLocks noGrp="1"/>
+          </p:cNvGraphicFramePr>
+          <p:nvPr>
+            <p:ph idx="1"/>
+            <p:extLst>
+              <p:ext uri="{D42A27DB-BD31-4B8C-83A1-F6EECF244321}">
+                <p14:modId xmlns:p14="http://schemas.microsoft.com/office/powerpoint/2010/main" val="4271430335"/>
+              </p:ext>
+            </p:extLst>
+          </p:nvPr>
+        </p:nvGraphicFramePr>
+        <p:xfrm>
+          <a:off x="1097282" y="2909951"/>
+          <a:ext cx="10058398" cy="3080301"/>
+        </p:xfrm>
+        <a:graphic>
+          <a:graphicData uri="http://schemas.openxmlformats.org/drawingml/2006/table">
+            <a:tbl>
+              <a:tblPr firstRow="1" bandRow="1">
+                <a:tableStyleId>{5C22544A-7EE6-4342-B048-85BDC9FD1C3A}</a:tableStyleId>
+              </a:tblPr>
+              <a:tblGrid>
+                <a:gridCol w="5029199">
+                  <a:extLst>
+                    <a:ext uri="{9D8B030D-6E8A-4147-A177-3AD203B41FA5}">
+                      <a16:colId xmlns:a16="http://schemas.microsoft.com/office/drawing/2014/main" val="1751390694"/>
+                    </a:ext>
+                  </a:extLst>
+                </a:gridCol>
+                <a:gridCol w="5029199">
+                  <a:extLst>
+                    <a:ext uri="{9D8B030D-6E8A-4147-A177-3AD203B41FA5}">
+                      <a16:colId xmlns:a16="http://schemas.microsoft.com/office/drawing/2014/main" val="3117942810"/>
+                    </a:ext>
+                  </a:extLst>
+                </a:gridCol>
+              </a:tblGrid>
+              <a:tr h="1026767">
+                <a:tc>
+                  <a:txBody>
+                    <a:bodyPr/>
+                    <a:lstStyle/>
+                    <a:p>
+                      <a:pPr algn="ctr"/>
+                      <a:endParaRPr lang="en-IN" dirty="0"/>
+                    </a:p>
+                    <a:p>
+                      <a:pPr algn="ctr"/>
+                      <a:r>
+                        <a:rPr lang="en-IN" dirty="0"/>
+                        <a:t>Correlation Coefficient Test</a:t>
+                      </a:r>
+                    </a:p>
+                  </a:txBody>
+                  <a:tcPr/>
+                </a:tc>
+                <a:tc>
+                  <a:txBody>
+                    <a:bodyPr/>
+                    <a:lstStyle/>
+                    <a:p>
+                      <a:pPr algn="ctr"/>
+                      <a:endParaRPr lang="en-IN" dirty="0"/>
+                    </a:p>
+                    <a:p>
+                      <a:pPr algn="ctr"/>
+                      <a:r>
+                        <a:rPr lang="en-IN" dirty="0"/>
+                        <a:t>LSTM and Actual sentiment</a:t>
+                      </a:r>
+                    </a:p>
+                  </a:txBody>
+                  <a:tcPr/>
+                </a:tc>
+                <a:extLst>
+                  <a:ext uri="{0D108BD9-81ED-4DB2-BD59-A6C34878D82A}">
+                    <a16:rowId xmlns:a16="http://schemas.microsoft.com/office/drawing/2014/main" val="4048768587"/>
+                  </a:ext>
+                </a:extLst>
+              </a:tr>
+              <a:tr h="1026767">
+                <a:tc>
+                  <a:txBody>
+                    <a:bodyPr/>
+                    <a:lstStyle/>
+                    <a:p>
+                      <a:pPr algn="ctr"/>
+                      <a:endParaRPr lang="en-US" dirty="0"/>
+                    </a:p>
+                    <a:p>
+                      <a:pPr algn="ctr"/>
+                      <a:r>
+                        <a:rPr lang="en-US" b="1" dirty="0"/>
+                        <a:t>Pearson</a:t>
+                      </a:r>
+                      <a:endParaRPr lang="en-IN" b="1" dirty="0"/>
+                    </a:p>
+                  </a:txBody>
+                  <a:tcPr/>
+                </a:tc>
+                <a:tc>
+                  <a:txBody>
+                    <a:bodyPr/>
+                    <a:lstStyle/>
+                    <a:p>
+                      <a:pPr algn="ctr"/>
+                      <a:endParaRPr lang="en-US" dirty="0"/>
+                    </a:p>
+                    <a:p>
+                      <a:pPr algn="ctr"/>
+                      <a:r>
+                        <a:rPr lang="en-US" dirty="0"/>
+                        <a:t>0.882</a:t>
+                      </a:r>
+                      <a:endParaRPr lang="en-IN" dirty="0"/>
+                    </a:p>
+                  </a:txBody>
+                  <a:tcPr/>
+                </a:tc>
+                <a:extLst>
+                  <a:ext uri="{0D108BD9-81ED-4DB2-BD59-A6C34878D82A}">
+                    <a16:rowId xmlns:a16="http://schemas.microsoft.com/office/drawing/2014/main" val="2314431744"/>
+                  </a:ext>
+                </a:extLst>
+              </a:tr>
+              <a:tr h="1026767">
+                <a:tc>
+                  <a:txBody>
+                    <a:bodyPr/>
+                    <a:lstStyle/>
+                    <a:p>
+                      <a:pPr algn="ctr"/>
+                      <a:endParaRPr lang="en-IN" sz="1800" b="0" i="0" u="none" strike="noStrike" kern="1200" dirty="0">
+                        <a:solidFill>
+                          <a:schemeClr val="dk1"/>
+                        </a:solidFill>
+                        <a:effectLst/>
+                        <a:latin typeface="+mn-lt"/>
+                        <a:ea typeface="+mn-ea"/>
+                        <a:cs typeface="+mn-cs"/>
+                      </a:endParaRPr>
+                    </a:p>
+                    <a:p>
+                      <a:pPr algn="ctr"/>
+                      <a:r>
+                        <a:rPr lang="en-IN" sz="1800" b="1" i="0" u="none" strike="noStrike" kern="1200" dirty="0">
+                          <a:solidFill>
+                            <a:schemeClr val="dk1"/>
+                          </a:solidFill>
+                          <a:effectLst/>
+                          <a:latin typeface="+mn-lt"/>
+                          <a:ea typeface="+mn-ea"/>
+                          <a:cs typeface="+mn-cs"/>
+                        </a:rPr>
+                        <a:t>Spearman Rank</a:t>
+                      </a:r>
+                      <a:endParaRPr lang="en-IN" b="1" dirty="0"/>
+                    </a:p>
+                  </a:txBody>
+                  <a:tcPr/>
+                </a:tc>
+                <a:tc>
+                  <a:txBody>
+                    <a:bodyPr/>
+                    <a:lstStyle/>
+                    <a:p>
+                      <a:pPr algn="ctr"/>
+                      <a:endParaRPr lang="en-US" dirty="0"/>
+                    </a:p>
+                    <a:p>
+                      <a:pPr algn="ctr"/>
+                      <a:r>
+                        <a:rPr lang="en-US" dirty="0"/>
+                        <a:t>0.886</a:t>
+                      </a:r>
+                      <a:endParaRPr lang="en-IN" dirty="0"/>
+                    </a:p>
+                  </a:txBody>
+                  <a:tcPr/>
+                </a:tc>
+                <a:extLst>
+                  <a:ext uri="{0D108BD9-81ED-4DB2-BD59-A6C34878D82A}">
+                    <a16:rowId xmlns:a16="http://schemas.microsoft.com/office/drawing/2014/main" val="3134548809"/>
+                  </a:ext>
+                </a:extLst>
+              </a:tr>
+            </a:tbl>
+          </a:graphicData>
+        </a:graphic>
+      </p:graphicFrame>
+      <p:sp>
+        <p:nvSpPr>
+          <p:cNvPr id="5" name="Content Placeholder 2">
+            <a:extLst>
+              <a:ext uri="{FF2B5EF4-FFF2-40B4-BE49-F238E27FC236}">
+                <a16:creationId xmlns:a16="http://schemas.microsoft.com/office/drawing/2014/main" id="{46235D38-AFAB-4139-9FE7-9D6822B0CE14}"/>
+              </a:ext>
+            </a:extLst>
+          </p:cNvPr>
+          <p:cNvSpPr txBox="1">
+            <a:spLocks/>
+          </p:cNvSpPr>
+          <p:nvPr/>
+        </p:nvSpPr>
+        <p:spPr>
+          <a:xfrm>
+            <a:off x="1097280" y="1856792"/>
+            <a:ext cx="10058400" cy="1305085"/>
+          </a:xfrm>
+          <a:prstGeom prst="rect">
+            <a:avLst/>
+          </a:prstGeom>
+        </p:spPr>
+        <p:txBody>
+          <a:bodyPr vert="horz" lIns="0" tIns="45720" rIns="0" bIns="45720" rtlCol="0">
+            <a:normAutofit/>
+          </a:bodyPr>
+          <a:lstStyle>
+            <a:lvl1pPr marL="91440" indent="-91440" algn="l" defTabSz="914400" rtl="0" eaLnBrk="1" latinLnBrk="0" hangingPunct="1">
+              <a:lnSpc>
+                <a:spcPct val="90000"/>
+              </a:lnSpc>
+              <a:spcBef>
+                <a:spcPts val="1200"/>
+              </a:spcBef>
+              <a:spcAft>
+                <a:spcPts val="200"/>
+              </a:spcAft>
+              <a:buClr>
+                <a:schemeClr val="accent1"/>
+              </a:buClr>
+              <a:buSzPct val="100000"/>
+              <a:buFont typeface="Calibri" panose="020F0502020204030204" pitchFamily="34" charset="0"/>
+              <a:buChar char=" "/>
+              <a:defRPr sz="2000" kern="1200">
+                <a:solidFill>
+                  <a:schemeClr val="tx1">
+                    <a:lumMod val="75000"/>
+                    <a:lumOff val="25000"/>
+                  </a:schemeClr>
+                </a:solidFill>
+                <a:latin typeface="+mn-lt"/>
+                <a:ea typeface="+mn-ea"/>
+                <a:cs typeface="+mn-cs"/>
+              </a:defRPr>
+            </a:lvl1pPr>
+            <a:lvl2pPr marL="384048" indent="-182880" algn="l" defTabSz="914400" rtl="0" eaLnBrk="1" latinLnBrk="0" hangingPunct="1">
+              <a:lnSpc>
+                <a:spcPct val="90000"/>
+              </a:lnSpc>
+              <a:spcBef>
+                <a:spcPts val="200"/>
+              </a:spcBef>
+              <a:spcAft>
+                <a:spcPts val="400"/>
+              </a:spcAft>
+              <a:buClr>
+                <a:schemeClr val="accent1"/>
+              </a:buClr>
+              <a:buFont typeface="Calibri" pitchFamily="34" charset="0"/>
+              <a:buChar char="◦"/>
+              <a:defRPr sz="1800" kern="1200">
+                <a:solidFill>
+                  <a:schemeClr val="tx1">
+                    <a:lumMod val="75000"/>
+                    <a:lumOff val="25000"/>
+                  </a:schemeClr>
+                </a:solidFill>
+                <a:latin typeface="+mn-lt"/>
+                <a:ea typeface="+mn-ea"/>
+                <a:cs typeface="+mn-cs"/>
+              </a:defRPr>
+            </a:lvl2pPr>
+            <a:lvl3pPr marL="566928" indent="-182880" algn="l" defTabSz="914400" rtl="0" eaLnBrk="1" latinLnBrk="0" hangingPunct="1">
+              <a:lnSpc>
+                <a:spcPct val="90000"/>
+              </a:lnSpc>
+              <a:spcBef>
+                <a:spcPts val="200"/>
+              </a:spcBef>
+              <a:spcAft>
+                <a:spcPts val="400"/>
+              </a:spcAft>
+              <a:buClr>
+                <a:schemeClr val="accent1"/>
+              </a:buClr>
+              <a:buFont typeface="Calibri" pitchFamily="34" charset="0"/>
+              <a:buChar char="◦"/>
+              <a:defRPr sz="1400" kern="1200">
+                <a:solidFill>
+                  <a:schemeClr val="tx1">
+                    <a:lumMod val="75000"/>
+                    <a:lumOff val="25000"/>
+                  </a:schemeClr>
+                </a:solidFill>
+                <a:latin typeface="+mn-lt"/>
+                <a:ea typeface="+mn-ea"/>
+                <a:cs typeface="+mn-cs"/>
+              </a:defRPr>
+            </a:lvl3pPr>
+            <a:lvl4pPr marL="749808" indent="-182880" algn="l" defTabSz="914400" rtl="0" eaLnBrk="1" latinLnBrk="0" hangingPunct="1">
+              <a:lnSpc>
+                <a:spcPct val="90000"/>
+              </a:lnSpc>
+              <a:spcBef>
+                <a:spcPts val="200"/>
+              </a:spcBef>
+              <a:spcAft>
+                <a:spcPts val="400"/>
+              </a:spcAft>
+              <a:buClr>
+                <a:schemeClr val="accent1"/>
+              </a:buClr>
+              <a:buFont typeface="Calibri" pitchFamily="34" charset="0"/>
+              <a:buChar char="◦"/>
+              <a:defRPr sz="1400" kern="1200">
+                <a:solidFill>
+                  <a:schemeClr val="tx1">
+                    <a:lumMod val="75000"/>
+                    <a:lumOff val="25000"/>
+                  </a:schemeClr>
+                </a:solidFill>
+                <a:latin typeface="+mn-lt"/>
+                <a:ea typeface="+mn-ea"/>
+                <a:cs typeface="+mn-cs"/>
+              </a:defRPr>
+            </a:lvl4pPr>
+            <a:lvl5pPr marL="932688" indent="-182880" algn="l" defTabSz="914400" rtl="0" eaLnBrk="1" latinLnBrk="0" hangingPunct="1">
+              <a:lnSpc>
+                <a:spcPct val="90000"/>
+              </a:lnSpc>
+              <a:spcBef>
+                <a:spcPts val="200"/>
+              </a:spcBef>
+              <a:spcAft>
+                <a:spcPts val="400"/>
+              </a:spcAft>
+              <a:buClr>
+                <a:schemeClr val="accent1"/>
+              </a:buClr>
+              <a:buFont typeface="Calibri" pitchFamily="34" charset="0"/>
+              <a:buChar char="◦"/>
+              <a:defRPr sz="1400" kern="1200">
+                <a:solidFill>
+                  <a:schemeClr val="tx1">
+                    <a:lumMod val="75000"/>
+                    <a:lumOff val="25000"/>
+                  </a:schemeClr>
+                </a:solidFill>
+                <a:latin typeface="+mn-lt"/>
+                <a:ea typeface="+mn-ea"/>
+                <a:cs typeface="+mn-cs"/>
+              </a:defRPr>
+            </a:lvl5pPr>
+            <a:lvl6pPr marL="1100000" indent="-228600" algn="l" defTabSz="914400" rtl="0" eaLnBrk="1" latinLnBrk="0" hangingPunct="1">
+              <a:lnSpc>
+                <a:spcPct val="90000"/>
+              </a:lnSpc>
+              <a:spcBef>
+                <a:spcPts val="200"/>
+              </a:spcBef>
+              <a:spcAft>
+                <a:spcPts val="400"/>
+              </a:spcAft>
+              <a:buClr>
+                <a:schemeClr val="accent1"/>
+              </a:buClr>
+              <a:buFont typeface="Calibri" pitchFamily="34" charset="0"/>
+              <a:buChar char="◦"/>
+              <a:defRPr sz="1400" kern="1200">
+                <a:solidFill>
+                  <a:schemeClr val="tx1">
+                    <a:lumMod val="75000"/>
+                    <a:lumOff val="25000"/>
+                  </a:schemeClr>
+                </a:solidFill>
+                <a:latin typeface="+mn-lt"/>
+                <a:ea typeface="+mn-ea"/>
+                <a:cs typeface="+mn-cs"/>
+              </a:defRPr>
+            </a:lvl6pPr>
+            <a:lvl7pPr marL="1300000" indent="-228600" algn="l" defTabSz="914400" rtl="0" eaLnBrk="1" latinLnBrk="0" hangingPunct="1">
+              <a:lnSpc>
+                <a:spcPct val="90000"/>
+              </a:lnSpc>
+              <a:spcBef>
+                <a:spcPts val="200"/>
+              </a:spcBef>
+              <a:spcAft>
+                <a:spcPts val="400"/>
+              </a:spcAft>
+              <a:buClr>
+                <a:schemeClr val="accent1"/>
+              </a:buClr>
+              <a:buFont typeface="Calibri" pitchFamily="34" charset="0"/>
+              <a:buChar char="◦"/>
+              <a:defRPr sz="1400" kern="1200">
+                <a:solidFill>
+                  <a:schemeClr val="tx1">
+                    <a:lumMod val="75000"/>
+                    <a:lumOff val="25000"/>
+                  </a:schemeClr>
+                </a:solidFill>
+                <a:latin typeface="+mn-lt"/>
+                <a:ea typeface="+mn-ea"/>
+                <a:cs typeface="+mn-cs"/>
+              </a:defRPr>
+            </a:lvl7pPr>
+            <a:lvl8pPr marL="1500000" indent="-228600" algn="l" defTabSz="914400" rtl="0" eaLnBrk="1" latinLnBrk="0" hangingPunct="1">
+              <a:lnSpc>
+                <a:spcPct val="90000"/>
+              </a:lnSpc>
+              <a:spcBef>
+                <a:spcPts val="200"/>
+              </a:spcBef>
+              <a:spcAft>
+                <a:spcPts val="400"/>
+              </a:spcAft>
+              <a:buClr>
+                <a:schemeClr val="accent1"/>
+              </a:buClr>
+              <a:buFont typeface="Calibri" pitchFamily="34" charset="0"/>
+              <a:buChar char="◦"/>
+              <a:defRPr sz="1400" kern="1200">
+                <a:solidFill>
+                  <a:schemeClr val="tx1">
+                    <a:lumMod val="75000"/>
+                    <a:lumOff val="25000"/>
+                  </a:schemeClr>
+                </a:solidFill>
+                <a:latin typeface="+mn-lt"/>
+                <a:ea typeface="+mn-ea"/>
+                <a:cs typeface="+mn-cs"/>
+              </a:defRPr>
+            </a:lvl8pPr>
+            <a:lvl9pPr marL="1700000" indent="-228600" algn="l" defTabSz="914400" rtl="0" eaLnBrk="1" latinLnBrk="0" hangingPunct="1">
+              <a:lnSpc>
+                <a:spcPct val="90000"/>
+              </a:lnSpc>
+              <a:spcBef>
+                <a:spcPts val="200"/>
+              </a:spcBef>
+              <a:spcAft>
+                <a:spcPts val="400"/>
+              </a:spcAft>
+              <a:buClr>
+                <a:schemeClr val="accent1"/>
+              </a:buClr>
+              <a:buFont typeface="Calibri" pitchFamily="34" charset="0"/>
+              <a:buChar char="◦"/>
+              <a:defRPr sz="1400" kern="1200">
+                <a:solidFill>
+                  <a:schemeClr val="tx1">
+                    <a:lumMod val="75000"/>
+                    <a:lumOff val="25000"/>
+                  </a:schemeClr>
+                </a:solidFill>
+                <a:latin typeface="+mn-lt"/>
+                <a:ea typeface="+mn-ea"/>
+                <a:cs typeface="+mn-cs"/>
+              </a:defRPr>
+            </a:lvl9pPr>
+          </a:lstStyle>
+          <a:p>
+            <a:r>
+              <a:rPr lang="en-US" dirty="0"/>
+              <a:t>Performed correlation test –</a:t>
+            </a:r>
+          </a:p>
+          <a:p>
+            <a:pPr lvl="1">
+              <a:buFont typeface="Wingdings" panose="05000000000000000000" pitchFamily="2" charset="2"/>
+              <a:buChar char="q"/>
+            </a:pPr>
+            <a:r>
+              <a:rPr lang="en-US" dirty="0"/>
+              <a:t> between predicted values of LSTM and actual sentiments</a:t>
+            </a:r>
+          </a:p>
+          <a:p>
+            <a:pPr lvl="1">
+              <a:buFont typeface="Wingdings" panose="05000000000000000000" pitchFamily="2" charset="2"/>
+              <a:buChar char="q"/>
+            </a:pPr>
+            <a:r>
+              <a:rPr lang="en-US" dirty="0"/>
+              <a:t> on 4500 documents (sentiments)</a:t>
+            </a:r>
+            <a:endParaRPr lang="en-IN" dirty="0"/>
+          </a:p>
+        </p:txBody>
+      </p:sp>
+    </p:spTree>
+    <p:extLst>
+      <p:ext uri="{BB962C8B-B14F-4D97-AF65-F5344CB8AC3E}">
+        <p14:creationId xmlns:p14="http://schemas.microsoft.com/office/powerpoint/2010/main" val="2650533880"/>
+      </p:ext>
+    </p:extLst>
+  </p:cSld>
+  <p:clrMapOvr>
+    <a:masterClrMapping/>
+  </p:clrMapOvr>
+</p:sld>
+</file>
+
+<file path=ppt/slides/slide16.xml><?xml version="1.0" encoding="utf-8"?>
+<p:sld xmlns:a="http://schemas.openxmlformats.org/drawingml/2006/main" xmlns:r="http://schemas.openxmlformats.org/officeDocument/2006/relationships" xmlns:p="http://schemas.openxmlformats.org/presentationml/2006/main">
+  <p:cSld>
+    <p:spTree>
+      <p:nvGrpSpPr>
+        <p:cNvPr id="1" name=""/>
+        <p:cNvGrpSpPr/>
+        <p:nvPr/>
+      </p:nvGrpSpPr>
+      <p:grpSpPr>
+        <a:xfrm>
+          <a:off x="0" y="0"/>
+          <a:ext cx="0" cy="0"/>
+          <a:chOff x="0" y="0"/>
+          <a:chExt cx="0" cy="0"/>
+        </a:xfrm>
+      </p:grpSpPr>
+      <p:sp>
+        <p:nvSpPr>
+          <p:cNvPr id="2" name="Title 1">
+            <a:extLst>
+              <a:ext uri="{FF2B5EF4-FFF2-40B4-BE49-F238E27FC236}">
+                <a16:creationId xmlns:a16="http://schemas.microsoft.com/office/drawing/2014/main" id="{8A0EA723-E566-4802-B64E-79D152BF2771}"/>
+              </a:ext>
+            </a:extLst>
+          </p:cNvPr>
+          <p:cNvSpPr>
+            <a:spLocks noGrp="1"/>
+          </p:cNvSpPr>
+          <p:nvPr>
+            <p:ph type="title"/>
+          </p:nvPr>
+        </p:nvSpPr>
+        <p:spPr/>
+        <p:txBody>
+          <a:bodyPr/>
+          <a:lstStyle/>
+          <a:p>
+            <a:r>
+              <a:rPr lang="en-US" dirty="0"/>
+              <a:t>Results – Characteristic Values</a:t>
+            </a:r>
+            <a:endParaRPr lang="en-IN" dirty="0"/>
+          </a:p>
+        </p:txBody>
+      </p:sp>
+      <p:graphicFrame>
+        <p:nvGraphicFramePr>
+          <p:cNvPr id="4" name="Table 4">
+            <a:extLst>
+              <a:ext uri="{FF2B5EF4-FFF2-40B4-BE49-F238E27FC236}">
+                <a16:creationId xmlns:a16="http://schemas.microsoft.com/office/drawing/2014/main" id="{5FA428A6-2A71-4311-BD50-6D6D0CA1E1C6}"/>
+              </a:ext>
+            </a:extLst>
+          </p:cNvPr>
+          <p:cNvGraphicFramePr>
+            <a:graphicFrameLocks/>
+          </p:cNvGraphicFramePr>
+          <p:nvPr>
+            <p:extLst>
+              <p:ext uri="{D42A27DB-BD31-4B8C-83A1-F6EECF244321}">
+                <p14:modId xmlns:p14="http://schemas.microsoft.com/office/powerpoint/2010/main" val="3689156930"/>
+              </p:ext>
+            </p:extLst>
+          </p:nvPr>
+        </p:nvGraphicFramePr>
+        <p:xfrm>
+          <a:off x="1097282" y="1810137"/>
+          <a:ext cx="10058398" cy="1618863"/>
+        </p:xfrm>
+        <a:graphic>
+          <a:graphicData uri="http://schemas.openxmlformats.org/drawingml/2006/table">
+            <a:tbl>
+              <a:tblPr firstRow="1" bandRow="1">
+                <a:tableStyleId>{5C22544A-7EE6-4342-B048-85BDC9FD1C3A}</a:tableStyleId>
+              </a:tblPr>
+              <a:tblGrid>
+                <a:gridCol w="5029199">
+                  <a:extLst>
+                    <a:ext uri="{9D8B030D-6E8A-4147-A177-3AD203B41FA5}">
+                      <a16:colId xmlns:a16="http://schemas.microsoft.com/office/drawing/2014/main" val="1751390694"/>
+                    </a:ext>
+                  </a:extLst>
+                </a:gridCol>
+                <a:gridCol w="5029199">
+                  <a:extLst>
+                    <a:ext uri="{9D8B030D-6E8A-4147-A177-3AD203B41FA5}">
+                      <a16:colId xmlns:a16="http://schemas.microsoft.com/office/drawing/2014/main" val="3117942810"/>
+                    </a:ext>
+                  </a:extLst>
+                </a:gridCol>
+              </a:tblGrid>
+              <a:tr h="539621">
+                <a:tc>
+                  <a:txBody>
+                    <a:bodyPr/>
+                    <a:lstStyle/>
+                    <a:p>
+                      <a:pPr algn="ctr"/>
+                      <a:r>
+                        <a:rPr lang="en-IN" dirty="0"/>
+                        <a:t>Deviations</a:t>
+                      </a:r>
+                    </a:p>
+                  </a:txBody>
+                  <a:tcPr/>
+                </a:tc>
+                <a:tc>
+                  <a:txBody>
+                    <a:bodyPr/>
+                    <a:lstStyle/>
+                    <a:p>
+                      <a:pPr algn="ctr"/>
+                      <a:r>
+                        <a:rPr lang="en-IN" dirty="0"/>
+                        <a:t>LSTM and User sentiment</a:t>
+                      </a:r>
+                    </a:p>
+                  </a:txBody>
+                  <a:tcPr/>
+                </a:tc>
+                <a:extLst>
+                  <a:ext uri="{0D108BD9-81ED-4DB2-BD59-A6C34878D82A}">
+                    <a16:rowId xmlns:a16="http://schemas.microsoft.com/office/drawing/2014/main" val="4048768587"/>
+                  </a:ext>
+                </a:extLst>
+              </a:tr>
+              <a:tr h="539621">
+                <a:tc>
+                  <a:txBody>
+                    <a:bodyPr/>
+                    <a:lstStyle/>
+                    <a:p>
+                      <a:pPr algn="ctr"/>
+                      <a:r>
+                        <a:rPr lang="en-US" b="1" dirty="0"/>
+                        <a:t>Mean</a:t>
+                      </a:r>
+                      <a:endParaRPr lang="en-IN" b="1" dirty="0"/>
+                    </a:p>
+                  </a:txBody>
+                  <a:tcPr/>
+                </a:tc>
+                <a:tc>
+                  <a:txBody>
+                    <a:bodyPr/>
+                    <a:lstStyle/>
+                    <a:p>
+                      <a:pPr algn="ctr"/>
+                      <a:r>
+                        <a:rPr lang="en-US" dirty="0"/>
+                        <a:t>0.133</a:t>
+                      </a:r>
+                      <a:endParaRPr lang="en-IN" dirty="0"/>
+                    </a:p>
+                  </a:txBody>
+                  <a:tcPr/>
+                </a:tc>
+                <a:extLst>
+                  <a:ext uri="{0D108BD9-81ED-4DB2-BD59-A6C34878D82A}">
+                    <a16:rowId xmlns:a16="http://schemas.microsoft.com/office/drawing/2014/main" val="2314431744"/>
+                  </a:ext>
+                </a:extLst>
+              </a:tr>
+              <a:tr h="539621">
+                <a:tc>
+                  <a:txBody>
+                    <a:bodyPr/>
+                    <a:lstStyle/>
+                    <a:p>
+                      <a:pPr algn="ctr"/>
+                      <a:r>
+                        <a:rPr lang="en-IN" sz="1800" b="1" i="0" u="none" strike="noStrike" kern="1200" dirty="0">
+                          <a:solidFill>
+                            <a:schemeClr val="dk1"/>
+                          </a:solidFill>
+                          <a:effectLst/>
+                          <a:latin typeface="+mn-lt"/>
+                          <a:ea typeface="+mn-ea"/>
+                          <a:cs typeface="+mn-cs"/>
+                        </a:rPr>
+                        <a:t>Standard Deviation</a:t>
+                      </a:r>
+                      <a:endParaRPr lang="en-IN" b="1" dirty="0"/>
+                    </a:p>
+                  </a:txBody>
+                  <a:tcPr/>
+                </a:tc>
+                <a:tc>
+                  <a:txBody>
+                    <a:bodyPr/>
+                    <a:lstStyle/>
+                    <a:p>
+                      <a:pPr algn="ctr"/>
+                      <a:r>
+                        <a:rPr lang="en-US" dirty="0"/>
+                        <a:t>0.147</a:t>
+                      </a:r>
+                      <a:endParaRPr lang="en-IN" dirty="0"/>
+                    </a:p>
+                  </a:txBody>
+                  <a:tcPr/>
+                </a:tc>
+                <a:extLst>
+                  <a:ext uri="{0D108BD9-81ED-4DB2-BD59-A6C34878D82A}">
+                    <a16:rowId xmlns:a16="http://schemas.microsoft.com/office/drawing/2014/main" val="3134548809"/>
+                  </a:ext>
+                </a:extLst>
+              </a:tr>
+            </a:tbl>
+          </a:graphicData>
+        </a:graphic>
+      </p:graphicFrame>
+      <p:pic>
+        <p:nvPicPr>
+          <p:cNvPr id="7" name="Picture 6">
+            <a:extLst>
+              <a:ext uri="{FF2B5EF4-FFF2-40B4-BE49-F238E27FC236}">
+                <a16:creationId xmlns:a16="http://schemas.microsoft.com/office/drawing/2014/main" id="{7D2C5639-0643-471A-BA4B-2DD95C967A3A}"/>
+              </a:ext>
+            </a:extLst>
+          </p:cNvPr>
+          <p:cNvPicPr/>
+          <p:nvPr/>
+        </p:nvPicPr>
+        <p:blipFill>
+          <a:blip r:embed="rId2"/>
+          <a:stretch>
+            <a:fillRect/>
+          </a:stretch>
+        </p:blipFill>
+        <p:spPr>
+          <a:xfrm>
+            <a:off x="3654179" y="3702307"/>
+            <a:ext cx="4883642" cy="2495550"/>
+          </a:xfrm>
+          <a:prstGeom prst="rect">
+            <a:avLst/>
+          </a:prstGeom>
+        </p:spPr>
+      </p:pic>
+    </p:spTree>
+    <p:extLst>
+      <p:ext uri="{BB962C8B-B14F-4D97-AF65-F5344CB8AC3E}">
+        <p14:creationId xmlns:p14="http://schemas.microsoft.com/office/powerpoint/2010/main" val="2291112059"/>
+      </p:ext>
+    </p:extLst>
+  </p:cSld>
+  <p:clrMapOvr>
+    <a:masterClrMapping/>
+  </p:clrMapOvr>
+</p:sld>
+</file>
+
+<file path=ppt/slides/slide17.xml><?xml version="1.0" encoding="utf-8"?>
+<p:sld xmlns:a="http://schemas.openxmlformats.org/drawingml/2006/main" xmlns:r="http://schemas.openxmlformats.org/officeDocument/2006/relationships" xmlns:p="http://schemas.openxmlformats.org/presentationml/2006/main">
+  <p:cSld>
+    <p:spTree>
+      <p:nvGrpSpPr>
+        <p:cNvPr id="1" name=""/>
+        <p:cNvGrpSpPr/>
+        <p:nvPr/>
+      </p:nvGrpSpPr>
+      <p:grpSpPr>
+        <a:xfrm>
+          <a:off x="0" y="0"/>
+          <a:ext cx="0" cy="0"/>
+          <a:chOff x="0" y="0"/>
+          <a:chExt cx="0" cy="0"/>
+        </a:xfrm>
+      </p:grpSpPr>
+      <p:sp>
+        <p:nvSpPr>
+          <p:cNvPr id="2" name="Title 1">
+            <a:extLst>
+              <a:ext uri="{FF2B5EF4-FFF2-40B4-BE49-F238E27FC236}">
+                <a16:creationId xmlns:a16="http://schemas.microsoft.com/office/drawing/2014/main" id="{A7B826EE-355C-4EBF-8A8A-98021C747D51}"/>
+              </a:ext>
+            </a:extLst>
+          </p:cNvPr>
+          <p:cNvSpPr>
+            <a:spLocks noGrp="1"/>
+          </p:cNvSpPr>
+          <p:nvPr>
+            <p:ph type="title"/>
+          </p:nvPr>
+        </p:nvSpPr>
+        <p:spPr/>
+        <p:txBody>
+          <a:bodyPr/>
+          <a:lstStyle/>
+          <a:p>
+            <a:r>
+              <a:rPr lang="en-IN" dirty="0"/>
+              <a:t>Thank you!</a:t>
+            </a:r>
+          </a:p>
+        </p:txBody>
+      </p:sp>
+    </p:spTree>
+    <p:extLst>
+      <p:ext uri="{BB962C8B-B14F-4D97-AF65-F5344CB8AC3E}">
+        <p14:creationId xmlns:p14="http://schemas.microsoft.com/office/powerpoint/2010/main" val="3644776996"/>
+      </p:ext>
+    </p:extLst>
+  </p:cSld>
+  <p:clrMapOvr>
+    <a:masterClrMapping/>
+  </p:clrMapOvr>
+</p:sld>
+</file>
+
+<file path=ppt/slides/slide18.xml><?xml version="1.0" encoding="utf-8"?>
+<p:sld xmlns:a="http://schemas.openxmlformats.org/drawingml/2006/main" xmlns:r="http://schemas.openxmlformats.org/officeDocument/2006/relationships" xmlns:p="http://schemas.openxmlformats.org/presentationml/2006/main">
+  <p:cSld>
+    <p:spTree>
+      <p:nvGrpSpPr>
+        <p:cNvPr id="1" name=""/>
+        <p:cNvGrpSpPr/>
+        <p:nvPr/>
+      </p:nvGrpSpPr>
+      <p:grpSpPr>
+        <a:xfrm>
+          <a:off x="0" y="0"/>
+          <a:ext cx="0" cy="0"/>
+          <a:chOff x="0" y="0"/>
+          <a:chExt cx="0" cy="0"/>
+        </a:xfrm>
+      </p:grpSpPr>
+      <p:sp>
+        <p:nvSpPr>
+          <p:cNvPr id="2" name="Title 1">
+            <a:extLst>
+              <a:ext uri="{FF2B5EF4-FFF2-40B4-BE49-F238E27FC236}">
+                <a16:creationId xmlns:a16="http://schemas.microsoft.com/office/drawing/2014/main" id="{94420B2A-712C-4C70-BE61-0384FC337D17}"/>
+              </a:ext>
+            </a:extLst>
+          </p:cNvPr>
+          <p:cNvSpPr>
+            <a:spLocks noGrp="1"/>
+          </p:cNvSpPr>
+          <p:nvPr>
+            <p:ph type="title"/>
+          </p:nvPr>
+        </p:nvSpPr>
+        <p:spPr/>
+        <p:txBody>
+          <a:bodyPr/>
+          <a:lstStyle/>
+          <a:p>
+            <a:r>
+              <a:rPr lang="en-IN" dirty="0"/>
+              <a:t>References</a:t>
+            </a:r>
+          </a:p>
+        </p:txBody>
+      </p:sp>
+      <p:sp>
+        <p:nvSpPr>
+          <p:cNvPr id="3" name="Content Placeholder 2">
+            <a:extLst>
+              <a:ext uri="{FF2B5EF4-FFF2-40B4-BE49-F238E27FC236}">
+                <a16:creationId xmlns:a16="http://schemas.microsoft.com/office/drawing/2014/main" id="{5426B23E-0255-429E-89D5-698B472FE676}"/>
+              </a:ext>
+            </a:extLst>
+          </p:cNvPr>
+          <p:cNvSpPr>
+            <a:spLocks noGrp="1"/>
+          </p:cNvSpPr>
+          <p:nvPr>
+            <p:ph idx="1"/>
+          </p:nvPr>
+        </p:nvSpPr>
+        <p:spPr/>
+        <p:txBody>
+          <a:bodyPr/>
+          <a:lstStyle/>
+          <a:p>
+            <a:r>
+              <a:rPr lang="en-US" dirty="0"/>
+              <a:t>[1] Andrew L. Maas, Raymond E. Daly, Peter T. Pham, Dan Huang, Andrew Y. Ng, and Christopher Potts. (2011). Learning Word Vectors for Sentiment Analysis. The 49th Annual Meeting of the Association for Computational Linguistics (ACL 2011).</a:t>
+            </a:r>
+            <a:endParaRPr lang="en-IN" dirty="0"/>
+          </a:p>
+        </p:txBody>
+      </p:sp>
+    </p:spTree>
+    <p:extLst>
+      <p:ext uri="{BB962C8B-B14F-4D97-AF65-F5344CB8AC3E}">
+        <p14:creationId xmlns:p14="http://schemas.microsoft.com/office/powerpoint/2010/main" val="2140858965"/>
       </p:ext>
     </p:extLst>
   </p:cSld>
@@ -3949,6 +7749,215 @@
           <p:cNvPr id="2" name="Title 1">
             <a:extLst>
               <a:ext uri="{FF2B5EF4-FFF2-40B4-BE49-F238E27FC236}">
+                <a16:creationId xmlns:a16="http://schemas.microsoft.com/office/drawing/2014/main" id="{8011FCE9-3CE1-418A-9429-4FCB88EE7E8A}"/>
+              </a:ext>
+            </a:extLst>
+          </p:cNvPr>
+          <p:cNvSpPr>
+            <a:spLocks noGrp="1"/>
+          </p:cNvSpPr>
+          <p:nvPr>
+            <p:ph type="title"/>
+          </p:nvPr>
+        </p:nvSpPr>
+        <p:spPr/>
+        <p:txBody>
+          <a:bodyPr/>
+          <a:lstStyle/>
+          <a:p>
+            <a:r>
+              <a:rPr lang="en-US" dirty="0"/>
+              <a:t>Introduction</a:t>
+            </a:r>
+            <a:endParaRPr lang="en-IN" dirty="0"/>
+          </a:p>
+        </p:txBody>
+      </p:sp>
+      <p:sp>
+        <p:nvSpPr>
+          <p:cNvPr id="3" name="Content Placeholder 2">
+            <a:extLst>
+              <a:ext uri="{FF2B5EF4-FFF2-40B4-BE49-F238E27FC236}">
+                <a16:creationId xmlns:a16="http://schemas.microsoft.com/office/drawing/2014/main" id="{18156B32-C8E0-42B8-BB2B-6477C2DBFDF6}"/>
+              </a:ext>
+            </a:extLst>
+          </p:cNvPr>
+          <p:cNvSpPr>
+            <a:spLocks noGrp="1"/>
+          </p:cNvSpPr>
+          <p:nvPr>
+            <p:ph idx="1"/>
+          </p:nvPr>
+        </p:nvSpPr>
+        <p:spPr/>
+        <p:txBody>
+          <a:bodyPr/>
+          <a:lstStyle/>
+          <a:p>
+            <a:endParaRPr lang="en-IN" dirty="0"/>
+          </a:p>
+        </p:txBody>
+      </p:sp>
+    </p:spTree>
+    <p:extLst>
+      <p:ext uri="{BB962C8B-B14F-4D97-AF65-F5344CB8AC3E}">
+        <p14:creationId xmlns:p14="http://schemas.microsoft.com/office/powerpoint/2010/main" val="3054302855"/>
+      </p:ext>
+    </p:extLst>
+  </p:cSld>
+  <p:clrMapOvr>
+    <a:masterClrMapping/>
+  </p:clrMapOvr>
+</p:sld>
+</file>
+
+<file path=ppt/slides/slide3.xml><?xml version="1.0" encoding="utf-8"?>
+<p:sld xmlns:a="http://schemas.openxmlformats.org/drawingml/2006/main" xmlns:r="http://schemas.openxmlformats.org/officeDocument/2006/relationships" xmlns:p="http://schemas.openxmlformats.org/presentationml/2006/main">
+  <p:cSld>
+    <p:spTree>
+      <p:nvGrpSpPr>
+        <p:cNvPr id="1" name=""/>
+        <p:cNvGrpSpPr/>
+        <p:nvPr/>
+      </p:nvGrpSpPr>
+      <p:grpSpPr>
+        <a:xfrm>
+          <a:off x="0" y="0"/>
+          <a:ext cx="0" cy="0"/>
+          <a:chOff x="0" y="0"/>
+          <a:chExt cx="0" cy="0"/>
+        </a:xfrm>
+      </p:grpSpPr>
+      <p:sp>
+        <p:nvSpPr>
+          <p:cNvPr id="2" name="Title 1">
+            <a:extLst>
+              <a:ext uri="{FF2B5EF4-FFF2-40B4-BE49-F238E27FC236}">
+                <a16:creationId xmlns:a16="http://schemas.microsoft.com/office/drawing/2014/main" id="{F08245DE-4F37-42B3-8498-ADDF62ACA442}"/>
+              </a:ext>
+            </a:extLst>
+          </p:cNvPr>
+          <p:cNvSpPr>
+            <a:spLocks noGrp="1"/>
+          </p:cNvSpPr>
+          <p:nvPr>
+            <p:ph type="title"/>
+          </p:nvPr>
+        </p:nvSpPr>
+        <p:spPr/>
+        <p:txBody>
+          <a:bodyPr/>
+          <a:lstStyle/>
+          <a:p>
+            <a:r>
+              <a:rPr lang="en-US" dirty="0"/>
+              <a:t>Structure of RNN</a:t>
+            </a:r>
+            <a:endParaRPr lang="en-IN" dirty="0"/>
+          </a:p>
+        </p:txBody>
+      </p:sp>
+      <p:pic>
+        <p:nvPicPr>
+          <p:cNvPr id="5" name="Picture 4">
+            <a:extLst>
+              <a:ext uri="{FF2B5EF4-FFF2-40B4-BE49-F238E27FC236}">
+                <a16:creationId xmlns:a16="http://schemas.microsoft.com/office/drawing/2014/main" id="{E4EAD9D1-8101-4D88-89F1-02A2ACC2CDF1}"/>
+              </a:ext>
+            </a:extLst>
+          </p:cNvPr>
+          <p:cNvPicPr>
+            <a:picLocks noChangeAspect="1"/>
+          </p:cNvPicPr>
+          <p:nvPr/>
+        </p:nvPicPr>
+        <p:blipFill>
+          <a:blip r:embed="rId3">
+            <a:extLst>
+              <a:ext uri="{28A0092B-C50C-407E-A947-70E740481C1C}">
+                <a14:useLocalDpi xmlns:a14="http://schemas.microsoft.com/office/drawing/2010/main" val="0"/>
+              </a:ext>
+            </a:extLst>
+          </a:blip>
+          <a:stretch>
+            <a:fillRect/>
+          </a:stretch>
+        </p:blipFill>
+        <p:spPr>
+          <a:xfrm>
+            <a:off x="1614195" y="2292071"/>
+            <a:ext cx="3802769" cy="3513951"/>
+          </a:xfrm>
+          <a:prstGeom prst="rect">
+            <a:avLst/>
+          </a:prstGeom>
+        </p:spPr>
+      </p:pic>
+      <p:pic>
+        <p:nvPicPr>
+          <p:cNvPr id="7" name="Picture 6">
+            <a:extLst>
+              <a:ext uri="{FF2B5EF4-FFF2-40B4-BE49-F238E27FC236}">
+                <a16:creationId xmlns:a16="http://schemas.microsoft.com/office/drawing/2014/main" id="{C928818D-E554-4149-A5E1-3D123B248778}"/>
+              </a:ext>
+            </a:extLst>
+          </p:cNvPr>
+          <p:cNvPicPr>
+            <a:picLocks noChangeAspect="1"/>
+          </p:cNvPicPr>
+          <p:nvPr/>
+        </p:nvPicPr>
+        <p:blipFill>
+          <a:blip r:embed="rId4"/>
+          <a:stretch>
+            <a:fillRect/>
+          </a:stretch>
+        </p:blipFill>
+        <p:spPr>
+          <a:xfrm>
+            <a:off x="6775037" y="2700459"/>
+            <a:ext cx="3276600" cy="2686050"/>
+          </a:xfrm>
+          <a:prstGeom prst="rect">
+            <a:avLst/>
+          </a:prstGeom>
+        </p:spPr>
+      </p:pic>
+    </p:spTree>
+    <p:extLst>
+      <p:ext uri="{BB962C8B-B14F-4D97-AF65-F5344CB8AC3E}">
+        <p14:creationId xmlns:p14="http://schemas.microsoft.com/office/powerpoint/2010/main" val="2111011612"/>
+      </p:ext>
+    </p:extLst>
+  </p:cSld>
+  <p:clrMapOvr>
+    <a:masterClrMapping/>
+  </p:clrMapOvr>
+</p:sld>
+</file>
+
+<file path=ppt/slides/slide4.xml><?xml version="1.0" encoding="utf-8"?>
+<p:sld xmlns:a="http://schemas.openxmlformats.org/drawingml/2006/main" xmlns:r="http://schemas.openxmlformats.org/officeDocument/2006/relationships" xmlns:p="http://schemas.openxmlformats.org/presentationml/2006/main">
+  <p:cSld>
+    <p:spTree>
+      <p:nvGrpSpPr>
+        <p:cNvPr id="1" name=""/>
+        <p:cNvGrpSpPr/>
+        <p:nvPr/>
+      </p:nvGrpSpPr>
+      <p:grpSpPr>
+        <a:xfrm>
+          <a:off x="0" y="0"/>
+          <a:ext cx="0" cy="0"/>
+          <a:chOff x="0" y="0"/>
+          <a:chExt cx="0" cy="0"/>
+        </a:xfrm>
+      </p:grpSpPr>
+      <p:sp>
+        <p:nvSpPr>
+          <p:cNvPr id="2" name="Title 1">
+            <a:extLst>
+              <a:ext uri="{FF2B5EF4-FFF2-40B4-BE49-F238E27FC236}">
                 <a16:creationId xmlns:a16="http://schemas.microsoft.com/office/drawing/2014/main" id="{02112F22-C8A2-446D-9052-E50E6A1412CB}"/>
               </a:ext>
             </a:extLst>
@@ -3967,7 +7976,7 @@
           <a:p>
             <a:r>
               <a:rPr lang="en-IN" dirty="0"/>
-              <a:t>Vanishing Gradient Problem</a:t>
+              <a:t>Vanishing Gradient Problem in RNNs</a:t>
             </a:r>
           </a:p>
         </p:txBody>
@@ -3989,7 +7998,7 @@
           </p:nvPr>
         </p:nvPicPr>
         <p:blipFill>
-          <a:blip r:embed="rId2">
+          <a:blip r:embed="rId3">
             <a:extLst>
               <a:ext uri="{28A0092B-C50C-407E-A947-70E740481C1C}">
                 <a14:useLocalDpi xmlns:a14="http://schemas.microsoft.com/office/drawing/2010/main" val="0"/>
@@ -4020,7 +8029,7 @@
 </p:sld>
 </file>
 
-<file path=ppt/slides/slide3.xml><?xml version="1.0" encoding="utf-8"?>
+<file path=ppt/slides/slide5.xml><?xml version="1.0" encoding="utf-8"?>
 <p:sld xmlns:a="http://schemas.openxmlformats.org/drawingml/2006/main" xmlns:r="http://schemas.openxmlformats.org/officeDocument/2006/relationships" xmlns:p="http://schemas.openxmlformats.org/presentationml/2006/main">
   <p:cSld>
     <p:spTree>
@@ -4060,7 +8069,7 @@
           <a:p>
             <a:r>
               <a:rPr lang="en-IN" dirty="0"/>
-              <a:t>Human Memory</a:t>
+              <a:t>LSTMs mimic Human Memory</a:t>
             </a:r>
           </a:p>
         </p:txBody>
@@ -4082,7 +8091,7 @@
           </p:nvPr>
         </p:nvPicPr>
         <p:blipFill>
-          <a:blip r:embed="rId2">
+          <a:blip r:embed="rId3">
             <a:extLst>
               <a:ext uri="{28A0092B-C50C-407E-A947-70E740481C1C}">
                 <a14:useLocalDpi xmlns:a14="http://schemas.microsoft.com/office/drawing/2010/main" val="0"/>
@@ -4113,7 +8122,7 @@
 </p:sld>
 </file>
 
-<file path=ppt/slides/slide4.xml><?xml version="1.0" encoding="utf-8"?>
+<file path=ppt/slides/slide6.xml><?xml version="1.0" encoding="utf-8"?>
 <p:sld xmlns:a="http://schemas.openxmlformats.org/drawingml/2006/main" xmlns:r="http://schemas.openxmlformats.org/officeDocument/2006/relationships" xmlns:p="http://schemas.openxmlformats.org/presentationml/2006/main">
   <p:cSld>
     <p:spTree>
@@ -4153,7 +8162,7 @@
           <a:p>
             <a:r>
               <a:rPr lang="en-IN" dirty="0"/>
-              <a:t>LSTM Structure</a:t>
+              <a:t>LSTM Architecture</a:t>
             </a:r>
           </a:p>
         </p:txBody>
@@ -4175,7 +8184,7 @@
           </p:nvPr>
         </p:nvPicPr>
         <p:blipFill>
-          <a:blip r:embed="rId2">
+          <a:blip r:embed="rId3">
             <a:extLst>
               <a:ext uri="{28A0092B-C50C-407E-A947-70E740481C1C}">
                 <a14:useLocalDpi xmlns:a14="http://schemas.microsoft.com/office/drawing/2010/main" val="0"/>
@@ -4206,7 +8215,7 @@
 </p:sld>
 </file>
 
-<file path=ppt/slides/slide5.xml><?xml version="1.0" encoding="utf-8"?>
+<file path=ppt/slides/slide7.xml><?xml version="1.0" encoding="utf-8"?>
 <p:sld xmlns:a="http://schemas.openxmlformats.org/drawingml/2006/main" xmlns:r="http://schemas.openxmlformats.org/officeDocument/2006/relationships" xmlns:p="http://schemas.openxmlformats.org/presentationml/2006/main">
   <p:cSld>
     <p:spTree>
@@ -4268,7 +8277,7 @@
           </p:nvPr>
         </p:nvPicPr>
         <p:blipFill>
-          <a:blip r:embed="rId2">
+          <a:blip r:embed="rId3">
             <a:extLst>
               <a:ext uri="{28A0092B-C50C-407E-A947-70E740481C1C}">
                 <a14:useLocalDpi xmlns:a14="http://schemas.microsoft.com/office/drawing/2010/main" val="0"/>
@@ -4299,7 +8308,7 @@
 </p:sld>
 </file>
 
-<file path=ppt/slides/slide6.xml><?xml version="1.0" encoding="utf-8"?>
+<file path=ppt/slides/slide8.xml><?xml version="1.0" encoding="utf-8"?>
 <p:sld xmlns:a="http://schemas.openxmlformats.org/drawingml/2006/main" xmlns:r="http://schemas.openxmlformats.org/officeDocument/2006/relationships" xmlns:p="http://schemas.openxmlformats.org/presentationml/2006/main">
   <p:cSld>
     <p:spTree>
@@ -4361,7 +8370,7 @@
           </p:nvPr>
         </p:nvPicPr>
         <p:blipFill>
-          <a:blip r:embed="rId2">
+          <a:blip r:embed="rId3">
             <a:extLst>
               <a:ext uri="{28A0092B-C50C-407E-A947-70E740481C1C}">
                 <a14:useLocalDpi xmlns:a14="http://schemas.microsoft.com/office/drawing/2010/main" val="0"/>
@@ -4392,7 +8401,7 @@
 </p:sld>
 </file>
 
-<file path=ppt/slides/slide7.xml><?xml version="1.0" encoding="utf-8"?>
+<file path=ppt/slides/slide9.xml><?xml version="1.0" encoding="utf-8"?>
 <p:sld xmlns:a="http://schemas.openxmlformats.org/drawingml/2006/main" xmlns:r="http://schemas.openxmlformats.org/officeDocument/2006/relationships" xmlns:p="http://schemas.openxmlformats.org/presentationml/2006/main">
   <p:cSld>
     <p:spTree>
@@ -4454,7 +8463,7 @@
           </p:nvPr>
         </p:nvPicPr>
         <p:blipFill>
-          <a:blip r:embed="rId2">
+          <a:blip r:embed="rId3">
             <a:extLst>
               <a:ext uri="{28A0092B-C50C-407E-A947-70E740481C1C}">
                 <a14:useLocalDpi xmlns:a14="http://schemas.microsoft.com/office/drawing/2010/main" val="0"/>
@@ -4476,182 +8485,6 @@
     <p:extLst>
       <p:ext uri="{BB962C8B-B14F-4D97-AF65-F5344CB8AC3E}">
         <p14:creationId xmlns:p14="http://schemas.microsoft.com/office/powerpoint/2010/main" val="2396599788"/>
-      </p:ext>
-    </p:extLst>
-  </p:cSld>
-  <p:clrMapOvr>
-    <a:masterClrMapping/>
-  </p:clrMapOvr>
-</p:sld>
-</file>
-
-<file path=ppt/slides/slide8.xml><?xml version="1.0" encoding="utf-8"?>
-<p:sld xmlns:a="http://schemas.openxmlformats.org/drawingml/2006/main" xmlns:r="http://schemas.openxmlformats.org/officeDocument/2006/relationships" xmlns:p="http://schemas.openxmlformats.org/presentationml/2006/main">
-  <p:cSld>
-    <p:spTree>
-      <p:nvGrpSpPr>
-        <p:cNvPr id="1" name=""/>
-        <p:cNvGrpSpPr/>
-        <p:nvPr/>
-      </p:nvGrpSpPr>
-      <p:grpSpPr>
-        <a:xfrm>
-          <a:off x="0" y="0"/>
-          <a:ext cx="0" cy="0"/>
-          <a:chOff x="0" y="0"/>
-          <a:chExt cx="0" cy="0"/>
-        </a:xfrm>
-      </p:grpSpPr>
-      <p:sp>
-        <p:nvSpPr>
-          <p:cNvPr id="2" name="Title 1">
-            <a:extLst>
-              <a:ext uri="{FF2B5EF4-FFF2-40B4-BE49-F238E27FC236}">
-                <a16:creationId xmlns:a16="http://schemas.microsoft.com/office/drawing/2014/main" id="{DAD6F3E8-ADD5-4647-8413-620A0E2F6604}"/>
-              </a:ext>
-            </a:extLst>
-          </p:cNvPr>
-          <p:cNvSpPr>
-            <a:spLocks noGrp="1"/>
-          </p:cNvSpPr>
-          <p:nvPr>
-            <p:ph type="title"/>
-          </p:nvPr>
-        </p:nvSpPr>
-        <p:spPr/>
-        <p:txBody>
-          <a:bodyPr/>
-          <a:lstStyle/>
-          <a:p>
-            <a:r>
-              <a:rPr lang="en-IN" dirty="0"/>
-              <a:t>Output Gate</a:t>
-            </a:r>
-          </a:p>
-        </p:txBody>
-      </p:sp>
-      <p:pic>
-        <p:nvPicPr>
-          <p:cNvPr id="5" name="Content Placeholder 4">
-            <a:extLst>
-              <a:ext uri="{FF2B5EF4-FFF2-40B4-BE49-F238E27FC236}">
-                <a16:creationId xmlns:a16="http://schemas.microsoft.com/office/drawing/2014/main" id="{2DADAF21-D070-4D78-884D-520F0A67CAAE}"/>
-              </a:ext>
-            </a:extLst>
-          </p:cNvPr>
-          <p:cNvPicPr>
-            <a:picLocks noGrp="1" noChangeAspect="1"/>
-          </p:cNvPicPr>
-          <p:nvPr>
-            <p:ph idx="1"/>
-          </p:nvPr>
-        </p:nvPicPr>
-        <p:blipFill>
-          <a:blip r:embed="rId2">
-            <a:extLst>
-              <a:ext uri="{28A0092B-C50C-407E-A947-70E740481C1C}">
-                <a14:useLocalDpi xmlns:a14="http://schemas.microsoft.com/office/drawing/2010/main" val="0"/>
-              </a:ext>
-            </a:extLst>
-          </a:blip>
-          <a:stretch>
-            <a:fillRect/>
-          </a:stretch>
-        </p:blipFill>
-        <p:spPr>
-          <a:xfrm>
-            <a:off x="1879953" y="1846263"/>
-            <a:ext cx="8492419" cy="4367925"/>
-          </a:xfrm>
-        </p:spPr>
-      </p:pic>
-    </p:spTree>
-    <p:extLst>
-      <p:ext uri="{BB962C8B-B14F-4D97-AF65-F5344CB8AC3E}">
-        <p14:creationId xmlns:p14="http://schemas.microsoft.com/office/powerpoint/2010/main" val="201911558"/>
-      </p:ext>
-    </p:extLst>
-  </p:cSld>
-  <p:clrMapOvr>
-    <a:masterClrMapping/>
-  </p:clrMapOvr>
-</p:sld>
-</file>
-
-<file path=ppt/slides/slide9.xml><?xml version="1.0" encoding="utf-8"?>
-<p:sld xmlns:a="http://schemas.openxmlformats.org/drawingml/2006/main" xmlns:r="http://schemas.openxmlformats.org/officeDocument/2006/relationships" xmlns:p="http://schemas.openxmlformats.org/presentationml/2006/main">
-  <p:cSld>
-    <p:spTree>
-      <p:nvGrpSpPr>
-        <p:cNvPr id="1" name=""/>
-        <p:cNvGrpSpPr/>
-        <p:nvPr/>
-      </p:nvGrpSpPr>
-      <p:grpSpPr>
-        <a:xfrm>
-          <a:off x="0" y="0"/>
-          <a:ext cx="0" cy="0"/>
-          <a:chOff x="0" y="0"/>
-          <a:chExt cx="0" cy="0"/>
-        </a:xfrm>
-      </p:grpSpPr>
-      <p:sp>
-        <p:nvSpPr>
-          <p:cNvPr id="2" name="Title 1">
-            <a:extLst>
-              <a:ext uri="{FF2B5EF4-FFF2-40B4-BE49-F238E27FC236}">
-                <a16:creationId xmlns:a16="http://schemas.microsoft.com/office/drawing/2014/main" id="{94420B2A-712C-4C70-BE61-0384FC337D17}"/>
-              </a:ext>
-            </a:extLst>
-          </p:cNvPr>
-          <p:cNvSpPr>
-            <a:spLocks noGrp="1"/>
-          </p:cNvSpPr>
-          <p:nvPr>
-            <p:ph type="title"/>
-          </p:nvPr>
-        </p:nvSpPr>
-        <p:spPr/>
-        <p:txBody>
-          <a:bodyPr/>
-          <a:lstStyle/>
-          <a:p>
-            <a:r>
-              <a:rPr lang="en-IN" dirty="0"/>
-              <a:t>References</a:t>
-            </a:r>
-          </a:p>
-        </p:txBody>
-      </p:sp>
-      <p:sp>
-        <p:nvSpPr>
-          <p:cNvPr id="3" name="Content Placeholder 2">
-            <a:extLst>
-              <a:ext uri="{FF2B5EF4-FFF2-40B4-BE49-F238E27FC236}">
-                <a16:creationId xmlns:a16="http://schemas.microsoft.com/office/drawing/2014/main" id="{5426B23E-0255-429E-89D5-698B472FE676}"/>
-              </a:ext>
-            </a:extLst>
-          </p:cNvPr>
-          <p:cNvSpPr>
-            <a:spLocks noGrp="1"/>
-          </p:cNvSpPr>
-          <p:nvPr>
-            <p:ph idx="1"/>
-          </p:nvPr>
-        </p:nvSpPr>
-        <p:spPr/>
-        <p:txBody>
-          <a:bodyPr/>
-          <a:lstStyle/>
-          <a:p>
-            <a:endParaRPr lang="en-IN"/>
-          </a:p>
-        </p:txBody>
-      </p:sp>
-    </p:spTree>
-    <p:extLst>
-      <p:ext uri="{BB962C8B-B14F-4D97-AF65-F5344CB8AC3E}">
-        <p14:creationId xmlns:p14="http://schemas.microsoft.com/office/powerpoint/2010/main" val="2140858965"/>
       </p:ext>
     </p:extLst>
   </p:cSld>
@@ -4942,4 +8775,299 @@
     </a:ext>
   </a:extLst>
 </a:theme>
+</file>
+
+<file path=ppt/theme/theme2.xml><?xml version="1.0" encoding="utf-8"?>
+<a:theme xmlns:a="http://schemas.openxmlformats.org/drawingml/2006/main" name="Office Theme">
+  <a:themeElements>
+    <a:clrScheme name="Office">
+      <a:dk1>
+        <a:sysClr val="windowText" lastClr="000000"/>
+      </a:dk1>
+      <a:lt1>
+        <a:sysClr val="window" lastClr="FFFFFF"/>
+      </a:lt1>
+      <a:dk2>
+        <a:srgbClr val="44546A"/>
+      </a:dk2>
+      <a:lt2>
+        <a:srgbClr val="E7E6E6"/>
+      </a:lt2>
+      <a:accent1>
+        <a:srgbClr val="4472C4"/>
+      </a:accent1>
+      <a:accent2>
+        <a:srgbClr val="ED7D31"/>
+      </a:accent2>
+      <a:accent3>
+        <a:srgbClr val="A5A5A5"/>
+      </a:accent3>
+      <a:accent4>
+        <a:srgbClr val="FFC000"/>
+      </a:accent4>
+      <a:accent5>
+        <a:srgbClr val="5B9BD5"/>
+      </a:accent5>
+      <a:accent6>
+        <a:srgbClr val="70AD47"/>
+      </a:accent6>
+      <a:hlink>
+        <a:srgbClr val="0563C1"/>
+      </a:hlink>
+      <a:folHlink>
+        <a:srgbClr val="954F72"/>
+      </a:folHlink>
+    </a:clrScheme>
+    <a:fontScheme name="Office">
+      <a:majorFont>
+        <a:latin typeface="Calibri Light" panose="020F0302020204030204"/>
+        <a:ea typeface=""/>
+        <a:cs typeface=""/>
+        <a:font script="Jpan" typeface="游ゴシック Light"/>
+        <a:font script="Hang" typeface="맑은 고딕"/>
+        <a:font script="Hans" typeface="等线 Light"/>
+        <a:font script="Hant" typeface="新細明體"/>
+        <a:font script="Arab" typeface="Times New Roman"/>
+        <a:font script="Hebr" typeface="Times New Roman"/>
+        <a:font script="Thai" typeface="Angsana New"/>
+        <a:font script="Ethi" typeface="Nyala"/>
+        <a:font script="Beng" typeface="Vrinda"/>
+        <a:font script="Gujr" typeface="Shruti"/>
+        <a:font script="Khmr" typeface="MoolBoran"/>
+        <a:font script="Knda" typeface="Tunga"/>
+        <a:font script="Guru" typeface="Raavi"/>
+        <a:font script="Cans" typeface="Euphemia"/>
+        <a:font script="Cher" typeface="Plantagenet Cherokee"/>
+        <a:font script="Yiii" typeface="Microsoft Yi Baiti"/>
+        <a:font script="Tibt" typeface="Microsoft Himalaya"/>
+        <a:font script="Thaa" typeface="MV Boli"/>
+        <a:font script="Deva" typeface="Mangal"/>
+        <a:font script="Telu" typeface="Gautami"/>
+        <a:font script="Taml" typeface="Latha"/>
+        <a:font script="Syrc" typeface="Estrangelo Edessa"/>
+        <a:font script="Orya" typeface="Kalinga"/>
+        <a:font script="Mlym" typeface="Kartika"/>
+        <a:font script="Laoo" typeface="DokChampa"/>
+        <a:font script="Sinh" typeface="Iskoola Pota"/>
+        <a:font script="Mong" typeface="Mongolian Baiti"/>
+        <a:font script="Viet" typeface="Times New Roman"/>
+        <a:font script="Uigh" typeface="Microsoft Uighur"/>
+        <a:font script="Geor" typeface="Sylfaen"/>
+        <a:font script="Armn" typeface="Arial"/>
+        <a:font script="Bugi" typeface="Leelawadee UI"/>
+        <a:font script="Bopo" typeface="Microsoft JhengHei"/>
+        <a:font script="Java" typeface="Javanese Text"/>
+        <a:font script="Lisu" typeface="Segoe UI"/>
+        <a:font script="Mymr" typeface="Myanmar Text"/>
+        <a:font script="Nkoo" typeface="Ebrima"/>
+        <a:font script="Olck" typeface="Nirmala UI"/>
+        <a:font script="Osma" typeface="Ebrima"/>
+        <a:font script="Phag" typeface="Phagspa"/>
+        <a:font script="Syrn" typeface="Estrangelo Edessa"/>
+        <a:font script="Syrj" typeface="Estrangelo Edessa"/>
+        <a:font script="Syre" typeface="Estrangelo Edessa"/>
+        <a:font script="Sora" typeface="Nirmala UI"/>
+        <a:font script="Tale" typeface="Microsoft Tai Le"/>
+        <a:font script="Talu" typeface="Microsoft New Tai Lue"/>
+        <a:font script="Tfng" typeface="Ebrima"/>
+      </a:majorFont>
+      <a:minorFont>
+        <a:latin typeface="Calibri" panose="020F0502020204030204"/>
+        <a:ea typeface=""/>
+        <a:cs typeface=""/>
+        <a:font script="Jpan" typeface="游ゴシック"/>
+        <a:font script="Hang" typeface="맑은 고딕"/>
+        <a:font script="Hans" typeface="等线"/>
+        <a:font script="Hant" typeface="新細明體"/>
+        <a:font script="Arab" typeface="Arial"/>
+        <a:font script="Hebr" typeface="Arial"/>
+        <a:font script="Thai" typeface="Cordia New"/>
+        <a:font script="Ethi" typeface="Nyala"/>
+        <a:font script="Beng" typeface="Vrinda"/>
+        <a:font script="Gujr" typeface="Shruti"/>
+        <a:font script="Khmr" typeface="DaunPenh"/>
+        <a:font script="Knda" typeface="Tunga"/>
+        <a:font script="Guru" typeface="Raavi"/>
+        <a:font script="Cans" typeface="Euphemia"/>
+        <a:font script="Cher" typeface="Plantagenet Cherokee"/>
+        <a:font script="Yiii" typeface="Microsoft Yi Baiti"/>
+        <a:font script="Tibt" typeface="Microsoft Himalaya"/>
+        <a:font script="Thaa" typeface="MV Boli"/>
+        <a:font script="Deva" typeface="Mangal"/>
+        <a:font script="Telu" typeface="Gautami"/>
+        <a:font script="Taml" typeface="Latha"/>
+        <a:font script="Syrc" typeface="Estrangelo Edessa"/>
+        <a:font script="Orya" typeface="Kalinga"/>
+        <a:font script="Mlym" typeface="Kartika"/>
+        <a:font script="Laoo" typeface="DokChampa"/>
+        <a:font script="Sinh" typeface="Iskoola Pota"/>
+        <a:font script="Mong" typeface="Mongolian Baiti"/>
+        <a:font script="Viet" typeface="Arial"/>
+        <a:font script="Uigh" typeface="Microsoft Uighur"/>
+        <a:font script="Geor" typeface="Sylfaen"/>
+        <a:font script="Armn" typeface="Arial"/>
+        <a:font script="Bugi" typeface="Leelawadee UI"/>
+        <a:font script="Bopo" typeface="Microsoft JhengHei"/>
+        <a:font script="Java" typeface="Javanese Text"/>
+        <a:font script="Lisu" typeface="Segoe UI"/>
+        <a:font script="Mymr" typeface="Myanmar Text"/>
+        <a:font script="Nkoo" typeface="Ebrima"/>
+        <a:font script="Olck" typeface="Nirmala UI"/>
+        <a:font script="Osma" typeface="Ebrima"/>
+        <a:font script="Phag" typeface="Phagspa"/>
+        <a:font script="Syrn" typeface="Estrangelo Edessa"/>
+        <a:font script="Syrj" typeface="Estrangelo Edessa"/>
+        <a:font script="Syre" typeface="Estrangelo Edessa"/>
+        <a:font script="Sora" typeface="Nirmala UI"/>
+        <a:font script="Tale" typeface="Microsoft Tai Le"/>
+        <a:font script="Talu" typeface="Microsoft New Tai Lue"/>
+        <a:font script="Tfng" typeface="Ebrima"/>
+      </a:minorFont>
+    </a:fontScheme>
+    <a:fmtScheme name="Office">
+      <a:fillStyleLst>
+        <a:solidFill>
+          <a:schemeClr val="phClr"/>
+        </a:solidFill>
+        <a:gradFill rotWithShape="1">
+          <a:gsLst>
+            <a:gs pos="0">
+              <a:schemeClr val="phClr">
+                <a:lumMod val="110000"/>
+                <a:satMod val="105000"/>
+                <a:tint val="67000"/>
+              </a:schemeClr>
+            </a:gs>
+            <a:gs pos="50000">
+              <a:schemeClr val="phClr">
+                <a:lumMod val="105000"/>
+                <a:satMod val="103000"/>
+                <a:tint val="73000"/>
+              </a:schemeClr>
+            </a:gs>
+            <a:gs pos="100000">
+              <a:schemeClr val="phClr">
+                <a:lumMod val="105000"/>
+                <a:satMod val="109000"/>
+                <a:tint val="81000"/>
+              </a:schemeClr>
+            </a:gs>
+          </a:gsLst>
+          <a:lin ang="5400000" scaled="0"/>
+        </a:gradFill>
+        <a:gradFill rotWithShape="1">
+          <a:gsLst>
+            <a:gs pos="0">
+              <a:schemeClr val="phClr">
+                <a:satMod val="103000"/>
+                <a:lumMod val="102000"/>
+                <a:tint val="94000"/>
+              </a:schemeClr>
+            </a:gs>
+            <a:gs pos="50000">
+              <a:schemeClr val="phClr">
+                <a:satMod val="110000"/>
+                <a:lumMod val="100000"/>
+                <a:shade val="100000"/>
+              </a:schemeClr>
+            </a:gs>
+            <a:gs pos="100000">
+              <a:schemeClr val="phClr">
+                <a:lumMod val="99000"/>
+                <a:satMod val="120000"/>
+                <a:shade val="78000"/>
+              </a:schemeClr>
+            </a:gs>
+          </a:gsLst>
+          <a:lin ang="5400000" scaled="0"/>
+        </a:gradFill>
+      </a:fillStyleLst>
+      <a:lnStyleLst>
+        <a:ln w="6350" cap="flat" cmpd="sng" algn="ctr">
+          <a:solidFill>
+            <a:schemeClr val="phClr"/>
+          </a:solidFill>
+          <a:prstDash val="solid"/>
+          <a:miter lim="800000"/>
+        </a:ln>
+        <a:ln w="12700" cap="flat" cmpd="sng" algn="ctr">
+          <a:solidFill>
+            <a:schemeClr val="phClr"/>
+          </a:solidFill>
+          <a:prstDash val="solid"/>
+          <a:miter lim="800000"/>
+        </a:ln>
+        <a:ln w="19050" cap="flat" cmpd="sng" algn="ctr">
+          <a:solidFill>
+            <a:schemeClr val="phClr"/>
+          </a:solidFill>
+          <a:prstDash val="solid"/>
+          <a:miter lim="800000"/>
+        </a:ln>
+      </a:lnStyleLst>
+      <a:effectStyleLst>
+        <a:effectStyle>
+          <a:effectLst/>
+        </a:effectStyle>
+        <a:effectStyle>
+          <a:effectLst/>
+        </a:effectStyle>
+        <a:effectStyle>
+          <a:effectLst>
+            <a:outerShdw blurRad="57150" dist="19050" dir="5400000" algn="ctr" rotWithShape="0">
+              <a:srgbClr val="000000">
+                <a:alpha val="63000"/>
+              </a:srgbClr>
+            </a:outerShdw>
+          </a:effectLst>
+        </a:effectStyle>
+      </a:effectStyleLst>
+      <a:bgFillStyleLst>
+        <a:solidFill>
+          <a:schemeClr val="phClr"/>
+        </a:solidFill>
+        <a:solidFill>
+          <a:schemeClr val="phClr">
+            <a:tint val="95000"/>
+            <a:satMod val="170000"/>
+          </a:schemeClr>
+        </a:solidFill>
+        <a:gradFill rotWithShape="1">
+          <a:gsLst>
+            <a:gs pos="0">
+              <a:schemeClr val="phClr">
+                <a:tint val="93000"/>
+                <a:satMod val="150000"/>
+                <a:shade val="98000"/>
+                <a:lumMod val="102000"/>
+              </a:schemeClr>
+            </a:gs>
+            <a:gs pos="50000">
+              <a:schemeClr val="phClr">
+                <a:tint val="98000"/>
+                <a:satMod val="130000"/>
+                <a:shade val="90000"/>
+                <a:lumMod val="103000"/>
+              </a:schemeClr>
+            </a:gs>
+            <a:gs pos="100000">
+              <a:schemeClr val="phClr">
+                <a:shade val="63000"/>
+                <a:satMod val="120000"/>
+              </a:schemeClr>
+            </a:gs>
+          </a:gsLst>
+          <a:lin ang="5400000" scaled="0"/>
+        </a:gradFill>
+      </a:bgFillStyleLst>
+    </a:fmtScheme>
+  </a:themeElements>
+  <a:objectDefaults/>
+  <a:extraClrSchemeLst/>
+  <a:extLst>
+    <a:ext uri="{05A4C25C-085E-4340-85A3-A5531E510DB2}">
+      <thm15:themeFamily xmlns:thm15="http://schemas.microsoft.com/office/thememl/2012/main" name="Office Theme" id="{62F939B6-93AF-4DB8-9C6B-D6C7DFDC589F}" vid="{4A3C46E8-61CC-4603-A589-7422A47A8E4A}"/>
+    </a:ext>
+  </a:extLst>
+</a:theme>
 </file>
--- a/Documentation/LSTM Presentation.pptx
+++ b/Documentation/LSTM Presentation.pptx
@@ -5,27 +5,40 @@
     <p:sldMasterId id="2147483726" r:id="rId1"/>
   </p:sldMasterIdLst>
   <p:notesMasterIdLst>
-    <p:notesMasterId r:id="rId20"/>
+    <p:notesMasterId r:id="rId33"/>
   </p:notesMasterIdLst>
   <p:sldIdLst>
     <p:sldId id="256" r:id="rId2"/>
     <p:sldId id="265" r:id="rId3"/>
-    <p:sldId id="266" r:id="rId4"/>
-    <p:sldId id="257" r:id="rId5"/>
-    <p:sldId id="258" r:id="rId6"/>
-    <p:sldId id="259" r:id="rId7"/>
-    <p:sldId id="260" r:id="rId8"/>
-    <p:sldId id="261" r:id="rId9"/>
-    <p:sldId id="262" r:id="rId10"/>
-    <p:sldId id="263" r:id="rId11"/>
-    <p:sldId id="282" r:id="rId12"/>
-    <p:sldId id="283" r:id="rId13"/>
-    <p:sldId id="268" r:id="rId14"/>
-    <p:sldId id="269" r:id="rId15"/>
-    <p:sldId id="274" r:id="rId16"/>
-    <p:sldId id="275" r:id="rId17"/>
-    <p:sldId id="281" r:id="rId18"/>
-    <p:sldId id="264" r:id="rId19"/>
+    <p:sldId id="284" r:id="rId4"/>
+    <p:sldId id="287" r:id="rId5"/>
+    <p:sldId id="286" r:id="rId6"/>
+    <p:sldId id="293" r:id="rId7"/>
+    <p:sldId id="266" r:id="rId8"/>
+    <p:sldId id="288" r:id="rId9"/>
+    <p:sldId id="257" r:id="rId10"/>
+    <p:sldId id="289" r:id="rId11"/>
+    <p:sldId id="290" r:id="rId12"/>
+    <p:sldId id="258" r:id="rId13"/>
+    <p:sldId id="259" r:id="rId14"/>
+    <p:sldId id="260" r:id="rId15"/>
+    <p:sldId id="261" r:id="rId16"/>
+    <p:sldId id="262" r:id="rId17"/>
+    <p:sldId id="263" r:id="rId18"/>
+    <p:sldId id="291" r:id="rId19"/>
+    <p:sldId id="292" r:id="rId20"/>
+    <p:sldId id="296" r:id="rId21"/>
+    <p:sldId id="298" r:id="rId22"/>
+    <p:sldId id="282" r:id="rId23"/>
+    <p:sldId id="283" r:id="rId24"/>
+    <p:sldId id="268" r:id="rId25"/>
+    <p:sldId id="294" r:id="rId26"/>
+    <p:sldId id="269" r:id="rId27"/>
+    <p:sldId id="274" r:id="rId28"/>
+    <p:sldId id="275" r:id="rId29"/>
+    <p:sldId id="295" r:id="rId30"/>
+    <p:sldId id="264" r:id="rId31"/>
+    <p:sldId id="281" r:id="rId32"/>
   </p:sldIdLst>
   <p:sldSz cx="12192000" cy="6858000"/>
   <p:notesSz cx="6858000" cy="9144000"/>
@@ -214,7 +227,7 @@
           <a:p>
             <a:fld id="{C9707BD5-6FF2-4517-806C-0850975B6446}" type="datetimeFigureOut">
               <a:rPr lang="en-IN" smtClean="0"/>
-              <a:t>11-09-2020</a:t>
+              <a:t>13-09-2020</a:t>
             </a:fld>
             <a:endParaRPr lang="en-IN"/>
           </a:p>
@@ -577,7 +590,7 @@
           <a:p>
             <a:fld id="{E20557C8-F147-4847-B78C-1FBF2B08520A}" type="slidenum">
               <a:rPr lang="en-IN" smtClean="0"/>
-              <a:t>3</a:t>
+              <a:t>7</a:t>
             </a:fld>
             <a:endParaRPr lang="en-IN"/>
           </a:p>
@@ -661,7 +674,91 @@
           <a:p>
             <a:fld id="{E20557C8-F147-4847-B78C-1FBF2B08520A}" type="slidenum">
               <a:rPr lang="en-IN" smtClean="0"/>
-              <a:t>12</a:t>
+              <a:t>22</a:t>
+            </a:fld>
+            <a:endParaRPr lang="en-IN"/>
+          </a:p>
+        </p:txBody>
+      </p:sp>
+    </p:spTree>
+    <p:extLst>
+      <p:ext uri="{BB962C8B-B14F-4D97-AF65-F5344CB8AC3E}">
+        <p14:creationId xmlns:p14="http://schemas.microsoft.com/office/powerpoint/2010/main" val="2987226378"/>
+      </p:ext>
+    </p:extLst>
+  </p:cSld>
+  <p:clrMapOvr>
+    <a:masterClrMapping/>
+  </p:clrMapOvr>
+</p:notes>
+</file>
+
+<file path=ppt/notesSlides/notesSlide11.xml><?xml version="1.0" encoding="utf-8"?>
+<p:notes xmlns:a="http://schemas.openxmlformats.org/drawingml/2006/main" xmlns:r="http://schemas.openxmlformats.org/officeDocument/2006/relationships" xmlns:p="http://schemas.openxmlformats.org/presentationml/2006/main">
+  <p:cSld>
+    <p:spTree>
+      <p:nvGrpSpPr>
+        <p:cNvPr id="1" name=""/>
+        <p:cNvGrpSpPr/>
+        <p:nvPr/>
+      </p:nvGrpSpPr>
+      <p:grpSpPr>
+        <a:xfrm>
+          <a:off x="0" y="0"/>
+          <a:ext cx="0" cy="0"/>
+          <a:chOff x="0" y="0"/>
+          <a:chExt cx="0" cy="0"/>
+        </a:xfrm>
+      </p:grpSpPr>
+      <p:sp>
+        <p:nvSpPr>
+          <p:cNvPr id="2" name="Slide Image Placeholder 1"/>
+          <p:cNvSpPr>
+            <a:spLocks noGrp="1" noRot="1" noChangeAspect="1"/>
+          </p:cNvSpPr>
+          <p:nvPr>
+            <p:ph type="sldImg"/>
+          </p:nvPr>
+        </p:nvSpPr>
+        <p:spPr/>
+      </p:sp>
+      <p:sp>
+        <p:nvSpPr>
+          <p:cNvPr id="3" name="Notes Placeholder 2"/>
+          <p:cNvSpPr>
+            <a:spLocks noGrp="1"/>
+          </p:cNvSpPr>
+          <p:nvPr>
+            <p:ph type="body" idx="1"/>
+          </p:nvPr>
+        </p:nvSpPr>
+        <p:spPr/>
+        <p:txBody>
+          <a:bodyPr/>
+          <a:lstStyle/>
+          <a:p>
+            <a:endParaRPr lang="en-IN" dirty="0"/>
+          </a:p>
+        </p:txBody>
+      </p:sp>
+      <p:sp>
+        <p:nvSpPr>
+          <p:cNvPr id="4" name="Slide Number Placeholder 3"/>
+          <p:cNvSpPr>
+            <a:spLocks noGrp="1"/>
+          </p:cNvSpPr>
+          <p:nvPr>
+            <p:ph type="sldNum" sz="quarter" idx="5"/>
+          </p:nvPr>
+        </p:nvSpPr>
+        <p:spPr/>
+        <p:txBody>
+          <a:bodyPr/>
+          <a:lstStyle/>
+          <a:p>
+            <a:fld id="{E20557C8-F147-4847-B78C-1FBF2B08520A}" type="slidenum">
+              <a:rPr lang="en-IN" smtClean="0"/>
+              <a:t>23</a:t>
             </a:fld>
             <a:endParaRPr lang="en-IN"/>
           </a:p>
@@ -755,7 +852,7 @@
           <a:p>
             <a:fld id="{E20557C8-F147-4847-B78C-1FBF2B08520A}" type="slidenum">
               <a:rPr lang="en-IN" smtClean="0"/>
-              <a:t>4</a:t>
+              <a:t>9</a:t>
             </a:fld>
             <a:endParaRPr lang="en-IN"/>
           </a:p>
@@ -869,7 +966,7 @@
           <a:p>
             <a:fld id="{E20557C8-F147-4847-B78C-1FBF2B08520A}" type="slidenum">
               <a:rPr lang="en-IN" smtClean="0"/>
-              <a:t>5</a:t>
+              <a:t>12</a:t>
             </a:fld>
             <a:endParaRPr lang="en-IN"/>
           </a:p>
@@ -1000,7 +1097,7 @@
           <a:p>
             <a:fld id="{E20557C8-F147-4847-B78C-1FBF2B08520A}" type="slidenum">
               <a:rPr lang="en-IN" smtClean="0"/>
-              <a:t>6</a:t>
+              <a:t>13</a:t>
             </a:fld>
             <a:endParaRPr lang="en-IN"/>
           </a:p>
@@ -1114,7 +1211,7 @@
           <a:p>
             <a:fld id="{E20557C8-F147-4847-B78C-1FBF2B08520A}" type="slidenum">
               <a:rPr lang="en-IN" smtClean="0"/>
-              <a:t>7</a:t>
+              <a:t>14</a:t>
             </a:fld>
             <a:endParaRPr lang="en-IN"/>
           </a:p>
@@ -1228,7 +1325,7 @@
           <a:p>
             <a:fld id="{E20557C8-F147-4847-B78C-1FBF2B08520A}" type="slidenum">
               <a:rPr lang="en-IN" smtClean="0"/>
-              <a:t>8</a:t>
+              <a:t>15</a:t>
             </a:fld>
             <a:endParaRPr lang="en-IN"/>
           </a:p>
@@ -1342,7 +1439,7 @@
           <a:p>
             <a:fld id="{E20557C8-F147-4847-B78C-1FBF2B08520A}" type="slidenum">
               <a:rPr lang="en-IN" smtClean="0"/>
-              <a:t>9</a:t>
+              <a:t>16</a:t>
             </a:fld>
             <a:endParaRPr lang="en-IN"/>
           </a:p>
@@ -1456,7 +1553,7 @@
           <a:p>
             <a:fld id="{E20557C8-F147-4847-B78C-1FBF2B08520A}" type="slidenum">
               <a:rPr lang="en-IN" smtClean="0"/>
-              <a:t>10</a:t>
+              <a:t>17</a:t>
             </a:fld>
             <a:endParaRPr lang="en-IN"/>
           </a:p>
@@ -1540,7 +1637,7 @@
           <a:p>
             <a:fld id="{E20557C8-F147-4847-B78C-1FBF2B08520A}" type="slidenum">
               <a:rPr lang="en-IN" smtClean="0"/>
-              <a:t>11</a:t>
+              <a:t>18</a:t>
             </a:fld>
             <a:endParaRPr lang="en-IN"/>
           </a:p>
@@ -1549,7 +1646,7 @@
     </p:spTree>
     <p:extLst>
       <p:ext uri="{BB962C8B-B14F-4D97-AF65-F5344CB8AC3E}">
-        <p14:creationId xmlns:p14="http://schemas.microsoft.com/office/powerpoint/2010/main" val="2987226378"/>
+        <p14:creationId xmlns:p14="http://schemas.microsoft.com/office/powerpoint/2010/main" val="2007110958"/>
       </p:ext>
     </p:extLst>
   </p:cSld>
@@ -1785,7 +1882,7 @@
           <a:p>
             <a:fld id="{AB16CC1F-89E6-461A-B086-D8C59DB75E21}" type="datetimeFigureOut">
               <a:rPr lang="en-IN" smtClean="0"/>
-              <a:t>11-09-2020</a:t>
+              <a:t>13-09-2020</a:t>
             </a:fld>
             <a:endParaRPr lang="en-IN"/>
           </a:p>
@@ -1993,7 +2090,7 @@
           <a:p>
             <a:fld id="{AB16CC1F-89E6-461A-B086-D8C59DB75E21}" type="datetimeFigureOut">
               <a:rPr lang="en-IN" smtClean="0"/>
-              <a:t>11-09-2020</a:t>
+              <a:t>13-09-2020</a:t>
             </a:fld>
             <a:endParaRPr lang="en-IN"/>
           </a:p>
@@ -2249,7 +2346,7 @@
           <a:p>
             <a:fld id="{AB16CC1F-89E6-461A-B086-D8C59DB75E21}" type="datetimeFigureOut">
               <a:rPr lang="en-IN" smtClean="0"/>
-              <a:t>11-09-2020</a:t>
+              <a:t>13-09-2020</a:t>
             </a:fld>
             <a:endParaRPr lang="en-IN"/>
           </a:p>
@@ -2419,7 +2516,7 @@
           <a:p>
             <a:fld id="{AB16CC1F-89E6-461A-B086-D8C59DB75E21}" type="datetimeFigureOut">
               <a:rPr lang="en-IN" smtClean="0"/>
-              <a:t>11-09-2020</a:t>
+              <a:t>13-09-2020</a:t>
             </a:fld>
             <a:endParaRPr lang="en-IN"/>
           </a:p>
@@ -2762,7 +2859,7 @@
           <a:p>
             <a:fld id="{AB16CC1F-89E6-461A-B086-D8C59DB75E21}" type="datetimeFigureOut">
               <a:rPr lang="en-IN" smtClean="0"/>
-              <a:t>11-09-2020</a:t>
+              <a:t>13-09-2020</a:t>
             </a:fld>
             <a:endParaRPr lang="en-IN"/>
           </a:p>
@@ -3037,7 +3134,7 @@
           <a:p>
             <a:fld id="{AB16CC1F-89E6-461A-B086-D8C59DB75E21}" type="datetimeFigureOut">
               <a:rPr lang="en-IN" smtClean="0"/>
-              <a:t>11-09-2020</a:t>
+              <a:t>13-09-2020</a:t>
             </a:fld>
             <a:endParaRPr lang="en-IN"/>
           </a:p>
@@ -3416,7 +3513,7 @@
           <a:p>
             <a:fld id="{AB16CC1F-89E6-461A-B086-D8C59DB75E21}" type="datetimeFigureOut">
               <a:rPr lang="en-IN" smtClean="0"/>
-              <a:t>11-09-2020</a:t>
+              <a:t>13-09-2020</a:t>
             </a:fld>
             <a:endParaRPr lang="en-IN"/>
           </a:p>
@@ -3534,7 +3631,7 @@
           <a:p>
             <a:fld id="{AB16CC1F-89E6-461A-B086-D8C59DB75E21}" type="datetimeFigureOut">
               <a:rPr lang="en-IN" smtClean="0"/>
-              <a:t>11-09-2020</a:t>
+              <a:t>13-09-2020</a:t>
             </a:fld>
             <a:endParaRPr lang="en-IN"/>
           </a:p>
@@ -3705,7 +3802,7 @@
           <a:p>
             <a:fld id="{AB16CC1F-89E6-461A-B086-D8C59DB75E21}" type="datetimeFigureOut">
               <a:rPr lang="en-IN" smtClean="0"/>
-              <a:t>11-09-2020</a:t>
+              <a:t>13-09-2020</a:t>
             </a:fld>
             <a:endParaRPr lang="en-IN"/>
           </a:p>
@@ -4059,7 +4156,7 @@
           <a:p>
             <a:fld id="{AB16CC1F-89E6-461A-B086-D8C59DB75E21}" type="datetimeFigureOut">
               <a:rPr lang="en-IN" smtClean="0"/>
-              <a:t>11-09-2020</a:t>
+              <a:t>13-09-2020</a:t>
             </a:fld>
             <a:endParaRPr lang="en-IN"/>
           </a:p>
@@ -4436,7 +4533,7 @@
           <a:p>
             <a:fld id="{AB16CC1F-89E6-461A-B086-D8C59DB75E21}" type="datetimeFigureOut">
               <a:rPr lang="en-IN" smtClean="0"/>
-              <a:t>11-09-2020</a:t>
+              <a:t>13-09-2020</a:t>
             </a:fld>
             <a:endParaRPr lang="en-IN"/>
           </a:p>
@@ -4723,7 +4820,7 @@
           <a:p>
             <a:fld id="{AB16CC1F-89E6-461A-B086-D8C59DB75E21}" type="datetimeFigureOut">
               <a:rPr lang="en-IN" smtClean="0"/>
-              <a:t>11-09-2020</a:t>
+              <a:t>13-09-2020</a:t>
             </a:fld>
             <a:endParaRPr lang="en-IN"/>
           </a:p>
@@ -5274,7 +5371,7 @@
             </a:r>
             <a:r>
               <a:rPr lang="en-US" b="1" dirty="0"/>
-              <a:t> Long Short Term Memory (LSTM)</a:t>
+              <a:t> Long Short-Term Memory (LSTM)</a:t>
             </a:r>
             <a:endParaRPr lang="en-IN" b="1" dirty="0"/>
           </a:p>
@@ -5655,6 +5752,800 @@
           <p:cNvPr id="2" name="Title 1">
             <a:extLst>
               <a:ext uri="{FF2B5EF4-FFF2-40B4-BE49-F238E27FC236}">
+                <a16:creationId xmlns:a16="http://schemas.microsoft.com/office/drawing/2014/main" id="{9130C217-1B39-4053-BEAA-6F7852BB026B}"/>
+              </a:ext>
+            </a:extLst>
+          </p:cNvPr>
+          <p:cNvSpPr>
+            <a:spLocks noGrp="1"/>
+          </p:cNvSpPr>
+          <p:nvPr>
+            <p:ph type="title"/>
+          </p:nvPr>
+        </p:nvSpPr>
+        <p:spPr/>
+        <p:txBody>
+          <a:bodyPr/>
+          <a:lstStyle/>
+          <a:p>
+            <a:r>
+              <a:rPr lang="en-IN" dirty="0"/>
+              <a:t>Exploding gradient</a:t>
+            </a:r>
+          </a:p>
+        </p:txBody>
+      </p:sp>
+      <p:sp>
+        <p:nvSpPr>
+          <p:cNvPr id="3" name="Content Placeholder 2">
+            <a:extLst>
+              <a:ext uri="{FF2B5EF4-FFF2-40B4-BE49-F238E27FC236}">
+                <a16:creationId xmlns:a16="http://schemas.microsoft.com/office/drawing/2014/main" id="{0A2C9658-E0C5-46A7-9116-F0FD0A58C71B}"/>
+              </a:ext>
+            </a:extLst>
+          </p:cNvPr>
+          <p:cNvSpPr>
+            <a:spLocks noGrp="1"/>
+          </p:cNvSpPr>
+          <p:nvPr>
+            <p:ph idx="1"/>
+          </p:nvPr>
+        </p:nvSpPr>
+        <p:spPr/>
+        <p:txBody>
+          <a:bodyPr/>
+          <a:lstStyle/>
+          <a:p>
+            <a:pPr lvl="1">
+              <a:buClrTx/>
+              <a:buFont typeface="Arial" panose="020B0604020202020204" pitchFamily="34" charset="0"/>
+              <a:buChar char="•"/>
+            </a:pPr>
+            <a:r>
+              <a:rPr lang="en-IN" dirty="0"/>
+              <a:t>Here gradient becomes very large so that it breaks all the weights in network.</a:t>
+            </a:r>
+          </a:p>
+          <a:p>
+            <a:pPr lvl="1">
+              <a:buClrTx/>
+              <a:buFont typeface="Arial" panose="020B0604020202020204" pitchFamily="34" charset="0"/>
+              <a:buChar char="•"/>
+            </a:pPr>
+            <a:r>
+              <a:rPr lang="en-IN" dirty="0"/>
+              <a:t>In case of </a:t>
+            </a:r>
+            <a:r>
+              <a:rPr lang="en-IN" dirty="0" err="1"/>
+              <a:t>ReLU</a:t>
+            </a:r>
+            <a:r>
+              <a:rPr lang="en-IN" dirty="0"/>
+              <a:t> function, gradient can be &gt; 1 and on every successive layer it becomes so large</a:t>
+            </a:r>
+          </a:p>
+          <a:p>
+            <a:pPr lvl="1"/>
+            <a:endParaRPr lang="en-IN" dirty="0"/>
+          </a:p>
+          <a:p>
+            <a:endParaRPr lang="en-IN" dirty="0"/>
+          </a:p>
+          <a:p>
+            <a:endParaRPr lang="en-IN" dirty="0"/>
+          </a:p>
+        </p:txBody>
+      </p:sp>
+    </p:spTree>
+    <p:extLst>
+      <p:ext uri="{BB962C8B-B14F-4D97-AF65-F5344CB8AC3E}">
+        <p14:creationId xmlns:p14="http://schemas.microsoft.com/office/powerpoint/2010/main" val="2943955399"/>
+      </p:ext>
+    </p:extLst>
+  </p:cSld>
+  <p:clrMapOvr>
+    <a:masterClrMapping/>
+  </p:clrMapOvr>
+</p:sld>
+</file>
+
+<file path=ppt/slides/slide11.xml><?xml version="1.0" encoding="utf-8"?>
+<p:sld xmlns:a="http://schemas.openxmlformats.org/drawingml/2006/main" xmlns:r="http://schemas.openxmlformats.org/officeDocument/2006/relationships" xmlns:p="http://schemas.openxmlformats.org/presentationml/2006/main">
+  <p:cSld>
+    <p:spTree>
+      <p:nvGrpSpPr>
+        <p:cNvPr id="1" name=""/>
+        <p:cNvGrpSpPr/>
+        <p:nvPr/>
+      </p:nvGrpSpPr>
+      <p:grpSpPr>
+        <a:xfrm>
+          <a:off x="0" y="0"/>
+          <a:ext cx="0" cy="0"/>
+          <a:chOff x="0" y="0"/>
+          <a:chExt cx="0" cy="0"/>
+        </a:xfrm>
+      </p:grpSpPr>
+      <p:sp>
+        <p:nvSpPr>
+          <p:cNvPr id="2" name="Title 1">
+            <a:extLst>
+              <a:ext uri="{FF2B5EF4-FFF2-40B4-BE49-F238E27FC236}">
+                <a16:creationId xmlns:a16="http://schemas.microsoft.com/office/drawing/2014/main" id="{3E8AAD6A-7093-4C58-A689-A84B964CB9E2}"/>
+              </a:ext>
+            </a:extLst>
+          </p:cNvPr>
+          <p:cNvSpPr>
+            <a:spLocks noGrp="1"/>
+          </p:cNvSpPr>
+          <p:nvPr>
+            <p:ph type="title"/>
+          </p:nvPr>
+        </p:nvSpPr>
+        <p:spPr/>
+        <p:txBody>
+          <a:bodyPr/>
+          <a:lstStyle/>
+          <a:p>
+            <a:r>
+              <a:rPr lang="en-IN"/>
+              <a:t>Solutions on gradient problems</a:t>
+            </a:r>
+            <a:endParaRPr lang="en-IN" dirty="0"/>
+          </a:p>
+        </p:txBody>
+      </p:sp>
+      <p:sp>
+        <p:nvSpPr>
+          <p:cNvPr id="3" name="Content Placeholder 2">
+            <a:extLst>
+              <a:ext uri="{FF2B5EF4-FFF2-40B4-BE49-F238E27FC236}">
+                <a16:creationId xmlns:a16="http://schemas.microsoft.com/office/drawing/2014/main" id="{408A08C7-B799-4F1C-8D06-03559BF2F237}"/>
+              </a:ext>
+            </a:extLst>
+          </p:cNvPr>
+          <p:cNvSpPr>
+            <a:spLocks noGrp="1"/>
+          </p:cNvSpPr>
+          <p:nvPr>
+            <p:ph idx="1"/>
+          </p:nvPr>
+        </p:nvSpPr>
+        <p:spPr/>
+        <p:txBody>
+          <a:bodyPr/>
+          <a:lstStyle/>
+          <a:p>
+            <a:pPr marL="457200" indent="-457200">
+              <a:buClr>
+                <a:schemeClr val="tx1">
+                  <a:lumMod val="95000"/>
+                  <a:lumOff val="5000"/>
+                </a:schemeClr>
+              </a:buClr>
+              <a:buFont typeface="+mj-lt"/>
+              <a:buAutoNum type="arabicPeriod"/>
+            </a:pPr>
+            <a:r>
+              <a:rPr lang="en-IN" dirty="0"/>
+              <a:t>Exploding gradient</a:t>
+            </a:r>
+          </a:p>
+          <a:p>
+            <a:pPr lvl="1">
+              <a:buClr>
+                <a:schemeClr val="tx1">
+                  <a:lumMod val="95000"/>
+                  <a:lumOff val="5000"/>
+                </a:schemeClr>
+              </a:buClr>
+              <a:buFont typeface="Arial" panose="020B0604020202020204" pitchFamily="34" charset="0"/>
+              <a:buChar char="•"/>
+            </a:pPr>
+            <a:r>
+              <a:rPr lang="en-IN" dirty="0"/>
+              <a:t>Truncated Backpropagation</a:t>
+            </a:r>
+          </a:p>
+          <a:p>
+            <a:pPr lvl="1">
+              <a:buClr>
+                <a:schemeClr val="tx1">
+                  <a:lumMod val="95000"/>
+                  <a:lumOff val="5000"/>
+                </a:schemeClr>
+              </a:buClr>
+              <a:buFont typeface="Arial" panose="020B0604020202020204" pitchFamily="34" charset="0"/>
+              <a:buChar char="•"/>
+            </a:pPr>
+            <a:r>
+              <a:rPr lang="en-IN" dirty="0"/>
+              <a:t>Penalties</a:t>
+            </a:r>
+          </a:p>
+          <a:p>
+            <a:pPr lvl="1">
+              <a:buClr>
+                <a:schemeClr val="tx1">
+                  <a:lumMod val="95000"/>
+                  <a:lumOff val="5000"/>
+                </a:schemeClr>
+              </a:buClr>
+              <a:buFont typeface="Arial" panose="020B0604020202020204" pitchFamily="34" charset="0"/>
+              <a:buChar char="•"/>
+            </a:pPr>
+            <a:r>
+              <a:rPr lang="en-IN" dirty="0"/>
+              <a:t>Gradient Clipping</a:t>
+            </a:r>
+          </a:p>
+          <a:p>
+            <a:pPr marL="457200" indent="-457200">
+              <a:buClr>
+                <a:schemeClr val="tx1">
+                  <a:lumMod val="95000"/>
+                  <a:lumOff val="5000"/>
+                </a:schemeClr>
+              </a:buClr>
+              <a:buFont typeface="+mj-lt"/>
+              <a:buAutoNum type="arabicPeriod"/>
+            </a:pPr>
+            <a:r>
+              <a:rPr lang="en-IN" dirty="0"/>
+              <a:t>Vanishing gradient</a:t>
+            </a:r>
+          </a:p>
+          <a:p>
+            <a:pPr lvl="1">
+              <a:buClr>
+                <a:schemeClr val="tx1">
+                  <a:lumMod val="95000"/>
+                  <a:lumOff val="5000"/>
+                </a:schemeClr>
+              </a:buClr>
+              <a:buFont typeface="Arial" panose="020B0604020202020204" pitchFamily="34" charset="0"/>
+              <a:buChar char="•"/>
+            </a:pPr>
+            <a:r>
+              <a:rPr lang="en-IN" dirty="0"/>
+              <a:t>Weight Initialization</a:t>
+            </a:r>
+          </a:p>
+          <a:p>
+            <a:pPr lvl="1">
+              <a:buClr>
+                <a:schemeClr val="tx1">
+                  <a:lumMod val="95000"/>
+                  <a:lumOff val="5000"/>
+                </a:schemeClr>
+              </a:buClr>
+              <a:buFont typeface="Arial" panose="020B0604020202020204" pitchFamily="34" charset="0"/>
+              <a:buChar char="•"/>
+            </a:pPr>
+            <a:r>
+              <a:rPr lang="en-IN" dirty="0"/>
+              <a:t>Echo State Networks</a:t>
+            </a:r>
+          </a:p>
+          <a:p>
+            <a:pPr lvl="1">
+              <a:buClr>
+                <a:schemeClr val="tx1">
+                  <a:lumMod val="95000"/>
+                  <a:lumOff val="5000"/>
+                </a:schemeClr>
+              </a:buClr>
+              <a:buFont typeface="Arial" panose="020B0604020202020204" pitchFamily="34" charset="0"/>
+              <a:buChar char="•"/>
+            </a:pPr>
+            <a:r>
+              <a:rPr lang="en-IN" dirty="0"/>
+              <a:t>Long Short-Term Memory Networks (LSTMs)</a:t>
+            </a:r>
+          </a:p>
+        </p:txBody>
+      </p:sp>
+    </p:spTree>
+    <p:extLst>
+      <p:ext uri="{BB962C8B-B14F-4D97-AF65-F5344CB8AC3E}">
+        <p14:creationId xmlns:p14="http://schemas.microsoft.com/office/powerpoint/2010/main" val="3230327274"/>
+      </p:ext>
+    </p:extLst>
+  </p:cSld>
+  <p:clrMapOvr>
+    <a:masterClrMapping/>
+  </p:clrMapOvr>
+</p:sld>
+</file>
+
+<file path=ppt/slides/slide12.xml><?xml version="1.0" encoding="utf-8"?>
+<p:sld xmlns:a="http://schemas.openxmlformats.org/drawingml/2006/main" xmlns:r="http://schemas.openxmlformats.org/officeDocument/2006/relationships" xmlns:p="http://schemas.openxmlformats.org/presentationml/2006/main">
+  <p:cSld>
+    <p:spTree>
+      <p:nvGrpSpPr>
+        <p:cNvPr id="1" name=""/>
+        <p:cNvGrpSpPr/>
+        <p:nvPr/>
+      </p:nvGrpSpPr>
+      <p:grpSpPr>
+        <a:xfrm>
+          <a:off x="0" y="0"/>
+          <a:ext cx="0" cy="0"/>
+          <a:chOff x="0" y="0"/>
+          <a:chExt cx="0" cy="0"/>
+        </a:xfrm>
+      </p:grpSpPr>
+      <p:sp>
+        <p:nvSpPr>
+          <p:cNvPr id="2" name="Title 1">
+            <a:extLst>
+              <a:ext uri="{FF2B5EF4-FFF2-40B4-BE49-F238E27FC236}">
+                <a16:creationId xmlns:a16="http://schemas.microsoft.com/office/drawing/2014/main" id="{8C39E9CA-90B6-437A-B349-112EE3E6C47A}"/>
+              </a:ext>
+            </a:extLst>
+          </p:cNvPr>
+          <p:cNvSpPr>
+            <a:spLocks noGrp="1"/>
+          </p:cNvSpPr>
+          <p:nvPr>
+            <p:ph type="title"/>
+          </p:nvPr>
+        </p:nvSpPr>
+        <p:spPr/>
+        <p:txBody>
+          <a:bodyPr/>
+          <a:lstStyle/>
+          <a:p>
+            <a:r>
+              <a:rPr lang="en-IN" dirty="0"/>
+              <a:t>LSTMs mimic Human Memory</a:t>
+            </a:r>
+          </a:p>
+        </p:txBody>
+      </p:sp>
+      <p:pic>
+        <p:nvPicPr>
+          <p:cNvPr id="5" name="Content Placeholder 4">
+            <a:extLst>
+              <a:ext uri="{FF2B5EF4-FFF2-40B4-BE49-F238E27FC236}">
+                <a16:creationId xmlns:a16="http://schemas.microsoft.com/office/drawing/2014/main" id="{2FBEA463-8557-47AD-9911-E00DDEBE183C}"/>
+              </a:ext>
+            </a:extLst>
+          </p:cNvPr>
+          <p:cNvPicPr>
+            <a:picLocks noGrp="1" noChangeAspect="1"/>
+          </p:cNvPicPr>
+          <p:nvPr>
+            <p:ph idx="1"/>
+          </p:nvPr>
+        </p:nvPicPr>
+        <p:blipFill>
+          <a:blip r:embed="rId3">
+            <a:extLst>
+              <a:ext uri="{28A0092B-C50C-407E-A947-70E740481C1C}">
+                <a14:useLocalDpi xmlns:a14="http://schemas.microsoft.com/office/drawing/2010/main" val="0"/>
+              </a:ext>
+            </a:extLst>
+          </a:blip>
+          <a:stretch>
+            <a:fillRect/>
+          </a:stretch>
+        </p:blipFill>
+        <p:spPr>
+          <a:xfrm>
+            <a:off x="2520244" y="1940767"/>
+            <a:ext cx="7151511" cy="4211203"/>
+          </a:xfrm>
+        </p:spPr>
+      </p:pic>
+    </p:spTree>
+    <p:extLst>
+      <p:ext uri="{BB962C8B-B14F-4D97-AF65-F5344CB8AC3E}">
+        <p14:creationId xmlns:p14="http://schemas.microsoft.com/office/powerpoint/2010/main" val="2654963647"/>
+      </p:ext>
+    </p:extLst>
+  </p:cSld>
+  <p:clrMapOvr>
+    <a:masterClrMapping/>
+  </p:clrMapOvr>
+</p:sld>
+</file>
+
+<file path=ppt/slides/slide13.xml><?xml version="1.0" encoding="utf-8"?>
+<p:sld xmlns:a="http://schemas.openxmlformats.org/drawingml/2006/main" xmlns:r="http://schemas.openxmlformats.org/officeDocument/2006/relationships" xmlns:p="http://schemas.openxmlformats.org/presentationml/2006/main">
+  <p:cSld>
+    <p:spTree>
+      <p:nvGrpSpPr>
+        <p:cNvPr id="1" name=""/>
+        <p:cNvGrpSpPr/>
+        <p:nvPr/>
+      </p:nvGrpSpPr>
+      <p:grpSpPr>
+        <a:xfrm>
+          <a:off x="0" y="0"/>
+          <a:ext cx="0" cy="0"/>
+          <a:chOff x="0" y="0"/>
+          <a:chExt cx="0" cy="0"/>
+        </a:xfrm>
+      </p:grpSpPr>
+      <p:sp>
+        <p:nvSpPr>
+          <p:cNvPr id="2" name="Title 1">
+            <a:extLst>
+              <a:ext uri="{FF2B5EF4-FFF2-40B4-BE49-F238E27FC236}">
+                <a16:creationId xmlns:a16="http://schemas.microsoft.com/office/drawing/2014/main" id="{2E256D1E-EA3B-4E68-85D3-116706F0F248}"/>
+              </a:ext>
+            </a:extLst>
+          </p:cNvPr>
+          <p:cNvSpPr>
+            <a:spLocks noGrp="1"/>
+          </p:cNvSpPr>
+          <p:nvPr>
+            <p:ph type="title"/>
+          </p:nvPr>
+        </p:nvSpPr>
+        <p:spPr/>
+        <p:txBody>
+          <a:bodyPr/>
+          <a:lstStyle/>
+          <a:p>
+            <a:r>
+              <a:rPr lang="en-IN" dirty="0"/>
+              <a:t>LSTM Architecture</a:t>
+            </a:r>
+          </a:p>
+        </p:txBody>
+      </p:sp>
+      <p:pic>
+        <p:nvPicPr>
+          <p:cNvPr id="5" name="Content Placeholder 4">
+            <a:extLst>
+              <a:ext uri="{FF2B5EF4-FFF2-40B4-BE49-F238E27FC236}">
+                <a16:creationId xmlns:a16="http://schemas.microsoft.com/office/drawing/2014/main" id="{40CC5B6A-E13E-472B-A205-DCDCEA50231E}"/>
+              </a:ext>
+            </a:extLst>
+          </p:cNvPr>
+          <p:cNvPicPr>
+            <a:picLocks noGrp="1" noChangeAspect="1"/>
+          </p:cNvPicPr>
+          <p:nvPr>
+            <p:ph idx="1"/>
+          </p:nvPr>
+        </p:nvPicPr>
+        <p:blipFill>
+          <a:blip r:embed="rId3">
+            <a:extLst>
+              <a:ext uri="{28A0092B-C50C-407E-A947-70E740481C1C}">
+                <a14:useLocalDpi xmlns:a14="http://schemas.microsoft.com/office/drawing/2010/main" val="0"/>
+              </a:ext>
+            </a:extLst>
+          </a:blip>
+          <a:stretch>
+            <a:fillRect/>
+          </a:stretch>
+        </p:blipFill>
+        <p:spPr>
+          <a:xfrm>
+            <a:off x="1096963" y="1968015"/>
+            <a:ext cx="10058400" cy="3779220"/>
+          </a:xfrm>
+        </p:spPr>
+      </p:pic>
+    </p:spTree>
+    <p:extLst>
+      <p:ext uri="{BB962C8B-B14F-4D97-AF65-F5344CB8AC3E}">
+        <p14:creationId xmlns:p14="http://schemas.microsoft.com/office/powerpoint/2010/main" val="4248088773"/>
+      </p:ext>
+    </p:extLst>
+  </p:cSld>
+  <p:clrMapOvr>
+    <a:masterClrMapping/>
+  </p:clrMapOvr>
+</p:sld>
+</file>
+
+<file path=ppt/slides/slide14.xml><?xml version="1.0" encoding="utf-8"?>
+<p:sld xmlns:a="http://schemas.openxmlformats.org/drawingml/2006/main" xmlns:r="http://schemas.openxmlformats.org/officeDocument/2006/relationships" xmlns:p="http://schemas.openxmlformats.org/presentationml/2006/main">
+  <p:cSld>
+    <p:spTree>
+      <p:nvGrpSpPr>
+        <p:cNvPr id="1" name=""/>
+        <p:cNvGrpSpPr/>
+        <p:nvPr/>
+      </p:nvGrpSpPr>
+      <p:grpSpPr>
+        <a:xfrm>
+          <a:off x="0" y="0"/>
+          <a:ext cx="0" cy="0"/>
+          <a:chOff x="0" y="0"/>
+          <a:chExt cx="0" cy="0"/>
+        </a:xfrm>
+      </p:grpSpPr>
+      <p:sp>
+        <p:nvSpPr>
+          <p:cNvPr id="2" name="Title 1">
+            <a:extLst>
+              <a:ext uri="{FF2B5EF4-FFF2-40B4-BE49-F238E27FC236}">
+                <a16:creationId xmlns:a16="http://schemas.microsoft.com/office/drawing/2014/main" id="{76F256E4-D9DE-448D-B4AB-AE41D834DCE2}"/>
+              </a:ext>
+            </a:extLst>
+          </p:cNvPr>
+          <p:cNvSpPr>
+            <a:spLocks noGrp="1"/>
+          </p:cNvSpPr>
+          <p:nvPr>
+            <p:ph type="title"/>
+          </p:nvPr>
+        </p:nvSpPr>
+        <p:spPr/>
+        <p:txBody>
+          <a:bodyPr/>
+          <a:lstStyle/>
+          <a:p>
+            <a:r>
+              <a:rPr lang="en-IN" dirty="0"/>
+              <a:t>Forget Gate</a:t>
+            </a:r>
+          </a:p>
+        </p:txBody>
+      </p:sp>
+      <p:pic>
+        <p:nvPicPr>
+          <p:cNvPr id="5" name="Content Placeholder 4">
+            <a:extLst>
+              <a:ext uri="{FF2B5EF4-FFF2-40B4-BE49-F238E27FC236}">
+                <a16:creationId xmlns:a16="http://schemas.microsoft.com/office/drawing/2014/main" id="{855357E3-5AA4-447E-BCB4-53740FEFC155}"/>
+              </a:ext>
+            </a:extLst>
+          </p:cNvPr>
+          <p:cNvPicPr>
+            <a:picLocks noGrp="1" noChangeAspect="1"/>
+          </p:cNvPicPr>
+          <p:nvPr>
+            <p:ph idx="1"/>
+          </p:nvPr>
+        </p:nvPicPr>
+        <p:blipFill>
+          <a:blip r:embed="rId3">
+            <a:extLst>
+              <a:ext uri="{28A0092B-C50C-407E-A947-70E740481C1C}">
+                <a14:useLocalDpi xmlns:a14="http://schemas.microsoft.com/office/drawing/2010/main" val="0"/>
+              </a:ext>
+            </a:extLst>
+          </a:blip>
+          <a:stretch>
+            <a:fillRect/>
+          </a:stretch>
+        </p:blipFill>
+        <p:spPr>
+          <a:xfrm>
+            <a:off x="2274411" y="1846262"/>
+            <a:ext cx="7643177" cy="4377255"/>
+          </a:xfrm>
+        </p:spPr>
+      </p:pic>
+    </p:spTree>
+    <p:extLst>
+      <p:ext uri="{BB962C8B-B14F-4D97-AF65-F5344CB8AC3E}">
+        <p14:creationId xmlns:p14="http://schemas.microsoft.com/office/powerpoint/2010/main" val="1766468176"/>
+      </p:ext>
+    </p:extLst>
+  </p:cSld>
+  <p:clrMapOvr>
+    <a:masterClrMapping/>
+  </p:clrMapOvr>
+</p:sld>
+</file>
+
+<file path=ppt/slides/slide15.xml><?xml version="1.0" encoding="utf-8"?>
+<p:sld xmlns:a="http://schemas.openxmlformats.org/drawingml/2006/main" xmlns:r="http://schemas.openxmlformats.org/officeDocument/2006/relationships" xmlns:p="http://schemas.openxmlformats.org/presentationml/2006/main">
+  <p:cSld>
+    <p:spTree>
+      <p:nvGrpSpPr>
+        <p:cNvPr id="1" name=""/>
+        <p:cNvGrpSpPr/>
+        <p:nvPr/>
+      </p:nvGrpSpPr>
+      <p:grpSpPr>
+        <a:xfrm>
+          <a:off x="0" y="0"/>
+          <a:ext cx="0" cy="0"/>
+          <a:chOff x="0" y="0"/>
+          <a:chExt cx="0" cy="0"/>
+        </a:xfrm>
+      </p:grpSpPr>
+      <p:sp>
+        <p:nvSpPr>
+          <p:cNvPr id="2" name="Title 1">
+            <a:extLst>
+              <a:ext uri="{FF2B5EF4-FFF2-40B4-BE49-F238E27FC236}">
+                <a16:creationId xmlns:a16="http://schemas.microsoft.com/office/drawing/2014/main" id="{D9C76EB0-F9B2-498D-AEB3-D4D16FAAE067}"/>
+              </a:ext>
+            </a:extLst>
+          </p:cNvPr>
+          <p:cNvSpPr>
+            <a:spLocks noGrp="1"/>
+          </p:cNvSpPr>
+          <p:nvPr>
+            <p:ph type="title"/>
+          </p:nvPr>
+        </p:nvSpPr>
+        <p:spPr/>
+        <p:txBody>
+          <a:bodyPr/>
+          <a:lstStyle/>
+          <a:p>
+            <a:r>
+              <a:rPr lang="en-IN" dirty="0"/>
+              <a:t>Input Gate</a:t>
+            </a:r>
+          </a:p>
+        </p:txBody>
+      </p:sp>
+      <p:pic>
+        <p:nvPicPr>
+          <p:cNvPr id="5" name="Content Placeholder 4">
+            <a:extLst>
+              <a:ext uri="{FF2B5EF4-FFF2-40B4-BE49-F238E27FC236}">
+                <a16:creationId xmlns:a16="http://schemas.microsoft.com/office/drawing/2014/main" id="{654C553C-0341-4B5C-BE32-18BCCBEEC4EC}"/>
+              </a:ext>
+            </a:extLst>
+          </p:cNvPr>
+          <p:cNvPicPr>
+            <a:picLocks noGrp="1" noChangeAspect="1"/>
+          </p:cNvPicPr>
+          <p:nvPr>
+            <p:ph idx="1"/>
+          </p:nvPr>
+        </p:nvPicPr>
+        <p:blipFill>
+          <a:blip r:embed="rId3">
+            <a:extLst>
+              <a:ext uri="{28A0092B-C50C-407E-A947-70E740481C1C}">
+                <a14:useLocalDpi xmlns:a14="http://schemas.microsoft.com/office/drawing/2010/main" val="0"/>
+              </a:ext>
+            </a:extLst>
+          </a:blip>
+          <a:stretch>
+            <a:fillRect/>
+          </a:stretch>
+        </p:blipFill>
+        <p:spPr>
+          <a:xfrm>
+            <a:off x="1849790" y="1846263"/>
+            <a:ext cx="8492419" cy="4349264"/>
+          </a:xfrm>
+        </p:spPr>
+      </p:pic>
+    </p:spTree>
+    <p:extLst>
+      <p:ext uri="{BB962C8B-B14F-4D97-AF65-F5344CB8AC3E}">
+        <p14:creationId xmlns:p14="http://schemas.microsoft.com/office/powerpoint/2010/main" val="2806399146"/>
+      </p:ext>
+    </p:extLst>
+  </p:cSld>
+  <p:clrMapOvr>
+    <a:masterClrMapping/>
+  </p:clrMapOvr>
+</p:sld>
+</file>
+
+<file path=ppt/slides/slide16.xml><?xml version="1.0" encoding="utf-8"?>
+<p:sld xmlns:a="http://schemas.openxmlformats.org/drawingml/2006/main" xmlns:r="http://schemas.openxmlformats.org/officeDocument/2006/relationships" xmlns:p="http://schemas.openxmlformats.org/presentationml/2006/main">
+  <p:cSld>
+    <p:spTree>
+      <p:nvGrpSpPr>
+        <p:cNvPr id="1" name=""/>
+        <p:cNvGrpSpPr/>
+        <p:nvPr/>
+      </p:nvGrpSpPr>
+      <p:grpSpPr>
+        <a:xfrm>
+          <a:off x="0" y="0"/>
+          <a:ext cx="0" cy="0"/>
+          <a:chOff x="0" y="0"/>
+          <a:chExt cx="0" cy="0"/>
+        </a:xfrm>
+      </p:grpSpPr>
+      <p:sp>
+        <p:nvSpPr>
+          <p:cNvPr id="2" name="Title 1">
+            <a:extLst>
+              <a:ext uri="{FF2B5EF4-FFF2-40B4-BE49-F238E27FC236}">
+                <a16:creationId xmlns:a16="http://schemas.microsoft.com/office/drawing/2014/main" id="{0082E01C-0BCF-407B-BBB0-1A3AC69720C1}"/>
+              </a:ext>
+            </a:extLst>
+          </p:cNvPr>
+          <p:cNvSpPr>
+            <a:spLocks noGrp="1"/>
+          </p:cNvSpPr>
+          <p:nvPr>
+            <p:ph type="title"/>
+          </p:nvPr>
+        </p:nvSpPr>
+        <p:spPr/>
+        <p:txBody>
+          <a:bodyPr/>
+          <a:lstStyle/>
+          <a:p>
+            <a:r>
+              <a:rPr lang="en-IN" dirty="0"/>
+              <a:t>Cell State</a:t>
+            </a:r>
+          </a:p>
+        </p:txBody>
+      </p:sp>
+      <p:pic>
+        <p:nvPicPr>
+          <p:cNvPr id="5" name="Content Placeholder 4">
+            <a:extLst>
+              <a:ext uri="{FF2B5EF4-FFF2-40B4-BE49-F238E27FC236}">
+                <a16:creationId xmlns:a16="http://schemas.microsoft.com/office/drawing/2014/main" id="{4352B401-0986-47ED-8DE9-C401F2DB9568}"/>
+              </a:ext>
+            </a:extLst>
+          </p:cNvPr>
+          <p:cNvPicPr>
+            <a:picLocks noGrp="1" noChangeAspect="1"/>
+          </p:cNvPicPr>
+          <p:nvPr>
+            <p:ph idx="1"/>
+          </p:nvPr>
+        </p:nvPicPr>
+        <p:blipFill>
+          <a:blip r:embed="rId3">
+            <a:extLst>
+              <a:ext uri="{28A0092B-C50C-407E-A947-70E740481C1C}">
+                <a14:useLocalDpi xmlns:a14="http://schemas.microsoft.com/office/drawing/2010/main" val="0"/>
+              </a:ext>
+            </a:extLst>
+          </a:blip>
+          <a:stretch>
+            <a:fillRect/>
+          </a:stretch>
+        </p:blipFill>
+        <p:spPr>
+          <a:xfrm>
+            <a:off x="2304574" y="1846263"/>
+            <a:ext cx="7643177" cy="4358594"/>
+          </a:xfrm>
+        </p:spPr>
+      </p:pic>
+    </p:spTree>
+    <p:extLst>
+      <p:ext uri="{BB962C8B-B14F-4D97-AF65-F5344CB8AC3E}">
+        <p14:creationId xmlns:p14="http://schemas.microsoft.com/office/powerpoint/2010/main" val="2396599788"/>
+      </p:ext>
+    </p:extLst>
+  </p:cSld>
+  <p:clrMapOvr>
+    <a:masterClrMapping/>
+  </p:clrMapOvr>
+</p:sld>
+</file>
+
+<file path=ppt/slides/slide17.xml><?xml version="1.0" encoding="utf-8"?>
+<p:sld xmlns:a="http://schemas.openxmlformats.org/drawingml/2006/main" xmlns:r="http://schemas.openxmlformats.org/officeDocument/2006/relationships" xmlns:p="http://schemas.openxmlformats.org/presentationml/2006/main">
+  <p:cSld>
+    <p:spTree>
+      <p:nvGrpSpPr>
+        <p:cNvPr id="1" name=""/>
+        <p:cNvGrpSpPr/>
+        <p:nvPr/>
+      </p:nvGrpSpPr>
+      <p:grpSpPr>
+        <a:xfrm>
+          <a:off x="0" y="0"/>
+          <a:ext cx="0" cy="0"/>
+          <a:chOff x="0" y="0"/>
+          <a:chExt cx="0" cy="0"/>
+        </a:xfrm>
+      </p:grpSpPr>
+      <p:sp>
+        <p:nvSpPr>
+          <p:cNvPr id="2" name="Title 1">
+            <a:extLst>
+              <a:ext uri="{FF2B5EF4-FFF2-40B4-BE49-F238E27FC236}">
                 <a16:creationId xmlns:a16="http://schemas.microsoft.com/office/drawing/2014/main" id="{DAD6F3E8-ADD5-4647-8413-620A0E2F6604}"/>
               </a:ext>
             </a:extLst>
@@ -5726,7 +6617,7 @@
 </p:sld>
 </file>
 
-<file path=ppt/slides/slide11.xml><?xml version="1.0" encoding="utf-8"?>
+<file path=ppt/slides/slide18.xml><?xml version="1.0" encoding="utf-8"?>
 <p:sld xmlns:a="http://schemas.openxmlformats.org/drawingml/2006/main" xmlns:r="http://schemas.openxmlformats.org/officeDocument/2006/relationships" xmlns:p="http://schemas.openxmlformats.org/presentationml/2006/main">
   <p:cSld>
     <p:spTree>
@@ -5748,7 +6639,7 @@
           <p:cNvPr id="2" name="Title 1">
             <a:extLst>
               <a:ext uri="{FF2B5EF4-FFF2-40B4-BE49-F238E27FC236}">
-                <a16:creationId xmlns:a16="http://schemas.microsoft.com/office/drawing/2014/main" id="{1DC1E5A1-DB6E-4E1A-972D-9E5CE68F3B23}"/>
+                <a16:creationId xmlns:a16="http://schemas.microsoft.com/office/drawing/2014/main" id="{3C0D34CA-8A50-4FA2-B81C-3035DC46DC13}"/>
               </a:ext>
             </a:extLst>
           </p:cNvPr>
@@ -5765,92 +6656,94 @@
           <a:lstStyle/>
           <a:p>
             <a:r>
-              <a:rPr lang="en-US" dirty="0"/>
-              <a:t>Application – Sentiment Analysis</a:t>
-            </a:r>
-            <a:endParaRPr lang="en-IN" dirty="0"/>
-          </a:p>
-        </p:txBody>
-      </p:sp>
-      <p:sp>
-        <p:nvSpPr>
-          <p:cNvPr id="3" name="Content Placeholder 2">
-            <a:extLst>
-              <a:ext uri="{FF2B5EF4-FFF2-40B4-BE49-F238E27FC236}">
-                <a16:creationId xmlns:a16="http://schemas.microsoft.com/office/drawing/2014/main" id="{59390695-9957-4C39-A179-ACCD5B97ABEE}"/>
-              </a:ext>
-            </a:extLst>
-          </p:cNvPr>
-          <p:cNvSpPr>
-            <a:spLocks noGrp="1"/>
-          </p:cNvSpPr>
-          <p:nvPr>
-            <p:ph idx="1"/>
-          </p:nvPr>
-        </p:nvSpPr>
-        <p:spPr>
-          <a:xfrm>
-            <a:off x="1097280" y="2043404"/>
-            <a:ext cx="10058400" cy="3825690"/>
-          </a:xfrm>
-        </p:spPr>
-        <p:txBody>
-          <a:bodyPr/>
-          <a:lstStyle/>
-          <a:p>
-            <a:pPr>
-              <a:buFont typeface="Wingdings" panose="05000000000000000000" pitchFamily="2" charset="2"/>
-              <a:buChar char="q"/>
-            </a:pPr>
-            <a:r>
               <a:rPr lang="en-IN" dirty="0"/>
-              <a:t> Sentiment Analysis is -</a:t>
-            </a:r>
-          </a:p>
-          <a:p>
-            <a:pPr lvl="1">
-              <a:buFont typeface="Wingdings" panose="05000000000000000000" pitchFamily="2" charset="2"/>
-              <a:buChar char="q"/>
-            </a:pPr>
-            <a:r>
-              <a:rPr lang="en-US" dirty="0"/>
-              <a:t> the term which is used very often in web-based business sites, social networks and different fields.</a:t>
-            </a:r>
-          </a:p>
-          <a:p>
-            <a:pPr lvl="1">
-              <a:buFont typeface="Wingdings" panose="05000000000000000000" pitchFamily="2" charset="2"/>
-              <a:buChar char="q"/>
-            </a:pPr>
-            <a:r>
-              <a:rPr lang="en-US" dirty="0"/>
-              <a:t> an examination field to analyze people’s subjective sentiments.</a:t>
-            </a:r>
-            <a:endParaRPr lang="en-IN" dirty="0"/>
-          </a:p>
-          <a:p>
-            <a:pPr>
-              <a:buFont typeface="Wingdings" panose="05000000000000000000" pitchFamily="2" charset="2"/>
-              <a:buChar char="q"/>
-            </a:pPr>
-            <a:r>
-              <a:rPr lang="en-IN" dirty="0"/>
-              <a:t> More Advanced, Focus on “Beyond Polarity”</a:t>
-            </a:r>
-          </a:p>
-          <a:p>
-            <a:pPr>
-              <a:buFont typeface="Wingdings" panose="05000000000000000000" pitchFamily="2" charset="2"/>
-              <a:buChar char="q"/>
-            </a:pPr>
-            <a:endParaRPr lang="en-US" dirty="0"/>
-          </a:p>
-        </p:txBody>
-      </p:sp>
+              <a:t>Backpropagation in LSTMs</a:t>
+            </a:r>
+          </a:p>
+        </p:txBody>
+      </p:sp>
+      <mc:AlternateContent xmlns:mc="http://schemas.openxmlformats.org/markup-compatibility/2006">
+        <mc:Choice xmlns:a14="http://schemas.microsoft.com/office/drawing/2010/main" Requires="a14">
+          <p:sp>
+            <p:nvSpPr>
+              <p:cNvPr id="3" name="Content Placeholder 2">
+                <a:extLst>
+                  <a:ext uri="{FF2B5EF4-FFF2-40B4-BE49-F238E27FC236}">
+                    <a16:creationId xmlns:a16="http://schemas.microsoft.com/office/drawing/2014/main" id="{4C3C59EC-4650-405D-9225-A98634DBB7D6}"/>
+                  </a:ext>
+                </a:extLst>
+              </p:cNvPr>
+              <p:cNvSpPr>
+                <a:spLocks noGrp="1"/>
+              </p:cNvSpPr>
+              <p:nvPr>
+                <p:ph idx="1"/>
+              </p:nvPr>
+            </p:nvSpPr>
+            <p:spPr/>
+            <p:txBody>
+              <a:bodyPr/>
+              <a:lstStyle/>
+              <a:p>
+                <a14:m>
+                  <m:oMath xmlns:m="http://schemas.openxmlformats.org/officeDocument/2006/math">
+                    <a:fld id="{825F15A7-03F4-43D7-82C5-3E23DA2F108C}" type="mathplaceholder">
+                      <a:rPr lang="en-IN" i="1" smtClean="0">
+                        <a:latin typeface="Cambria Math" panose="02040503050406030204" pitchFamily="18" charset="0"/>
+                      </a:rPr>
+                      <a:t>Type equation here.</a:t>
+                    </a:fld>
+                  </m:oMath>
+                </a14:m>
+                <a:endParaRPr lang="en-IN" dirty="0"/>
+              </a:p>
+            </p:txBody>
+          </p:sp>
+        </mc:Choice>
+        <mc:Fallback>
+          <p:sp>
+            <p:nvSpPr>
+              <p:cNvPr id="3" name="Content Placeholder 2">
+                <a:extLst>
+                  <a:ext uri="{FF2B5EF4-FFF2-40B4-BE49-F238E27FC236}">
+                    <a16:creationId xmlns:a16="http://schemas.microsoft.com/office/drawing/2014/main" id="{4C3C59EC-4650-405D-9225-A98634DBB7D6}"/>
+                  </a:ext>
+                </a:extLst>
+              </p:cNvPr>
+              <p:cNvSpPr>
+                <a:spLocks noGrp="1" noRot="1" noChangeAspect="1" noMove="1" noResize="1" noEditPoints="1" noAdjustHandles="1" noChangeArrowheads="1" noChangeShapeType="1" noTextEdit="1"/>
+              </p:cNvSpPr>
+              <p:nvPr>
+                <p:ph idx="1"/>
+              </p:nvPr>
+            </p:nvSpPr>
+            <p:spPr>
+              <a:blipFill>
+                <a:blip r:embed="rId3"/>
+                <a:stretch>
+                  <a:fillRect l="-242"/>
+                </a:stretch>
+              </a:blipFill>
+            </p:spPr>
+            <p:txBody>
+              <a:bodyPr/>
+              <a:lstStyle/>
+              <a:p>
+                <a:r>
+                  <a:rPr lang="en-IN">
+                    <a:noFill/>
+                  </a:rPr>
+                  <a:t> </a:t>
+                </a:r>
+              </a:p>
+            </p:txBody>
+          </p:sp>
+        </mc:Fallback>
+      </mc:AlternateContent>
     </p:spTree>
     <p:extLst>
       <p:ext uri="{BB962C8B-B14F-4D97-AF65-F5344CB8AC3E}">
-        <p14:creationId xmlns:p14="http://schemas.microsoft.com/office/powerpoint/2010/main" val="3917098044"/>
+        <p14:creationId xmlns:p14="http://schemas.microsoft.com/office/powerpoint/2010/main" val="958961517"/>
       </p:ext>
     </p:extLst>
   </p:cSld>
@@ -5860,7 +6753,7 @@
 </p:sld>
 </file>
 
-<file path=ppt/slides/slide12.xml><?xml version="1.0" encoding="utf-8"?>
+<file path=ppt/slides/slide19.xml><?xml version="1.0" encoding="utf-8"?>
 <p:sld xmlns:a="http://schemas.openxmlformats.org/drawingml/2006/main" xmlns:r="http://schemas.openxmlformats.org/officeDocument/2006/relationships" xmlns:p="http://schemas.openxmlformats.org/presentationml/2006/main">
   <p:cSld>
     <p:spTree>
@@ -5882,6 +6775,614 @@
           <p:cNvPr id="2" name="Title 1">
             <a:extLst>
               <a:ext uri="{FF2B5EF4-FFF2-40B4-BE49-F238E27FC236}">
+                <a16:creationId xmlns:a16="http://schemas.microsoft.com/office/drawing/2014/main" id="{708F84C8-4D38-464B-9C87-C4C9D54EA9E2}"/>
+              </a:ext>
+            </a:extLst>
+          </p:cNvPr>
+          <p:cNvSpPr>
+            <a:spLocks noGrp="1"/>
+          </p:cNvSpPr>
+          <p:nvPr>
+            <p:ph type="title"/>
+          </p:nvPr>
+        </p:nvSpPr>
+        <p:spPr>
+          <a:xfrm>
+            <a:off x="1097280" y="266724"/>
+            <a:ext cx="10058400" cy="1450757"/>
+          </a:xfrm>
+        </p:spPr>
+        <p:txBody>
+          <a:bodyPr/>
+          <a:lstStyle/>
+          <a:p>
+            <a:r>
+              <a:rPr lang="en-IN" dirty="0"/>
+              <a:t>Other variants – Bi directional RNN/LSTM</a:t>
+            </a:r>
+          </a:p>
+        </p:txBody>
+      </p:sp>
+      <p:pic>
+        <p:nvPicPr>
+          <p:cNvPr id="2050" name="Picture 2">
+            <a:extLst>
+              <a:ext uri="{FF2B5EF4-FFF2-40B4-BE49-F238E27FC236}">
+                <a16:creationId xmlns:a16="http://schemas.microsoft.com/office/drawing/2014/main" id="{8AAB6D52-99D9-4EE5-8616-3B88CA96B898}"/>
+              </a:ext>
+            </a:extLst>
+          </p:cNvPr>
+          <p:cNvPicPr>
+            <a:picLocks noGrp="1" noChangeAspect="1" noChangeArrowheads="1"/>
+          </p:cNvPicPr>
+          <p:nvPr>
+            <p:ph idx="1"/>
+          </p:nvPr>
+        </p:nvPicPr>
+        <p:blipFill>
+          <a:blip r:embed="rId2">
+            <a:extLst>
+              <a:ext uri="{28A0092B-C50C-407E-A947-70E740481C1C}">
+                <a14:useLocalDpi xmlns:a14="http://schemas.microsoft.com/office/drawing/2010/main" val="0"/>
+              </a:ext>
+            </a:extLst>
+          </a:blip>
+          <a:srcRect/>
+          <a:stretch>
+            <a:fillRect/>
+          </a:stretch>
+        </p:blipFill>
+        <p:spPr bwMode="auto">
+          <a:xfrm>
+            <a:off x="4059167" y="1846263"/>
+            <a:ext cx="4133991" cy="4022725"/>
+          </a:xfrm>
+          <a:prstGeom prst="rect">
+            <a:avLst/>
+          </a:prstGeom>
+          <a:noFill/>
+          <a:extLst>
+            <a:ext uri="{909E8E84-426E-40DD-AFC4-6F175D3DCCD1}">
+              <a14:hiddenFill xmlns:a14="http://schemas.microsoft.com/office/drawing/2010/main">
+                <a:solidFill>
+                  <a:srgbClr val="FFFFFF"/>
+                </a:solidFill>
+              </a14:hiddenFill>
+            </a:ext>
+          </a:extLst>
+        </p:spPr>
+      </p:pic>
+    </p:spTree>
+    <p:extLst>
+      <p:ext uri="{BB962C8B-B14F-4D97-AF65-F5344CB8AC3E}">
+        <p14:creationId xmlns:p14="http://schemas.microsoft.com/office/powerpoint/2010/main" val="4249501823"/>
+      </p:ext>
+    </p:extLst>
+  </p:cSld>
+  <p:clrMapOvr>
+    <a:masterClrMapping/>
+  </p:clrMapOvr>
+</p:sld>
+</file>
+
+<file path=ppt/slides/slide2.xml><?xml version="1.0" encoding="utf-8"?>
+<p:sld xmlns:a="http://schemas.openxmlformats.org/drawingml/2006/main" xmlns:r="http://schemas.openxmlformats.org/officeDocument/2006/relationships" xmlns:p="http://schemas.openxmlformats.org/presentationml/2006/main">
+  <p:cSld>
+    <p:spTree>
+      <p:nvGrpSpPr>
+        <p:cNvPr id="1" name=""/>
+        <p:cNvGrpSpPr/>
+        <p:nvPr/>
+      </p:nvGrpSpPr>
+      <p:grpSpPr>
+        <a:xfrm>
+          <a:off x="0" y="0"/>
+          <a:ext cx="0" cy="0"/>
+          <a:chOff x="0" y="0"/>
+          <a:chExt cx="0" cy="0"/>
+        </a:xfrm>
+      </p:grpSpPr>
+      <p:sp>
+        <p:nvSpPr>
+          <p:cNvPr id="2" name="Title 1">
+            <a:extLst>
+              <a:ext uri="{FF2B5EF4-FFF2-40B4-BE49-F238E27FC236}">
+                <a16:creationId xmlns:a16="http://schemas.microsoft.com/office/drawing/2014/main" id="{8011FCE9-3CE1-418A-9429-4FCB88EE7E8A}"/>
+              </a:ext>
+            </a:extLst>
+          </p:cNvPr>
+          <p:cNvSpPr>
+            <a:spLocks noGrp="1"/>
+          </p:cNvSpPr>
+          <p:nvPr>
+            <p:ph type="title"/>
+          </p:nvPr>
+        </p:nvSpPr>
+        <p:spPr/>
+        <p:txBody>
+          <a:bodyPr/>
+          <a:lstStyle/>
+          <a:p>
+            <a:r>
+              <a:rPr lang="en-US" dirty="0"/>
+              <a:t>Introduction</a:t>
+            </a:r>
+            <a:endParaRPr lang="en-IN" dirty="0"/>
+          </a:p>
+        </p:txBody>
+      </p:sp>
+      <p:sp>
+        <p:nvSpPr>
+          <p:cNvPr id="3" name="Content Placeholder 2">
+            <a:extLst>
+              <a:ext uri="{FF2B5EF4-FFF2-40B4-BE49-F238E27FC236}">
+                <a16:creationId xmlns:a16="http://schemas.microsoft.com/office/drawing/2014/main" id="{18156B32-C8E0-42B8-BB2B-6477C2DBFDF6}"/>
+              </a:ext>
+            </a:extLst>
+          </p:cNvPr>
+          <p:cNvSpPr>
+            <a:spLocks noGrp="1"/>
+          </p:cNvSpPr>
+          <p:nvPr>
+            <p:ph idx="1"/>
+          </p:nvPr>
+        </p:nvSpPr>
+        <p:spPr/>
+        <p:txBody>
+          <a:bodyPr/>
+          <a:lstStyle/>
+          <a:p>
+            <a:r>
+              <a:rPr lang="en-IN" dirty="0"/>
+              <a:t>Recurrent neural network(RNN) which also called as feedback neural network in which neurons in layer j get feed forward input and receives input from neurons in higher (following) layers, usually next layer j+1 (backward), but also from neurons </a:t>
+            </a:r>
+            <a:r>
+              <a:rPr lang="en-IN"/>
+              <a:t>of same layer j.</a:t>
+            </a:r>
+            <a:endParaRPr lang="en-IN" dirty="0"/>
+          </a:p>
+        </p:txBody>
+      </p:sp>
+    </p:spTree>
+    <p:extLst>
+      <p:ext uri="{BB962C8B-B14F-4D97-AF65-F5344CB8AC3E}">
+        <p14:creationId xmlns:p14="http://schemas.microsoft.com/office/powerpoint/2010/main" val="3054302855"/>
+      </p:ext>
+    </p:extLst>
+  </p:cSld>
+  <p:clrMapOvr>
+    <a:masterClrMapping/>
+  </p:clrMapOvr>
+</p:sld>
+</file>
+
+<file path=ppt/slides/slide20.xml><?xml version="1.0" encoding="utf-8"?>
+<p:sld xmlns:a="http://schemas.openxmlformats.org/drawingml/2006/main" xmlns:r="http://schemas.openxmlformats.org/officeDocument/2006/relationships" xmlns:p="http://schemas.openxmlformats.org/presentationml/2006/main">
+  <p:cSld>
+    <p:spTree>
+      <p:nvGrpSpPr>
+        <p:cNvPr id="1" name=""/>
+        <p:cNvGrpSpPr/>
+        <p:nvPr/>
+      </p:nvGrpSpPr>
+      <p:grpSpPr>
+        <a:xfrm>
+          <a:off x="0" y="0"/>
+          <a:ext cx="0" cy="0"/>
+          <a:chOff x="0" y="0"/>
+          <a:chExt cx="0" cy="0"/>
+        </a:xfrm>
+      </p:grpSpPr>
+      <p:sp>
+        <p:nvSpPr>
+          <p:cNvPr id="2" name="Title 1">
+            <a:extLst>
+              <a:ext uri="{FF2B5EF4-FFF2-40B4-BE49-F238E27FC236}">
+                <a16:creationId xmlns:a16="http://schemas.microsoft.com/office/drawing/2014/main" id="{708F84C8-4D38-464B-9C87-C4C9D54EA9E2}"/>
+              </a:ext>
+            </a:extLst>
+          </p:cNvPr>
+          <p:cNvSpPr>
+            <a:spLocks noGrp="1"/>
+          </p:cNvSpPr>
+          <p:nvPr>
+            <p:ph type="title"/>
+          </p:nvPr>
+        </p:nvSpPr>
+        <p:spPr>
+          <a:xfrm>
+            <a:off x="1097280" y="266724"/>
+            <a:ext cx="10058400" cy="1450757"/>
+          </a:xfrm>
+        </p:spPr>
+        <p:txBody>
+          <a:bodyPr/>
+          <a:lstStyle/>
+          <a:p>
+            <a:r>
+              <a:rPr lang="en-IN" dirty="0"/>
+              <a:t>Other variants – Deep RNN/LSTM</a:t>
+            </a:r>
+          </a:p>
+        </p:txBody>
+      </p:sp>
+      <p:sp>
+        <p:nvSpPr>
+          <p:cNvPr id="3" name="Content Placeholder 2">
+            <a:extLst>
+              <a:ext uri="{FF2B5EF4-FFF2-40B4-BE49-F238E27FC236}">
+                <a16:creationId xmlns:a16="http://schemas.microsoft.com/office/drawing/2014/main" id="{8E12A00D-AAB0-4B18-801B-7ED59C5B7714}"/>
+              </a:ext>
+            </a:extLst>
+          </p:cNvPr>
+          <p:cNvSpPr>
+            <a:spLocks noGrp="1"/>
+          </p:cNvSpPr>
+          <p:nvPr>
+            <p:ph idx="1"/>
+          </p:nvPr>
+        </p:nvSpPr>
+        <p:spPr/>
+        <p:txBody>
+          <a:bodyPr/>
+          <a:lstStyle/>
+          <a:p>
+            <a:endParaRPr lang="en-IN" dirty="0"/>
+          </a:p>
+        </p:txBody>
+      </p:sp>
+      <p:pic>
+        <p:nvPicPr>
+          <p:cNvPr id="3076" name="Picture 4">
+            <a:extLst>
+              <a:ext uri="{FF2B5EF4-FFF2-40B4-BE49-F238E27FC236}">
+                <a16:creationId xmlns:a16="http://schemas.microsoft.com/office/drawing/2014/main" id="{7AB5DE05-0914-4AC3-9A48-4D4B25BAA2EA}"/>
+              </a:ext>
+            </a:extLst>
+          </p:cNvPr>
+          <p:cNvPicPr>
+            <a:picLocks noChangeAspect="1" noChangeArrowheads="1"/>
+          </p:cNvPicPr>
+          <p:nvPr/>
+        </p:nvPicPr>
+        <p:blipFill>
+          <a:blip r:embed="rId2">
+            <a:extLst>
+              <a:ext uri="{28A0092B-C50C-407E-A947-70E740481C1C}">
+                <a14:useLocalDpi xmlns:a14="http://schemas.microsoft.com/office/drawing/2010/main" val="0"/>
+              </a:ext>
+            </a:extLst>
+          </a:blip>
+          <a:srcRect/>
+          <a:stretch>
+            <a:fillRect/>
+          </a:stretch>
+        </p:blipFill>
+        <p:spPr bwMode="auto">
+          <a:xfrm>
+            <a:off x="3805237" y="1845734"/>
+            <a:ext cx="4581525" cy="4455675"/>
+          </a:xfrm>
+          <a:prstGeom prst="rect">
+            <a:avLst/>
+          </a:prstGeom>
+          <a:noFill/>
+          <a:extLst>
+            <a:ext uri="{909E8E84-426E-40DD-AFC4-6F175D3DCCD1}">
+              <a14:hiddenFill xmlns:a14="http://schemas.microsoft.com/office/drawing/2010/main">
+                <a:solidFill>
+                  <a:srgbClr val="FFFFFF"/>
+                </a:solidFill>
+              </a14:hiddenFill>
+            </a:ext>
+          </a:extLst>
+        </p:spPr>
+      </p:pic>
+    </p:spTree>
+    <p:extLst>
+      <p:ext uri="{BB962C8B-B14F-4D97-AF65-F5344CB8AC3E}">
+        <p14:creationId xmlns:p14="http://schemas.microsoft.com/office/powerpoint/2010/main" val="2612630342"/>
+      </p:ext>
+    </p:extLst>
+  </p:cSld>
+  <p:clrMapOvr>
+    <a:masterClrMapping/>
+  </p:clrMapOvr>
+</p:sld>
+</file>
+
+<file path=ppt/slides/slide21.xml><?xml version="1.0" encoding="utf-8"?>
+<p:sld xmlns:a="http://schemas.openxmlformats.org/drawingml/2006/main" xmlns:r="http://schemas.openxmlformats.org/officeDocument/2006/relationships" xmlns:p="http://schemas.openxmlformats.org/presentationml/2006/main">
+  <p:cSld>
+    <p:spTree>
+      <p:nvGrpSpPr>
+        <p:cNvPr id="1" name=""/>
+        <p:cNvGrpSpPr/>
+        <p:nvPr/>
+      </p:nvGrpSpPr>
+      <p:grpSpPr>
+        <a:xfrm>
+          <a:off x="0" y="0"/>
+          <a:ext cx="0" cy="0"/>
+          <a:chOff x="0" y="0"/>
+          <a:chExt cx="0" cy="0"/>
+        </a:xfrm>
+      </p:grpSpPr>
+      <p:sp>
+        <p:nvSpPr>
+          <p:cNvPr id="2" name="Title 1">
+            <a:extLst>
+              <a:ext uri="{FF2B5EF4-FFF2-40B4-BE49-F238E27FC236}">
+                <a16:creationId xmlns:a16="http://schemas.microsoft.com/office/drawing/2014/main" id="{708F84C8-4D38-464B-9C87-C4C9D54EA9E2}"/>
+              </a:ext>
+            </a:extLst>
+          </p:cNvPr>
+          <p:cNvSpPr>
+            <a:spLocks noGrp="1"/>
+          </p:cNvSpPr>
+          <p:nvPr>
+            <p:ph type="title"/>
+          </p:nvPr>
+        </p:nvSpPr>
+        <p:spPr>
+          <a:xfrm>
+            <a:off x="1097280" y="266724"/>
+            <a:ext cx="10058400" cy="1450757"/>
+          </a:xfrm>
+        </p:spPr>
+        <p:txBody>
+          <a:bodyPr/>
+          <a:lstStyle/>
+          <a:p>
+            <a:r>
+              <a:rPr lang="en-IN" dirty="0"/>
+              <a:t>Other variants – Gated Recurrent Unit(GRU)</a:t>
+            </a:r>
+          </a:p>
+        </p:txBody>
+      </p:sp>
+      <p:sp>
+        <p:nvSpPr>
+          <p:cNvPr id="3" name="Content Placeholder 2">
+            <a:extLst>
+              <a:ext uri="{FF2B5EF4-FFF2-40B4-BE49-F238E27FC236}">
+                <a16:creationId xmlns:a16="http://schemas.microsoft.com/office/drawing/2014/main" id="{8E12A00D-AAB0-4B18-801B-7ED59C5B7714}"/>
+              </a:ext>
+            </a:extLst>
+          </p:cNvPr>
+          <p:cNvSpPr>
+            <a:spLocks noGrp="1"/>
+          </p:cNvSpPr>
+          <p:nvPr>
+            <p:ph idx="1"/>
+          </p:nvPr>
+        </p:nvSpPr>
+        <p:spPr/>
+        <p:txBody>
+          <a:bodyPr/>
+          <a:lstStyle/>
+          <a:p>
+            <a:endParaRPr lang="en-IN" dirty="0"/>
+          </a:p>
+        </p:txBody>
+      </p:sp>
+      <p:pic>
+        <p:nvPicPr>
+          <p:cNvPr id="4098" name="Picture 2">
+            <a:extLst>
+              <a:ext uri="{FF2B5EF4-FFF2-40B4-BE49-F238E27FC236}">
+                <a16:creationId xmlns:a16="http://schemas.microsoft.com/office/drawing/2014/main" id="{203DA2CE-B47B-4EA8-B797-484818B8B28B}"/>
+              </a:ext>
+            </a:extLst>
+          </p:cNvPr>
+          <p:cNvPicPr>
+            <a:picLocks noChangeAspect="1" noChangeArrowheads="1"/>
+          </p:cNvPicPr>
+          <p:nvPr/>
+        </p:nvPicPr>
+        <p:blipFill>
+          <a:blip r:embed="rId2">
+            <a:extLst>
+              <a:ext uri="{28A0092B-C50C-407E-A947-70E740481C1C}">
+                <a14:useLocalDpi xmlns:a14="http://schemas.microsoft.com/office/drawing/2010/main" val="0"/>
+              </a:ext>
+            </a:extLst>
+          </a:blip>
+          <a:srcRect/>
+          <a:stretch>
+            <a:fillRect/>
+          </a:stretch>
+        </p:blipFill>
+        <p:spPr bwMode="auto">
+          <a:xfrm>
+            <a:off x="3259455" y="1845735"/>
+            <a:ext cx="5734050" cy="4465614"/>
+          </a:xfrm>
+          <a:prstGeom prst="rect">
+            <a:avLst/>
+          </a:prstGeom>
+          <a:noFill/>
+          <a:extLst>
+            <a:ext uri="{909E8E84-426E-40DD-AFC4-6F175D3DCCD1}">
+              <a14:hiddenFill xmlns:a14="http://schemas.microsoft.com/office/drawing/2010/main">
+                <a:solidFill>
+                  <a:srgbClr val="FFFFFF"/>
+                </a:solidFill>
+              </a14:hiddenFill>
+            </a:ext>
+          </a:extLst>
+        </p:spPr>
+      </p:pic>
+    </p:spTree>
+    <p:extLst>
+      <p:ext uri="{BB962C8B-B14F-4D97-AF65-F5344CB8AC3E}">
+        <p14:creationId xmlns:p14="http://schemas.microsoft.com/office/powerpoint/2010/main" val="362241904"/>
+      </p:ext>
+    </p:extLst>
+  </p:cSld>
+  <p:clrMapOvr>
+    <a:masterClrMapping/>
+  </p:clrMapOvr>
+</p:sld>
+</file>
+
+<file path=ppt/slides/slide22.xml><?xml version="1.0" encoding="utf-8"?>
+<p:sld xmlns:a="http://schemas.openxmlformats.org/drawingml/2006/main" xmlns:r="http://schemas.openxmlformats.org/officeDocument/2006/relationships" xmlns:p="http://schemas.openxmlformats.org/presentationml/2006/main">
+  <p:cSld>
+    <p:spTree>
+      <p:nvGrpSpPr>
+        <p:cNvPr id="1" name=""/>
+        <p:cNvGrpSpPr/>
+        <p:nvPr/>
+      </p:nvGrpSpPr>
+      <p:grpSpPr>
+        <a:xfrm>
+          <a:off x="0" y="0"/>
+          <a:ext cx="0" cy="0"/>
+          <a:chOff x="0" y="0"/>
+          <a:chExt cx="0" cy="0"/>
+        </a:xfrm>
+      </p:grpSpPr>
+      <p:sp>
+        <p:nvSpPr>
+          <p:cNvPr id="2" name="Title 1">
+            <a:extLst>
+              <a:ext uri="{FF2B5EF4-FFF2-40B4-BE49-F238E27FC236}">
+                <a16:creationId xmlns:a16="http://schemas.microsoft.com/office/drawing/2014/main" id="{1DC1E5A1-DB6E-4E1A-972D-9E5CE68F3B23}"/>
+              </a:ext>
+            </a:extLst>
+          </p:cNvPr>
+          <p:cNvSpPr>
+            <a:spLocks noGrp="1"/>
+          </p:cNvSpPr>
+          <p:nvPr>
+            <p:ph type="title"/>
+          </p:nvPr>
+        </p:nvSpPr>
+        <p:spPr/>
+        <p:txBody>
+          <a:bodyPr/>
+          <a:lstStyle/>
+          <a:p>
+            <a:r>
+              <a:rPr lang="en-US" dirty="0"/>
+              <a:t>Application – Sentiment Analysis</a:t>
+            </a:r>
+            <a:endParaRPr lang="en-IN" dirty="0"/>
+          </a:p>
+        </p:txBody>
+      </p:sp>
+      <p:sp>
+        <p:nvSpPr>
+          <p:cNvPr id="3" name="Content Placeholder 2">
+            <a:extLst>
+              <a:ext uri="{FF2B5EF4-FFF2-40B4-BE49-F238E27FC236}">
+                <a16:creationId xmlns:a16="http://schemas.microsoft.com/office/drawing/2014/main" id="{59390695-9957-4C39-A179-ACCD5B97ABEE}"/>
+              </a:ext>
+            </a:extLst>
+          </p:cNvPr>
+          <p:cNvSpPr>
+            <a:spLocks noGrp="1"/>
+          </p:cNvSpPr>
+          <p:nvPr>
+            <p:ph idx="1"/>
+          </p:nvPr>
+        </p:nvSpPr>
+        <p:spPr>
+          <a:xfrm>
+            <a:off x="1097280" y="2043404"/>
+            <a:ext cx="10058400" cy="3825690"/>
+          </a:xfrm>
+        </p:spPr>
+        <p:txBody>
+          <a:bodyPr/>
+          <a:lstStyle/>
+          <a:p>
+            <a:pPr>
+              <a:buFont typeface="Wingdings" panose="05000000000000000000" pitchFamily="2" charset="2"/>
+              <a:buChar char="q"/>
+            </a:pPr>
+            <a:r>
+              <a:rPr lang="en-IN" dirty="0"/>
+              <a:t> Sentiment Analysis is -</a:t>
+            </a:r>
+          </a:p>
+          <a:p>
+            <a:pPr lvl="1">
+              <a:buFont typeface="Wingdings" panose="05000000000000000000" pitchFamily="2" charset="2"/>
+              <a:buChar char="q"/>
+            </a:pPr>
+            <a:r>
+              <a:rPr lang="en-US" dirty="0"/>
+              <a:t> the term which is used very often in web-based business sites, social networks and different fields.</a:t>
+            </a:r>
+          </a:p>
+          <a:p>
+            <a:pPr lvl="1">
+              <a:buFont typeface="Wingdings" panose="05000000000000000000" pitchFamily="2" charset="2"/>
+              <a:buChar char="q"/>
+            </a:pPr>
+            <a:r>
+              <a:rPr lang="en-US" dirty="0"/>
+              <a:t> an examination field to analyze people’s subjective sentiments.</a:t>
+            </a:r>
+            <a:endParaRPr lang="en-IN" dirty="0"/>
+          </a:p>
+          <a:p>
+            <a:pPr>
+              <a:buFont typeface="Wingdings" panose="05000000000000000000" pitchFamily="2" charset="2"/>
+              <a:buChar char="q"/>
+            </a:pPr>
+            <a:r>
+              <a:rPr lang="en-IN" dirty="0"/>
+              <a:t> More Advanced, Focus on “Beyond Polarity”</a:t>
+            </a:r>
+          </a:p>
+          <a:p>
+            <a:pPr>
+              <a:buFont typeface="Wingdings" panose="05000000000000000000" pitchFamily="2" charset="2"/>
+              <a:buChar char="q"/>
+            </a:pPr>
+            <a:endParaRPr lang="en-US" dirty="0"/>
+          </a:p>
+        </p:txBody>
+      </p:sp>
+    </p:spTree>
+    <p:extLst>
+      <p:ext uri="{BB962C8B-B14F-4D97-AF65-F5344CB8AC3E}">
+        <p14:creationId xmlns:p14="http://schemas.microsoft.com/office/powerpoint/2010/main" val="3917098044"/>
+      </p:ext>
+    </p:extLst>
+  </p:cSld>
+  <p:clrMapOvr>
+    <a:masterClrMapping/>
+  </p:clrMapOvr>
+</p:sld>
+</file>
+
+<file path=ppt/slides/slide23.xml><?xml version="1.0" encoding="utf-8"?>
+<p:sld xmlns:a="http://schemas.openxmlformats.org/drawingml/2006/main" xmlns:r="http://schemas.openxmlformats.org/officeDocument/2006/relationships" xmlns:p="http://schemas.openxmlformats.org/presentationml/2006/main">
+  <p:cSld>
+    <p:spTree>
+      <p:nvGrpSpPr>
+        <p:cNvPr id="1" name=""/>
+        <p:cNvGrpSpPr/>
+        <p:nvPr/>
+      </p:nvGrpSpPr>
+      <p:grpSpPr>
+        <a:xfrm>
+          <a:off x="0" y="0"/>
+          <a:ext cx="0" cy="0"/>
+          <a:chOff x="0" y="0"/>
+          <a:chExt cx="0" cy="0"/>
+        </a:xfrm>
+      </p:grpSpPr>
+      <p:sp>
+        <p:nvSpPr>
+          <p:cNvPr id="2" name="Title 1">
+            <a:extLst>
+              <a:ext uri="{FF2B5EF4-FFF2-40B4-BE49-F238E27FC236}">
                 <a16:creationId xmlns:a16="http://schemas.microsoft.com/office/drawing/2014/main" id="{05C56A8A-C10E-4F8C-99C4-192628EA6A26}"/>
               </a:ext>
             </a:extLst>
@@ -5899,9 +7400,10 @@
           <a:lstStyle/>
           <a:p>
             <a:r>
-              <a:rPr lang="en-IN" dirty="0"/>
+              <a:rPr lang="en-IN"/>
               <a:t>Implementation</a:t>
             </a:r>
+            <a:endParaRPr lang="en-IN" dirty="0"/>
           </a:p>
         </p:txBody>
       </p:sp>
@@ -6019,7 +7521,7 @@
 </p:sld>
 </file>
 
-<file path=ppt/slides/slide13.xml><?xml version="1.0" encoding="utf-8"?>
+<file path=ppt/slides/slide24.xml><?xml version="1.0" encoding="utf-8"?>
 <p:sld xmlns:a="http://schemas.openxmlformats.org/drawingml/2006/main" xmlns:r="http://schemas.openxmlformats.org/officeDocument/2006/relationships" xmlns:p="http://schemas.openxmlformats.org/presentationml/2006/main">
   <p:cSld>
     <p:spTree>
@@ -6553,7 +8055,7 @@
 </p:sld>
 </file>
 
-<file path=ppt/slides/slide14.xml><?xml version="1.0" encoding="utf-8"?>
+<file path=ppt/slides/slide25.xml><?xml version="1.0" encoding="utf-8"?>
 <p:sld xmlns:a="http://schemas.openxmlformats.org/drawingml/2006/main" xmlns:r="http://schemas.openxmlformats.org/officeDocument/2006/relationships" xmlns:p="http://schemas.openxmlformats.org/presentationml/2006/main">
   <p:cSld>
     <p:spTree>
@@ -6572,6 +8074,69 @@
       </p:grpSpPr>
       <p:sp>
         <p:nvSpPr>
+          <p:cNvPr id="4" name="Title 3">
+            <a:extLst>
+              <a:ext uri="{FF2B5EF4-FFF2-40B4-BE49-F238E27FC236}">
+                <a16:creationId xmlns:a16="http://schemas.microsoft.com/office/drawing/2014/main" id="{57D2E79A-43B0-404A-B78F-2ECB9D8FCD7B}"/>
+              </a:ext>
+            </a:extLst>
+          </p:cNvPr>
+          <p:cNvSpPr>
+            <a:spLocks noGrp="1"/>
+          </p:cNvSpPr>
+          <p:nvPr>
+            <p:ph type="title" idx="4294967295"/>
+          </p:nvPr>
+        </p:nvSpPr>
+        <p:spPr>
+          <a:xfrm>
+            <a:off x="1066800" y="2523021"/>
+            <a:ext cx="10058400" cy="1065005"/>
+          </a:xfrm>
+        </p:spPr>
+        <p:txBody>
+          <a:bodyPr/>
+          <a:lstStyle/>
+          <a:p>
+            <a:r>
+              <a:rPr lang="en-IN" dirty="0"/>
+              <a:t>				   Demo</a:t>
+            </a:r>
+          </a:p>
+        </p:txBody>
+      </p:sp>
+    </p:spTree>
+    <p:extLst>
+      <p:ext uri="{BB962C8B-B14F-4D97-AF65-F5344CB8AC3E}">
+        <p14:creationId xmlns:p14="http://schemas.microsoft.com/office/powerpoint/2010/main" val="2651463609"/>
+      </p:ext>
+    </p:extLst>
+  </p:cSld>
+  <p:clrMapOvr>
+    <a:masterClrMapping/>
+  </p:clrMapOvr>
+</p:sld>
+</file>
+
+<file path=ppt/slides/slide26.xml><?xml version="1.0" encoding="utf-8"?>
+<p:sld xmlns:a="http://schemas.openxmlformats.org/drawingml/2006/main" xmlns:r="http://schemas.openxmlformats.org/officeDocument/2006/relationships" xmlns:p="http://schemas.openxmlformats.org/presentationml/2006/main">
+  <p:cSld>
+    <p:spTree>
+      <p:nvGrpSpPr>
+        <p:cNvPr id="1" name=""/>
+        <p:cNvGrpSpPr/>
+        <p:nvPr/>
+      </p:nvGrpSpPr>
+      <p:grpSpPr>
+        <a:xfrm>
+          <a:off x="0" y="0"/>
+          <a:ext cx="0" cy="0"/>
+          <a:chOff x="0" y="0"/>
+          <a:chExt cx="0" cy="0"/>
+        </a:xfrm>
+      </p:grpSpPr>
+      <p:sp>
+        <p:nvSpPr>
           <p:cNvPr id="2" name="Title 1">
             <a:extLst>
               <a:ext uri="{FF2B5EF4-FFF2-40B4-BE49-F238E27FC236}">
@@ -6767,7 +8332,7 @@
 </p:sld>
 </file>
 
-<file path=ppt/slides/slide15.xml><?xml version="1.0" encoding="utf-8"?>
+<file path=ppt/slides/slide27.xml><?xml version="1.0" encoding="utf-8"?>
 <p:sld xmlns:a="http://schemas.openxmlformats.org/drawingml/2006/main" xmlns:r="http://schemas.openxmlformats.org/officeDocument/2006/relationships" xmlns:p="http://schemas.openxmlformats.org/presentationml/2006/main">
   <p:cSld>
     <p:spTree>
@@ -7328,7 +8893,7 @@
 </p:sld>
 </file>
 
-<file path=ppt/slides/slide16.xml><?xml version="1.0" encoding="utf-8"?>
+<file path=ppt/slides/slide28.xml><?xml version="1.0" encoding="utf-8"?>
 <p:sld xmlns:a="http://schemas.openxmlformats.org/drawingml/2006/main" xmlns:r="http://schemas.openxmlformats.org/officeDocument/2006/relationships" xmlns:p="http://schemas.openxmlformats.org/presentationml/2006/main">
   <p:cSld>
     <p:spTree>
@@ -7582,7 +9147,7 @@
 </p:sld>
 </file>
 
-<file path=ppt/slides/slide17.xml><?xml version="1.0" encoding="utf-8"?>
+<file path=ppt/slides/slide29.xml><?xml version="1.0" encoding="utf-8"?>
 <p:sld xmlns:a="http://schemas.openxmlformats.org/drawingml/2006/main" xmlns:r="http://schemas.openxmlformats.org/officeDocument/2006/relationships" xmlns:p="http://schemas.openxmlformats.org/presentationml/2006/main">
   <p:cSld>
     <p:spTree>
@@ -7604,7 +9169,7 @@
           <p:cNvPr id="2" name="Title 1">
             <a:extLst>
               <a:ext uri="{FF2B5EF4-FFF2-40B4-BE49-F238E27FC236}">
-                <a16:creationId xmlns:a16="http://schemas.microsoft.com/office/drawing/2014/main" id="{A7B826EE-355C-4EBF-8A8A-98021C747D51}"/>
+                <a16:creationId xmlns:a16="http://schemas.microsoft.com/office/drawing/2014/main" id="{2B179D91-EA36-41BA-A71E-1D2C86D324E6}"/>
               </a:ext>
             </a:extLst>
           </p:cNvPr>
@@ -7622,7 +9187,146 @@
           <a:p>
             <a:r>
               <a:rPr lang="en-IN" dirty="0"/>
-              <a:t>Thank you!</a:t>
+              <a:t>Other applications</a:t>
+            </a:r>
+          </a:p>
+        </p:txBody>
+      </p:sp>
+      <p:sp>
+        <p:nvSpPr>
+          <p:cNvPr id="3" name="Content Placeholder 2">
+            <a:extLst>
+              <a:ext uri="{FF2B5EF4-FFF2-40B4-BE49-F238E27FC236}">
+                <a16:creationId xmlns:a16="http://schemas.microsoft.com/office/drawing/2014/main" id="{B16B96E0-7B61-4E49-BB87-47B0FC79B9DD}"/>
+              </a:ext>
+            </a:extLst>
+          </p:cNvPr>
+          <p:cNvSpPr>
+            <a:spLocks noGrp="1"/>
+          </p:cNvSpPr>
+          <p:nvPr>
+            <p:ph idx="1"/>
+          </p:nvPr>
+        </p:nvSpPr>
+        <p:spPr>
+          <a:xfrm>
+            <a:off x="1097280" y="1845734"/>
+            <a:ext cx="10058400" cy="4237014"/>
+          </a:xfrm>
+        </p:spPr>
+        <p:txBody>
+          <a:bodyPr>
+            <a:normAutofit fontScale="92500" lnSpcReduction="10000"/>
+          </a:bodyPr>
+          <a:lstStyle/>
+          <a:p>
+            <a:pPr marL="457200" indent="-457200">
+              <a:buClrTx/>
+              <a:buFont typeface="+mj-lt"/>
+              <a:buAutoNum type="arabicPeriod"/>
+            </a:pPr>
+            <a:r>
+              <a:rPr lang="en-IN" dirty="0"/>
+              <a:t>Speech recognition</a:t>
+            </a:r>
+          </a:p>
+          <a:p>
+            <a:pPr marL="457200" indent="-457200">
+              <a:buClrTx/>
+              <a:buFont typeface="+mj-lt"/>
+              <a:buAutoNum type="arabicPeriod"/>
+            </a:pPr>
+            <a:r>
+              <a:rPr lang="en-IN" dirty="0"/>
+              <a:t>Speech synthesis</a:t>
+            </a:r>
+          </a:p>
+          <a:p>
+            <a:pPr marL="457200" indent="-457200">
+              <a:buClrTx/>
+              <a:buFont typeface="+mj-lt"/>
+              <a:buAutoNum type="arabicPeriod"/>
+            </a:pPr>
+            <a:r>
+              <a:rPr lang="en-IN" dirty="0"/>
+              <a:t>Text generation</a:t>
+            </a:r>
+          </a:p>
+          <a:p>
+            <a:pPr marL="457200" indent="-457200">
+              <a:buClrTx/>
+              <a:buFont typeface="+mj-lt"/>
+              <a:buAutoNum type="arabicPeriod"/>
+            </a:pPr>
+            <a:r>
+              <a:rPr lang="en-IN" dirty="0"/>
+              <a:t>Video captioning</a:t>
+            </a:r>
+          </a:p>
+          <a:p>
+            <a:pPr marL="457200" indent="-457200">
+              <a:buClrTx/>
+              <a:buFont typeface="+mj-lt"/>
+              <a:buAutoNum type="arabicPeriod"/>
+            </a:pPr>
+            <a:r>
+              <a:rPr lang="en-IN" dirty="0"/>
+              <a:t>Time series analysis</a:t>
+            </a:r>
+          </a:p>
+          <a:p>
+            <a:pPr marL="457200" indent="-457200">
+              <a:buClrTx/>
+              <a:buFont typeface="+mj-lt"/>
+              <a:buAutoNum type="arabicPeriod"/>
+            </a:pPr>
+            <a:r>
+              <a:rPr lang="en-IN" dirty="0"/>
+              <a:t>Name entity recognition</a:t>
+            </a:r>
+          </a:p>
+          <a:p>
+            <a:pPr marL="457200" indent="-457200">
+              <a:buClrTx/>
+              <a:buFont typeface="+mj-lt"/>
+              <a:buAutoNum type="arabicPeriod"/>
+            </a:pPr>
+            <a:r>
+              <a:rPr lang="en-IN" dirty="0"/>
+              <a:t>Video activity recognition</a:t>
+            </a:r>
+          </a:p>
+          <a:p>
+            <a:pPr marL="457200" indent="-457200">
+              <a:buClrTx/>
+              <a:buFont typeface="+mj-lt"/>
+              <a:buAutoNum type="arabicPeriod"/>
+            </a:pPr>
+            <a:r>
+              <a:rPr lang="en-IN" dirty="0"/>
+              <a:t>Image captioning</a:t>
+            </a:r>
+          </a:p>
+          <a:p>
+            <a:pPr marL="457200" indent="-457200">
+              <a:buClrTx/>
+              <a:buFont typeface="+mj-lt"/>
+              <a:buAutoNum type="arabicPeriod"/>
+            </a:pPr>
+            <a:r>
+              <a:rPr lang="en-IN" dirty="0"/>
+              <a:t>Machine translation</a:t>
+            </a:r>
+          </a:p>
+          <a:p>
+            <a:pPr marL="457200" indent="-457200">
+              <a:buClrTx/>
+              <a:buFont typeface="+mj-lt"/>
+              <a:buAutoNum type="arabicPeriod"/>
+            </a:pPr>
+            <a:r>
+              <a:rPr lang="en-IN" dirty="0"/>
+              <a:t>Music generation</a:t>
             </a:r>
           </a:p>
         </p:txBody>
@@ -7630,7 +9334,7 @@
     </p:spTree>
     <p:extLst>
       <p:ext uri="{BB962C8B-B14F-4D97-AF65-F5344CB8AC3E}">
-        <p14:creationId xmlns:p14="http://schemas.microsoft.com/office/powerpoint/2010/main" val="3644776996"/>
+        <p14:creationId xmlns:p14="http://schemas.microsoft.com/office/powerpoint/2010/main" val="1624535056"/>
       </p:ext>
     </p:extLst>
   </p:cSld>
@@ -7640,7 +9344,7 @@
 </p:sld>
 </file>
 
-<file path=ppt/slides/slide18.xml><?xml version="1.0" encoding="utf-8"?>
+<file path=ppt/slides/slide3.xml><?xml version="1.0" encoding="utf-8"?>
 <p:sld xmlns:a="http://schemas.openxmlformats.org/drawingml/2006/main" xmlns:r="http://schemas.openxmlformats.org/officeDocument/2006/relationships" xmlns:p="http://schemas.openxmlformats.org/presentationml/2006/main">
   <p:cSld>
     <p:spTree>
@@ -7662,7 +9366,7 @@
           <p:cNvPr id="2" name="Title 1">
             <a:extLst>
               <a:ext uri="{FF2B5EF4-FFF2-40B4-BE49-F238E27FC236}">
-                <a16:creationId xmlns:a16="http://schemas.microsoft.com/office/drawing/2014/main" id="{94420B2A-712C-4C70-BE61-0384FC337D17}"/>
+                <a16:creationId xmlns:a16="http://schemas.microsoft.com/office/drawing/2014/main" id="{61A2FB3A-C521-49B3-A3C1-D6B9A78F43E7}"/>
               </a:ext>
             </a:extLst>
           </p:cNvPr>
@@ -7680,7 +9384,7 @@
           <a:p>
             <a:r>
               <a:rPr lang="en-IN" dirty="0"/>
-              <a:t>References</a:t>
+              <a:t>Activation function – Sigmoid </a:t>
             </a:r>
           </a:p>
         </p:txBody>
@@ -7690,7 +9394,7 @@
           <p:cNvPr id="3" name="Content Placeholder 2">
             <a:extLst>
               <a:ext uri="{FF2B5EF4-FFF2-40B4-BE49-F238E27FC236}">
-                <a16:creationId xmlns:a16="http://schemas.microsoft.com/office/drawing/2014/main" id="{5426B23E-0255-429E-89D5-698B472FE676}"/>
+                <a16:creationId xmlns:a16="http://schemas.microsoft.com/office/drawing/2014/main" id="{8A456670-EA80-411E-B010-68D699B03204}"/>
               </a:ext>
             </a:extLst>
           </p:cNvPr>
@@ -7706,18 +9410,14 @@
           <a:bodyPr/>
           <a:lstStyle/>
           <a:p>
-            <a:r>
-              <a:rPr lang="en-US" dirty="0"/>
-              <a:t>[1] Andrew L. Maas, Raymond E. Daly, Peter T. Pham, Dan Huang, Andrew Y. Ng, and Christopher Potts. (2011). Learning Word Vectors for Sentiment Analysis. The 49th Annual Meeting of the Association for Computational Linguistics (ACL 2011).</a:t>
-            </a:r>
-            <a:endParaRPr lang="en-IN" dirty="0"/>
+            <a:endParaRPr lang="en-IN"/>
           </a:p>
         </p:txBody>
       </p:sp>
     </p:spTree>
     <p:extLst>
       <p:ext uri="{BB962C8B-B14F-4D97-AF65-F5344CB8AC3E}">
-        <p14:creationId xmlns:p14="http://schemas.microsoft.com/office/powerpoint/2010/main" val="2140858965"/>
+        <p14:creationId xmlns:p14="http://schemas.microsoft.com/office/powerpoint/2010/main" val="436043397"/>
       </p:ext>
     </p:extLst>
   </p:cSld>
@@ -7727,7 +9427,7 @@
 </p:sld>
 </file>
 
-<file path=ppt/slides/slide2.xml><?xml version="1.0" encoding="utf-8"?>
+<file path=ppt/slides/slide30.xml><?xml version="1.0" encoding="utf-8"?>
 <p:sld xmlns:a="http://schemas.openxmlformats.org/drawingml/2006/main" xmlns:r="http://schemas.openxmlformats.org/officeDocument/2006/relationships" xmlns:p="http://schemas.openxmlformats.org/presentationml/2006/main">
   <p:cSld>
     <p:spTree>
@@ -7749,7 +9449,7 @@
           <p:cNvPr id="2" name="Title 1">
             <a:extLst>
               <a:ext uri="{FF2B5EF4-FFF2-40B4-BE49-F238E27FC236}">
-                <a16:creationId xmlns:a16="http://schemas.microsoft.com/office/drawing/2014/main" id="{8011FCE9-3CE1-418A-9429-4FCB88EE7E8A}"/>
+                <a16:creationId xmlns:a16="http://schemas.microsoft.com/office/drawing/2014/main" id="{94420B2A-712C-4C70-BE61-0384FC337D17}"/>
               </a:ext>
             </a:extLst>
           </p:cNvPr>
@@ -7766,10 +9466,9 @@
           <a:lstStyle/>
           <a:p>
             <a:r>
-              <a:rPr lang="en-US" dirty="0"/>
-              <a:t>Introduction</a:t>
-            </a:r>
-            <a:endParaRPr lang="en-IN" dirty="0"/>
+              <a:rPr lang="en-IN" dirty="0"/>
+              <a:t>References</a:t>
+            </a:r>
           </a:p>
         </p:txBody>
       </p:sp>
@@ -7778,7 +9477,7 @@
           <p:cNvPr id="3" name="Content Placeholder 2">
             <a:extLst>
               <a:ext uri="{FF2B5EF4-FFF2-40B4-BE49-F238E27FC236}">
-                <a16:creationId xmlns:a16="http://schemas.microsoft.com/office/drawing/2014/main" id="{18156B32-C8E0-42B8-BB2B-6477C2DBFDF6}"/>
+                <a16:creationId xmlns:a16="http://schemas.microsoft.com/office/drawing/2014/main" id="{5426B23E-0255-429E-89D5-698B472FE676}"/>
               </a:ext>
             </a:extLst>
           </p:cNvPr>
@@ -7794,6 +9493,10 @@
           <a:bodyPr/>
           <a:lstStyle/>
           <a:p>
+            <a:r>
+              <a:rPr lang="en-US" dirty="0"/>
+              <a:t>[1] Andrew L. Maas, Raymond E. Daly, Peter T. Pham, Dan Huang, Andrew Y. Ng, and Christopher Potts. (2011). Learning Word Vectors for Sentiment Analysis. The 49th Annual Meeting of the Association for Computational Linguistics (ACL 2011).</a:t>
+            </a:r>
             <a:endParaRPr lang="en-IN" dirty="0"/>
           </a:p>
         </p:txBody>
@@ -7801,7 +9504,7 @@
     </p:spTree>
     <p:extLst>
       <p:ext uri="{BB962C8B-B14F-4D97-AF65-F5344CB8AC3E}">
-        <p14:creationId xmlns:p14="http://schemas.microsoft.com/office/powerpoint/2010/main" val="3054302855"/>
+        <p14:creationId xmlns:p14="http://schemas.microsoft.com/office/powerpoint/2010/main" val="2140858965"/>
       </p:ext>
     </p:extLst>
   </p:cSld>
@@ -7811,7 +9514,338 @@
 </p:sld>
 </file>
 
-<file path=ppt/slides/slide3.xml><?xml version="1.0" encoding="utf-8"?>
+<file path=ppt/slides/slide31.xml><?xml version="1.0" encoding="utf-8"?>
+<p:sld xmlns:a="http://schemas.openxmlformats.org/drawingml/2006/main" xmlns:r="http://schemas.openxmlformats.org/officeDocument/2006/relationships" xmlns:p="http://schemas.openxmlformats.org/presentationml/2006/main">
+  <p:cSld>
+    <p:spTree>
+      <p:nvGrpSpPr>
+        <p:cNvPr id="1" name=""/>
+        <p:cNvGrpSpPr/>
+        <p:nvPr/>
+      </p:nvGrpSpPr>
+      <p:grpSpPr>
+        <a:xfrm>
+          <a:off x="0" y="0"/>
+          <a:ext cx="0" cy="0"/>
+          <a:chOff x="0" y="0"/>
+          <a:chExt cx="0" cy="0"/>
+        </a:xfrm>
+      </p:grpSpPr>
+      <p:sp>
+        <p:nvSpPr>
+          <p:cNvPr id="2" name="Title 1">
+            <a:extLst>
+              <a:ext uri="{FF2B5EF4-FFF2-40B4-BE49-F238E27FC236}">
+                <a16:creationId xmlns:a16="http://schemas.microsoft.com/office/drawing/2014/main" id="{A7B826EE-355C-4EBF-8A8A-98021C747D51}"/>
+              </a:ext>
+            </a:extLst>
+          </p:cNvPr>
+          <p:cNvSpPr>
+            <a:spLocks noGrp="1"/>
+          </p:cNvSpPr>
+          <p:nvPr>
+            <p:ph type="title"/>
+          </p:nvPr>
+        </p:nvSpPr>
+        <p:spPr/>
+        <p:txBody>
+          <a:bodyPr/>
+          <a:lstStyle/>
+          <a:p>
+            <a:r>
+              <a:rPr lang="en-IN" dirty="0"/>
+              <a:t>Thank you!</a:t>
+            </a:r>
+          </a:p>
+        </p:txBody>
+      </p:sp>
+    </p:spTree>
+    <p:extLst>
+      <p:ext uri="{BB962C8B-B14F-4D97-AF65-F5344CB8AC3E}">
+        <p14:creationId xmlns:p14="http://schemas.microsoft.com/office/powerpoint/2010/main" val="3403685625"/>
+      </p:ext>
+    </p:extLst>
+  </p:cSld>
+  <p:clrMapOvr>
+    <a:masterClrMapping/>
+  </p:clrMapOvr>
+</p:sld>
+</file>
+
+<file path=ppt/slides/slide4.xml><?xml version="1.0" encoding="utf-8"?>
+<p:sld xmlns:a="http://schemas.openxmlformats.org/drawingml/2006/main" xmlns:r="http://schemas.openxmlformats.org/officeDocument/2006/relationships" xmlns:p="http://schemas.openxmlformats.org/presentationml/2006/main">
+  <p:cSld>
+    <p:spTree>
+      <p:nvGrpSpPr>
+        <p:cNvPr id="1" name=""/>
+        <p:cNvGrpSpPr/>
+        <p:nvPr/>
+      </p:nvGrpSpPr>
+      <p:grpSpPr>
+        <a:xfrm>
+          <a:off x="0" y="0"/>
+          <a:ext cx="0" cy="0"/>
+          <a:chOff x="0" y="0"/>
+          <a:chExt cx="0" cy="0"/>
+        </a:xfrm>
+      </p:grpSpPr>
+      <p:sp>
+        <p:nvSpPr>
+          <p:cNvPr id="2" name="Title 1">
+            <a:extLst>
+              <a:ext uri="{FF2B5EF4-FFF2-40B4-BE49-F238E27FC236}">
+                <a16:creationId xmlns:a16="http://schemas.microsoft.com/office/drawing/2014/main" id="{61A2FB3A-C521-49B3-A3C1-D6B9A78F43E7}"/>
+              </a:ext>
+            </a:extLst>
+          </p:cNvPr>
+          <p:cNvSpPr>
+            <a:spLocks noGrp="1"/>
+          </p:cNvSpPr>
+          <p:nvPr>
+            <p:ph type="title"/>
+          </p:nvPr>
+        </p:nvSpPr>
+        <p:spPr/>
+        <p:txBody>
+          <a:bodyPr/>
+          <a:lstStyle/>
+          <a:p>
+            <a:r>
+              <a:rPr lang="en-IN" dirty="0"/>
+              <a:t>Activation function – Hyperbolic Tangent</a:t>
+            </a:r>
+          </a:p>
+        </p:txBody>
+      </p:sp>
+      <p:sp>
+        <p:nvSpPr>
+          <p:cNvPr id="3" name="Content Placeholder 2">
+            <a:extLst>
+              <a:ext uri="{FF2B5EF4-FFF2-40B4-BE49-F238E27FC236}">
+                <a16:creationId xmlns:a16="http://schemas.microsoft.com/office/drawing/2014/main" id="{8A456670-EA80-411E-B010-68D699B03204}"/>
+              </a:ext>
+            </a:extLst>
+          </p:cNvPr>
+          <p:cNvSpPr>
+            <a:spLocks noGrp="1"/>
+          </p:cNvSpPr>
+          <p:nvPr>
+            <p:ph idx="1"/>
+          </p:nvPr>
+        </p:nvSpPr>
+        <p:spPr/>
+        <p:txBody>
+          <a:bodyPr/>
+          <a:lstStyle/>
+          <a:p>
+            <a:endParaRPr lang="en-IN"/>
+          </a:p>
+        </p:txBody>
+      </p:sp>
+    </p:spTree>
+    <p:extLst>
+      <p:ext uri="{BB962C8B-B14F-4D97-AF65-F5344CB8AC3E}">
+        <p14:creationId xmlns:p14="http://schemas.microsoft.com/office/powerpoint/2010/main" val="893392440"/>
+      </p:ext>
+    </p:extLst>
+  </p:cSld>
+  <p:clrMapOvr>
+    <a:masterClrMapping/>
+  </p:clrMapOvr>
+</p:sld>
+</file>
+
+<file path=ppt/slides/slide5.xml><?xml version="1.0" encoding="utf-8"?>
+<p:sld xmlns:a="http://schemas.openxmlformats.org/drawingml/2006/main" xmlns:r="http://schemas.openxmlformats.org/officeDocument/2006/relationships" xmlns:p="http://schemas.openxmlformats.org/presentationml/2006/main">
+  <p:cSld>
+    <p:spTree>
+      <p:nvGrpSpPr>
+        <p:cNvPr id="1" name=""/>
+        <p:cNvGrpSpPr/>
+        <p:nvPr/>
+      </p:nvGrpSpPr>
+      <p:grpSpPr>
+        <a:xfrm>
+          <a:off x="0" y="0"/>
+          <a:ext cx="0" cy="0"/>
+          <a:chOff x="0" y="0"/>
+          <a:chExt cx="0" cy="0"/>
+        </a:xfrm>
+      </p:grpSpPr>
+      <p:sp>
+        <p:nvSpPr>
+          <p:cNvPr id="2" name="Title 1">
+            <a:extLst>
+              <a:ext uri="{FF2B5EF4-FFF2-40B4-BE49-F238E27FC236}">
+                <a16:creationId xmlns:a16="http://schemas.microsoft.com/office/drawing/2014/main" id="{61A2FB3A-C521-49B3-A3C1-D6B9A78F43E7}"/>
+              </a:ext>
+            </a:extLst>
+          </p:cNvPr>
+          <p:cNvSpPr>
+            <a:spLocks noGrp="1"/>
+          </p:cNvSpPr>
+          <p:nvPr>
+            <p:ph type="title"/>
+          </p:nvPr>
+        </p:nvSpPr>
+        <p:spPr/>
+        <p:txBody>
+          <a:bodyPr/>
+          <a:lstStyle/>
+          <a:p>
+            <a:r>
+              <a:rPr lang="en-IN" dirty="0"/>
+              <a:t>Activation function – Rectified Linear Unit </a:t>
+            </a:r>
+          </a:p>
+        </p:txBody>
+      </p:sp>
+      <p:sp>
+        <p:nvSpPr>
+          <p:cNvPr id="3" name="Content Placeholder 2">
+            <a:extLst>
+              <a:ext uri="{FF2B5EF4-FFF2-40B4-BE49-F238E27FC236}">
+                <a16:creationId xmlns:a16="http://schemas.microsoft.com/office/drawing/2014/main" id="{8A456670-EA80-411E-B010-68D699B03204}"/>
+              </a:ext>
+            </a:extLst>
+          </p:cNvPr>
+          <p:cNvSpPr>
+            <a:spLocks noGrp="1"/>
+          </p:cNvSpPr>
+          <p:nvPr>
+            <p:ph idx="1"/>
+          </p:nvPr>
+        </p:nvSpPr>
+        <p:spPr/>
+        <p:txBody>
+          <a:bodyPr/>
+          <a:lstStyle/>
+          <a:p>
+            <a:endParaRPr lang="en-IN"/>
+          </a:p>
+        </p:txBody>
+      </p:sp>
+    </p:spTree>
+    <p:extLst>
+      <p:ext uri="{BB962C8B-B14F-4D97-AF65-F5344CB8AC3E}">
+        <p14:creationId xmlns:p14="http://schemas.microsoft.com/office/powerpoint/2010/main" val="2544459546"/>
+      </p:ext>
+    </p:extLst>
+  </p:cSld>
+  <p:clrMapOvr>
+    <a:masterClrMapping/>
+  </p:clrMapOvr>
+</p:sld>
+</file>
+
+<file path=ppt/slides/slide6.xml><?xml version="1.0" encoding="utf-8"?>
+<p:sld xmlns:a="http://schemas.openxmlformats.org/drawingml/2006/main" xmlns:r="http://schemas.openxmlformats.org/officeDocument/2006/relationships" xmlns:p="http://schemas.openxmlformats.org/presentationml/2006/main">
+  <p:cSld>
+    <p:spTree>
+      <p:nvGrpSpPr>
+        <p:cNvPr id="1" name=""/>
+        <p:cNvGrpSpPr/>
+        <p:nvPr/>
+      </p:nvGrpSpPr>
+      <p:grpSpPr>
+        <a:xfrm>
+          <a:off x="0" y="0"/>
+          <a:ext cx="0" cy="0"/>
+          <a:chOff x="0" y="0"/>
+          <a:chExt cx="0" cy="0"/>
+        </a:xfrm>
+      </p:grpSpPr>
+      <p:sp>
+        <p:nvSpPr>
+          <p:cNvPr id="2" name="Title 1">
+            <a:extLst>
+              <a:ext uri="{FF2B5EF4-FFF2-40B4-BE49-F238E27FC236}">
+                <a16:creationId xmlns:a16="http://schemas.microsoft.com/office/drawing/2014/main" id="{20F932DF-86D0-4B03-81B2-BD19554AEB6B}"/>
+              </a:ext>
+            </a:extLst>
+          </p:cNvPr>
+          <p:cNvSpPr>
+            <a:spLocks noGrp="1"/>
+          </p:cNvSpPr>
+          <p:nvPr>
+            <p:ph type="title"/>
+          </p:nvPr>
+        </p:nvSpPr>
+        <p:spPr/>
+        <p:txBody>
+          <a:bodyPr/>
+          <a:lstStyle/>
+          <a:p>
+            <a:r>
+              <a:rPr lang="en-IN" dirty="0"/>
+              <a:t>Structure of RNN</a:t>
+            </a:r>
+          </a:p>
+        </p:txBody>
+      </p:sp>
+      <p:pic>
+        <p:nvPicPr>
+          <p:cNvPr id="1026" name="Picture 2">
+            <a:extLst>
+              <a:ext uri="{FF2B5EF4-FFF2-40B4-BE49-F238E27FC236}">
+                <a16:creationId xmlns:a16="http://schemas.microsoft.com/office/drawing/2014/main" id="{2344624A-1387-42D0-A96D-18F9B5AE4758}"/>
+              </a:ext>
+            </a:extLst>
+          </p:cNvPr>
+          <p:cNvPicPr>
+            <a:picLocks noGrp="1" noChangeAspect="1" noChangeArrowheads="1"/>
+          </p:cNvPicPr>
+          <p:nvPr>
+            <p:ph idx="1"/>
+          </p:nvPr>
+        </p:nvPicPr>
+        <p:blipFill>
+          <a:blip r:embed="rId2">
+            <a:extLst>
+              <a:ext uri="{28A0092B-C50C-407E-A947-70E740481C1C}">
+                <a14:useLocalDpi xmlns:a14="http://schemas.microsoft.com/office/drawing/2010/main" val="0"/>
+              </a:ext>
+            </a:extLst>
+          </a:blip>
+          <a:srcRect/>
+          <a:stretch>
+            <a:fillRect/>
+          </a:stretch>
+        </p:blipFill>
+        <p:spPr bwMode="auto">
+          <a:xfrm>
+            <a:off x="1096963" y="1975601"/>
+            <a:ext cx="10058400" cy="3764049"/>
+          </a:xfrm>
+          <a:prstGeom prst="rect">
+            <a:avLst/>
+          </a:prstGeom>
+          <a:noFill/>
+          <a:extLst>
+            <a:ext uri="{909E8E84-426E-40DD-AFC4-6F175D3DCCD1}">
+              <a14:hiddenFill xmlns:a14="http://schemas.microsoft.com/office/drawing/2010/main">
+                <a:solidFill>
+                  <a:srgbClr val="FFFFFF"/>
+                </a:solidFill>
+              </a14:hiddenFill>
+            </a:ext>
+          </a:extLst>
+        </p:spPr>
+      </p:pic>
+    </p:spTree>
+    <p:extLst>
+      <p:ext uri="{BB962C8B-B14F-4D97-AF65-F5344CB8AC3E}">
+        <p14:creationId xmlns:p14="http://schemas.microsoft.com/office/powerpoint/2010/main" val="124979734"/>
+      </p:ext>
+    </p:extLst>
+  </p:cSld>
+  <p:clrMapOvr>
+    <a:masterClrMapping/>
+  </p:clrMapOvr>
+</p:sld>
+</file>
+
+<file path=ppt/slides/slide7.xml><?xml version="1.0" encoding="utf-8"?>
 <p:sld xmlns:a="http://schemas.openxmlformats.org/drawingml/2006/main" xmlns:r="http://schemas.openxmlformats.org/officeDocument/2006/relationships" xmlns:p="http://schemas.openxmlformats.org/presentationml/2006/main">
   <p:cSld>
     <p:spTree>
@@ -7936,378 +9970,6 @@
 </p:sld>
 </file>
 
-<file path=ppt/slides/slide4.xml><?xml version="1.0" encoding="utf-8"?>
-<p:sld xmlns:a="http://schemas.openxmlformats.org/drawingml/2006/main" xmlns:r="http://schemas.openxmlformats.org/officeDocument/2006/relationships" xmlns:p="http://schemas.openxmlformats.org/presentationml/2006/main">
-  <p:cSld>
-    <p:spTree>
-      <p:nvGrpSpPr>
-        <p:cNvPr id="1" name=""/>
-        <p:cNvGrpSpPr/>
-        <p:nvPr/>
-      </p:nvGrpSpPr>
-      <p:grpSpPr>
-        <a:xfrm>
-          <a:off x="0" y="0"/>
-          <a:ext cx="0" cy="0"/>
-          <a:chOff x="0" y="0"/>
-          <a:chExt cx="0" cy="0"/>
-        </a:xfrm>
-      </p:grpSpPr>
-      <p:sp>
-        <p:nvSpPr>
-          <p:cNvPr id="2" name="Title 1">
-            <a:extLst>
-              <a:ext uri="{FF2B5EF4-FFF2-40B4-BE49-F238E27FC236}">
-                <a16:creationId xmlns:a16="http://schemas.microsoft.com/office/drawing/2014/main" id="{02112F22-C8A2-446D-9052-E50E6A1412CB}"/>
-              </a:ext>
-            </a:extLst>
-          </p:cNvPr>
-          <p:cNvSpPr>
-            <a:spLocks noGrp="1"/>
-          </p:cNvSpPr>
-          <p:nvPr>
-            <p:ph type="title"/>
-          </p:nvPr>
-        </p:nvSpPr>
-        <p:spPr/>
-        <p:txBody>
-          <a:bodyPr/>
-          <a:lstStyle/>
-          <a:p>
-            <a:r>
-              <a:rPr lang="en-IN" dirty="0"/>
-              <a:t>Vanishing Gradient Problem in RNNs</a:t>
-            </a:r>
-          </a:p>
-        </p:txBody>
-      </p:sp>
-      <p:pic>
-        <p:nvPicPr>
-          <p:cNvPr id="5" name="Content Placeholder 4">
-            <a:extLst>
-              <a:ext uri="{FF2B5EF4-FFF2-40B4-BE49-F238E27FC236}">
-                <a16:creationId xmlns:a16="http://schemas.microsoft.com/office/drawing/2014/main" id="{030D2740-69D8-496A-8FE3-31209A67BDA4}"/>
-              </a:ext>
-            </a:extLst>
-          </p:cNvPr>
-          <p:cNvPicPr>
-            <a:picLocks noGrp="1" noChangeAspect="1"/>
-          </p:cNvPicPr>
-          <p:nvPr>
-            <p:ph idx="1"/>
-          </p:nvPr>
-        </p:nvPicPr>
-        <p:blipFill>
-          <a:blip r:embed="rId3">
-            <a:extLst>
-              <a:ext uri="{28A0092B-C50C-407E-A947-70E740481C1C}">
-                <a14:useLocalDpi xmlns:a14="http://schemas.microsoft.com/office/drawing/2010/main" val="0"/>
-              </a:ext>
-            </a:extLst>
-          </a:blip>
-          <a:stretch>
-            <a:fillRect/>
-          </a:stretch>
-        </p:blipFill>
-        <p:spPr>
-          <a:xfrm>
-            <a:off x="2551874" y="1940766"/>
-            <a:ext cx="7088251" cy="4217437"/>
-          </a:xfrm>
-        </p:spPr>
-      </p:pic>
-    </p:spTree>
-    <p:extLst>
-      <p:ext uri="{BB962C8B-B14F-4D97-AF65-F5344CB8AC3E}">
-        <p14:creationId xmlns:p14="http://schemas.microsoft.com/office/powerpoint/2010/main" val="54958724"/>
-      </p:ext>
-    </p:extLst>
-  </p:cSld>
-  <p:clrMapOvr>
-    <a:masterClrMapping/>
-  </p:clrMapOvr>
-</p:sld>
-</file>
-
-<file path=ppt/slides/slide5.xml><?xml version="1.0" encoding="utf-8"?>
-<p:sld xmlns:a="http://schemas.openxmlformats.org/drawingml/2006/main" xmlns:r="http://schemas.openxmlformats.org/officeDocument/2006/relationships" xmlns:p="http://schemas.openxmlformats.org/presentationml/2006/main">
-  <p:cSld>
-    <p:spTree>
-      <p:nvGrpSpPr>
-        <p:cNvPr id="1" name=""/>
-        <p:cNvGrpSpPr/>
-        <p:nvPr/>
-      </p:nvGrpSpPr>
-      <p:grpSpPr>
-        <a:xfrm>
-          <a:off x="0" y="0"/>
-          <a:ext cx="0" cy="0"/>
-          <a:chOff x="0" y="0"/>
-          <a:chExt cx="0" cy="0"/>
-        </a:xfrm>
-      </p:grpSpPr>
-      <p:sp>
-        <p:nvSpPr>
-          <p:cNvPr id="2" name="Title 1">
-            <a:extLst>
-              <a:ext uri="{FF2B5EF4-FFF2-40B4-BE49-F238E27FC236}">
-                <a16:creationId xmlns:a16="http://schemas.microsoft.com/office/drawing/2014/main" id="{8C39E9CA-90B6-437A-B349-112EE3E6C47A}"/>
-              </a:ext>
-            </a:extLst>
-          </p:cNvPr>
-          <p:cNvSpPr>
-            <a:spLocks noGrp="1"/>
-          </p:cNvSpPr>
-          <p:nvPr>
-            <p:ph type="title"/>
-          </p:nvPr>
-        </p:nvSpPr>
-        <p:spPr/>
-        <p:txBody>
-          <a:bodyPr/>
-          <a:lstStyle/>
-          <a:p>
-            <a:r>
-              <a:rPr lang="en-IN" dirty="0"/>
-              <a:t>LSTMs mimic Human Memory</a:t>
-            </a:r>
-          </a:p>
-        </p:txBody>
-      </p:sp>
-      <p:pic>
-        <p:nvPicPr>
-          <p:cNvPr id="5" name="Content Placeholder 4">
-            <a:extLst>
-              <a:ext uri="{FF2B5EF4-FFF2-40B4-BE49-F238E27FC236}">
-                <a16:creationId xmlns:a16="http://schemas.microsoft.com/office/drawing/2014/main" id="{2FBEA463-8557-47AD-9911-E00DDEBE183C}"/>
-              </a:ext>
-            </a:extLst>
-          </p:cNvPr>
-          <p:cNvPicPr>
-            <a:picLocks noGrp="1" noChangeAspect="1"/>
-          </p:cNvPicPr>
-          <p:nvPr>
-            <p:ph idx="1"/>
-          </p:nvPr>
-        </p:nvPicPr>
-        <p:blipFill>
-          <a:blip r:embed="rId3">
-            <a:extLst>
-              <a:ext uri="{28A0092B-C50C-407E-A947-70E740481C1C}">
-                <a14:useLocalDpi xmlns:a14="http://schemas.microsoft.com/office/drawing/2010/main" val="0"/>
-              </a:ext>
-            </a:extLst>
-          </a:blip>
-          <a:stretch>
-            <a:fillRect/>
-          </a:stretch>
-        </p:blipFill>
-        <p:spPr>
-          <a:xfrm>
-            <a:off x="2520244" y="1940767"/>
-            <a:ext cx="7151511" cy="4211203"/>
-          </a:xfrm>
-        </p:spPr>
-      </p:pic>
-    </p:spTree>
-    <p:extLst>
-      <p:ext uri="{BB962C8B-B14F-4D97-AF65-F5344CB8AC3E}">
-        <p14:creationId xmlns:p14="http://schemas.microsoft.com/office/powerpoint/2010/main" val="2654963647"/>
-      </p:ext>
-    </p:extLst>
-  </p:cSld>
-  <p:clrMapOvr>
-    <a:masterClrMapping/>
-  </p:clrMapOvr>
-</p:sld>
-</file>
-
-<file path=ppt/slides/slide6.xml><?xml version="1.0" encoding="utf-8"?>
-<p:sld xmlns:a="http://schemas.openxmlformats.org/drawingml/2006/main" xmlns:r="http://schemas.openxmlformats.org/officeDocument/2006/relationships" xmlns:p="http://schemas.openxmlformats.org/presentationml/2006/main">
-  <p:cSld>
-    <p:spTree>
-      <p:nvGrpSpPr>
-        <p:cNvPr id="1" name=""/>
-        <p:cNvGrpSpPr/>
-        <p:nvPr/>
-      </p:nvGrpSpPr>
-      <p:grpSpPr>
-        <a:xfrm>
-          <a:off x="0" y="0"/>
-          <a:ext cx="0" cy="0"/>
-          <a:chOff x="0" y="0"/>
-          <a:chExt cx="0" cy="0"/>
-        </a:xfrm>
-      </p:grpSpPr>
-      <p:sp>
-        <p:nvSpPr>
-          <p:cNvPr id="2" name="Title 1">
-            <a:extLst>
-              <a:ext uri="{FF2B5EF4-FFF2-40B4-BE49-F238E27FC236}">
-                <a16:creationId xmlns:a16="http://schemas.microsoft.com/office/drawing/2014/main" id="{2E256D1E-EA3B-4E68-85D3-116706F0F248}"/>
-              </a:ext>
-            </a:extLst>
-          </p:cNvPr>
-          <p:cNvSpPr>
-            <a:spLocks noGrp="1"/>
-          </p:cNvSpPr>
-          <p:nvPr>
-            <p:ph type="title"/>
-          </p:nvPr>
-        </p:nvSpPr>
-        <p:spPr/>
-        <p:txBody>
-          <a:bodyPr/>
-          <a:lstStyle/>
-          <a:p>
-            <a:r>
-              <a:rPr lang="en-IN" dirty="0"/>
-              <a:t>LSTM Architecture</a:t>
-            </a:r>
-          </a:p>
-        </p:txBody>
-      </p:sp>
-      <p:pic>
-        <p:nvPicPr>
-          <p:cNvPr id="5" name="Content Placeholder 4">
-            <a:extLst>
-              <a:ext uri="{FF2B5EF4-FFF2-40B4-BE49-F238E27FC236}">
-                <a16:creationId xmlns:a16="http://schemas.microsoft.com/office/drawing/2014/main" id="{40CC5B6A-E13E-472B-A205-DCDCEA50231E}"/>
-              </a:ext>
-            </a:extLst>
-          </p:cNvPr>
-          <p:cNvPicPr>
-            <a:picLocks noGrp="1" noChangeAspect="1"/>
-          </p:cNvPicPr>
-          <p:nvPr>
-            <p:ph idx="1"/>
-          </p:nvPr>
-        </p:nvPicPr>
-        <p:blipFill>
-          <a:blip r:embed="rId3">
-            <a:extLst>
-              <a:ext uri="{28A0092B-C50C-407E-A947-70E740481C1C}">
-                <a14:useLocalDpi xmlns:a14="http://schemas.microsoft.com/office/drawing/2010/main" val="0"/>
-              </a:ext>
-            </a:extLst>
-          </a:blip>
-          <a:stretch>
-            <a:fillRect/>
-          </a:stretch>
-        </p:blipFill>
-        <p:spPr>
-          <a:xfrm>
-            <a:off x="1096963" y="1968015"/>
-            <a:ext cx="10058400" cy="3779220"/>
-          </a:xfrm>
-        </p:spPr>
-      </p:pic>
-    </p:spTree>
-    <p:extLst>
-      <p:ext uri="{BB962C8B-B14F-4D97-AF65-F5344CB8AC3E}">
-        <p14:creationId xmlns:p14="http://schemas.microsoft.com/office/powerpoint/2010/main" val="4248088773"/>
-      </p:ext>
-    </p:extLst>
-  </p:cSld>
-  <p:clrMapOvr>
-    <a:masterClrMapping/>
-  </p:clrMapOvr>
-</p:sld>
-</file>
-
-<file path=ppt/slides/slide7.xml><?xml version="1.0" encoding="utf-8"?>
-<p:sld xmlns:a="http://schemas.openxmlformats.org/drawingml/2006/main" xmlns:r="http://schemas.openxmlformats.org/officeDocument/2006/relationships" xmlns:p="http://schemas.openxmlformats.org/presentationml/2006/main">
-  <p:cSld>
-    <p:spTree>
-      <p:nvGrpSpPr>
-        <p:cNvPr id="1" name=""/>
-        <p:cNvGrpSpPr/>
-        <p:nvPr/>
-      </p:nvGrpSpPr>
-      <p:grpSpPr>
-        <a:xfrm>
-          <a:off x="0" y="0"/>
-          <a:ext cx="0" cy="0"/>
-          <a:chOff x="0" y="0"/>
-          <a:chExt cx="0" cy="0"/>
-        </a:xfrm>
-      </p:grpSpPr>
-      <p:sp>
-        <p:nvSpPr>
-          <p:cNvPr id="2" name="Title 1">
-            <a:extLst>
-              <a:ext uri="{FF2B5EF4-FFF2-40B4-BE49-F238E27FC236}">
-                <a16:creationId xmlns:a16="http://schemas.microsoft.com/office/drawing/2014/main" id="{76F256E4-D9DE-448D-B4AB-AE41D834DCE2}"/>
-              </a:ext>
-            </a:extLst>
-          </p:cNvPr>
-          <p:cNvSpPr>
-            <a:spLocks noGrp="1"/>
-          </p:cNvSpPr>
-          <p:nvPr>
-            <p:ph type="title"/>
-          </p:nvPr>
-        </p:nvSpPr>
-        <p:spPr/>
-        <p:txBody>
-          <a:bodyPr/>
-          <a:lstStyle/>
-          <a:p>
-            <a:r>
-              <a:rPr lang="en-IN" dirty="0"/>
-              <a:t>Forget Gate</a:t>
-            </a:r>
-          </a:p>
-        </p:txBody>
-      </p:sp>
-      <p:pic>
-        <p:nvPicPr>
-          <p:cNvPr id="5" name="Content Placeholder 4">
-            <a:extLst>
-              <a:ext uri="{FF2B5EF4-FFF2-40B4-BE49-F238E27FC236}">
-                <a16:creationId xmlns:a16="http://schemas.microsoft.com/office/drawing/2014/main" id="{855357E3-5AA4-447E-BCB4-53740FEFC155}"/>
-              </a:ext>
-            </a:extLst>
-          </p:cNvPr>
-          <p:cNvPicPr>
-            <a:picLocks noGrp="1" noChangeAspect="1"/>
-          </p:cNvPicPr>
-          <p:nvPr>
-            <p:ph idx="1"/>
-          </p:nvPr>
-        </p:nvPicPr>
-        <p:blipFill>
-          <a:blip r:embed="rId3">
-            <a:extLst>
-              <a:ext uri="{28A0092B-C50C-407E-A947-70E740481C1C}">
-                <a14:useLocalDpi xmlns:a14="http://schemas.microsoft.com/office/drawing/2010/main" val="0"/>
-              </a:ext>
-            </a:extLst>
-          </a:blip>
-          <a:stretch>
-            <a:fillRect/>
-          </a:stretch>
-        </p:blipFill>
-        <p:spPr>
-          <a:xfrm>
-            <a:off x="2274411" y="1846262"/>
-            <a:ext cx="7643177" cy="4377255"/>
-          </a:xfrm>
-        </p:spPr>
-      </p:pic>
-    </p:spTree>
-    <p:extLst>
-      <p:ext uri="{BB962C8B-B14F-4D97-AF65-F5344CB8AC3E}">
-        <p14:creationId xmlns:p14="http://schemas.microsoft.com/office/powerpoint/2010/main" val="1766468176"/>
-      </p:ext>
-    </p:extLst>
-  </p:cSld>
-  <p:clrMapOvr>
-    <a:masterClrMapping/>
-  </p:clrMapOvr>
-</p:sld>
-</file>
-
 <file path=ppt/slides/slide8.xml><?xml version="1.0" encoding="utf-8"?>
 <p:sld xmlns:a="http://schemas.openxmlformats.org/drawingml/2006/main" xmlns:r="http://schemas.openxmlformats.org/officeDocument/2006/relationships" xmlns:p="http://schemas.openxmlformats.org/presentationml/2006/main">
   <p:cSld>
@@ -8330,7 +9992,7 @@
           <p:cNvPr id="2" name="Title 1">
             <a:extLst>
               <a:ext uri="{FF2B5EF4-FFF2-40B4-BE49-F238E27FC236}">
-                <a16:creationId xmlns:a16="http://schemas.microsoft.com/office/drawing/2014/main" id="{D9C76EB0-F9B2-498D-AEB3-D4D16FAAE067}"/>
+                <a16:creationId xmlns:a16="http://schemas.microsoft.com/office/drawing/2014/main" id="{6099F4A1-7703-4E4F-BFDF-060B7E3A8A6A}"/>
               </a:ext>
             </a:extLst>
           </p:cNvPr>
@@ -8348,50 +10010,81 @@
           <a:p>
             <a:r>
               <a:rPr lang="en-IN" dirty="0"/>
-              <a:t>Input Gate</a:t>
-            </a:r>
-          </a:p>
-        </p:txBody>
-      </p:sp>
-      <p:pic>
-        <p:nvPicPr>
-          <p:cNvPr id="5" name="Content Placeholder 4">
+              <a:t>Gradient Problem in RNNs</a:t>
+            </a:r>
+          </a:p>
+        </p:txBody>
+      </p:sp>
+      <p:sp>
+        <p:nvSpPr>
+          <p:cNvPr id="3" name="Content Placeholder 2">
             <a:extLst>
               <a:ext uri="{FF2B5EF4-FFF2-40B4-BE49-F238E27FC236}">
-                <a16:creationId xmlns:a16="http://schemas.microsoft.com/office/drawing/2014/main" id="{654C553C-0341-4B5C-BE32-18BCCBEEC4EC}"/>
+                <a16:creationId xmlns:a16="http://schemas.microsoft.com/office/drawing/2014/main" id="{C2CB4410-5B19-4E0A-BB5E-A110039EBB74}"/>
               </a:ext>
             </a:extLst>
           </p:cNvPr>
-          <p:cNvPicPr>
-            <a:picLocks noGrp="1" noChangeAspect="1"/>
-          </p:cNvPicPr>
+          <p:cNvSpPr>
+            <a:spLocks noGrp="1"/>
+          </p:cNvSpPr>
           <p:nvPr>
             <p:ph idx="1"/>
           </p:nvPr>
-        </p:nvPicPr>
-        <p:blipFill>
-          <a:blip r:embed="rId3">
-            <a:extLst>
-              <a:ext uri="{28A0092B-C50C-407E-A947-70E740481C1C}">
-                <a14:useLocalDpi xmlns:a14="http://schemas.microsoft.com/office/drawing/2010/main" val="0"/>
-              </a:ext>
-            </a:extLst>
-          </a:blip>
-          <a:stretch>
-            <a:fillRect/>
-          </a:stretch>
-        </p:blipFill>
-        <p:spPr>
-          <a:xfrm>
-            <a:off x="1849790" y="1846263"/>
-            <a:ext cx="8492419" cy="4349264"/>
-          </a:xfrm>
-        </p:spPr>
-      </p:pic>
+        </p:nvSpPr>
+        <p:spPr/>
+        <p:txBody>
+          <a:bodyPr/>
+          <a:lstStyle/>
+          <a:p>
+            <a:r>
+              <a:rPr lang="en-IN" dirty="0"/>
+              <a:t>There are 2 major gradient problems in standard RNN structure. Gradient means taking derivative of loss measured in the layer propagate backward. Backpropagation through time (BPTT) is a famous term used in sequence models in RNN architectures.</a:t>
+            </a:r>
+          </a:p>
+          <a:p>
+            <a:pPr marL="457200" indent="-457200">
+              <a:buClrTx/>
+              <a:buFont typeface="+mj-lt"/>
+              <a:buAutoNum type="arabicPeriod"/>
+            </a:pPr>
+            <a:r>
+              <a:rPr lang="en-IN" dirty="0"/>
+              <a:t>Vanishing gradient </a:t>
+            </a:r>
+          </a:p>
+          <a:p>
+            <a:pPr marL="457200" indent="-457200">
+              <a:buClrTx/>
+              <a:buFont typeface="+mj-lt"/>
+              <a:buAutoNum type="arabicPeriod" startAt="2"/>
+            </a:pPr>
+            <a:r>
+              <a:rPr lang="en-IN" dirty="0"/>
+              <a:t>Exploding gradient</a:t>
+            </a:r>
+          </a:p>
+          <a:p>
+            <a:pPr lvl="1">
+              <a:buClrTx/>
+            </a:pPr>
+            <a:endParaRPr lang="en-IN" dirty="0"/>
+          </a:p>
+          <a:p>
+            <a:pPr marL="201168" lvl="1" indent="0">
+              <a:buClrTx/>
+              <a:buNone/>
+            </a:pPr>
+            <a:r>
+              <a:rPr lang="en-IN" dirty="0"/>
+              <a:t>At the end in both the cases learning algorithm can not reach at global minima. </a:t>
+            </a:r>
+          </a:p>
+        </p:txBody>
+      </p:sp>
     </p:spTree>
     <p:extLst>
       <p:ext uri="{BB962C8B-B14F-4D97-AF65-F5344CB8AC3E}">
-        <p14:creationId xmlns:p14="http://schemas.microsoft.com/office/powerpoint/2010/main" val="2806399146"/>
+        <p14:creationId xmlns:p14="http://schemas.microsoft.com/office/powerpoint/2010/main" val="2521572614"/>
       </p:ext>
     </p:extLst>
   </p:cSld>
@@ -8423,7 +10116,7 @@
           <p:cNvPr id="2" name="Title 1">
             <a:extLst>
               <a:ext uri="{FF2B5EF4-FFF2-40B4-BE49-F238E27FC236}">
-                <a16:creationId xmlns:a16="http://schemas.microsoft.com/office/drawing/2014/main" id="{0082E01C-0BCF-407B-BBB0-1A3AC69720C1}"/>
+                <a16:creationId xmlns:a16="http://schemas.microsoft.com/office/drawing/2014/main" id="{02112F22-C8A2-446D-9052-E50E6A1412CB}"/>
               </a:ext>
             </a:extLst>
           </p:cNvPr>
@@ -8441,7 +10134,7 @@
           <a:p>
             <a:r>
               <a:rPr lang="en-IN" dirty="0"/>
-              <a:t>Cell State</a:t>
+              <a:t>Vanishing Gradient</a:t>
             </a:r>
           </a:p>
         </p:txBody>
@@ -8451,7 +10144,7 @@
           <p:cNvPr id="5" name="Content Placeholder 4">
             <a:extLst>
               <a:ext uri="{FF2B5EF4-FFF2-40B4-BE49-F238E27FC236}">
-                <a16:creationId xmlns:a16="http://schemas.microsoft.com/office/drawing/2014/main" id="{4352B401-0986-47ED-8DE9-C401F2DB9568}"/>
+                <a16:creationId xmlns:a16="http://schemas.microsoft.com/office/drawing/2014/main" id="{030D2740-69D8-496A-8FE3-31209A67BDA4}"/>
               </a:ext>
             </a:extLst>
           </p:cNvPr>
@@ -8476,15 +10169,88 @@
         </p:blipFill>
         <p:spPr>
           <a:xfrm>
-            <a:off x="2304574" y="1846263"/>
-            <a:ext cx="7643177" cy="4358594"/>
+            <a:off x="2233822" y="1781172"/>
+            <a:ext cx="7088251" cy="1955942"/>
           </a:xfrm>
         </p:spPr>
       </p:pic>
+      <p:sp>
+        <p:nvSpPr>
+          <p:cNvPr id="6" name="TextBox 5">
+            <a:extLst>
+              <a:ext uri="{FF2B5EF4-FFF2-40B4-BE49-F238E27FC236}">
+                <a16:creationId xmlns:a16="http://schemas.microsoft.com/office/drawing/2014/main" id="{CECD2109-F412-4A97-AFC9-BAD803FCECD0}"/>
+              </a:ext>
+            </a:extLst>
+          </p:cNvPr>
+          <p:cNvSpPr txBox="1"/>
+          <p:nvPr/>
+        </p:nvSpPr>
+        <p:spPr>
+          <a:xfrm>
+            <a:off x="1066800" y="3780926"/>
+            <a:ext cx="10058400" cy="1754326"/>
+          </a:xfrm>
+          <a:prstGeom prst="rect">
+            <a:avLst/>
+          </a:prstGeom>
+          <a:noFill/>
+        </p:spPr>
+        <p:txBody>
+          <a:bodyPr wrap="square">
+            <a:spAutoFit/>
+          </a:bodyPr>
+          <a:lstStyle/>
+          <a:p>
+            <a:pPr marL="742950" lvl="1" indent="-285750">
+              <a:buClrTx/>
+              <a:buFont typeface="Arial" panose="020B0604020202020204" pitchFamily="34" charset="0"/>
+              <a:buChar char="•"/>
+            </a:pPr>
+            <a:r>
+              <a:rPr lang="en-IN" dirty="0"/>
+              <a:t>Gradient get minimal from last layer to initial layer, so that no effect on the learning of initial layers.</a:t>
+            </a:r>
+          </a:p>
+          <a:p>
+            <a:pPr marL="742950" lvl="1" indent="-285750">
+              <a:buClrTx/>
+              <a:buFont typeface="Arial" panose="020B0604020202020204" pitchFamily="34" charset="0"/>
+              <a:buChar char="•"/>
+            </a:pPr>
+            <a:r>
+              <a:rPr lang="en-IN" dirty="0"/>
+              <a:t>New weight = old weight – learning rate * gradient</a:t>
+            </a:r>
+          </a:p>
+          <a:p>
+            <a:pPr marL="742950" lvl="1" indent="-285750">
+              <a:buClrTx/>
+              <a:buFont typeface="Arial" panose="020B0604020202020204" pitchFamily="34" charset="0"/>
+              <a:buChar char="•"/>
+            </a:pPr>
+            <a:r>
+              <a:rPr lang="en-IN" dirty="0"/>
+              <a:t>10.999 = 10.1 – 0.001</a:t>
+            </a:r>
+          </a:p>
+          <a:p>
+            <a:pPr marL="742950" lvl="1" indent="-285750">
+              <a:buClrTx/>
+              <a:buFont typeface="Arial" panose="020B0604020202020204" pitchFamily="34" charset="0"/>
+              <a:buChar char="•"/>
+            </a:pPr>
+            <a:r>
+              <a:rPr lang="en-IN" dirty="0"/>
+              <a:t>In case of sigmoid activation function there are high chances of this problem. So tanh is preferred one </a:t>
+            </a:r>
+          </a:p>
+        </p:txBody>
+      </p:sp>
     </p:spTree>
     <p:extLst>
       <p:ext uri="{BB962C8B-B14F-4D97-AF65-F5344CB8AC3E}">
-        <p14:creationId xmlns:p14="http://schemas.microsoft.com/office/powerpoint/2010/main" val="2396599788"/>
+        <p14:creationId xmlns:p14="http://schemas.microsoft.com/office/powerpoint/2010/main" val="54958724"/>
       </p:ext>
     </p:extLst>
   </p:cSld>

--- a/Documentation/LSTM Presentation.pptx
+++ b/Documentation/LSTM Presentation.pptx
@@ -5,7 +5,7 @@
     <p:sldMasterId id="2147483726" r:id="rId1"/>
   </p:sldMasterIdLst>
   <p:notesMasterIdLst>
-    <p:notesMasterId r:id="rId33"/>
+    <p:notesMasterId r:id="rId34"/>
   </p:notesMasterIdLst>
   <p:sldIdLst>
     <p:sldId id="256" r:id="rId2"/>
@@ -24,21 +24,22 @@
     <p:sldId id="261" r:id="rId15"/>
     <p:sldId id="262" r:id="rId16"/>
     <p:sldId id="263" r:id="rId17"/>
-    <p:sldId id="299" r:id="rId18"/>
-    <p:sldId id="291" r:id="rId19"/>
-    <p:sldId id="292" r:id="rId20"/>
-    <p:sldId id="296" r:id="rId21"/>
-    <p:sldId id="298" r:id="rId22"/>
-    <p:sldId id="282" r:id="rId23"/>
-    <p:sldId id="283" r:id="rId24"/>
-    <p:sldId id="268" r:id="rId25"/>
-    <p:sldId id="294" r:id="rId26"/>
-    <p:sldId id="269" r:id="rId27"/>
-    <p:sldId id="274" r:id="rId28"/>
-    <p:sldId id="275" r:id="rId29"/>
-    <p:sldId id="295" r:id="rId30"/>
-    <p:sldId id="264" r:id="rId31"/>
-    <p:sldId id="281" r:id="rId32"/>
+    <p:sldId id="291" r:id="rId18"/>
+    <p:sldId id="300" r:id="rId19"/>
+    <p:sldId id="299" r:id="rId20"/>
+    <p:sldId id="292" r:id="rId21"/>
+    <p:sldId id="296" r:id="rId22"/>
+    <p:sldId id="298" r:id="rId23"/>
+    <p:sldId id="282" r:id="rId24"/>
+    <p:sldId id="283" r:id="rId25"/>
+    <p:sldId id="268" r:id="rId26"/>
+    <p:sldId id="294" r:id="rId27"/>
+    <p:sldId id="269" r:id="rId28"/>
+    <p:sldId id="274" r:id="rId29"/>
+    <p:sldId id="275" r:id="rId30"/>
+    <p:sldId id="295" r:id="rId31"/>
+    <p:sldId id="264" r:id="rId32"/>
+    <p:sldId id="281" r:id="rId33"/>
   </p:sldIdLst>
   <p:sldSz cx="12192000" cy="6858000"/>
   <p:notesSz cx="6858000" cy="9144000"/>
@@ -227,7 +228,7 @@
           <a:p>
             <a:fld id="{C9707BD5-6FF2-4517-806C-0850975B6446}" type="datetimeFigureOut">
               <a:rPr lang="en-IN" smtClean="0"/>
-              <a:t>14-09-2020</a:t>
+              <a:t>15-09-2020</a:t>
             </a:fld>
             <a:endParaRPr lang="en-IN"/>
           </a:p>
@@ -922,7 +923,7 @@
           <a:p>
             <a:fld id="{E20557C8-F147-4847-B78C-1FBF2B08520A}" type="slidenum">
               <a:rPr lang="en-IN" smtClean="0"/>
-              <a:t>18</a:t>
+              <a:t>17</a:t>
             </a:fld>
             <a:endParaRPr lang="en-IN"/>
           </a:p>
@@ -1006,7 +1007,7 @@
           <a:p>
             <a:fld id="{E20557C8-F147-4847-B78C-1FBF2B08520A}" type="slidenum">
               <a:rPr lang="en-IN" smtClean="0"/>
-              <a:t>22</a:t>
+              <a:t>23</a:t>
             </a:fld>
             <a:endParaRPr lang="en-IN"/>
           </a:p>
@@ -1090,7 +1091,7 @@
           <a:p>
             <a:fld id="{E20557C8-F147-4847-B78C-1FBF2B08520A}" type="slidenum">
               <a:rPr lang="en-IN" smtClean="0"/>
-              <a:t>23</a:t>
+              <a:t>24</a:t>
             </a:fld>
             <a:endParaRPr lang="en-IN"/>
           </a:p>
@@ -2244,7 +2245,7 @@
           <a:p>
             <a:fld id="{89554CA7-687E-49A6-A38B-0BEA80FC044A}" type="datetime1">
               <a:rPr lang="en-IN" smtClean="0"/>
-              <a:t>14-09-2020</a:t>
+              <a:t>15-09-2020</a:t>
             </a:fld>
             <a:endParaRPr lang="en-IN"/>
           </a:p>
@@ -2456,7 +2457,7 @@
           <a:p>
             <a:fld id="{291F406A-24B2-40B3-AF0B-F3439BF4D72D}" type="datetime1">
               <a:rPr lang="en-IN" smtClean="0"/>
-              <a:t>14-09-2020</a:t>
+              <a:t>15-09-2020</a:t>
             </a:fld>
             <a:endParaRPr lang="en-IN"/>
           </a:p>
@@ -2716,7 +2717,7 @@
           <a:p>
             <a:fld id="{0BAE181A-CDB2-4BC9-A240-F3F294ABE107}" type="datetime1">
               <a:rPr lang="en-IN" smtClean="0"/>
-              <a:t>14-09-2020</a:t>
+              <a:t>15-09-2020</a:t>
             </a:fld>
             <a:endParaRPr lang="en-IN"/>
           </a:p>
@@ -2890,7 +2891,7 @@
           <a:p>
             <a:fld id="{7F814810-C8EF-433A-9ADD-6A25A9099D36}" type="datetime1">
               <a:rPr lang="en-IN" smtClean="0"/>
-              <a:t>14-09-2020</a:t>
+              <a:t>15-09-2020</a:t>
             </a:fld>
             <a:endParaRPr lang="en-IN"/>
           </a:p>
@@ -3237,7 +3238,7 @@
           <a:p>
             <a:fld id="{7817536F-5F2F-44BF-87CD-F40C41B74BA3}" type="datetime1">
               <a:rPr lang="en-IN" smtClean="0"/>
-              <a:t>14-09-2020</a:t>
+              <a:t>15-09-2020</a:t>
             </a:fld>
             <a:endParaRPr lang="en-IN"/>
           </a:p>
@@ -3516,7 +3517,7 @@
           <a:p>
             <a:fld id="{71BBE8B8-7896-407E-9947-B558DF069573}" type="datetime1">
               <a:rPr lang="en-IN" smtClean="0"/>
-              <a:t>14-09-2020</a:t>
+              <a:t>15-09-2020</a:t>
             </a:fld>
             <a:endParaRPr lang="en-IN"/>
           </a:p>
@@ -3899,7 +3900,7 @@
           <a:p>
             <a:fld id="{27C12E13-0108-49D1-95A4-6E6EC08B8E59}" type="datetime1">
               <a:rPr lang="en-IN" smtClean="0"/>
-              <a:t>14-09-2020</a:t>
+              <a:t>15-09-2020</a:t>
             </a:fld>
             <a:endParaRPr lang="en-IN"/>
           </a:p>
@@ -4021,7 +4022,7 @@
           <a:p>
             <a:fld id="{7F49C749-8D8F-47E4-86E4-A860A89F13CA}" type="datetime1">
               <a:rPr lang="en-IN" smtClean="0"/>
-              <a:t>14-09-2020</a:t>
+              <a:t>15-09-2020</a:t>
             </a:fld>
             <a:endParaRPr lang="en-IN"/>
           </a:p>
@@ -4196,7 +4197,7 @@
           <a:p>
             <a:fld id="{CF10A89E-13C6-4178-A409-AD3F86066201}" type="datetime1">
               <a:rPr lang="en-IN" smtClean="0"/>
-              <a:t>14-09-2020</a:t>
+              <a:t>15-09-2020</a:t>
             </a:fld>
             <a:endParaRPr lang="en-IN"/>
           </a:p>
@@ -4554,7 +4555,7 @@
           <a:p>
             <a:fld id="{CB19F608-622E-47CA-83B1-18F5FBFCDC8F}" type="datetime1">
               <a:rPr lang="en-IN" smtClean="0"/>
-              <a:t>14-09-2020</a:t>
+              <a:t>15-09-2020</a:t>
             </a:fld>
             <a:endParaRPr lang="en-IN"/>
           </a:p>
@@ -4935,7 +4936,7 @@
           <a:p>
             <a:fld id="{7B637B55-A6B7-44A8-A93B-0EA6766E20E5}" type="datetime1">
               <a:rPr lang="en-IN" smtClean="0"/>
-              <a:t>14-09-2020</a:t>
+              <a:t>15-09-2020</a:t>
             </a:fld>
             <a:endParaRPr lang="en-IN"/>
           </a:p>
@@ -5226,7 +5227,7 @@
           <a:p>
             <a:fld id="{B9A2316A-F734-4445-9B48-FE815236CECD}" type="datetime1">
               <a:rPr lang="en-IN" smtClean="0"/>
-              <a:t>14-09-2020</a:t>
+              <a:t>15-09-2020</a:t>
             </a:fld>
             <a:endParaRPr lang="en-IN"/>
           </a:p>
@@ -8054,6 +8055,36 @@
           </a:p>
         </p:txBody>
       </p:sp>
+      <p:pic>
+        <p:nvPicPr>
+          <p:cNvPr id="4" name="Picture 3">
+            <a:extLst>
+              <a:ext uri="{FF2B5EF4-FFF2-40B4-BE49-F238E27FC236}">
+                <a16:creationId xmlns:a16="http://schemas.microsoft.com/office/drawing/2014/main" id="{A645E1C7-19E5-46B0-A3DA-3CD4DEFDD42A}"/>
+              </a:ext>
+            </a:extLst>
+          </p:cNvPr>
+          <p:cNvPicPr>
+            <a:picLocks noChangeAspect="1"/>
+          </p:cNvPicPr>
+          <p:nvPr/>
+        </p:nvPicPr>
+        <p:blipFill>
+          <a:blip r:embed="rId5"/>
+          <a:stretch>
+            <a:fillRect/>
+          </a:stretch>
+        </p:blipFill>
+        <p:spPr>
+          <a:xfrm>
+            <a:off x="7840663" y="3913054"/>
+            <a:ext cx="3314700" cy="381000"/>
+          </a:xfrm>
+          <a:prstGeom prst="rect">
+            <a:avLst/>
+          </a:prstGeom>
+        </p:spPr>
+      </p:pic>
     </p:spTree>
     <p:extLst>
       <p:ext uri="{BB962C8B-B14F-4D97-AF65-F5344CB8AC3E}">
@@ -8459,6 +8490,36 @@
           </a:p>
         </p:txBody>
       </p:sp>
+      <p:pic>
+        <p:nvPicPr>
+          <p:cNvPr id="13" name="Picture 12">
+            <a:extLst>
+              <a:ext uri="{FF2B5EF4-FFF2-40B4-BE49-F238E27FC236}">
+                <a16:creationId xmlns:a16="http://schemas.microsoft.com/office/drawing/2014/main" id="{A13AA6C6-07CD-4310-ABAB-F5AF66C213F4}"/>
+              </a:ext>
+            </a:extLst>
+          </p:cNvPr>
+          <p:cNvPicPr>
+            <a:picLocks noChangeAspect="1"/>
+          </p:cNvPicPr>
+          <p:nvPr/>
+        </p:nvPicPr>
+        <p:blipFill>
+          <a:blip r:embed="rId5"/>
+          <a:stretch>
+            <a:fillRect/>
+          </a:stretch>
+        </p:blipFill>
+        <p:spPr>
+          <a:xfrm>
+            <a:off x="7792662" y="3641372"/>
+            <a:ext cx="3743325" cy="914400"/>
+          </a:xfrm>
+          <a:prstGeom prst="rect">
+            <a:avLst/>
+          </a:prstGeom>
+        </p:spPr>
+      </p:pic>
     </p:spTree>
     <p:extLst>
       <p:ext uri="{BB962C8B-B14F-4D97-AF65-F5344CB8AC3E}">
@@ -8864,6 +8925,36 @@
           </a:p>
         </p:txBody>
       </p:sp>
+      <p:pic>
+        <p:nvPicPr>
+          <p:cNvPr id="4" name="Picture 3">
+            <a:extLst>
+              <a:ext uri="{FF2B5EF4-FFF2-40B4-BE49-F238E27FC236}">
+                <a16:creationId xmlns:a16="http://schemas.microsoft.com/office/drawing/2014/main" id="{3F29B4F3-1D32-4FF7-A844-699B73EC05D7}"/>
+              </a:ext>
+            </a:extLst>
+          </p:cNvPr>
+          <p:cNvPicPr>
+            <a:picLocks noChangeAspect="1"/>
+          </p:cNvPicPr>
+          <p:nvPr/>
+        </p:nvPicPr>
+        <p:blipFill>
+          <a:blip r:embed="rId5"/>
+          <a:stretch>
+            <a:fillRect/>
+          </a:stretch>
+        </p:blipFill>
+        <p:spPr>
+          <a:xfrm>
+            <a:off x="7702976" y="3717572"/>
+            <a:ext cx="2800350" cy="381000"/>
+          </a:xfrm>
+          <a:prstGeom prst="rect">
+            <a:avLst/>
+          </a:prstGeom>
+        </p:spPr>
+      </p:pic>
     </p:spTree>
     <p:extLst>
       <p:ext uri="{BB962C8B-B14F-4D97-AF65-F5344CB8AC3E}">
@@ -9269,6 +9360,36 @@
           </a:p>
         </p:txBody>
       </p:sp>
+      <p:pic>
+        <p:nvPicPr>
+          <p:cNvPr id="4" name="Picture 3">
+            <a:extLst>
+              <a:ext uri="{FF2B5EF4-FFF2-40B4-BE49-F238E27FC236}">
+                <a16:creationId xmlns:a16="http://schemas.microsoft.com/office/drawing/2014/main" id="{C7CE69CB-4EC7-4150-9A7C-DE857B6D56FD}"/>
+              </a:ext>
+            </a:extLst>
+          </p:cNvPr>
+          <p:cNvPicPr>
+            <a:picLocks noChangeAspect="1"/>
+          </p:cNvPicPr>
+          <p:nvPr/>
+        </p:nvPicPr>
+        <p:blipFill>
+          <a:blip r:embed="rId5"/>
+          <a:stretch>
+            <a:fillRect/>
+          </a:stretch>
+        </p:blipFill>
+        <p:spPr>
+          <a:xfrm>
+            <a:off x="8063207" y="4535793"/>
+            <a:ext cx="3324225" cy="857250"/>
+          </a:xfrm>
+          <a:prstGeom prst="rect">
+            <a:avLst/>
+          </a:prstGeom>
+        </p:spPr>
+      </p:pic>
     </p:spTree>
     <p:extLst>
       <p:ext uri="{BB962C8B-B14F-4D97-AF65-F5344CB8AC3E}">
@@ -9304,7 +9425,7 @@
           <p:cNvPr id="2" name="Title 1">
             <a:extLst>
               <a:ext uri="{FF2B5EF4-FFF2-40B4-BE49-F238E27FC236}">
-                <a16:creationId xmlns:a16="http://schemas.microsoft.com/office/drawing/2014/main" id="{CAE24E71-B273-4667-97E2-3B7C480D332C}"/>
+                <a16:creationId xmlns:a16="http://schemas.microsoft.com/office/drawing/2014/main" id="{3C0D34CA-8A50-4FA2-B81C-3035DC46DC13}"/>
               </a:ext>
             </a:extLst>
           </p:cNvPr>
@@ -9322,17 +9443,17 @@
           <a:p>
             <a:r>
               <a:rPr lang="en-IN" dirty="0"/>
-              <a:t>Pseudo Code</a:t>
-            </a:r>
-          </a:p>
-        </p:txBody>
-      </p:sp>
-      <p:sp>
-        <p:nvSpPr>
-          <p:cNvPr id="5" name="Slide Number Placeholder 4">
-            <a:extLst>
-              <a:ext uri="{FF2B5EF4-FFF2-40B4-BE49-F238E27FC236}">
-                <a16:creationId xmlns:a16="http://schemas.microsoft.com/office/drawing/2014/main" id="{478A66A5-E2CD-474A-ADB6-5E78E22C558D}"/>
+              <a:t>Backpropagation in LSTMs</a:t>
+            </a:r>
+          </a:p>
+        </p:txBody>
+      </p:sp>
+      <p:sp>
+        <p:nvSpPr>
+          <p:cNvPr id="3" name="Content Placeholder 2">
+            <a:extLst>
+              <a:ext uri="{FF2B5EF4-FFF2-40B4-BE49-F238E27FC236}">
+                <a16:creationId xmlns:a16="http://schemas.microsoft.com/office/drawing/2014/main" id="{4C3C59EC-4650-405D-9225-A98634DBB7D6}"/>
               </a:ext>
             </a:extLst>
           </p:cNvPr>
@@ -9340,23 +9461,86 @@
             <a:spLocks noGrp="1"/>
           </p:cNvSpPr>
           <p:nvPr>
-            <p:ph type="sldNum" sz="quarter" idx="12"/>
+            <p:ph idx="1"/>
           </p:nvPr>
         </p:nvSpPr>
         <p:spPr>
           <a:xfrm>
-            <a:off x="10879975" y="6459784"/>
-            <a:ext cx="1312025" cy="365125"/>
+            <a:off x="1097280" y="2026762"/>
+            <a:ext cx="10058400" cy="3842331"/>
           </a:xfrm>
         </p:spPr>
         <p:txBody>
           <a:bodyPr/>
           <a:lstStyle/>
           <a:p>
-            <a:fld id="{A44A4EFC-2442-42B4-818B-150907507D35}" type="slidenum">
-              <a:rPr lang="en-IN" smtClean="0"/>
-              <a:t>17</a:t>
-            </a:fld>
+            <a:pPr>
+              <a:buFont typeface="Wingdings" panose="05000000000000000000" pitchFamily="2" charset="2"/>
+              <a:buChar char="q"/>
+            </a:pPr>
+            <a:r>
+              <a:rPr lang="en-IN" dirty="0"/>
+              <a:t> Similar to RNN and ANN back-propagation algorithms.</a:t>
+            </a:r>
+          </a:p>
+          <a:p>
+            <a:pPr>
+              <a:buFont typeface="Wingdings" panose="05000000000000000000" pitchFamily="2" charset="2"/>
+              <a:buChar char="q"/>
+            </a:pPr>
+            <a:r>
+              <a:rPr lang="en-IN" dirty="0"/>
+              <a:t> 2 Passes:</a:t>
+            </a:r>
+          </a:p>
+          <a:p>
+            <a:pPr lvl="1">
+              <a:buFont typeface="Wingdings" panose="05000000000000000000" pitchFamily="2" charset="2"/>
+              <a:buChar char="q"/>
+            </a:pPr>
+            <a:r>
+              <a:rPr lang="en-IN" dirty="0"/>
+              <a:t> Forward Pass</a:t>
+            </a:r>
+          </a:p>
+          <a:p>
+            <a:pPr lvl="2">
+              <a:buFont typeface="Courier New" panose="02070309020205020404" pitchFamily="49" charset="0"/>
+              <a:buChar char="o"/>
+            </a:pPr>
+            <a:r>
+              <a:rPr lang="en-IN" sz="1600" dirty="0"/>
+              <a:t> Step 1 to T </a:t>
+            </a:r>
+          </a:p>
+          <a:p>
+            <a:pPr lvl="1">
+              <a:buFont typeface="Wingdings" panose="05000000000000000000" pitchFamily="2" charset="2"/>
+              <a:buChar char="q"/>
+            </a:pPr>
+            <a:r>
+              <a:rPr lang="en-IN" dirty="0"/>
+              <a:t> Backward Pass</a:t>
+            </a:r>
+          </a:p>
+          <a:p>
+            <a:pPr lvl="2">
+              <a:buFont typeface="Courier New" panose="02070309020205020404" pitchFamily="49" charset="0"/>
+              <a:buChar char="o"/>
+            </a:pPr>
+            <a:r>
+              <a:rPr lang="en-IN" sz="1600" dirty="0"/>
+              <a:t> Step T to 1</a:t>
+            </a:r>
+          </a:p>
+          <a:p>
+            <a:pPr lvl="2">
+              <a:buFont typeface="Courier New" panose="02070309020205020404" pitchFamily="49" charset="0"/>
+              <a:buChar char="o"/>
+            </a:pPr>
+            <a:endParaRPr lang="en-IN" sz="1600" dirty="0"/>
+          </a:p>
+          <a:p>
             <a:endParaRPr lang="en-IN" dirty="0"/>
           </a:p>
         </p:txBody>
@@ -9366,7 +9550,7 @@
           <p:cNvPr id="6" name="Footer Placeholder 3">
             <a:extLst>
               <a:ext uri="{FF2B5EF4-FFF2-40B4-BE49-F238E27FC236}">
-                <a16:creationId xmlns:a16="http://schemas.microsoft.com/office/drawing/2014/main" id="{6D586006-42B9-4A85-97EE-1A8E40B40BD0}"/>
+                <a16:creationId xmlns:a16="http://schemas.microsoft.com/office/drawing/2014/main" id="{6CF52EDF-D52D-49B8-80C7-F29E9A781512}"/>
               </a:ext>
             </a:extLst>
           </p:cNvPr>
@@ -9416,10 +9600,140 @@
       </p:sp>
       <p:sp>
         <p:nvSpPr>
-          <p:cNvPr id="7" name="TextBox 6">
-            <a:extLst>
-              <a:ext uri="{FF2B5EF4-FFF2-40B4-BE49-F238E27FC236}">
-                <a16:creationId xmlns:a16="http://schemas.microsoft.com/office/drawing/2014/main" id="{125569FB-88BC-4CE8-B205-253C87FC1CDD}"/>
+          <p:cNvPr id="7" name="Slide Number Placeholder 4">
+            <a:extLst>
+              <a:ext uri="{FF2B5EF4-FFF2-40B4-BE49-F238E27FC236}">
+                <a16:creationId xmlns:a16="http://schemas.microsoft.com/office/drawing/2014/main" id="{B1FFC93E-CF15-4010-873A-DFEE3D9CC796}"/>
+              </a:ext>
+            </a:extLst>
+          </p:cNvPr>
+          <p:cNvSpPr txBox="1">
+            <a:spLocks/>
+          </p:cNvSpPr>
+          <p:nvPr/>
+        </p:nvSpPr>
+        <p:spPr>
+          <a:xfrm>
+            <a:off x="10879975" y="6459784"/>
+            <a:ext cx="1312025" cy="365125"/>
+          </a:xfrm>
+          <a:prstGeom prst="rect">
+            <a:avLst/>
+          </a:prstGeom>
+        </p:spPr>
+        <p:txBody>
+          <a:bodyPr vert="horz" lIns="91440" tIns="45720" rIns="91440" bIns="45720" rtlCol="0" anchor="ctr"/>
+          <a:lstStyle>
+            <a:defPPr>
+              <a:defRPr lang="en-US"/>
+            </a:defPPr>
+            <a:lvl1pPr marL="0" algn="r" defTabSz="457200" rtl="0" eaLnBrk="1" latinLnBrk="0" hangingPunct="1">
+              <a:defRPr sz="1050" kern="1200">
+                <a:solidFill>
+                  <a:srgbClr val="FFFFFF"/>
+                </a:solidFill>
+                <a:latin typeface="+mn-lt"/>
+                <a:ea typeface="+mn-ea"/>
+                <a:cs typeface="+mn-cs"/>
+              </a:defRPr>
+            </a:lvl1pPr>
+            <a:lvl2pPr marL="457200" algn="l" defTabSz="457200" rtl="0" eaLnBrk="1" latinLnBrk="0" hangingPunct="1">
+              <a:defRPr sz="1800" kern="1200">
+                <a:solidFill>
+                  <a:schemeClr val="tx1"/>
+                </a:solidFill>
+                <a:latin typeface="+mn-lt"/>
+                <a:ea typeface="+mn-ea"/>
+                <a:cs typeface="+mn-cs"/>
+              </a:defRPr>
+            </a:lvl2pPr>
+            <a:lvl3pPr marL="914400" algn="l" defTabSz="457200" rtl="0" eaLnBrk="1" latinLnBrk="0" hangingPunct="1">
+              <a:defRPr sz="1800" kern="1200">
+                <a:solidFill>
+                  <a:schemeClr val="tx1"/>
+                </a:solidFill>
+                <a:latin typeface="+mn-lt"/>
+                <a:ea typeface="+mn-ea"/>
+                <a:cs typeface="+mn-cs"/>
+              </a:defRPr>
+            </a:lvl3pPr>
+            <a:lvl4pPr marL="1371600" algn="l" defTabSz="457200" rtl="0" eaLnBrk="1" latinLnBrk="0" hangingPunct="1">
+              <a:defRPr sz="1800" kern="1200">
+                <a:solidFill>
+                  <a:schemeClr val="tx1"/>
+                </a:solidFill>
+                <a:latin typeface="+mn-lt"/>
+                <a:ea typeface="+mn-ea"/>
+                <a:cs typeface="+mn-cs"/>
+              </a:defRPr>
+            </a:lvl4pPr>
+            <a:lvl5pPr marL="1828800" algn="l" defTabSz="457200" rtl="0" eaLnBrk="1" latinLnBrk="0" hangingPunct="1">
+              <a:defRPr sz="1800" kern="1200">
+                <a:solidFill>
+                  <a:schemeClr val="tx1"/>
+                </a:solidFill>
+                <a:latin typeface="+mn-lt"/>
+                <a:ea typeface="+mn-ea"/>
+                <a:cs typeface="+mn-cs"/>
+              </a:defRPr>
+            </a:lvl5pPr>
+            <a:lvl6pPr marL="2286000" algn="l" defTabSz="457200" rtl="0" eaLnBrk="1" latinLnBrk="0" hangingPunct="1">
+              <a:defRPr sz="1800" kern="1200">
+                <a:solidFill>
+                  <a:schemeClr val="tx1"/>
+                </a:solidFill>
+                <a:latin typeface="+mn-lt"/>
+                <a:ea typeface="+mn-ea"/>
+                <a:cs typeface="+mn-cs"/>
+              </a:defRPr>
+            </a:lvl6pPr>
+            <a:lvl7pPr marL="2743200" algn="l" defTabSz="457200" rtl="0" eaLnBrk="1" latinLnBrk="0" hangingPunct="1">
+              <a:defRPr sz="1800" kern="1200">
+                <a:solidFill>
+                  <a:schemeClr val="tx1"/>
+                </a:solidFill>
+                <a:latin typeface="+mn-lt"/>
+                <a:ea typeface="+mn-ea"/>
+                <a:cs typeface="+mn-cs"/>
+              </a:defRPr>
+            </a:lvl7pPr>
+            <a:lvl8pPr marL="3200400" algn="l" defTabSz="457200" rtl="0" eaLnBrk="1" latinLnBrk="0" hangingPunct="1">
+              <a:defRPr sz="1800" kern="1200">
+                <a:solidFill>
+                  <a:schemeClr val="tx1"/>
+                </a:solidFill>
+                <a:latin typeface="+mn-lt"/>
+                <a:ea typeface="+mn-ea"/>
+                <a:cs typeface="+mn-cs"/>
+              </a:defRPr>
+            </a:lvl8pPr>
+            <a:lvl9pPr marL="3657600" algn="l" defTabSz="457200" rtl="0" eaLnBrk="1" latinLnBrk="0" hangingPunct="1">
+              <a:defRPr sz="1800" kern="1200">
+                <a:solidFill>
+                  <a:schemeClr val="tx1"/>
+                </a:solidFill>
+                <a:latin typeface="+mn-lt"/>
+                <a:ea typeface="+mn-ea"/>
+                <a:cs typeface="+mn-cs"/>
+              </a:defRPr>
+            </a:lvl9pPr>
+          </a:lstStyle>
+          <a:p>
+            <a:fld id="{A44A4EFC-2442-42B4-818B-150907507D35}" type="slidenum">
+              <a:rPr lang="en-IN" sz="1200" smtClean="0"/>
+              <a:pPr/>
+              <a:t>17</a:t>
+            </a:fld>
+            <a:endParaRPr lang="en-IN" sz="1200" dirty="0"/>
+          </a:p>
+        </p:txBody>
+      </p:sp>
+      <p:sp>
+        <p:nvSpPr>
+          <p:cNvPr id="8" name="TextBox 7">
+            <a:extLst>
+              <a:ext uri="{FF2B5EF4-FFF2-40B4-BE49-F238E27FC236}">
+                <a16:creationId xmlns:a16="http://schemas.microsoft.com/office/drawing/2014/main" id="{A36607C3-643C-48A2-B7EF-07EF1619A2F5}"/>
               </a:ext>
             </a:extLst>
           </p:cNvPr>
@@ -9463,10 +9777,10 @@
       </p:sp>
       <p:pic>
         <p:nvPicPr>
-          <p:cNvPr id="4098" name="Picture 2" descr="Image for post">
-            <a:extLst>
-              <a:ext uri="{FF2B5EF4-FFF2-40B4-BE49-F238E27FC236}">
-                <a16:creationId xmlns:a16="http://schemas.microsoft.com/office/drawing/2014/main" id="{C60FFEE0-B228-4212-9E52-9933B1C576A3}"/>
+          <p:cNvPr id="10" name="Picture 2">
+            <a:extLst>
+              <a:ext uri="{FF2B5EF4-FFF2-40B4-BE49-F238E27FC236}">
+                <a16:creationId xmlns:a16="http://schemas.microsoft.com/office/drawing/2014/main" id="{8078817A-A14B-45D6-8ED3-188F49125A46}"/>
               </a:ext>
             </a:extLst>
           </p:cNvPr>
@@ -9476,7 +9790,7 @@
           <p:nvPr/>
         </p:nvPicPr>
         <p:blipFill>
-          <a:blip r:embed="rId2">
+          <a:blip r:embed="rId3">
             <a:extLst>
               <a:ext uri="{28A0092B-C50C-407E-A947-70E740481C1C}">
                 <a14:useLocalDpi xmlns:a14="http://schemas.microsoft.com/office/drawing/2010/main" val="0"/>
@@ -9490,8 +9804,8 @@
         </p:blipFill>
         <p:spPr bwMode="auto">
           <a:xfrm>
-            <a:off x="2279650" y="1835533"/>
-            <a:ext cx="7632700" cy="4404602"/>
+            <a:off x="10291240" y="141403"/>
+            <a:ext cx="1728246" cy="713087"/>
           </a:xfrm>
           <a:prstGeom prst="rect">
             <a:avLst/>
@@ -9508,57 +9822,461 @@
           </a:extLst>
         </p:spPr>
       </p:pic>
+      <p:sp>
+        <p:nvSpPr>
+          <p:cNvPr id="14" name="Arrow: Right 13">
+            <a:extLst>
+              <a:ext uri="{FF2B5EF4-FFF2-40B4-BE49-F238E27FC236}">
+                <a16:creationId xmlns:a16="http://schemas.microsoft.com/office/drawing/2014/main" id="{17ABB5C1-6BD3-42EF-B5BE-33C64565A358}"/>
+              </a:ext>
+            </a:extLst>
+          </p:cNvPr>
+          <p:cNvSpPr/>
+          <p:nvPr/>
+        </p:nvSpPr>
+        <p:spPr>
+          <a:xfrm>
+            <a:off x="2733773" y="3799280"/>
+            <a:ext cx="386499" cy="255283"/>
+          </a:xfrm>
+          <a:prstGeom prst="rightArrow">
+            <a:avLst/>
+          </a:prstGeom>
+          <a:ln>
+            <a:solidFill>
+              <a:schemeClr val="accent5"/>
+            </a:solidFill>
+          </a:ln>
+        </p:spPr>
+        <p:style>
+          <a:lnRef idx="2">
+            <a:schemeClr val="accent5">
+              <a:shade val="50000"/>
+            </a:schemeClr>
+          </a:lnRef>
+          <a:fillRef idx="1">
+            <a:schemeClr val="accent5"/>
+          </a:fillRef>
+          <a:effectRef idx="0">
+            <a:schemeClr val="accent5"/>
+          </a:effectRef>
+          <a:fontRef idx="minor">
+            <a:schemeClr val="lt1"/>
+          </a:fontRef>
+        </p:style>
+        <p:txBody>
+          <a:bodyPr rtlCol="0" anchor="ctr"/>
+          <a:lstStyle/>
+          <a:p>
+            <a:pPr algn="ctr"/>
+            <a:endParaRPr lang="en-IN"/>
+          </a:p>
+        </p:txBody>
+      </p:sp>
+      <p:sp>
+        <p:nvSpPr>
+          <p:cNvPr id="18" name="TextBox 17">
+            <a:extLst>
+              <a:ext uri="{FF2B5EF4-FFF2-40B4-BE49-F238E27FC236}">
+                <a16:creationId xmlns:a16="http://schemas.microsoft.com/office/drawing/2014/main" id="{462E6F61-F7BA-44E3-A943-7664DD707280}"/>
+              </a:ext>
+            </a:extLst>
+          </p:cNvPr>
+          <p:cNvSpPr txBox="1"/>
+          <p:nvPr/>
+        </p:nvSpPr>
+        <p:spPr>
+          <a:xfrm>
+            <a:off x="9080070" y="3525252"/>
+            <a:ext cx="669303" cy="369332"/>
+          </a:xfrm>
+          <a:prstGeom prst="rect">
+            <a:avLst/>
+          </a:prstGeom>
+          <a:noFill/>
+        </p:spPr>
+        <p:txBody>
+          <a:bodyPr wrap="square" rtlCol="0">
+            <a:spAutoFit/>
+          </a:bodyPr>
+          <a:lstStyle/>
+          <a:p>
+            <a:r>
+              <a:rPr lang="en-IN" dirty="0"/>
+              <a:t>[3]</a:t>
+            </a:r>
+          </a:p>
+        </p:txBody>
+      </p:sp>
       <p:pic>
         <p:nvPicPr>
-          <p:cNvPr id="8" name="Picture 2">
-            <a:extLst>
-              <a:ext uri="{FF2B5EF4-FFF2-40B4-BE49-F238E27FC236}">
-                <a16:creationId xmlns:a16="http://schemas.microsoft.com/office/drawing/2014/main" id="{2147EFC7-1EEC-4299-8931-DEDAB78D3AA8}"/>
+          <p:cNvPr id="20" name="Picture 19">
+            <a:extLst>
+              <a:ext uri="{FF2B5EF4-FFF2-40B4-BE49-F238E27FC236}">
+                <a16:creationId xmlns:a16="http://schemas.microsoft.com/office/drawing/2014/main" id="{95D8A16B-607C-4FAA-8699-767053A9F599}"/>
               </a:ext>
             </a:extLst>
           </p:cNvPr>
           <p:cNvPicPr>
-            <a:picLocks noChangeAspect="1" noChangeArrowheads="1"/>
+            <a:picLocks noChangeAspect="1"/>
           </p:cNvPicPr>
           <p:nvPr/>
         </p:nvPicPr>
         <p:blipFill>
-          <a:blip r:embed="rId3">
-            <a:extLst>
-              <a:ext uri="{28A0092B-C50C-407E-A947-70E740481C1C}">
-                <a14:useLocalDpi xmlns:a14="http://schemas.microsoft.com/office/drawing/2010/main" val="0"/>
-              </a:ext>
-            </a:extLst>
-          </a:blip>
-          <a:srcRect/>
+          <a:blip r:embed="rId4"/>
           <a:stretch>
             <a:fillRect/>
           </a:stretch>
         </p:blipFill>
-        <p:spPr bwMode="auto">
-          <a:xfrm>
-            <a:off x="10291240" y="141403"/>
-            <a:ext cx="1728246" cy="713087"/>
+        <p:spPr>
+          <a:xfrm>
+            <a:off x="3200351" y="3112346"/>
+            <a:ext cx="352425" cy="371475"/>
+          </a:xfrm>
+          <a:prstGeom prst="rect">
+            <a:avLst/>
+          </a:prstGeom>
+        </p:spPr>
+      </p:pic>
+      <p:sp>
+        <p:nvSpPr>
+          <p:cNvPr id="22" name="Arrow: Right 21">
+            <a:extLst>
+              <a:ext uri="{FF2B5EF4-FFF2-40B4-BE49-F238E27FC236}">
+                <a16:creationId xmlns:a16="http://schemas.microsoft.com/office/drawing/2014/main" id="{20C8F2B2-CEDA-4FCD-B541-ADECD53D0787}"/>
+              </a:ext>
+            </a:extLst>
+          </p:cNvPr>
+          <p:cNvSpPr/>
+          <p:nvPr/>
+        </p:nvSpPr>
+        <p:spPr>
+          <a:xfrm>
+            <a:off x="2733772" y="3172956"/>
+            <a:ext cx="386499" cy="255283"/>
+          </a:xfrm>
+          <a:prstGeom prst="rightArrow">
+            <a:avLst/>
+          </a:prstGeom>
+          <a:ln>
+            <a:solidFill>
+              <a:schemeClr val="accent5"/>
+            </a:solidFill>
+          </a:ln>
+        </p:spPr>
+        <p:style>
+          <a:lnRef idx="2">
+            <a:schemeClr val="accent5">
+              <a:shade val="50000"/>
+            </a:schemeClr>
+          </a:lnRef>
+          <a:fillRef idx="1">
+            <a:schemeClr val="accent5"/>
+          </a:fillRef>
+          <a:effectRef idx="0">
+            <a:schemeClr val="accent5"/>
+          </a:effectRef>
+          <a:fontRef idx="minor">
+            <a:schemeClr val="lt1"/>
+          </a:fontRef>
+        </p:style>
+        <p:txBody>
+          <a:bodyPr rtlCol="0" anchor="ctr"/>
+          <a:lstStyle/>
+          <a:p>
+            <a:pPr algn="ctr"/>
+            <a:endParaRPr lang="en-IN"/>
+          </a:p>
+        </p:txBody>
+      </p:sp>
+      <p:pic>
+        <p:nvPicPr>
+          <p:cNvPr id="24" name="Picture 23">
+            <a:extLst>
+              <a:ext uri="{FF2B5EF4-FFF2-40B4-BE49-F238E27FC236}">
+                <a16:creationId xmlns:a16="http://schemas.microsoft.com/office/drawing/2014/main" id="{2633C8F6-B638-421B-850D-5E4BA8AFE5CC}"/>
+              </a:ext>
+            </a:extLst>
+          </p:cNvPr>
+          <p:cNvPicPr>
+            <a:picLocks noChangeAspect="1"/>
+          </p:cNvPicPr>
+          <p:nvPr/>
+        </p:nvPicPr>
+        <p:blipFill>
+          <a:blip r:embed="rId5"/>
+          <a:stretch>
+            <a:fillRect/>
+          </a:stretch>
+        </p:blipFill>
+        <p:spPr>
+          <a:xfrm>
+            <a:off x="3552776" y="3130923"/>
+            <a:ext cx="304800" cy="390525"/>
+          </a:xfrm>
+          <a:prstGeom prst="rect">
+            <a:avLst/>
+          </a:prstGeom>
+        </p:spPr>
+      </p:pic>
+      <p:pic>
+        <p:nvPicPr>
+          <p:cNvPr id="26" name="Picture 25">
+            <a:extLst>
+              <a:ext uri="{FF2B5EF4-FFF2-40B4-BE49-F238E27FC236}">
+                <a16:creationId xmlns:a16="http://schemas.microsoft.com/office/drawing/2014/main" id="{E3785522-75AE-42C2-9D4B-8A2FE70C8C0C}"/>
+              </a:ext>
+            </a:extLst>
+          </p:cNvPr>
+          <p:cNvPicPr>
+            <a:picLocks noChangeAspect="1"/>
+          </p:cNvPicPr>
+          <p:nvPr/>
+        </p:nvPicPr>
+        <p:blipFill>
+          <a:blip r:embed="rId6"/>
+          <a:stretch>
+            <a:fillRect/>
+          </a:stretch>
+        </p:blipFill>
+        <p:spPr>
+          <a:xfrm>
+            <a:off x="3857576" y="3064448"/>
+            <a:ext cx="419100" cy="447675"/>
+          </a:xfrm>
+          <a:prstGeom prst="rect">
+            <a:avLst/>
+          </a:prstGeom>
+        </p:spPr>
+      </p:pic>
+      <p:pic>
+        <p:nvPicPr>
+          <p:cNvPr id="28" name="Picture 27">
+            <a:extLst>
+              <a:ext uri="{FF2B5EF4-FFF2-40B4-BE49-F238E27FC236}">
+                <a16:creationId xmlns:a16="http://schemas.microsoft.com/office/drawing/2014/main" id="{A348EB78-B77B-4823-97AC-C410584A4905}"/>
+              </a:ext>
+            </a:extLst>
+          </p:cNvPr>
+          <p:cNvPicPr>
+            <a:picLocks noChangeAspect="1"/>
+          </p:cNvPicPr>
+          <p:nvPr/>
+        </p:nvPicPr>
+        <p:blipFill>
+          <a:blip r:embed="rId7"/>
+          <a:stretch>
+            <a:fillRect/>
+          </a:stretch>
+        </p:blipFill>
+        <p:spPr>
+          <a:xfrm>
+            <a:off x="4210001" y="3112346"/>
+            <a:ext cx="390525" cy="390525"/>
+          </a:xfrm>
+          <a:prstGeom prst="rect">
+            <a:avLst/>
+          </a:prstGeom>
+        </p:spPr>
+      </p:pic>
+      <p:pic>
+        <p:nvPicPr>
+          <p:cNvPr id="30" name="Picture 29">
+            <a:extLst>
+              <a:ext uri="{FF2B5EF4-FFF2-40B4-BE49-F238E27FC236}">
+                <a16:creationId xmlns:a16="http://schemas.microsoft.com/office/drawing/2014/main" id="{343374BF-8832-47BA-ACB3-62B843663057}"/>
+              </a:ext>
+            </a:extLst>
+          </p:cNvPr>
+          <p:cNvPicPr>
+            <a:picLocks noChangeAspect="1"/>
+          </p:cNvPicPr>
+          <p:nvPr/>
+        </p:nvPicPr>
+        <p:blipFill>
+          <a:blip r:embed="rId8"/>
+          <a:stretch>
+            <a:fillRect/>
+          </a:stretch>
+        </p:blipFill>
+        <p:spPr>
+          <a:xfrm>
+            <a:off x="4578825" y="3131730"/>
+            <a:ext cx="409575" cy="314325"/>
+          </a:xfrm>
+          <a:prstGeom prst="rect">
+            <a:avLst/>
+          </a:prstGeom>
+        </p:spPr>
+      </p:pic>
+      <p:pic>
+        <p:nvPicPr>
+          <p:cNvPr id="32" name="Picture 31">
+            <a:extLst>
+              <a:ext uri="{FF2B5EF4-FFF2-40B4-BE49-F238E27FC236}">
+                <a16:creationId xmlns:a16="http://schemas.microsoft.com/office/drawing/2014/main" id="{5D4774AE-8F10-4557-9AF0-CDA1B2690470}"/>
+              </a:ext>
+            </a:extLst>
+          </p:cNvPr>
+          <p:cNvPicPr>
+            <a:picLocks noChangeAspect="1"/>
+          </p:cNvPicPr>
+          <p:nvPr/>
+        </p:nvPicPr>
+        <p:blipFill>
+          <a:blip r:embed="rId9"/>
+          <a:stretch>
+            <a:fillRect/>
+          </a:stretch>
+        </p:blipFill>
+        <p:spPr>
+          <a:xfrm>
+            <a:off x="4902675" y="3095986"/>
+            <a:ext cx="409575" cy="381000"/>
+          </a:xfrm>
+          <a:prstGeom prst="rect">
+            <a:avLst/>
+          </a:prstGeom>
+        </p:spPr>
+      </p:pic>
+      <p:sp>
+        <p:nvSpPr>
+          <p:cNvPr id="34" name="Rectangle 33">
+            <a:extLst>
+              <a:ext uri="{FF2B5EF4-FFF2-40B4-BE49-F238E27FC236}">
+                <a16:creationId xmlns:a16="http://schemas.microsoft.com/office/drawing/2014/main" id="{B851AA5B-90E0-4C6B-90C3-0404D972D928}"/>
+              </a:ext>
+            </a:extLst>
+          </p:cNvPr>
+          <p:cNvSpPr/>
+          <p:nvPr/>
+        </p:nvSpPr>
+        <p:spPr>
+          <a:xfrm>
+            <a:off x="3187143" y="3039682"/>
+            <a:ext cx="2125107" cy="472441"/>
           </a:xfrm>
           <a:prstGeom prst="rect">
             <a:avLst/>
           </a:prstGeom>
           <a:noFill/>
-          <a:extLst>
-            <a:ext uri="{909E8E84-426E-40DD-AFC4-6F175D3DCCD1}">
-              <a14:hiddenFill xmlns:a14="http://schemas.microsoft.com/office/drawing/2010/main">
-                <a:solidFill>
-                  <a:srgbClr val="FFFFFF"/>
-                </a:solidFill>
-              </a14:hiddenFill>
-            </a:ext>
-          </a:extLst>
+          <a:ln>
+            <a:solidFill>
+              <a:schemeClr val="accent2"/>
+            </a:solidFill>
+          </a:ln>
+        </p:spPr>
+        <p:style>
+          <a:lnRef idx="2">
+            <a:schemeClr val="accent1">
+              <a:shade val="50000"/>
+            </a:schemeClr>
+          </a:lnRef>
+          <a:fillRef idx="1">
+            <a:schemeClr val="accent1"/>
+          </a:fillRef>
+          <a:effectRef idx="0">
+            <a:schemeClr val="accent1"/>
+          </a:effectRef>
+          <a:fontRef idx="minor">
+            <a:schemeClr val="lt1"/>
+          </a:fontRef>
+        </p:style>
+        <p:txBody>
+          <a:bodyPr rtlCol="0" anchor="ctr"/>
+          <a:lstStyle/>
+          <a:p>
+            <a:pPr algn="ctr"/>
+            <a:endParaRPr lang="en-IN"/>
+          </a:p>
+        </p:txBody>
+      </p:sp>
+      <p:pic>
+        <p:nvPicPr>
+          <p:cNvPr id="36" name="Picture 35">
+            <a:extLst>
+              <a:ext uri="{FF2B5EF4-FFF2-40B4-BE49-F238E27FC236}">
+                <a16:creationId xmlns:a16="http://schemas.microsoft.com/office/drawing/2014/main" id="{895F4266-EA84-4D1D-B9BA-3925C364F80F}"/>
+              </a:ext>
+            </a:extLst>
+          </p:cNvPr>
+          <p:cNvPicPr>
+            <a:picLocks noChangeAspect="1"/>
+          </p:cNvPicPr>
+          <p:nvPr/>
+        </p:nvPicPr>
+        <p:blipFill>
+          <a:blip r:embed="rId10"/>
+          <a:stretch>
+            <a:fillRect/>
+          </a:stretch>
+        </p:blipFill>
+        <p:spPr>
+          <a:xfrm>
+            <a:off x="3167062" y="3748101"/>
+            <a:ext cx="5857875" cy="781050"/>
+          </a:xfrm>
+          <a:prstGeom prst="rect">
+            <a:avLst/>
+          </a:prstGeom>
         </p:spPr>
       </p:pic>
+      <p:sp>
+        <p:nvSpPr>
+          <p:cNvPr id="38" name="Rectangle 37">
+            <a:extLst>
+              <a:ext uri="{FF2B5EF4-FFF2-40B4-BE49-F238E27FC236}">
+                <a16:creationId xmlns:a16="http://schemas.microsoft.com/office/drawing/2014/main" id="{1C7A4DB4-0114-4DCA-82C8-99552C94C2A4}"/>
+              </a:ext>
+            </a:extLst>
+          </p:cNvPr>
+          <p:cNvSpPr/>
+          <p:nvPr/>
+        </p:nvSpPr>
+        <p:spPr>
+          <a:xfrm>
+            <a:off x="3187142" y="3626963"/>
+            <a:ext cx="5837795" cy="902188"/>
+          </a:xfrm>
+          <a:prstGeom prst="rect">
+            <a:avLst/>
+          </a:prstGeom>
+          <a:noFill/>
+          <a:ln>
+            <a:solidFill>
+              <a:schemeClr val="accent2"/>
+            </a:solidFill>
+          </a:ln>
+        </p:spPr>
+        <p:style>
+          <a:lnRef idx="2">
+            <a:schemeClr val="accent1">
+              <a:shade val="50000"/>
+            </a:schemeClr>
+          </a:lnRef>
+          <a:fillRef idx="1">
+            <a:schemeClr val="accent1"/>
+          </a:fillRef>
+          <a:effectRef idx="0">
+            <a:schemeClr val="accent1"/>
+          </a:effectRef>
+          <a:fontRef idx="minor">
+            <a:schemeClr val="lt1"/>
+          </a:fontRef>
+        </p:style>
+        <p:txBody>
+          <a:bodyPr rtlCol="0" anchor="ctr"/>
+          <a:lstStyle/>
+          <a:p>
+            <a:pPr algn="ctr"/>
+            <a:endParaRPr lang="en-IN"/>
+          </a:p>
+        </p:txBody>
+      </p:sp>
     </p:spTree>
     <p:extLst>
       <p:ext uri="{BB962C8B-B14F-4D97-AF65-F5344CB8AC3E}">
-        <p14:creationId xmlns:p14="http://schemas.microsoft.com/office/powerpoint/2010/main" val="1796315026"/>
+        <p14:creationId xmlns:p14="http://schemas.microsoft.com/office/powerpoint/2010/main" val="958961517"/>
       </p:ext>
     </p:extLst>
   </p:cSld>
@@ -9590,7 +10308,7 @@
           <p:cNvPr id="2" name="Title 1">
             <a:extLst>
               <a:ext uri="{FF2B5EF4-FFF2-40B4-BE49-F238E27FC236}">
-                <a16:creationId xmlns:a16="http://schemas.microsoft.com/office/drawing/2014/main" id="{3C0D34CA-8A50-4FA2-B81C-3035DC46DC13}"/>
+                <a16:creationId xmlns:a16="http://schemas.microsoft.com/office/drawing/2014/main" id="{2E9F90EB-857C-48E8-848A-DDE260342259}"/>
               </a:ext>
             </a:extLst>
           </p:cNvPr>
@@ -9618,7 +10336,7 @@
           <p:cNvPr id="3" name="Content Placeholder 2">
             <a:extLst>
               <a:ext uri="{FF2B5EF4-FFF2-40B4-BE49-F238E27FC236}">
-                <a16:creationId xmlns:a16="http://schemas.microsoft.com/office/drawing/2014/main" id="{4C3C59EC-4650-405D-9225-A98634DBB7D6}"/>
+                <a16:creationId xmlns:a16="http://schemas.microsoft.com/office/drawing/2014/main" id="{57864BA1-CA49-4EDA-B41D-FD0E7F2AE290}"/>
               </a:ext>
             </a:extLst>
           </p:cNvPr>
@@ -9629,9 +10347,16 @@
             <p:ph idx="1"/>
           </p:nvPr>
         </p:nvSpPr>
-        <p:spPr/>
-        <p:txBody>
-          <a:bodyPr/>
+        <p:spPr>
+          <a:xfrm>
+            <a:off x="1097280" y="2073896"/>
+            <a:ext cx="10058400" cy="3795197"/>
+          </a:xfrm>
+        </p:spPr>
+        <p:txBody>
+          <a:bodyPr>
+            <a:normAutofit/>
+          </a:bodyPr>
           <a:lstStyle/>
           <a:p>
             <a:pPr>
@@ -9639,8 +10364,8 @@
               <a:buChar char="q"/>
             </a:pPr>
             <a:r>
-              <a:rPr lang="en-IN" dirty="0"/>
-              <a:t> Similar to RNN and ANN back-propagation algorithms.</a:t>
+              <a:rPr lang="en-US" b="0" i="0" u="none" strike="noStrike" baseline="0" dirty="0"/>
+              <a:t> Back-propagate the activation functions over the whole sequence</a:t>
             </a:r>
           </a:p>
           <a:p>
@@ -9649,41 +10374,67 @@
               <a:buChar char="q"/>
             </a:pPr>
             <a:r>
-              <a:rPr lang="en-IN" dirty="0"/>
-              <a:t> 2 Passes:</a:t>
-            </a:r>
-          </a:p>
-          <a:p>
-            <a:pPr lvl="1">
-              <a:buFont typeface="Wingdings" panose="05000000000000000000" pitchFamily="2" charset="2"/>
-              <a:buChar char="q"/>
-            </a:pPr>
-            <a:r>
-              <a:rPr lang="en-IN" dirty="0"/>
-              <a:t> Forward Pass</a:t>
-            </a:r>
-          </a:p>
-          <a:p>
-            <a:pPr lvl="1">
-              <a:buFont typeface="Wingdings" panose="05000000000000000000" pitchFamily="2" charset="2"/>
-              <a:buChar char="q"/>
-            </a:pPr>
-            <a:r>
-              <a:rPr lang="en-IN" dirty="0"/>
-              <a:t> Backward Pass</a:t>
-            </a:r>
-          </a:p>
-          <a:p>
+              <a:rPr lang="en-US" dirty="0"/>
+              <a:t> The weights </a:t>
+            </a:r>
+            <a:r>
+              <a:rPr lang="en-US" dirty="0" err="1"/>
+              <a:t>W</a:t>
+            </a:r>
+            <a:r>
+              <a:rPr lang="en-US" baseline="-25000" dirty="0" err="1"/>
+              <a:t>xo</a:t>
+            </a:r>
+            <a:r>
+              <a:rPr lang="en-US" dirty="0"/>
+              <a:t>, </a:t>
+            </a:r>
+            <a:r>
+              <a:rPr lang="en-US" dirty="0" err="1"/>
+              <a:t>W</a:t>
+            </a:r>
+            <a:r>
+              <a:rPr lang="en-US" baseline="-25000" dirty="0" err="1"/>
+              <a:t>xi</a:t>
+            </a:r>
+            <a:r>
+              <a:rPr lang="en-US" dirty="0"/>
+              <a:t>, </a:t>
+            </a:r>
+            <a:r>
+              <a:rPr lang="en-US" dirty="0" err="1"/>
+              <a:t>W</a:t>
+            </a:r>
+            <a:r>
+              <a:rPr lang="en-US" baseline="-25000" dirty="0" err="1"/>
+              <a:t>xf</a:t>
+            </a:r>
+            <a:r>
+              <a:rPr lang="en-US" dirty="0"/>
+              <a:t> and </a:t>
+            </a:r>
+            <a:r>
+              <a:rPr lang="en-US" dirty="0" err="1"/>
+              <a:t>W</a:t>
+            </a:r>
+            <a:r>
+              <a:rPr lang="en-US" baseline="-25000" dirty="0" err="1"/>
+              <a:t>xc</a:t>
+            </a:r>
+            <a:r>
+              <a:rPr lang="en-US" dirty="0"/>
+              <a:t> are shared across the whole sequence, thus we need to take the same summation over t</a:t>
+            </a:r>
             <a:endParaRPr lang="en-IN" dirty="0"/>
           </a:p>
         </p:txBody>
       </p:sp>
       <p:sp>
         <p:nvSpPr>
-          <p:cNvPr id="6" name="Footer Placeholder 3">
-            <a:extLst>
-              <a:ext uri="{FF2B5EF4-FFF2-40B4-BE49-F238E27FC236}">
-                <a16:creationId xmlns:a16="http://schemas.microsoft.com/office/drawing/2014/main" id="{6CF52EDF-D52D-49B8-80C7-F29E9A781512}"/>
+          <p:cNvPr id="4" name="Footer Placeholder 3">
+            <a:extLst>
+              <a:ext uri="{FF2B5EF4-FFF2-40B4-BE49-F238E27FC236}">
+                <a16:creationId xmlns:a16="http://schemas.microsoft.com/office/drawing/2014/main" id="{E82AF8A5-FB5D-484B-B34E-998164FCA124}"/>
               </a:ext>
             </a:extLst>
           </p:cNvPr>
@@ -9694,194 +10445,233 @@
             <p:ph type="ftr" sz="quarter" idx="11"/>
           </p:nvPr>
         </p:nvSpPr>
-        <p:spPr>
-          <a:xfrm>
-            <a:off x="0" y="6459785"/>
-            <a:ext cx="12192000" cy="365125"/>
-          </a:xfrm>
-        </p:spPr>
+        <p:spPr/>
         <p:txBody>
           <a:bodyPr/>
           <a:lstStyle/>
           <a:p>
-            <a:pPr algn="l"/>
-            <a:r>
-              <a:rPr lang="en-US" sz="1200" dirty="0"/>
-              <a:t>Shaikh Safir Mohammad</a:t>
-            </a:r>
-            <a:br>
-              <a:rPr lang="en-US" sz="1200" dirty="0"/>
-            </a:br>
-            <a:r>
-              <a:rPr lang="en-US" sz="1200" dirty="0" err="1"/>
-              <a:t>Yelpale</a:t>
-            </a:r>
-            <a:r>
-              <a:rPr lang="en-US" sz="1200" dirty="0"/>
-              <a:t> </a:t>
-            </a:r>
-            <a:r>
-              <a:rPr lang="en-US" sz="1200" dirty="0" err="1"/>
-              <a:t>Kshitij</a:t>
-            </a:r>
-            <a:r>
-              <a:rPr lang="en-US" sz="1200" dirty="0"/>
-              <a:t> </a:t>
-            </a:r>
-          </a:p>
-        </p:txBody>
-      </p:sp>
-      <p:sp>
-        <p:nvSpPr>
-          <p:cNvPr id="7" name="Slide Number Placeholder 4">
-            <a:extLst>
-              <a:ext uri="{FF2B5EF4-FFF2-40B4-BE49-F238E27FC236}">
-                <a16:creationId xmlns:a16="http://schemas.microsoft.com/office/drawing/2014/main" id="{B1FFC93E-CF15-4010-873A-DFEE3D9CC796}"/>
-              </a:ext>
-            </a:extLst>
-          </p:cNvPr>
-          <p:cNvSpPr txBox="1">
-            <a:spLocks/>
+            <a:r>
+              <a:rPr lang="en-US"/>
+              <a:t>Shaikh Safir Mohammad  Yelpale Kshitij Applications of NN with LSTM</a:t>
+            </a:r>
+            <a:endParaRPr lang="en-IN"/>
+          </a:p>
+        </p:txBody>
+      </p:sp>
+      <p:sp>
+        <p:nvSpPr>
+          <p:cNvPr id="5" name="Slide Number Placeholder 4">
+            <a:extLst>
+              <a:ext uri="{FF2B5EF4-FFF2-40B4-BE49-F238E27FC236}">
+                <a16:creationId xmlns:a16="http://schemas.microsoft.com/office/drawing/2014/main" id="{72A65DE2-B60C-4650-B3C6-24F28B1B5E8D}"/>
+              </a:ext>
+            </a:extLst>
+          </p:cNvPr>
+          <p:cNvSpPr>
+            <a:spLocks noGrp="1"/>
           </p:cNvSpPr>
+          <p:nvPr>
+            <p:ph type="sldNum" sz="quarter" idx="12"/>
+          </p:nvPr>
+        </p:nvSpPr>
+        <p:spPr/>
+        <p:txBody>
+          <a:bodyPr/>
+          <a:lstStyle/>
+          <a:p>
+            <a:fld id="{A44A4EFC-2442-42B4-818B-150907507D35}" type="slidenum">
+              <a:rPr lang="en-IN" smtClean="0"/>
+              <a:t>18</a:t>
+            </a:fld>
+            <a:endParaRPr lang="en-IN"/>
+          </a:p>
+        </p:txBody>
+      </p:sp>
+      <p:pic>
+        <p:nvPicPr>
+          <p:cNvPr id="7" name="Picture 6">
+            <a:extLst>
+              <a:ext uri="{FF2B5EF4-FFF2-40B4-BE49-F238E27FC236}">
+                <a16:creationId xmlns:a16="http://schemas.microsoft.com/office/drawing/2014/main" id="{7F16976A-82C5-4582-8F28-84DD8FCB2605}"/>
+              </a:ext>
+            </a:extLst>
+          </p:cNvPr>
+          <p:cNvPicPr>
+            <a:picLocks noChangeAspect="1"/>
+          </p:cNvPicPr>
           <p:nvPr/>
-        </p:nvSpPr>
+        </p:nvPicPr>
+        <p:blipFill>
+          <a:blip r:embed="rId2"/>
+          <a:stretch>
+            <a:fillRect/>
+          </a:stretch>
+        </p:blipFill>
         <p:spPr>
           <a:xfrm>
-            <a:off x="10879975" y="6459784"/>
-            <a:ext cx="1312025" cy="365125"/>
+            <a:off x="2793324" y="3355544"/>
+            <a:ext cx="3209925" cy="2705100"/>
           </a:xfrm>
           <a:prstGeom prst="rect">
             <a:avLst/>
           </a:prstGeom>
         </p:spPr>
-        <p:txBody>
-          <a:bodyPr vert="horz" lIns="91440" tIns="45720" rIns="91440" bIns="45720" rtlCol="0" anchor="ctr"/>
-          <a:lstStyle>
-            <a:defPPr>
-              <a:defRPr lang="en-US"/>
-            </a:defPPr>
-            <a:lvl1pPr marL="0" algn="r" defTabSz="457200" rtl="0" eaLnBrk="1" latinLnBrk="0" hangingPunct="1">
-              <a:defRPr sz="1050" kern="1200">
-                <a:solidFill>
-                  <a:srgbClr val="FFFFFF"/>
-                </a:solidFill>
-                <a:latin typeface="+mn-lt"/>
-                <a:ea typeface="+mn-ea"/>
-                <a:cs typeface="+mn-cs"/>
-              </a:defRPr>
-            </a:lvl1pPr>
-            <a:lvl2pPr marL="457200" algn="l" defTabSz="457200" rtl="0" eaLnBrk="1" latinLnBrk="0" hangingPunct="1">
-              <a:defRPr sz="1800" kern="1200">
-                <a:solidFill>
-                  <a:schemeClr val="tx1"/>
-                </a:solidFill>
-                <a:latin typeface="+mn-lt"/>
-                <a:ea typeface="+mn-ea"/>
-                <a:cs typeface="+mn-cs"/>
-              </a:defRPr>
-            </a:lvl2pPr>
-            <a:lvl3pPr marL="914400" algn="l" defTabSz="457200" rtl="0" eaLnBrk="1" latinLnBrk="0" hangingPunct="1">
-              <a:defRPr sz="1800" kern="1200">
-                <a:solidFill>
-                  <a:schemeClr val="tx1"/>
-                </a:solidFill>
-                <a:latin typeface="+mn-lt"/>
-                <a:ea typeface="+mn-ea"/>
-                <a:cs typeface="+mn-cs"/>
-              </a:defRPr>
-            </a:lvl3pPr>
-            <a:lvl4pPr marL="1371600" algn="l" defTabSz="457200" rtl="0" eaLnBrk="1" latinLnBrk="0" hangingPunct="1">
-              <a:defRPr sz="1800" kern="1200">
-                <a:solidFill>
-                  <a:schemeClr val="tx1"/>
-                </a:solidFill>
-                <a:latin typeface="+mn-lt"/>
-                <a:ea typeface="+mn-ea"/>
-                <a:cs typeface="+mn-cs"/>
-              </a:defRPr>
-            </a:lvl4pPr>
-            <a:lvl5pPr marL="1828800" algn="l" defTabSz="457200" rtl="0" eaLnBrk="1" latinLnBrk="0" hangingPunct="1">
-              <a:defRPr sz="1800" kern="1200">
-                <a:solidFill>
-                  <a:schemeClr val="tx1"/>
-                </a:solidFill>
-                <a:latin typeface="+mn-lt"/>
-                <a:ea typeface="+mn-ea"/>
-                <a:cs typeface="+mn-cs"/>
-              </a:defRPr>
-            </a:lvl5pPr>
-            <a:lvl6pPr marL="2286000" algn="l" defTabSz="457200" rtl="0" eaLnBrk="1" latinLnBrk="0" hangingPunct="1">
-              <a:defRPr sz="1800" kern="1200">
-                <a:solidFill>
-                  <a:schemeClr val="tx1"/>
-                </a:solidFill>
-                <a:latin typeface="+mn-lt"/>
-                <a:ea typeface="+mn-ea"/>
-                <a:cs typeface="+mn-cs"/>
-              </a:defRPr>
-            </a:lvl6pPr>
-            <a:lvl7pPr marL="2743200" algn="l" defTabSz="457200" rtl="0" eaLnBrk="1" latinLnBrk="0" hangingPunct="1">
-              <a:defRPr sz="1800" kern="1200">
-                <a:solidFill>
-                  <a:schemeClr val="tx1"/>
-                </a:solidFill>
-                <a:latin typeface="+mn-lt"/>
-                <a:ea typeface="+mn-ea"/>
-                <a:cs typeface="+mn-cs"/>
-              </a:defRPr>
-            </a:lvl7pPr>
-            <a:lvl8pPr marL="3200400" algn="l" defTabSz="457200" rtl="0" eaLnBrk="1" latinLnBrk="0" hangingPunct="1">
-              <a:defRPr sz="1800" kern="1200">
-                <a:solidFill>
-                  <a:schemeClr val="tx1"/>
-                </a:solidFill>
-                <a:latin typeface="+mn-lt"/>
-                <a:ea typeface="+mn-ea"/>
-                <a:cs typeface="+mn-cs"/>
-              </a:defRPr>
-            </a:lvl8pPr>
-            <a:lvl9pPr marL="3657600" algn="l" defTabSz="457200" rtl="0" eaLnBrk="1" latinLnBrk="0" hangingPunct="1">
-              <a:defRPr sz="1800" kern="1200">
-                <a:solidFill>
-                  <a:schemeClr val="tx1"/>
-                </a:solidFill>
-                <a:latin typeface="+mn-lt"/>
-                <a:ea typeface="+mn-ea"/>
-                <a:cs typeface="+mn-cs"/>
-              </a:defRPr>
-            </a:lvl9pPr>
-          </a:lstStyle>
-          <a:p>
-            <a:fld id="{A44A4EFC-2442-42B4-818B-150907507D35}" type="slidenum">
-              <a:rPr lang="en-IN" sz="1200" smtClean="0"/>
-              <a:pPr/>
-              <a:t>18</a:t>
-            </a:fld>
-            <a:endParaRPr lang="en-IN" sz="1200" dirty="0"/>
-          </a:p>
-        </p:txBody>
-      </p:sp>
-      <p:sp>
-        <p:nvSpPr>
-          <p:cNvPr id="8" name="TextBox 7">
-            <a:extLst>
-              <a:ext uri="{FF2B5EF4-FFF2-40B4-BE49-F238E27FC236}">
-                <a16:creationId xmlns:a16="http://schemas.microsoft.com/office/drawing/2014/main" id="{A36607C3-643C-48A2-B7EF-07EF1619A2F5}"/>
-              </a:ext>
-            </a:extLst>
-          </p:cNvPr>
-          <p:cNvSpPr txBox="1"/>
+      </p:pic>
+      <p:pic>
+        <p:nvPicPr>
+          <p:cNvPr id="9" name="Picture 8">
+            <a:extLst>
+              <a:ext uri="{FF2B5EF4-FFF2-40B4-BE49-F238E27FC236}">
+                <a16:creationId xmlns:a16="http://schemas.microsoft.com/office/drawing/2014/main" id="{822E5586-8FB5-4886-B7BD-43AF696AA1B3}"/>
+              </a:ext>
+            </a:extLst>
+          </p:cNvPr>
+          <p:cNvPicPr>
+            <a:picLocks noChangeAspect="1"/>
+          </p:cNvPicPr>
           <p:nvPr/>
-        </p:nvSpPr>
+        </p:nvPicPr>
+        <p:blipFill>
+          <a:blip r:embed="rId3"/>
+          <a:stretch>
+            <a:fillRect/>
+          </a:stretch>
+        </p:blipFill>
         <p:spPr>
           <a:xfrm>
-            <a:off x="4927862" y="6459785"/>
-            <a:ext cx="2336276" cy="584775"/>
+            <a:off x="6179296" y="3205232"/>
+            <a:ext cx="3419475" cy="2781300"/>
+          </a:xfrm>
+          <a:prstGeom prst="rect">
+            <a:avLst/>
+          </a:prstGeom>
+        </p:spPr>
+      </p:pic>
+      <p:sp>
+        <p:nvSpPr>
+          <p:cNvPr id="11" name="Rectangle 10">
+            <a:extLst>
+              <a:ext uri="{FF2B5EF4-FFF2-40B4-BE49-F238E27FC236}">
+                <a16:creationId xmlns:a16="http://schemas.microsoft.com/office/drawing/2014/main" id="{91AB7342-ABA3-4209-A47A-50D9BA69CE31}"/>
+              </a:ext>
+            </a:extLst>
+          </p:cNvPr>
+          <p:cNvSpPr/>
+          <p:nvPr/>
+        </p:nvSpPr>
+        <p:spPr>
+          <a:xfrm>
+            <a:off x="2780156" y="3326051"/>
+            <a:ext cx="3294717" cy="2638818"/>
           </a:xfrm>
           <a:prstGeom prst="rect">
             <a:avLst/>
           </a:prstGeom>
           <a:noFill/>
+          <a:ln>
+            <a:solidFill>
+              <a:schemeClr val="accent2"/>
+            </a:solidFill>
+          </a:ln>
+        </p:spPr>
+        <p:style>
+          <a:lnRef idx="2">
+            <a:schemeClr val="accent1">
+              <a:shade val="50000"/>
+            </a:schemeClr>
+          </a:lnRef>
+          <a:fillRef idx="1">
+            <a:schemeClr val="accent1"/>
+          </a:fillRef>
+          <a:effectRef idx="0">
+            <a:schemeClr val="accent1"/>
+          </a:effectRef>
+          <a:fontRef idx="minor">
+            <a:schemeClr val="lt1"/>
+          </a:fontRef>
+        </p:style>
+        <p:txBody>
+          <a:bodyPr rtlCol="0" anchor="ctr"/>
+          <a:lstStyle/>
+          <a:p>
+            <a:pPr algn="ctr"/>
+            <a:endParaRPr lang="en-IN"/>
+          </a:p>
+        </p:txBody>
+      </p:sp>
+      <p:sp>
+        <p:nvSpPr>
+          <p:cNvPr id="13" name="Rectangle 12">
+            <a:extLst>
+              <a:ext uri="{FF2B5EF4-FFF2-40B4-BE49-F238E27FC236}">
+                <a16:creationId xmlns:a16="http://schemas.microsoft.com/office/drawing/2014/main" id="{D414F169-ACFE-4B40-80B7-1BDDDA772B3F}"/>
+              </a:ext>
+            </a:extLst>
+          </p:cNvPr>
+          <p:cNvSpPr/>
+          <p:nvPr/>
+        </p:nvSpPr>
+        <p:spPr>
+          <a:xfrm>
+            <a:off x="6264088" y="3326051"/>
+            <a:ext cx="3334683" cy="2638818"/>
+          </a:xfrm>
+          <a:prstGeom prst="rect">
+            <a:avLst/>
+          </a:prstGeom>
+          <a:noFill/>
+          <a:ln>
+            <a:solidFill>
+              <a:schemeClr val="accent2"/>
+            </a:solidFill>
+          </a:ln>
+        </p:spPr>
+        <p:style>
+          <a:lnRef idx="2">
+            <a:schemeClr val="accent1">
+              <a:shade val="50000"/>
+            </a:schemeClr>
+          </a:lnRef>
+          <a:fillRef idx="1">
+            <a:schemeClr val="accent1"/>
+          </a:fillRef>
+          <a:effectRef idx="0">
+            <a:schemeClr val="accent1"/>
+          </a:effectRef>
+          <a:fontRef idx="minor">
+            <a:schemeClr val="lt1"/>
+          </a:fontRef>
+        </p:style>
+        <p:txBody>
+          <a:bodyPr rtlCol="0" anchor="ctr"/>
+          <a:lstStyle/>
+          <a:p>
+            <a:pPr algn="ctr"/>
+            <a:endParaRPr lang="en-IN"/>
+          </a:p>
+        </p:txBody>
+      </p:sp>
+      <p:sp>
+        <p:nvSpPr>
+          <p:cNvPr id="15" name="TextBox 14">
+            <a:extLst>
+              <a:ext uri="{FF2B5EF4-FFF2-40B4-BE49-F238E27FC236}">
+                <a16:creationId xmlns:a16="http://schemas.microsoft.com/office/drawing/2014/main" id="{EA9DBF05-5C3F-40D7-BABC-40BCBEA41041}"/>
+              </a:ext>
+            </a:extLst>
+          </p:cNvPr>
+          <p:cNvSpPr txBox="1"/>
+          <p:nvPr/>
+        </p:nvSpPr>
+        <p:spPr>
+          <a:xfrm>
+            <a:off x="9714934" y="3205232"/>
+            <a:ext cx="669303" cy="369332"/>
+          </a:xfrm>
+          <a:prstGeom prst="rect">
+            <a:avLst/>
+          </a:prstGeom>
+          <a:noFill/>
         </p:spPr>
         <p:txBody>
           <a:bodyPr wrap="square" rtlCol="0">
@@ -9890,75 +10680,16 @@
           <a:lstStyle/>
           <a:p>
             <a:r>
-              <a:rPr lang="en-US" sz="1400" dirty="0">
-                <a:solidFill>
-                  <a:schemeClr val="bg1"/>
-                </a:solidFill>
-              </a:rPr>
-              <a:t>Applications of NN with LSTM</a:t>
-            </a:r>
-            <a:endParaRPr lang="en-IN" sz="1400" dirty="0">
-              <a:solidFill>
-                <a:schemeClr val="bg1"/>
-              </a:solidFill>
-            </a:endParaRPr>
-          </a:p>
-          <a:p>
-            <a:endParaRPr lang="en-IN" dirty="0"/>
-          </a:p>
-        </p:txBody>
-      </p:sp>
-      <p:pic>
-        <p:nvPicPr>
-          <p:cNvPr id="10" name="Picture 2">
-            <a:extLst>
-              <a:ext uri="{FF2B5EF4-FFF2-40B4-BE49-F238E27FC236}">
-                <a16:creationId xmlns:a16="http://schemas.microsoft.com/office/drawing/2014/main" id="{8078817A-A14B-45D6-8ED3-188F49125A46}"/>
-              </a:ext>
-            </a:extLst>
-          </p:cNvPr>
-          <p:cNvPicPr>
-            <a:picLocks noChangeAspect="1" noChangeArrowheads="1"/>
-          </p:cNvPicPr>
-          <p:nvPr/>
-        </p:nvPicPr>
-        <p:blipFill>
-          <a:blip r:embed="rId3">
-            <a:extLst>
-              <a:ext uri="{28A0092B-C50C-407E-A947-70E740481C1C}">
-                <a14:useLocalDpi xmlns:a14="http://schemas.microsoft.com/office/drawing/2010/main" val="0"/>
-              </a:ext>
-            </a:extLst>
-          </a:blip>
-          <a:srcRect/>
-          <a:stretch>
-            <a:fillRect/>
-          </a:stretch>
-        </p:blipFill>
-        <p:spPr bwMode="auto">
-          <a:xfrm>
-            <a:off x="10291240" y="141403"/>
-            <a:ext cx="1728246" cy="713087"/>
-          </a:xfrm>
-          <a:prstGeom prst="rect">
-            <a:avLst/>
-          </a:prstGeom>
-          <a:noFill/>
-          <a:extLst>
-            <a:ext uri="{909E8E84-426E-40DD-AFC4-6F175D3DCCD1}">
-              <a14:hiddenFill xmlns:a14="http://schemas.microsoft.com/office/drawing/2010/main">
-                <a:solidFill>
-                  <a:srgbClr val="FFFFFF"/>
-                </a:solidFill>
-              </a14:hiddenFill>
-            </a:ext>
-          </a:extLst>
-        </p:spPr>
-      </p:pic>
+              <a:rPr lang="en-IN" dirty="0"/>
+              <a:t>[3]</a:t>
+            </a:r>
+          </a:p>
+        </p:txBody>
+      </p:sp>
     </p:spTree>
     <p:extLst>
       <p:ext uri="{BB962C8B-B14F-4D97-AF65-F5344CB8AC3E}">
-        <p14:creationId xmlns:p14="http://schemas.microsoft.com/office/powerpoint/2010/main" val="958961517"/>
+        <p14:creationId xmlns:p14="http://schemas.microsoft.com/office/powerpoint/2010/main" val="1126590436"/>
       </p:ext>
     </p:extLst>
   </p:cSld>
@@ -9990,7 +10721,7 @@
           <p:cNvPr id="2" name="Title 1">
             <a:extLst>
               <a:ext uri="{FF2B5EF4-FFF2-40B4-BE49-F238E27FC236}">
-                <a16:creationId xmlns:a16="http://schemas.microsoft.com/office/drawing/2014/main" id="{708F84C8-4D38-464B-9C87-C4C9D54EA9E2}"/>
+                <a16:creationId xmlns:a16="http://schemas.microsoft.com/office/drawing/2014/main" id="{CAE24E71-B273-4667-97E2-3B7C480D332C}"/>
               </a:ext>
             </a:extLst>
           </p:cNvPr>
@@ -10001,38 +10732,165 @@
             <p:ph type="title"/>
           </p:nvPr>
         </p:nvSpPr>
-        <p:spPr>
-          <a:xfrm>
-            <a:off x="1097280" y="266724"/>
-            <a:ext cx="10058400" cy="1450757"/>
-          </a:xfrm>
-        </p:spPr>
+        <p:spPr/>
         <p:txBody>
           <a:bodyPr/>
           <a:lstStyle/>
           <a:p>
             <a:r>
               <a:rPr lang="en-IN" dirty="0"/>
-              <a:t>Other variants – Bi directional RNN/LSTM</a:t>
-            </a:r>
+              <a:t>Pseudo Code</a:t>
+            </a:r>
+          </a:p>
+        </p:txBody>
+      </p:sp>
+      <p:sp>
+        <p:nvSpPr>
+          <p:cNvPr id="5" name="Slide Number Placeholder 4">
+            <a:extLst>
+              <a:ext uri="{FF2B5EF4-FFF2-40B4-BE49-F238E27FC236}">
+                <a16:creationId xmlns:a16="http://schemas.microsoft.com/office/drawing/2014/main" id="{478A66A5-E2CD-474A-ADB6-5E78E22C558D}"/>
+              </a:ext>
+            </a:extLst>
+          </p:cNvPr>
+          <p:cNvSpPr>
+            <a:spLocks noGrp="1"/>
+          </p:cNvSpPr>
+          <p:nvPr>
+            <p:ph type="sldNum" sz="quarter" idx="12"/>
+          </p:nvPr>
+        </p:nvSpPr>
+        <p:spPr>
+          <a:xfrm>
+            <a:off x="10879975" y="6459784"/>
+            <a:ext cx="1312025" cy="365125"/>
+          </a:xfrm>
+        </p:spPr>
+        <p:txBody>
+          <a:bodyPr/>
+          <a:lstStyle/>
+          <a:p>
+            <a:fld id="{A44A4EFC-2442-42B4-818B-150907507D35}" type="slidenum">
+              <a:rPr lang="en-IN" smtClean="0"/>
+              <a:t>19</a:t>
+            </a:fld>
+            <a:endParaRPr lang="en-IN" dirty="0"/>
+          </a:p>
+        </p:txBody>
+      </p:sp>
+      <p:sp>
+        <p:nvSpPr>
+          <p:cNvPr id="6" name="Footer Placeholder 3">
+            <a:extLst>
+              <a:ext uri="{FF2B5EF4-FFF2-40B4-BE49-F238E27FC236}">
+                <a16:creationId xmlns:a16="http://schemas.microsoft.com/office/drawing/2014/main" id="{6D586006-42B9-4A85-97EE-1A8E40B40BD0}"/>
+              </a:ext>
+            </a:extLst>
+          </p:cNvPr>
+          <p:cNvSpPr>
+            <a:spLocks noGrp="1"/>
+          </p:cNvSpPr>
+          <p:nvPr>
+            <p:ph type="ftr" sz="quarter" idx="11"/>
+          </p:nvPr>
+        </p:nvSpPr>
+        <p:spPr>
+          <a:xfrm>
+            <a:off x="0" y="6459785"/>
+            <a:ext cx="12192000" cy="365125"/>
+          </a:xfrm>
+        </p:spPr>
+        <p:txBody>
+          <a:bodyPr/>
+          <a:lstStyle/>
+          <a:p>
+            <a:pPr algn="l"/>
+            <a:r>
+              <a:rPr lang="en-US" sz="1200" dirty="0"/>
+              <a:t>Shaikh Safir Mohammad</a:t>
+            </a:r>
+            <a:br>
+              <a:rPr lang="en-US" sz="1200" dirty="0"/>
+            </a:br>
+            <a:r>
+              <a:rPr lang="en-US" sz="1200" dirty="0" err="1"/>
+              <a:t>Yelpale</a:t>
+            </a:r>
+            <a:r>
+              <a:rPr lang="en-US" sz="1200" dirty="0"/>
+              <a:t> </a:t>
+            </a:r>
+            <a:r>
+              <a:rPr lang="en-US" sz="1200" dirty="0" err="1"/>
+              <a:t>Kshitij</a:t>
+            </a:r>
+            <a:r>
+              <a:rPr lang="en-US" sz="1200" dirty="0"/>
+              <a:t> </a:t>
+            </a:r>
+          </a:p>
+        </p:txBody>
+      </p:sp>
+      <p:sp>
+        <p:nvSpPr>
+          <p:cNvPr id="7" name="TextBox 6">
+            <a:extLst>
+              <a:ext uri="{FF2B5EF4-FFF2-40B4-BE49-F238E27FC236}">
+                <a16:creationId xmlns:a16="http://schemas.microsoft.com/office/drawing/2014/main" id="{125569FB-88BC-4CE8-B205-253C87FC1CDD}"/>
+              </a:ext>
+            </a:extLst>
+          </p:cNvPr>
+          <p:cNvSpPr txBox="1"/>
+          <p:nvPr/>
+        </p:nvSpPr>
+        <p:spPr>
+          <a:xfrm>
+            <a:off x="4927862" y="6459785"/>
+            <a:ext cx="2336276" cy="584775"/>
+          </a:xfrm>
+          <a:prstGeom prst="rect">
+            <a:avLst/>
+          </a:prstGeom>
+          <a:noFill/>
+        </p:spPr>
+        <p:txBody>
+          <a:bodyPr wrap="square" rtlCol="0">
+            <a:spAutoFit/>
+          </a:bodyPr>
+          <a:lstStyle/>
+          <a:p>
+            <a:r>
+              <a:rPr lang="en-US" sz="1400" dirty="0">
+                <a:solidFill>
+                  <a:schemeClr val="bg1"/>
+                </a:solidFill>
+              </a:rPr>
+              <a:t>Applications of NN with LSTM</a:t>
+            </a:r>
+            <a:endParaRPr lang="en-IN" sz="1400" dirty="0">
+              <a:solidFill>
+                <a:schemeClr val="bg1"/>
+              </a:solidFill>
+            </a:endParaRPr>
+          </a:p>
+          <a:p>
+            <a:endParaRPr lang="en-IN" dirty="0"/>
           </a:p>
         </p:txBody>
       </p:sp>
       <p:pic>
         <p:nvPicPr>
-          <p:cNvPr id="2050" name="Picture 2">
-            <a:extLst>
-              <a:ext uri="{FF2B5EF4-FFF2-40B4-BE49-F238E27FC236}">
-                <a16:creationId xmlns:a16="http://schemas.microsoft.com/office/drawing/2014/main" id="{8AAB6D52-99D9-4EE5-8616-3B88CA96B898}"/>
+          <p:cNvPr id="4098" name="Picture 2" descr="Image for post">
+            <a:extLst>
+              <a:ext uri="{FF2B5EF4-FFF2-40B4-BE49-F238E27FC236}">
+                <a16:creationId xmlns:a16="http://schemas.microsoft.com/office/drawing/2014/main" id="{C60FFEE0-B228-4212-9E52-9933B1C576A3}"/>
               </a:ext>
             </a:extLst>
           </p:cNvPr>
           <p:cNvPicPr>
-            <a:picLocks noGrp="1" noChangeAspect="1" noChangeArrowheads="1"/>
+            <a:picLocks noChangeAspect="1" noChangeArrowheads="1"/>
           </p:cNvPicPr>
-          <p:nvPr>
-            <p:ph idx="1"/>
-          </p:nvPr>
+          <p:nvPr/>
         </p:nvPicPr>
         <p:blipFill>
           <a:blip r:embed="rId2">
@@ -10049,8 +10907,8 @@
         </p:blipFill>
         <p:spPr bwMode="auto">
           <a:xfrm>
-            <a:off x="4059484" y="1842802"/>
-            <a:ext cx="4133991" cy="3897404"/>
+            <a:off x="2279650" y="1835533"/>
+            <a:ext cx="7632700" cy="4404602"/>
           </a:xfrm>
           <a:prstGeom prst="rect">
             <a:avLst/>
@@ -10067,242 +10925,12 @@
           </a:extLst>
         </p:spPr>
       </p:pic>
-      <p:sp>
-        <p:nvSpPr>
-          <p:cNvPr id="6" name="Footer Placeholder 3">
-            <a:extLst>
-              <a:ext uri="{FF2B5EF4-FFF2-40B4-BE49-F238E27FC236}">
-                <a16:creationId xmlns:a16="http://schemas.microsoft.com/office/drawing/2014/main" id="{836F223E-5316-448C-9B23-C1061DCEBE99}"/>
-              </a:ext>
-            </a:extLst>
-          </p:cNvPr>
-          <p:cNvSpPr>
-            <a:spLocks noGrp="1"/>
-          </p:cNvSpPr>
-          <p:nvPr>
-            <p:ph type="ftr" sz="quarter" idx="11"/>
-          </p:nvPr>
-        </p:nvSpPr>
-        <p:spPr>
-          <a:xfrm>
-            <a:off x="0" y="6459785"/>
-            <a:ext cx="12192000" cy="365125"/>
-          </a:xfrm>
-        </p:spPr>
-        <p:txBody>
-          <a:bodyPr/>
-          <a:lstStyle/>
-          <a:p>
-            <a:pPr algn="l"/>
-            <a:r>
-              <a:rPr lang="en-US" sz="1200" dirty="0"/>
-              <a:t>Shaikh Safir Mohammad</a:t>
-            </a:r>
-            <a:br>
-              <a:rPr lang="en-US" sz="1200" dirty="0"/>
-            </a:br>
-            <a:r>
-              <a:rPr lang="en-US" sz="1200" dirty="0" err="1"/>
-              <a:t>Yelpale</a:t>
-            </a:r>
-            <a:r>
-              <a:rPr lang="en-US" sz="1200" dirty="0"/>
-              <a:t> </a:t>
-            </a:r>
-            <a:r>
-              <a:rPr lang="en-US" sz="1200" dirty="0" err="1"/>
-              <a:t>Kshitij</a:t>
-            </a:r>
-            <a:r>
-              <a:rPr lang="en-US" sz="1200" dirty="0"/>
-              <a:t> </a:t>
-            </a:r>
-          </a:p>
-        </p:txBody>
-      </p:sp>
-      <p:sp>
-        <p:nvSpPr>
-          <p:cNvPr id="7" name="Slide Number Placeholder 4">
-            <a:extLst>
-              <a:ext uri="{FF2B5EF4-FFF2-40B4-BE49-F238E27FC236}">
-                <a16:creationId xmlns:a16="http://schemas.microsoft.com/office/drawing/2014/main" id="{821226E7-E7B6-4E60-95EF-EB631ECC89EF}"/>
-              </a:ext>
-            </a:extLst>
-          </p:cNvPr>
-          <p:cNvSpPr txBox="1">
-            <a:spLocks/>
-          </p:cNvSpPr>
-          <p:nvPr/>
-        </p:nvSpPr>
-        <p:spPr>
-          <a:xfrm>
-            <a:off x="10879975" y="6459784"/>
-            <a:ext cx="1312025" cy="365125"/>
-          </a:xfrm>
-          <a:prstGeom prst="rect">
-            <a:avLst/>
-          </a:prstGeom>
-        </p:spPr>
-        <p:txBody>
-          <a:bodyPr vert="horz" lIns="91440" tIns="45720" rIns="91440" bIns="45720" rtlCol="0" anchor="ctr"/>
-          <a:lstStyle>
-            <a:defPPr>
-              <a:defRPr lang="en-US"/>
-            </a:defPPr>
-            <a:lvl1pPr marL="0" algn="r" defTabSz="457200" rtl="0" eaLnBrk="1" latinLnBrk="0" hangingPunct="1">
-              <a:defRPr sz="1050" kern="1200">
-                <a:solidFill>
-                  <a:srgbClr val="FFFFFF"/>
-                </a:solidFill>
-                <a:latin typeface="+mn-lt"/>
-                <a:ea typeface="+mn-ea"/>
-                <a:cs typeface="+mn-cs"/>
-              </a:defRPr>
-            </a:lvl1pPr>
-            <a:lvl2pPr marL="457200" algn="l" defTabSz="457200" rtl="0" eaLnBrk="1" latinLnBrk="0" hangingPunct="1">
-              <a:defRPr sz="1800" kern="1200">
-                <a:solidFill>
-                  <a:schemeClr val="tx1"/>
-                </a:solidFill>
-                <a:latin typeface="+mn-lt"/>
-                <a:ea typeface="+mn-ea"/>
-                <a:cs typeface="+mn-cs"/>
-              </a:defRPr>
-            </a:lvl2pPr>
-            <a:lvl3pPr marL="914400" algn="l" defTabSz="457200" rtl="0" eaLnBrk="1" latinLnBrk="0" hangingPunct="1">
-              <a:defRPr sz="1800" kern="1200">
-                <a:solidFill>
-                  <a:schemeClr val="tx1"/>
-                </a:solidFill>
-                <a:latin typeface="+mn-lt"/>
-                <a:ea typeface="+mn-ea"/>
-                <a:cs typeface="+mn-cs"/>
-              </a:defRPr>
-            </a:lvl3pPr>
-            <a:lvl4pPr marL="1371600" algn="l" defTabSz="457200" rtl="0" eaLnBrk="1" latinLnBrk="0" hangingPunct="1">
-              <a:defRPr sz="1800" kern="1200">
-                <a:solidFill>
-                  <a:schemeClr val="tx1"/>
-                </a:solidFill>
-                <a:latin typeface="+mn-lt"/>
-                <a:ea typeface="+mn-ea"/>
-                <a:cs typeface="+mn-cs"/>
-              </a:defRPr>
-            </a:lvl4pPr>
-            <a:lvl5pPr marL="1828800" algn="l" defTabSz="457200" rtl="0" eaLnBrk="1" latinLnBrk="0" hangingPunct="1">
-              <a:defRPr sz="1800" kern="1200">
-                <a:solidFill>
-                  <a:schemeClr val="tx1"/>
-                </a:solidFill>
-                <a:latin typeface="+mn-lt"/>
-                <a:ea typeface="+mn-ea"/>
-                <a:cs typeface="+mn-cs"/>
-              </a:defRPr>
-            </a:lvl5pPr>
-            <a:lvl6pPr marL="2286000" algn="l" defTabSz="457200" rtl="0" eaLnBrk="1" latinLnBrk="0" hangingPunct="1">
-              <a:defRPr sz="1800" kern="1200">
-                <a:solidFill>
-                  <a:schemeClr val="tx1"/>
-                </a:solidFill>
-                <a:latin typeface="+mn-lt"/>
-                <a:ea typeface="+mn-ea"/>
-                <a:cs typeface="+mn-cs"/>
-              </a:defRPr>
-            </a:lvl6pPr>
-            <a:lvl7pPr marL="2743200" algn="l" defTabSz="457200" rtl="0" eaLnBrk="1" latinLnBrk="0" hangingPunct="1">
-              <a:defRPr sz="1800" kern="1200">
-                <a:solidFill>
-                  <a:schemeClr val="tx1"/>
-                </a:solidFill>
-                <a:latin typeface="+mn-lt"/>
-                <a:ea typeface="+mn-ea"/>
-                <a:cs typeface="+mn-cs"/>
-              </a:defRPr>
-            </a:lvl7pPr>
-            <a:lvl8pPr marL="3200400" algn="l" defTabSz="457200" rtl="0" eaLnBrk="1" latinLnBrk="0" hangingPunct="1">
-              <a:defRPr sz="1800" kern="1200">
-                <a:solidFill>
-                  <a:schemeClr val="tx1"/>
-                </a:solidFill>
-                <a:latin typeface="+mn-lt"/>
-                <a:ea typeface="+mn-ea"/>
-                <a:cs typeface="+mn-cs"/>
-              </a:defRPr>
-            </a:lvl8pPr>
-            <a:lvl9pPr marL="3657600" algn="l" defTabSz="457200" rtl="0" eaLnBrk="1" latinLnBrk="0" hangingPunct="1">
-              <a:defRPr sz="1800" kern="1200">
-                <a:solidFill>
-                  <a:schemeClr val="tx1"/>
-                </a:solidFill>
-                <a:latin typeface="+mn-lt"/>
-                <a:ea typeface="+mn-ea"/>
-                <a:cs typeface="+mn-cs"/>
-              </a:defRPr>
-            </a:lvl9pPr>
-          </a:lstStyle>
-          <a:p>
-            <a:fld id="{A44A4EFC-2442-42B4-818B-150907507D35}" type="slidenum">
-              <a:rPr lang="en-IN" sz="1200" smtClean="0"/>
-              <a:pPr/>
-              <a:t>19</a:t>
-            </a:fld>
-            <a:endParaRPr lang="en-IN" sz="1200" dirty="0"/>
-          </a:p>
-        </p:txBody>
-      </p:sp>
-      <p:sp>
-        <p:nvSpPr>
-          <p:cNvPr id="8" name="TextBox 7">
-            <a:extLst>
-              <a:ext uri="{FF2B5EF4-FFF2-40B4-BE49-F238E27FC236}">
-                <a16:creationId xmlns:a16="http://schemas.microsoft.com/office/drawing/2014/main" id="{55AB4D94-1C98-4D09-ADCA-609FE334AB22}"/>
-              </a:ext>
-            </a:extLst>
-          </p:cNvPr>
-          <p:cNvSpPr txBox="1"/>
-          <p:nvPr/>
-        </p:nvSpPr>
-        <p:spPr>
-          <a:xfrm>
-            <a:off x="4927862" y="6459785"/>
-            <a:ext cx="2336276" cy="584775"/>
-          </a:xfrm>
-          <a:prstGeom prst="rect">
-            <a:avLst/>
-          </a:prstGeom>
-          <a:noFill/>
-        </p:spPr>
-        <p:txBody>
-          <a:bodyPr wrap="square" rtlCol="0">
-            <a:spAutoFit/>
-          </a:bodyPr>
-          <a:lstStyle/>
-          <a:p>
-            <a:r>
-              <a:rPr lang="en-US" sz="1400" dirty="0">
-                <a:solidFill>
-                  <a:schemeClr val="bg1"/>
-                </a:solidFill>
-              </a:rPr>
-              <a:t>Applications of NN with LSTM</a:t>
-            </a:r>
-            <a:endParaRPr lang="en-IN" sz="1400" dirty="0">
-              <a:solidFill>
-                <a:schemeClr val="bg1"/>
-              </a:solidFill>
-            </a:endParaRPr>
-          </a:p>
-          <a:p>
-            <a:endParaRPr lang="en-IN" dirty="0"/>
-          </a:p>
-        </p:txBody>
-      </p:sp>
       <p:pic>
         <p:nvPicPr>
-          <p:cNvPr id="5" name="Picture 2">
-            <a:extLst>
-              <a:ext uri="{FF2B5EF4-FFF2-40B4-BE49-F238E27FC236}">
-                <a16:creationId xmlns:a16="http://schemas.microsoft.com/office/drawing/2014/main" id="{974AABC3-CB5D-49F2-B074-CB5CCB239A5B}"/>
+          <p:cNvPr id="8" name="Picture 2">
+            <a:extLst>
+              <a:ext uri="{FF2B5EF4-FFF2-40B4-BE49-F238E27FC236}">
+                <a16:creationId xmlns:a16="http://schemas.microsoft.com/office/drawing/2014/main" id="{2147EFC7-1EEC-4299-8931-DEDAB78D3AA8}"/>
               </a:ext>
             </a:extLst>
           </p:cNvPr>
@@ -10344,45 +10972,10 @@
           </a:extLst>
         </p:spPr>
       </p:pic>
-      <p:sp>
-        <p:nvSpPr>
-          <p:cNvPr id="10" name="TextBox 9">
-            <a:extLst>
-              <a:ext uri="{FF2B5EF4-FFF2-40B4-BE49-F238E27FC236}">
-                <a16:creationId xmlns:a16="http://schemas.microsoft.com/office/drawing/2014/main" id="{6E255E17-0ABA-4C99-9A27-293E8E0D3F55}"/>
-              </a:ext>
-            </a:extLst>
-          </p:cNvPr>
-          <p:cNvSpPr txBox="1"/>
-          <p:nvPr/>
-        </p:nvSpPr>
-        <p:spPr>
-          <a:xfrm>
-            <a:off x="4573571" y="5740206"/>
-            <a:ext cx="3044858" cy="369332"/>
-          </a:xfrm>
-          <a:prstGeom prst="rect">
-            <a:avLst/>
-          </a:prstGeom>
-          <a:noFill/>
-        </p:spPr>
-        <p:txBody>
-          <a:bodyPr wrap="square" rtlCol="0">
-            <a:spAutoFit/>
-          </a:bodyPr>
-          <a:lstStyle/>
-          <a:p>
-            <a:r>
-              <a:rPr lang="en-IN" dirty="0"/>
-              <a:t>Fig: Bi – Directional Variant [3]</a:t>
-            </a:r>
-          </a:p>
-        </p:txBody>
-      </p:sp>
     </p:spTree>
     <p:extLst>
       <p:ext uri="{BB962C8B-B14F-4D97-AF65-F5344CB8AC3E}">
-        <p14:creationId xmlns:p14="http://schemas.microsoft.com/office/powerpoint/2010/main" val="4249501823"/>
+        <p14:creationId xmlns:p14="http://schemas.microsoft.com/office/powerpoint/2010/main" val="1796315026"/>
       </p:ext>
     </p:extLst>
   </p:cSld>
@@ -10480,7 +11073,7 @@
             </a:pPr>
             <a:r>
               <a:rPr lang="en-US" dirty="0"/>
-              <a:t> Inputs and outputs of different lengths in different examples</a:t>
+              <a:t> Inputs and outputs are of different lengths in different examples, e.g. Machine Translation</a:t>
             </a:r>
           </a:p>
           <a:p>
@@ -10518,7 +11111,7 @@
             </a:r>
             <a:r>
               <a:rPr lang="en-US" dirty="0"/>
-              <a:t> get feed forward input and receives input from neurons in higher (following) layers, usually next layer </a:t>
+              <a:t> get feed forward input and receive input from neurons in higher (following) layers, usually next layer </a:t>
             </a:r>
             <a:r>
               <a:rPr lang="en-US" i="1" dirty="0"/>
@@ -10789,24 +11382,26 @@
           <a:p>
             <a:r>
               <a:rPr lang="en-IN" dirty="0"/>
-              <a:t>Other variants – Deep RNN/LSTM</a:t>
+              <a:t>Other variants – Bi directional RNN/LSTM</a:t>
             </a:r>
           </a:p>
         </p:txBody>
       </p:sp>
       <p:pic>
         <p:nvPicPr>
-          <p:cNvPr id="3076" name="Picture 4">
-            <a:extLst>
-              <a:ext uri="{FF2B5EF4-FFF2-40B4-BE49-F238E27FC236}">
-                <a16:creationId xmlns:a16="http://schemas.microsoft.com/office/drawing/2014/main" id="{7AB5DE05-0914-4AC3-9A48-4D4B25BAA2EA}"/>
+          <p:cNvPr id="2050" name="Picture 2">
+            <a:extLst>
+              <a:ext uri="{FF2B5EF4-FFF2-40B4-BE49-F238E27FC236}">
+                <a16:creationId xmlns:a16="http://schemas.microsoft.com/office/drawing/2014/main" id="{8AAB6D52-99D9-4EE5-8616-3B88CA96B898}"/>
               </a:ext>
             </a:extLst>
           </p:cNvPr>
           <p:cNvPicPr>
-            <a:picLocks noChangeAspect="1" noChangeArrowheads="1"/>
+            <a:picLocks noGrp="1" noChangeAspect="1" noChangeArrowheads="1"/>
           </p:cNvPicPr>
-          <p:nvPr/>
+          <p:nvPr>
+            <p:ph idx="1"/>
+          </p:nvPr>
         </p:nvPicPr>
         <p:blipFill>
           <a:blip r:embed="rId2">
@@ -10823,8 +11418,8 @@
         </p:blipFill>
         <p:spPr bwMode="auto">
           <a:xfrm>
-            <a:off x="3860251" y="1767135"/>
-            <a:ext cx="4471497" cy="4009713"/>
+            <a:off x="4059484" y="1842802"/>
+            <a:ext cx="4133991" cy="3897404"/>
           </a:xfrm>
           <a:prstGeom prst="rect">
             <a:avLst/>
@@ -10843,10 +11438,10 @@
       </p:pic>
       <p:sp>
         <p:nvSpPr>
-          <p:cNvPr id="7" name="Footer Placeholder 3">
-            <a:extLst>
-              <a:ext uri="{FF2B5EF4-FFF2-40B4-BE49-F238E27FC236}">
-                <a16:creationId xmlns:a16="http://schemas.microsoft.com/office/drawing/2014/main" id="{C1F7B3D0-02DF-410F-8B55-F4A07F96C874}"/>
+          <p:cNvPr id="6" name="Footer Placeholder 3">
+            <a:extLst>
+              <a:ext uri="{FF2B5EF4-FFF2-40B4-BE49-F238E27FC236}">
+                <a16:creationId xmlns:a16="http://schemas.microsoft.com/office/drawing/2014/main" id="{836F223E-5316-448C-9B23-C1061DCEBE99}"/>
               </a:ext>
             </a:extLst>
           </p:cNvPr>
@@ -10896,10 +11491,10 @@
       </p:sp>
       <p:sp>
         <p:nvSpPr>
-          <p:cNvPr id="8" name="Slide Number Placeholder 4">
-            <a:extLst>
-              <a:ext uri="{FF2B5EF4-FFF2-40B4-BE49-F238E27FC236}">
-                <a16:creationId xmlns:a16="http://schemas.microsoft.com/office/drawing/2014/main" id="{CE90A5C6-6795-4F90-9707-9A1858AA67A4}"/>
+          <p:cNvPr id="7" name="Slide Number Placeholder 4">
+            <a:extLst>
+              <a:ext uri="{FF2B5EF4-FFF2-40B4-BE49-F238E27FC236}">
+                <a16:creationId xmlns:a16="http://schemas.microsoft.com/office/drawing/2014/main" id="{821226E7-E7B6-4E60-95EF-EB631ECC89EF}"/>
               </a:ext>
             </a:extLst>
           </p:cNvPr>
@@ -11026,10 +11621,10 @@
       </p:sp>
       <p:sp>
         <p:nvSpPr>
-          <p:cNvPr id="9" name="TextBox 8">
-            <a:extLst>
-              <a:ext uri="{FF2B5EF4-FFF2-40B4-BE49-F238E27FC236}">
-                <a16:creationId xmlns:a16="http://schemas.microsoft.com/office/drawing/2014/main" id="{98F649D6-D73C-4B53-A71B-A3ABE0CF40E9}"/>
+          <p:cNvPr id="8" name="TextBox 7">
+            <a:extLst>
+              <a:ext uri="{FF2B5EF4-FFF2-40B4-BE49-F238E27FC236}">
+                <a16:creationId xmlns:a16="http://schemas.microsoft.com/office/drawing/2014/main" id="{55AB4D94-1C98-4D09-ADCA-609FE334AB22}"/>
               </a:ext>
             </a:extLst>
           </p:cNvPr>
@@ -11073,10 +11668,10 @@
       </p:sp>
       <p:pic>
         <p:nvPicPr>
-          <p:cNvPr id="6" name="Picture 2">
-            <a:extLst>
-              <a:ext uri="{FF2B5EF4-FFF2-40B4-BE49-F238E27FC236}">
-                <a16:creationId xmlns:a16="http://schemas.microsoft.com/office/drawing/2014/main" id="{C442F9A1-4089-46DA-938A-344E0989CE96}"/>
+          <p:cNvPr id="5" name="Picture 2">
+            <a:extLst>
+              <a:ext uri="{FF2B5EF4-FFF2-40B4-BE49-F238E27FC236}">
+                <a16:creationId xmlns:a16="http://schemas.microsoft.com/office/drawing/2014/main" id="{974AABC3-CB5D-49F2-B074-CB5CCB239A5B}"/>
               </a:ext>
             </a:extLst>
           </p:cNvPr>
@@ -11120,10 +11715,10 @@
       </p:pic>
       <p:sp>
         <p:nvSpPr>
-          <p:cNvPr id="11" name="TextBox 10">
-            <a:extLst>
-              <a:ext uri="{FF2B5EF4-FFF2-40B4-BE49-F238E27FC236}">
-                <a16:creationId xmlns:a16="http://schemas.microsoft.com/office/drawing/2014/main" id="{D6421A8E-8DC7-44FD-95DF-B6476A4CA46A}"/>
+          <p:cNvPr id="10" name="TextBox 9">
+            <a:extLst>
+              <a:ext uri="{FF2B5EF4-FFF2-40B4-BE49-F238E27FC236}">
+                <a16:creationId xmlns:a16="http://schemas.microsoft.com/office/drawing/2014/main" id="{6E255E17-0ABA-4C99-9A27-293E8E0D3F55}"/>
               </a:ext>
             </a:extLst>
           </p:cNvPr>
@@ -11132,8 +11727,8 @@
         </p:nvSpPr>
         <p:spPr>
           <a:xfrm>
-            <a:off x="4871299" y="5826502"/>
-            <a:ext cx="2449399" cy="369332"/>
+            <a:off x="4573571" y="5740206"/>
+            <a:ext cx="3044858" cy="369332"/>
           </a:xfrm>
           <a:prstGeom prst="rect">
             <a:avLst/>
@@ -11148,7 +11743,7 @@
           <a:p>
             <a:r>
               <a:rPr lang="en-IN" dirty="0"/>
-              <a:t>Fig: Deep RNN/LSTM [3]</a:t>
+              <a:t>Fig: Bi – Directional Variant [4]</a:t>
             </a:r>
           </a:p>
         </p:txBody>
@@ -11156,7 +11751,7 @@
     </p:spTree>
     <p:extLst>
       <p:ext uri="{BB962C8B-B14F-4D97-AF65-F5344CB8AC3E}">
-        <p14:creationId xmlns:p14="http://schemas.microsoft.com/office/powerpoint/2010/main" val="2612630342"/>
+        <p14:creationId xmlns:p14="http://schemas.microsoft.com/office/powerpoint/2010/main" val="4249501823"/>
       </p:ext>
     </p:extLst>
   </p:cSld>
@@ -11211,17 +11806,17 @@
           <a:p>
             <a:r>
               <a:rPr lang="en-IN" dirty="0"/>
-              <a:t>Other variants – Gated Recurrent Unit (GRU)</a:t>
+              <a:t>Other variants – Deep RNN/LSTM</a:t>
             </a:r>
           </a:p>
         </p:txBody>
       </p:sp>
       <p:pic>
         <p:nvPicPr>
-          <p:cNvPr id="4098" name="Picture 2">
-            <a:extLst>
-              <a:ext uri="{FF2B5EF4-FFF2-40B4-BE49-F238E27FC236}">
-                <a16:creationId xmlns:a16="http://schemas.microsoft.com/office/drawing/2014/main" id="{203DA2CE-B47B-4EA8-B797-484818B8B28B}"/>
+          <p:cNvPr id="3076" name="Picture 4">
+            <a:extLst>
+              <a:ext uri="{FF2B5EF4-FFF2-40B4-BE49-F238E27FC236}">
+                <a16:creationId xmlns:a16="http://schemas.microsoft.com/office/drawing/2014/main" id="{7AB5DE05-0914-4AC3-9A48-4D4B25BAA2EA}"/>
               </a:ext>
             </a:extLst>
           </p:cNvPr>
@@ -11245,8 +11840,8 @@
         </p:blipFill>
         <p:spPr bwMode="auto">
           <a:xfrm>
-            <a:off x="3228975" y="1793311"/>
-            <a:ext cx="5734050" cy="4053116"/>
+            <a:off x="3860251" y="1767135"/>
+            <a:ext cx="4471497" cy="4009713"/>
           </a:xfrm>
           <a:prstGeom prst="rect">
             <a:avLst/>
@@ -11268,7 +11863,7 @@
           <p:cNvPr id="7" name="Footer Placeholder 3">
             <a:extLst>
               <a:ext uri="{FF2B5EF4-FFF2-40B4-BE49-F238E27FC236}">
-                <a16:creationId xmlns:a16="http://schemas.microsoft.com/office/drawing/2014/main" id="{AF812423-9991-411F-ABBA-6BFF29084BCC}"/>
+                <a16:creationId xmlns:a16="http://schemas.microsoft.com/office/drawing/2014/main" id="{C1F7B3D0-02DF-410F-8B55-F4A07F96C874}"/>
               </a:ext>
             </a:extLst>
           </p:cNvPr>
@@ -11321,7 +11916,7 @@
           <p:cNvPr id="8" name="Slide Number Placeholder 4">
             <a:extLst>
               <a:ext uri="{FF2B5EF4-FFF2-40B4-BE49-F238E27FC236}">
-                <a16:creationId xmlns:a16="http://schemas.microsoft.com/office/drawing/2014/main" id="{C1C2B6F4-4BFB-437A-A1EF-E11046432562}"/>
+                <a16:creationId xmlns:a16="http://schemas.microsoft.com/office/drawing/2014/main" id="{CE90A5C6-6795-4F90-9707-9A1858AA67A4}"/>
               </a:ext>
             </a:extLst>
           </p:cNvPr>
@@ -11451,7 +12046,7 @@
           <p:cNvPr id="9" name="TextBox 8">
             <a:extLst>
               <a:ext uri="{FF2B5EF4-FFF2-40B4-BE49-F238E27FC236}">
-                <a16:creationId xmlns:a16="http://schemas.microsoft.com/office/drawing/2014/main" id="{DC5FA08C-9B40-4EA2-9607-5B2F5438081C}"/>
+                <a16:creationId xmlns:a16="http://schemas.microsoft.com/office/drawing/2014/main" id="{98F649D6-D73C-4B53-A71B-A3ABE0CF40E9}"/>
               </a:ext>
             </a:extLst>
           </p:cNvPr>
@@ -11498,7 +12093,7 @@
           <p:cNvPr id="6" name="Picture 2">
             <a:extLst>
               <a:ext uri="{FF2B5EF4-FFF2-40B4-BE49-F238E27FC236}">
-                <a16:creationId xmlns:a16="http://schemas.microsoft.com/office/drawing/2014/main" id="{D0502CDF-A377-41B3-8EB5-C8B9303EC7C2}"/>
+                <a16:creationId xmlns:a16="http://schemas.microsoft.com/office/drawing/2014/main" id="{C442F9A1-4089-46DA-938A-344E0989CE96}"/>
               </a:ext>
             </a:extLst>
           </p:cNvPr>
@@ -11545,7 +12140,7 @@
           <p:cNvPr id="11" name="TextBox 10">
             <a:extLst>
               <a:ext uri="{FF2B5EF4-FFF2-40B4-BE49-F238E27FC236}">
-                <a16:creationId xmlns:a16="http://schemas.microsoft.com/office/drawing/2014/main" id="{BF523AB4-D8FE-43B5-B095-69E8916BD79B}"/>
+                <a16:creationId xmlns:a16="http://schemas.microsoft.com/office/drawing/2014/main" id="{D6421A8E-8DC7-44FD-95DF-B6476A4CA46A}"/>
               </a:ext>
             </a:extLst>
           </p:cNvPr>
@@ -11554,8 +12149,8 @@
         </p:nvSpPr>
         <p:spPr>
           <a:xfrm>
-            <a:off x="5224806" y="5737591"/>
-            <a:ext cx="1742388" cy="369332"/>
+            <a:off x="4871299" y="5826502"/>
+            <a:ext cx="2449399" cy="369332"/>
           </a:xfrm>
           <a:prstGeom prst="rect">
             <a:avLst/>
@@ -11570,7 +12165,7 @@
           <a:p>
             <a:r>
               <a:rPr lang="en-IN" dirty="0"/>
-              <a:t>Fig: GRU Cell [2]</a:t>
+              <a:t>Fig: Deep RNN/LSTM [4]</a:t>
             </a:r>
           </a:p>
         </p:txBody>
@@ -11578,7 +12173,7 @@
     </p:spTree>
     <p:extLst>
       <p:ext uri="{BB962C8B-B14F-4D97-AF65-F5344CB8AC3E}">
-        <p14:creationId xmlns:p14="http://schemas.microsoft.com/office/powerpoint/2010/main" val="362241904"/>
+        <p14:creationId xmlns:p14="http://schemas.microsoft.com/office/powerpoint/2010/main" val="2612630342"/>
       </p:ext>
     </p:extLst>
   </p:cSld>
@@ -11610,7 +12205,7 @@
           <p:cNvPr id="2" name="Title 1">
             <a:extLst>
               <a:ext uri="{FF2B5EF4-FFF2-40B4-BE49-F238E27FC236}">
-                <a16:creationId xmlns:a16="http://schemas.microsoft.com/office/drawing/2014/main" id="{1DC1E5A1-DB6E-4E1A-972D-9E5CE68F3B23}"/>
+                <a16:creationId xmlns:a16="http://schemas.microsoft.com/office/drawing/2014/main" id="{708F84C8-4D38-464B-9C87-C4C9D54EA9E2}"/>
               </a:ext>
             </a:extLst>
           </p:cNvPr>
@@ -11621,100 +12216,76 @@
             <p:ph type="title"/>
           </p:nvPr>
         </p:nvSpPr>
-        <p:spPr/>
+        <p:spPr>
+          <a:xfrm>
+            <a:off x="1097280" y="266724"/>
+            <a:ext cx="10058400" cy="1450757"/>
+          </a:xfrm>
+        </p:spPr>
         <p:txBody>
           <a:bodyPr/>
           <a:lstStyle/>
           <a:p>
             <a:r>
-              <a:rPr lang="en-US" dirty="0"/>
-              <a:t>Application – Sentiment Analysis</a:t>
-            </a:r>
-            <a:endParaRPr lang="en-IN" dirty="0"/>
-          </a:p>
-        </p:txBody>
-      </p:sp>
-      <p:sp>
-        <p:nvSpPr>
-          <p:cNvPr id="3" name="Content Placeholder 2">
-            <a:extLst>
-              <a:ext uri="{FF2B5EF4-FFF2-40B4-BE49-F238E27FC236}">
-                <a16:creationId xmlns:a16="http://schemas.microsoft.com/office/drawing/2014/main" id="{59390695-9957-4C39-A179-ACCD5B97ABEE}"/>
-              </a:ext>
-            </a:extLst>
-          </p:cNvPr>
-          <p:cNvSpPr>
-            <a:spLocks noGrp="1"/>
-          </p:cNvSpPr>
-          <p:nvPr>
-            <p:ph idx="1"/>
-          </p:nvPr>
-        </p:nvSpPr>
-        <p:spPr>
-          <a:xfrm>
-            <a:off x="1097280" y="2043404"/>
-            <a:ext cx="10058400" cy="3825690"/>
-          </a:xfrm>
-        </p:spPr>
-        <p:txBody>
-          <a:bodyPr/>
-          <a:lstStyle/>
-          <a:p>
-            <a:pPr>
-              <a:buFont typeface="Wingdings" panose="05000000000000000000" pitchFamily="2" charset="2"/>
-              <a:buChar char="q"/>
-            </a:pPr>
-            <a:r>
               <a:rPr lang="en-IN" dirty="0"/>
-              <a:t> Sentiment Analysis is -</a:t>
-            </a:r>
-          </a:p>
-          <a:p>
-            <a:pPr lvl="1">
-              <a:buFont typeface="Wingdings" panose="05000000000000000000" pitchFamily="2" charset="2"/>
-              <a:buChar char="q"/>
-            </a:pPr>
-            <a:r>
-              <a:rPr lang="en-US" dirty="0"/>
-              <a:t> the term which is used very often in web-based business sites, social networks and different fields.</a:t>
-            </a:r>
-          </a:p>
-          <a:p>
-            <a:pPr lvl="1">
-              <a:buFont typeface="Wingdings" panose="05000000000000000000" pitchFamily="2" charset="2"/>
-              <a:buChar char="q"/>
-            </a:pPr>
-            <a:r>
-              <a:rPr lang="en-US" dirty="0"/>
-              <a:t> an examination field to analyze people’s subjective sentiments.</a:t>
-            </a:r>
-            <a:endParaRPr lang="en-IN" dirty="0"/>
-          </a:p>
-          <a:p>
-            <a:pPr>
-              <a:buFont typeface="Wingdings" panose="05000000000000000000" pitchFamily="2" charset="2"/>
-              <a:buChar char="q"/>
-            </a:pPr>
-            <a:r>
-              <a:rPr lang="en-IN" dirty="0"/>
-              <a:t> More Advanced, Focus on “Beyond Polarity”</a:t>
-            </a:r>
-          </a:p>
-          <a:p>
-            <a:pPr>
-              <a:buFont typeface="Wingdings" panose="05000000000000000000" pitchFamily="2" charset="2"/>
-              <a:buChar char="q"/>
-            </a:pPr>
-            <a:endParaRPr lang="en-US" dirty="0"/>
-          </a:p>
-        </p:txBody>
-      </p:sp>
-      <p:sp>
-        <p:nvSpPr>
-          <p:cNvPr id="9" name="Footer Placeholder 3">
-            <a:extLst>
-              <a:ext uri="{FF2B5EF4-FFF2-40B4-BE49-F238E27FC236}">
-                <a16:creationId xmlns:a16="http://schemas.microsoft.com/office/drawing/2014/main" id="{0544D448-5D30-400C-8016-69B207E79722}"/>
+              <a:t>Other variants – Gated Recurrent Unit (GRU)</a:t>
+            </a:r>
+          </a:p>
+        </p:txBody>
+      </p:sp>
+      <p:pic>
+        <p:nvPicPr>
+          <p:cNvPr id="4098" name="Picture 2">
+            <a:extLst>
+              <a:ext uri="{FF2B5EF4-FFF2-40B4-BE49-F238E27FC236}">
+                <a16:creationId xmlns:a16="http://schemas.microsoft.com/office/drawing/2014/main" id="{203DA2CE-B47B-4EA8-B797-484818B8B28B}"/>
+              </a:ext>
+            </a:extLst>
+          </p:cNvPr>
+          <p:cNvPicPr>
+            <a:picLocks noChangeAspect="1" noChangeArrowheads="1"/>
+          </p:cNvPicPr>
+          <p:nvPr/>
+        </p:nvPicPr>
+        <p:blipFill>
+          <a:blip r:embed="rId2">
+            <a:extLst>
+              <a:ext uri="{28A0092B-C50C-407E-A947-70E740481C1C}">
+                <a14:useLocalDpi xmlns:a14="http://schemas.microsoft.com/office/drawing/2010/main" val="0"/>
+              </a:ext>
+            </a:extLst>
+          </a:blip>
+          <a:srcRect/>
+          <a:stretch>
+            <a:fillRect/>
+          </a:stretch>
+        </p:blipFill>
+        <p:spPr bwMode="auto">
+          <a:xfrm>
+            <a:off x="3228975" y="1793311"/>
+            <a:ext cx="5734050" cy="4053116"/>
+          </a:xfrm>
+          <a:prstGeom prst="rect">
+            <a:avLst/>
+          </a:prstGeom>
+          <a:noFill/>
+          <a:extLst>
+            <a:ext uri="{909E8E84-426E-40DD-AFC4-6F175D3DCCD1}">
+              <a14:hiddenFill xmlns:a14="http://schemas.microsoft.com/office/drawing/2010/main">
+                <a:solidFill>
+                  <a:srgbClr val="FFFFFF"/>
+                </a:solidFill>
+              </a14:hiddenFill>
+            </a:ext>
+          </a:extLst>
+        </p:spPr>
+      </p:pic>
+      <p:sp>
+        <p:nvSpPr>
+          <p:cNvPr id="7" name="Footer Placeholder 3">
+            <a:extLst>
+              <a:ext uri="{FF2B5EF4-FFF2-40B4-BE49-F238E27FC236}">
+                <a16:creationId xmlns:a16="http://schemas.microsoft.com/office/drawing/2014/main" id="{AF812423-9991-411F-ABBA-6BFF29084BCC}"/>
               </a:ext>
             </a:extLst>
           </p:cNvPr>
@@ -11764,10 +12335,10 @@
       </p:sp>
       <p:sp>
         <p:nvSpPr>
-          <p:cNvPr id="10" name="Slide Number Placeholder 4">
-            <a:extLst>
-              <a:ext uri="{FF2B5EF4-FFF2-40B4-BE49-F238E27FC236}">
-                <a16:creationId xmlns:a16="http://schemas.microsoft.com/office/drawing/2014/main" id="{52041837-35B6-47C0-BC4D-82B309DFFB2C}"/>
+          <p:cNvPr id="8" name="Slide Number Placeholder 4">
+            <a:extLst>
+              <a:ext uri="{FF2B5EF4-FFF2-40B4-BE49-F238E27FC236}">
+                <a16:creationId xmlns:a16="http://schemas.microsoft.com/office/drawing/2014/main" id="{C1C2B6F4-4BFB-437A-A1EF-E11046432562}"/>
               </a:ext>
             </a:extLst>
           </p:cNvPr>
@@ -11894,10 +12465,10 @@
       </p:sp>
       <p:sp>
         <p:nvSpPr>
-          <p:cNvPr id="11" name="TextBox 10">
-            <a:extLst>
-              <a:ext uri="{FF2B5EF4-FFF2-40B4-BE49-F238E27FC236}">
-                <a16:creationId xmlns:a16="http://schemas.microsoft.com/office/drawing/2014/main" id="{60A8FBE6-456E-42CB-ADBE-D03A496FF623}"/>
+          <p:cNvPr id="9" name="TextBox 8">
+            <a:extLst>
+              <a:ext uri="{FF2B5EF4-FFF2-40B4-BE49-F238E27FC236}">
+                <a16:creationId xmlns:a16="http://schemas.microsoft.com/office/drawing/2014/main" id="{DC5FA08C-9B40-4EA2-9607-5B2F5438081C}"/>
               </a:ext>
             </a:extLst>
           </p:cNvPr>
@@ -11941,10 +12512,10 @@
       </p:sp>
       <p:pic>
         <p:nvPicPr>
-          <p:cNvPr id="13" name="Picture 2">
-            <a:extLst>
-              <a:ext uri="{FF2B5EF4-FFF2-40B4-BE49-F238E27FC236}">
-                <a16:creationId xmlns:a16="http://schemas.microsoft.com/office/drawing/2014/main" id="{E315B598-99E5-4658-9E89-CD72BBFC38A3}"/>
+          <p:cNvPr id="6" name="Picture 2">
+            <a:extLst>
+              <a:ext uri="{FF2B5EF4-FFF2-40B4-BE49-F238E27FC236}">
+                <a16:creationId xmlns:a16="http://schemas.microsoft.com/office/drawing/2014/main" id="{D0502CDF-A377-41B3-8EB5-C8B9303EC7C2}"/>
               </a:ext>
             </a:extLst>
           </p:cNvPr>
@@ -11986,10 +12557,45 @@
           </a:extLst>
         </p:spPr>
       </p:pic>
+      <p:sp>
+        <p:nvSpPr>
+          <p:cNvPr id="11" name="TextBox 10">
+            <a:extLst>
+              <a:ext uri="{FF2B5EF4-FFF2-40B4-BE49-F238E27FC236}">
+                <a16:creationId xmlns:a16="http://schemas.microsoft.com/office/drawing/2014/main" id="{BF523AB4-D8FE-43B5-B095-69E8916BD79B}"/>
+              </a:ext>
+            </a:extLst>
+          </p:cNvPr>
+          <p:cNvSpPr txBox="1"/>
+          <p:nvPr/>
+        </p:nvSpPr>
+        <p:spPr>
+          <a:xfrm>
+            <a:off x="5224806" y="5737591"/>
+            <a:ext cx="1742388" cy="369332"/>
+          </a:xfrm>
+          <a:prstGeom prst="rect">
+            <a:avLst/>
+          </a:prstGeom>
+          <a:noFill/>
+        </p:spPr>
+        <p:txBody>
+          <a:bodyPr wrap="square" rtlCol="0">
+            <a:spAutoFit/>
+          </a:bodyPr>
+          <a:lstStyle/>
+          <a:p>
+            <a:r>
+              <a:rPr lang="en-IN" dirty="0"/>
+              <a:t>Fig: GRU Cell [2]</a:t>
+            </a:r>
+          </a:p>
+        </p:txBody>
+      </p:sp>
     </p:spTree>
     <p:extLst>
       <p:ext uri="{BB962C8B-B14F-4D97-AF65-F5344CB8AC3E}">
-        <p14:creationId xmlns:p14="http://schemas.microsoft.com/office/powerpoint/2010/main" val="3917098044"/>
+        <p14:creationId xmlns:p14="http://schemas.microsoft.com/office/powerpoint/2010/main" val="362241904"/>
       </p:ext>
     </p:extLst>
   </p:cSld>
@@ -12021,7 +12627,7 @@
           <p:cNvPr id="2" name="Title 1">
             <a:extLst>
               <a:ext uri="{FF2B5EF4-FFF2-40B4-BE49-F238E27FC236}">
-                <a16:creationId xmlns:a16="http://schemas.microsoft.com/office/drawing/2014/main" id="{05C56A8A-C10E-4F8C-99C4-192628EA6A26}"/>
+                <a16:creationId xmlns:a16="http://schemas.microsoft.com/office/drawing/2014/main" id="{1DC1E5A1-DB6E-4E1A-972D-9E5CE68F3B23}"/>
               </a:ext>
             </a:extLst>
           </p:cNvPr>
@@ -12038,8 +12644,8 @@
           <a:lstStyle/>
           <a:p>
             <a:r>
-              <a:rPr lang="en-IN"/>
-              <a:t>Implementation</a:t>
+              <a:rPr lang="en-US" dirty="0"/>
+              <a:t>Application – Sentiment Analysis</a:t>
             </a:r>
             <a:endParaRPr lang="en-IN" dirty="0"/>
           </a:p>
@@ -12047,10 +12653,10 @@
       </p:sp>
       <p:sp>
         <p:nvSpPr>
-          <p:cNvPr id="5" name="Content Placeholder 4">
-            <a:extLst>
-              <a:ext uri="{FF2B5EF4-FFF2-40B4-BE49-F238E27FC236}">
-                <a16:creationId xmlns:a16="http://schemas.microsoft.com/office/drawing/2014/main" id="{1CCD826B-69BF-4F37-8A83-B6D3962BCBBA}"/>
+          <p:cNvPr id="3" name="Content Placeholder 2">
+            <a:extLst>
+              <a:ext uri="{FF2B5EF4-FFF2-40B4-BE49-F238E27FC236}">
+                <a16:creationId xmlns:a16="http://schemas.microsoft.com/office/drawing/2014/main" id="{59390695-9957-4C39-A179-ACCD5B97ABEE}"/>
               </a:ext>
             </a:extLst>
           </p:cNvPr>
@@ -12063,86 +12669,75 @@
         </p:nvSpPr>
         <p:spPr>
           <a:xfrm>
-            <a:off x="1097280" y="2099388"/>
-            <a:ext cx="10058400" cy="3769705"/>
+            <a:off x="1097280" y="2043404"/>
+            <a:ext cx="10058400" cy="3825690"/>
           </a:xfrm>
         </p:spPr>
         <p:txBody>
           <a:bodyPr/>
           <a:lstStyle/>
           <a:p>
-            <a:pPr lvl="0">
+            <a:pPr>
               <a:buFont typeface="Wingdings" panose="05000000000000000000" pitchFamily="2" charset="2"/>
               <a:buChar char="q"/>
             </a:pPr>
             <a:r>
               <a:rPr lang="en-IN" dirty="0"/>
-              <a:t> Dataset: IMDB Movie Reviews [4]</a:t>
-            </a:r>
-          </a:p>
-          <a:p>
-            <a:pPr lvl="0">
+              <a:t> </a:t>
+            </a:r>
+            <a:r>
+              <a:rPr lang="en-US" dirty="0"/>
+              <a:t>LSTM is better in analyzing emotion of long sentences and can produce better accuracy and recall rate [5]</a:t>
+            </a:r>
+            <a:endParaRPr lang="en-IN" dirty="0"/>
+          </a:p>
+          <a:p>
+            <a:pPr>
               <a:buFont typeface="Wingdings" panose="05000000000000000000" pitchFamily="2" charset="2"/>
               <a:buChar char="q"/>
             </a:pPr>
             <a:r>
               <a:rPr lang="en-IN" dirty="0"/>
-              <a:t> Data Pre-processing</a:t>
-            </a:r>
-          </a:p>
-          <a:p>
-            <a:pPr lvl="0">
+              <a:t> Sentiment Analysis is -</a:t>
+            </a:r>
+          </a:p>
+          <a:p>
+            <a:pPr lvl="1">
               <a:buFont typeface="Wingdings" panose="05000000000000000000" pitchFamily="2" charset="2"/>
               <a:buChar char="q"/>
             </a:pPr>
             <a:r>
-              <a:rPr lang="en-IN" dirty="0"/>
-              <a:t> Library: </a:t>
-            </a:r>
-            <a:r>
-              <a:rPr lang="en-IN" dirty="0" err="1"/>
-              <a:t>Keras</a:t>
-            </a:r>
-            <a:endParaRPr lang="en-IN" dirty="0"/>
-          </a:p>
-          <a:p>
-            <a:pPr lvl="0">
+              <a:rPr lang="en-US" dirty="0"/>
+              <a:t> the term which is used very often in web-based business sites, social networks and different fields.</a:t>
+            </a:r>
+          </a:p>
+          <a:p>
+            <a:pPr lvl="1">
               <a:buFont typeface="Wingdings" panose="05000000000000000000" pitchFamily="2" charset="2"/>
               <a:buChar char="q"/>
             </a:pPr>
             <a:r>
-              <a:rPr lang="en-IN" dirty="0"/>
-              <a:t> Word Embedding: One-Hot representation + </a:t>
-            </a:r>
-            <a:r>
-              <a:rPr lang="en-IN" dirty="0" err="1"/>
-              <a:t>Keras</a:t>
-            </a:r>
-            <a:r>
-              <a:rPr lang="en-IN" dirty="0"/>
-              <a:t> encoded </a:t>
-            </a:r>
-            <a:r>
-              <a:rPr lang="en-IN" dirty="0" err="1"/>
-              <a:t>Imdb</a:t>
-            </a:r>
-            <a:r>
-              <a:rPr lang="en-IN" dirty="0"/>
-              <a:t> format</a:t>
-            </a:r>
-          </a:p>
-          <a:p>
-            <a:pPr lvl="0">
+              <a:rPr lang="en-US" dirty="0"/>
+              <a:t> an examination field to analyze people’s subjective sentiments.</a:t>
+            </a:r>
+            <a:endParaRPr lang="en-IN" dirty="0"/>
+          </a:p>
+          <a:p>
+            <a:pPr>
               <a:buFont typeface="Wingdings" panose="05000000000000000000" pitchFamily="2" charset="2"/>
               <a:buChar char="q"/>
             </a:pPr>
             <a:r>
               <a:rPr lang="en-IN" dirty="0"/>
-              <a:t> Model: (Embedding + Bidirectional(LSTM( )) + Bidirectional(LSTM( )) + Dense)</a:t>
-            </a:r>
-          </a:p>
-          <a:p>
-            <a:endParaRPr lang="en-IN" dirty="0"/>
+              <a:t> More Advanced, Focus on “Beyond Polarity”</a:t>
+            </a:r>
+          </a:p>
+          <a:p>
+            <a:pPr>
+              <a:buFont typeface="Wingdings" panose="05000000000000000000" pitchFamily="2" charset="2"/>
+              <a:buChar char="q"/>
+            </a:pPr>
+            <a:endParaRPr lang="en-US" dirty="0"/>
           </a:p>
         </p:txBody>
       </p:sp>
@@ -12151,7 +12746,7 @@
           <p:cNvPr id="9" name="Footer Placeholder 3">
             <a:extLst>
               <a:ext uri="{FF2B5EF4-FFF2-40B4-BE49-F238E27FC236}">
-                <a16:creationId xmlns:a16="http://schemas.microsoft.com/office/drawing/2014/main" id="{DBD49B59-CE71-4E55-9294-CA8886EBEE81}"/>
+                <a16:creationId xmlns:a16="http://schemas.microsoft.com/office/drawing/2014/main" id="{0544D448-5D30-400C-8016-69B207E79722}"/>
               </a:ext>
             </a:extLst>
           </p:cNvPr>
@@ -12204,7 +12799,7 @@
           <p:cNvPr id="10" name="Slide Number Placeholder 4">
             <a:extLst>
               <a:ext uri="{FF2B5EF4-FFF2-40B4-BE49-F238E27FC236}">
-                <a16:creationId xmlns:a16="http://schemas.microsoft.com/office/drawing/2014/main" id="{46F5AA6B-B05B-4384-9935-4B05DC04D25F}"/>
+                <a16:creationId xmlns:a16="http://schemas.microsoft.com/office/drawing/2014/main" id="{52041837-35B6-47C0-BC4D-82B309DFFB2C}"/>
               </a:ext>
             </a:extLst>
           </p:cNvPr>
@@ -12334,7 +12929,7 @@
           <p:cNvPr id="11" name="TextBox 10">
             <a:extLst>
               <a:ext uri="{FF2B5EF4-FFF2-40B4-BE49-F238E27FC236}">
-                <a16:creationId xmlns:a16="http://schemas.microsoft.com/office/drawing/2014/main" id="{FC7935C0-2AFC-4534-AC3E-F4CF88694EAF}"/>
+                <a16:creationId xmlns:a16="http://schemas.microsoft.com/office/drawing/2014/main" id="{60A8FBE6-456E-42CB-ADBE-D03A496FF623}"/>
               </a:ext>
             </a:extLst>
           </p:cNvPr>
@@ -12381,7 +12976,7 @@
           <p:cNvPr id="13" name="Picture 2">
             <a:extLst>
               <a:ext uri="{FF2B5EF4-FFF2-40B4-BE49-F238E27FC236}">
-                <a16:creationId xmlns:a16="http://schemas.microsoft.com/office/drawing/2014/main" id="{2480761F-D491-4555-A59F-D732BEF4BBEA}"/>
+                <a16:creationId xmlns:a16="http://schemas.microsoft.com/office/drawing/2014/main" id="{E315B598-99E5-4658-9E89-CD72BBFC38A3}"/>
               </a:ext>
             </a:extLst>
           </p:cNvPr>
@@ -12423,10 +13018,75 @@
           </a:extLst>
         </p:spPr>
       </p:pic>
+      <p:pic>
+        <p:nvPicPr>
+          <p:cNvPr id="5" name="Picture 4">
+            <a:extLst>
+              <a:ext uri="{FF2B5EF4-FFF2-40B4-BE49-F238E27FC236}">
+                <a16:creationId xmlns:a16="http://schemas.microsoft.com/office/drawing/2014/main" id="{A8E5F798-5B4F-4573-BAD1-E5AAC26B8915}"/>
+              </a:ext>
+            </a:extLst>
+          </p:cNvPr>
+          <p:cNvPicPr>
+            <a:picLocks noChangeAspect="1"/>
+          </p:cNvPicPr>
+          <p:nvPr/>
+        </p:nvPicPr>
+        <p:blipFill>
+          <a:blip r:embed="rId4"/>
+          <a:stretch>
+            <a:fillRect/>
+          </a:stretch>
+        </p:blipFill>
+        <p:spPr>
+          <a:xfrm>
+            <a:off x="6126480" y="3759293"/>
+            <a:ext cx="3990975" cy="2533650"/>
+          </a:xfrm>
+          <a:prstGeom prst="rect">
+            <a:avLst/>
+          </a:prstGeom>
+        </p:spPr>
+      </p:pic>
+      <p:sp>
+        <p:nvSpPr>
+          <p:cNvPr id="6" name="TextBox 5">
+            <a:extLst>
+              <a:ext uri="{FF2B5EF4-FFF2-40B4-BE49-F238E27FC236}">
+                <a16:creationId xmlns:a16="http://schemas.microsoft.com/office/drawing/2014/main" id="{E40E700B-AC34-4838-AA54-4E4D201E1E0A}"/>
+              </a:ext>
+            </a:extLst>
+          </p:cNvPr>
+          <p:cNvSpPr txBox="1"/>
+          <p:nvPr/>
+        </p:nvSpPr>
+        <p:spPr>
+          <a:xfrm>
+            <a:off x="10117455" y="5646656"/>
+            <a:ext cx="762520" cy="369332"/>
+          </a:xfrm>
+          <a:prstGeom prst="rect">
+            <a:avLst/>
+          </a:prstGeom>
+          <a:noFill/>
+        </p:spPr>
+        <p:txBody>
+          <a:bodyPr wrap="square" rtlCol="0">
+            <a:spAutoFit/>
+          </a:bodyPr>
+          <a:lstStyle/>
+          <a:p>
+            <a:r>
+              <a:rPr lang="en-IN" dirty="0"/>
+              <a:t>[4]</a:t>
+            </a:r>
+          </a:p>
+        </p:txBody>
+      </p:sp>
     </p:spTree>
     <p:extLst>
       <p:ext uri="{BB962C8B-B14F-4D97-AF65-F5344CB8AC3E}">
-        <p14:creationId xmlns:p14="http://schemas.microsoft.com/office/powerpoint/2010/main" val="744375311"/>
+        <p14:creationId xmlns:p14="http://schemas.microsoft.com/office/powerpoint/2010/main" val="3917098044"/>
       </p:ext>
     </p:extLst>
   </p:cSld>
@@ -12458,7 +13118,7 @@
           <p:cNvPr id="2" name="Title 1">
             <a:extLst>
               <a:ext uri="{FF2B5EF4-FFF2-40B4-BE49-F238E27FC236}">
-                <a16:creationId xmlns:a16="http://schemas.microsoft.com/office/drawing/2014/main" id="{2B0CA056-C886-4289-8979-FB1C7003BE2C}"/>
+                <a16:creationId xmlns:a16="http://schemas.microsoft.com/office/drawing/2014/main" id="{05C56A8A-C10E-4F8C-99C4-192628EA6A26}"/>
               </a:ext>
             </a:extLst>
           </p:cNvPr>
@@ -12475,6 +13135,443 @@
           <a:lstStyle/>
           <a:p>
             <a:r>
+              <a:rPr lang="en-IN"/>
+              <a:t>Implementation</a:t>
+            </a:r>
+            <a:endParaRPr lang="en-IN" dirty="0"/>
+          </a:p>
+        </p:txBody>
+      </p:sp>
+      <p:sp>
+        <p:nvSpPr>
+          <p:cNvPr id="5" name="Content Placeholder 4">
+            <a:extLst>
+              <a:ext uri="{FF2B5EF4-FFF2-40B4-BE49-F238E27FC236}">
+                <a16:creationId xmlns:a16="http://schemas.microsoft.com/office/drawing/2014/main" id="{1CCD826B-69BF-4F37-8A83-B6D3962BCBBA}"/>
+              </a:ext>
+            </a:extLst>
+          </p:cNvPr>
+          <p:cNvSpPr>
+            <a:spLocks noGrp="1"/>
+          </p:cNvSpPr>
+          <p:nvPr>
+            <p:ph idx="1"/>
+          </p:nvPr>
+        </p:nvSpPr>
+        <p:spPr>
+          <a:xfrm>
+            <a:off x="1097280" y="2099388"/>
+            <a:ext cx="10058400" cy="3769705"/>
+          </a:xfrm>
+        </p:spPr>
+        <p:txBody>
+          <a:bodyPr/>
+          <a:lstStyle/>
+          <a:p>
+            <a:pPr lvl="0">
+              <a:buFont typeface="Wingdings" panose="05000000000000000000" pitchFamily="2" charset="2"/>
+              <a:buChar char="q"/>
+            </a:pPr>
+            <a:r>
+              <a:rPr lang="en-IN" dirty="0"/>
+              <a:t> Dataset: IMDB Movie Reviews [6]</a:t>
+            </a:r>
+          </a:p>
+          <a:p>
+            <a:pPr lvl="0">
+              <a:buFont typeface="Wingdings" panose="05000000000000000000" pitchFamily="2" charset="2"/>
+              <a:buChar char="q"/>
+            </a:pPr>
+            <a:r>
+              <a:rPr lang="en-IN" dirty="0"/>
+              <a:t> Data Pre-processing</a:t>
+            </a:r>
+          </a:p>
+          <a:p>
+            <a:pPr lvl="0">
+              <a:buFont typeface="Wingdings" panose="05000000000000000000" pitchFamily="2" charset="2"/>
+              <a:buChar char="q"/>
+            </a:pPr>
+            <a:r>
+              <a:rPr lang="en-IN" dirty="0"/>
+              <a:t> Library: </a:t>
+            </a:r>
+            <a:r>
+              <a:rPr lang="en-IN" dirty="0" err="1"/>
+              <a:t>Keras</a:t>
+            </a:r>
+            <a:endParaRPr lang="en-IN" dirty="0"/>
+          </a:p>
+          <a:p>
+            <a:pPr lvl="0">
+              <a:buFont typeface="Wingdings" panose="05000000000000000000" pitchFamily="2" charset="2"/>
+              <a:buChar char="q"/>
+            </a:pPr>
+            <a:r>
+              <a:rPr lang="en-IN" dirty="0"/>
+              <a:t> Word Embedding: One-Hot representation + </a:t>
+            </a:r>
+            <a:r>
+              <a:rPr lang="en-IN" dirty="0" err="1"/>
+              <a:t>Keras</a:t>
+            </a:r>
+            <a:r>
+              <a:rPr lang="en-IN" dirty="0"/>
+              <a:t> encoded </a:t>
+            </a:r>
+            <a:r>
+              <a:rPr lang="en-IN" dirty="0" err="1"/>
+              <a:t>Imdb</a:t>
+            </a:r>
+            <a:r>
+              <a:rPr lang="en-IN" dirty="0"/>
+              <a:t> format</a:t>
+            </a:r>
+          </a:p>
+          <a:p>
+            <a:pPr lvl="0">
+              <a:buFont typeface="Wingdings" panose="05000000000000000000" pitchFamily="2" charset="2"/>
+              <a:buChar char="q"/>
+            </a:pPr>
+            <a:r>
+              <a:rPr lang="en-IN" dirty="0"/>
+              <a:t> Model: (Embedding + Bidirectional(LSTM( )) + Bidirectional(LSTM( )) + Dense)</a:t>
+            </a:r>
+          </a:p>
+          <a:p>
+            <a:endParaRPr lang="en-IN" dirty="0"/>
+          </a:p>
+        </p:txBody>
+      </p:sp>
+      <p:sp>
+        <p:nvSpPr>
+          <p:cNvPr id="9" name="Footer Placeholder 3">
+            <a:extLst>
+              <a:ext uri="{FF2B5EF4-FFF2-40B4-BE49-F238E27FC236}">
+                <a16:creationId xmlns:a16="http://schemas.microsoft.com/office/drawing/2014/main" id="{DBD49B59-CE71-4E55-9294-CA8886EBEE81}"/>
+              </a:ext>
+            </a:extLst>
+          </p:cNvPr>
+          <p:cNvSpPr>
+            <a:spLocks noGrp="1"/>
+          </p:cNvSpPr>
+          <p:nvPr>
+            <p:ph type="ftr" sz="quarter" idx="11"/>
+          </p:nvPr>
+        </p:nvSpPr>
+        <p:spPr>
+          <a:xfrm>
+            <a:off x="0" y="6459785"/>
+            <a:ext cx="12192000" cy="365125"/>
+          </a:xfrm>
+        </p:spPr>
+        <p:txBody>
+          <a:bodyPr/>
+          <a:lstStyle/>
+          <a:p>
+            <a:pPr algn="l"/>
+            <a:r>
+              <a:rPr lang="en-US" sz="1200" dirty="0"/>
+              <a:t>Shaikh Safir Mohammad</a:t>
+            </a:r>
+            <a:br>
+              <a:rPr lang="en-US" sz="1200" dirty="0"/>
+            </a:br>
+            <a:r>
+              <a:rPr lang="en-US" sz="1200" dirty="0" err="1"/>
+              <a:t>Yelpale</a:t>
+            </a:r>
+            <a:r>
+              <a:rPr lang="en-US" sz="1200" dirty="0"/>
+              <a:t> </a:t>
+            </a:r>
+            <a:r>
+              <a:rPr lang="en-US" sz="1200" dirty="0" err="1"/>
+              <a:t>Kshitij</a:t>
+            </a:r>
+            <a:r>
+              <a:rPr lang="en-US" sz="1200" dirty="0"/>
+              <a:t> </a:t>
+            </a:r>
+          </a:p>
+        </p:txBody>
+      </p:sp>
+      <p:sp>
+        <p:nvSpPr>
+          <p:cNvPr id="10" name="Slide Number Placeholder 4">
+            <a:extLst>
+              <a:ext uri="{FF2B5EF4-FFF2-40B4-BE49-F238E27FC236}">
+                <a16:creationId xmlns:a16="http://schemas.microsoft.com/office/drawing/2014/main" id="{46F5AA6B-B05B-4384-9935-4B05DC04D25F}"/>
+              </a:ext>
+            </a:extLst>
+          </p:cNvPr>
+          <p:cNvSpPr txBox="1">
+            <a:spLocks/>
+          </p:cNvSpPr>
+          <p:nvPr/>
+        </p:nvSpPr>
+        <p:spPr>
+          <a:xfrm>
+            <a:off x="10879975" y="6459784"/>
+            <a:ext cx="1312025" cy="365125"/>
+          </a:xfrm>
+          <a:prstGeom prst="rect">
+            <a:avLst/>
+          </a:prstGeom>
+        </p:spPr>
+        <p:txBody>
+          <a:bodyPr vert="horz" lIns="91440" tIns="45720" rIns="91440" bIns="45720" rtlCol="0" anchor="ctr"/>
+          <a:lstStyle>
+            <a:defPPr>
+              <a:defRPr lang="en-US"/>
+            </a:defPPr>
+            <a:lvl1pPr marL="0" algn="r" defTabSz="457200" rtl="0" eaLnBrk="1" latinLnBrk="0" hangingPunct="1">
+              <a:defRPr sz="1050" kern="1200">
+                <a:solidFill>
+                  <a:srgbClr val="FFFFFF"/>
+                </a:solidFill>
+                <a:latin typeface="+mn-lt"/>
+                <a:ea typeface="+mn-ea"/>
+                <a:cs typeface="+mn-cs"/>
+              </a:defRPr>
+            </a:lvl1pPr>
+            <a:lvl2pPr marL="457200" algn="l" defTabSz="457200" rtl="0" eaLnBrk="1" latinLnBrk="0" hangingPunct="1">
+              <a:defRPr sz="1800" kern="1200">
+                <a:solidFill>
+                  <a:schemeClr val="tx1"/>
+                </a:solidFill>
+                <a:latin typeface="+mn-lt"/>
+                <a:ea typeface="+mn-ea"/>
+                <a:cs typeface="+mn-cs"/>
+              </a:defRPr>
+            </a:lvl2pPr>
+            <a:lvl3pPr marL="914400" algn="l" defTabSz="457200" rtl="0" eaLnBrk="1" latinLnBrk="0" hangingPunct="1">
+              <a:defRPr sz="1800" kern="1200">
+                <a:solidFill>
+                  <a:schemeClr val="tx1"/>
+                </a:solidFill>
+                <a:latin typeface="+mn-lt"/>
+                <a:ea typeface="+mn-ea"/>
+                <a:cs typeface="+mn-cs"/>
+              </a:defRPr>
+            </a:lvl3pPr>
+            <a:lvl4pPr marL="1371600" algn="l" defTabSz="457200" rtl="0" eaLnBrk="1" latinLnBrk="0" hangingPunct="1">
+              <a:defRPr sz="1800" kern="1200">
+                <a:solidFill>
+                  <a:schemeClr val="tx1"/>
+                </a:solidFill>
+                <a:latin typeface="+mn-lt"/>
+                <a:ea typeface="+mn-ea"/>
+                <a:cs typeface="+mn-cs"/>
+              </a:defRPr>
+            </a:lvl4pPr>
+            <a:lvl5pPr marL="1828800" algn="l" defTabSz="457200" rtl="0" eaLnBrk="1" latinLnBrk="0" hangingPunct="1">
+              <a:defRPr sz="1800" kern="1200">
+                <a:solidFill>
+                  <a:schemeClr val="tx1"/>
+                </a:solidFill>
+                <a:latin typeface="+mn-lt"/>
+                <a:ea typeface="+mn-ea"/>
+                <a:cs typeface="+mn-cs"/>
+              </a:defRPr>
+            </a:lvl5pPr>
+            <a:lvl6pPr marL="2286000" algn="l" defTabSz="457200" rtl="0" eaLnBrk="1" latinLnBrk="0" hangingPunct="1">
+              <a:defRPr sz="1800" kern="1200">
+                <a:solidFill>
+                  <a:schemeClr val="tx1"/>
+                </a:solidFill>
+                <a:latin typeface="+mn-lt"/>
+                <a:ea typeface="+mn-ea"/>
+                <a:cs typeface="+mn-cs"/>
+              </a:defRPr>
+            </a:lvl6pPr>
+            <a:lvl7pPr marL="2743200" algn="l" defTabSz="457200" rtl="0" eaLnBrk="1" latinLnBrk="0" hangingPunct="1">
+              <a:defRPr sz="1800" kern="1200">
+                <a:solidFill>
+                  <a:schemeClr val="tx1"/>
+                </a:solidFill>
+                <a:latin typeface="+mn-lt"/>
+                <a:ea typeface="+mn-ea"/>
+                <a:cs typeface="+mn-cs"/>
+              </a:defRPr>
+            </a:lvl7pPr>
+            <a:lvl8pPr marL="3200400" algn="l" defTabSz="457200" rtl="0" eaLnBrk="1" latinLnBrk="0" hangingPunct="1">
+              <a:defRPr sz="1800" kern="1200">
+                <a:solidFill>
+                  <a:schemeClr val="tx1"/>
+                </a:solidFill>
+                <a:latin typeface="+mn-lt"/>
+                <a:ea typeface="+mn-ea"/>
+                <a:cs typeface="+mn-cs"/>
+              </a:defRPr>
+            </a:lvl8pPr>
+            <a:lvl9pPr marL="3657600" algn="l" defTabSz="457200" rtl="0" eaLnBrk="1" latinLnBrk="0" hangingPunct="1">
+              <a:defRPr sz="1800" kern="1200">
+                <a:solidFill>
+                  <a:schemeClr val="tx1"/>
+                </a:solidFill>
+                <a:latin typeface="+mn-lt"/>
+                <a:ea typeface="+mn-ea"/>
+                <a:cs typeface="+mn-cs"/>
+              </a:defRPr>
+            </a:lvl9pPr>
+          </a:lstStyle>
+          <a:p>
+            <a:fld id="{A44A4EFC-2442-42B4-818B-150907507D35}" type="slidenum">
+              <a:rPr lang="en-IN" sz="1200" smtClean="0"/>
+              <a:pPr/>
+              <a:t>24</a:t>
+            </a:fld>
+            <a:endParaRPr lang="en-IN" sz="1200" dirty="0"/>
+          </a:p>
+        </p:txBody>
+      </p:sp>
+      <p:sp>
+        <p:nvSpPr>
+          <p:cNvPr id="11" name="TextBox 10">
+            <a:extLst>
+              <a:ext uri="{FF2B5EF4-FFF2-40B4-BE49-F238E27FC236}">
+                <a16:creationId xmlns:a16="http://schemas.microsoft.com/office/drawing/2014/main" id="{FC7935C0-2AFC-4534-AC3E-F4CF88694EAF}"/>
+              </a:ext>
+            </a:extLst>
+          </p:cNvPr>
+          <p:cNvSpPr txBox="1"/>
+          <p:nvPr/>
+        </p:nvSpPr>
+        <p:spPr>
+          <a:xfrm>
+            <a:off x="4927862" y="6459785"/>
+            <a:ext cx="2336276" cy="584775"/>
+          </a:xfrm>
+          <a:prstGeom prst="rect">
+            <a:avLst/>
+          </a:prstGeom>
+          <a:noFill/>
+        </p:spPr>
+        <p:txBody>
+          <a:bodyPr wrap="square" rtlCol="0">
+            <a:spAutoFit/>
+          </a:bodyPr>
+          <a:lstStyle/>
+          <a:p>
+            <a:r>
+              <a:rPr lang="en-US" sz="1400" dirty="0">
+                <a:solidFill>
+                  <a:schemeClr val="bg1"/>
+                </a:solidFill>
+              </a:rPr>
+              <a:t>Applications of NN with LSTM</a:t>
+            </a:r>
+            <a:endParaRPr lang="en-IN" sz="1400" dirty="0">
+              <a:solidFill>
+                <a:schemeClr val="bg1"/>
+              </a:solidFill>
+            </a:endParaRPr>
+          </a:p>
+          <a:p>
+            <a:endParaRPr lang="en-IN" dirty="0"/>
+          </a:p>
+        </p:txBody>
+      </p:sp>
+      <p:pic>
+        <p:nvPicPr>
+          <p:cNvPr id="13" name="Picture 2">
+            <a:extLst>
+              <a:ext uri="{FF2B5EF4-FFF2-40B4-BE49-F238E27FC236}">
+                <a16:creationId xmlns:a16="http://schemas.microsoft.com/office/drawing/2014/main" id="{2480761F-D491-4555-A59F-D732BEF4BBEA}"/>
+              </a:ext>
+            </a:extLst>
+          </p:cNvPr>
+          <p:cNvPicPr>
+            <a:picLocks noChangeAspect="1" noChangeArrowheads="1"/>
+          </p:cNvPicPr>
+          <p:nvPr/>
+        </p:nvPicPr>
+        <p:blipFill>
+          <a:blip r:embed="rId3">
+            <a:extLst>
+              <a:ext uri="{28A0092B-C50C-407E-A947-70E740481C1C}">
+                <a14:useLocalDpi xmlns:a14="http://schemas.microsoft.com/office/drawing/2010/main" val="0"/>
+              </a:ext>
+            </a:extLst>
+          </a:blip>
+          <a:srcRect/>
+          <a:stretch>
+            <a:fillRect/>
+          </a:stretch>
+        </p:blipFill>
+        <p:spPr bwMode="auto">
+          <a:xfrm>
+            <a:off x="10291240" y="141403"/>
+            <a:ext cx="1728246" cy="713087"/>
+          </a:xfrm>
+          <a:prstGeom prst="rect">
+            <a:avLst/>
+          </a:prstGeom>
+          <a:noFill/>
+          <a:extLst>
+            <a:ext uri="{909E8E84-426E-40DD-AFC4-6F175D3DCCD1}">
+              <a14:hiddenFill xmlns:a14="http://schemas.microsoft.com/office/drawing/2010/main">
+                <a:solidFill>
+                  <a:srgbClr val="FFFFFF"/>
+                </a:solidFill>
+              </a14:hiddenFill>
+            </a:ext>
+          </a:extLst>
+        </p:spPr>
+      </p:pic>
+    </p:spTree>
+    <p:extLst>
+      <p:ext uri="{BB962C8B-B14F-4D97-AF65-F5344CB8AC3E}">
+        <p14:creationId xmlns:p14="http://schemas.microsoft.com/office/powerpoint/2010/main" val="744375311"/>
+      </p:ext>
+    </p:extLst>
+  </p:cSld>
+  <p:clrMapOvr>
+    <a:masterClrMapping/>
+  </p:clrMapOvr>
+</p:sld>
+</file>
+
+<file path=ppt/slides/slide25.xml><?xml version="1.0" encoding="utf-8"?>
+<p:sld xmlns:a="http://schemas.openxmlformats.org/drawingml/2006/main" xmlns:r="http://schemas.openxmlformats.org/officeDocument/2006/relationships" xmlns:p="http://schemas.openxmlformats.org/presentationml/2006/main">
+  <p:cSld>
+    <p:spTree>
+      <p:nvGrpSpPr>
+        <p:cNvPr id="1" name=""/>
+        <p:cNvGrpSpPr/>
+        <p:nvPr/>
+      </p:nvGrpSpPr>
+      <p:grpSpPr>
+        <a:xfrm>
+          <a:off x="0" y="0"/>
+          <a:ext cx="0" cy="0"/>
+          <a:chOff x="0" y="0"/>
+          <a:chExt cx="0" cy="0"/>
+        </a:xfrm>
+      </p:grpSpPr>
+      <p:sp>
+        <p:nvSpPr>
+          <p:cNvPr id="2" name="Title 1">
+            <a:extLst>
+              <a:ext uri="{FF2B5EF4-FFF2-40B4-BE49-F238E27FC236}">
+                <a16:creationId xmlns:a16="http://schemas.microsoft.com/office/drawing/2014/main" id="{2B0CA056-C886-4289-8979-FB1C7003BE2C}"/>
+              </a:ext>
+            </a:extLst>
+          </p:cNvPr>
+          <p:cNvSpPr>
+            <a:spLocks noGrp="1"/>
+          </p:cNvSpPr>
+          <p:nvPr>
+            <p:ph type="title"/>
+          </p:nvPr>
+        </p:nvSpPr>
+        <p:spPr/>
+        <p:txBody>
+          <a:bodyPr/>
+          <a:lstStyle/>
+          <a:p>
+            <a:r>
               <a:rPr lang="en-IN" dirty="0"/>
               <a:t>Performance Measures</a:t>
             </a:r>
@@ -12495,6 +13592,11 @@
           </p:cNvGraphicFramePr>
           <p:nvPr>
             <p:ph idx="1"/>
+            <p:extLst>
+              <p:ext uri="{D42A27DB-BD31-4B8C-83A1-F6EECF244321}">
+                <p14:modId xmlns:p14="http://schemas.microsoft.com/office/powerpoint/2010/main" val="3454229645"/>
+              </p:ext>
+            </p:extLst>
           </p:nvPr>
         </p:nvGraphicFramePr>
         <p:xfrm>
@@ -12670,7 +13772,7 @@
                       <a:pPr algn="ctr"/>
                       <a:r>
                         <a:rPr lang="en-US" dirty="0"/>
-                        <a:t>81.29 %</a:t>
+                        <a:t>82.96 %</a:t>
                       </a:r>
                       <a:endParaRPr lang="en-IN" dirty="0"/>
                     </a:p>
@@ -13134,7 +14236,7 @@
             <a:fld id="{A44A4EFC-2442-42B4-818B-150907507D35}" type="slidenum">
               <a:rPr lang="en-IN" sz="1200" smtClean="0"/>
               <a:pPr/>
-              <a:t>24</a:t>
+              <a:t>25</a:t>
             </a:fld>
             <a:endParaRPr lang="en-IN" sz="1200" dirty="0"/>
           </a:p>
@@ -13238,346 +14340,6 @@
     <p:extLst>
       <p:ext uri="{BB962C8B-B14F-4D97-AF65-F5344CB8AC3E}">
         <p14:creationId xmlns:p14="http://schemas.microsoft.com/office/powerpoint/2010/main" val="1479201535"/>
-      </p:ext>
-    </p:extLst>
-  </p:cSld>
-  <p:clrMapOvr>
-    <a:masterClrMapping/>
-  </p:clrMapOvr>
-</p:sld>
-</file>
-
-<file path=ppt/slides/slide25.xml><?xml version="1.0" encoding="utf-8"?>
-<p:sld xmlns:a="http://schemas.openxmlformats.org/drawingml/2006/main" xmlns:r="http://schemas.openxmlformats.org/officeDocument/2006/relationships" xmlns:p="http://schemas.openxmlformats.org/presentationml/2006/main">
-  <p:cSld>
-    <p:spTree>
-      <p:nvGrpSpPr>
-        <p:cNvPr id="1" name=""/>
-        <p:cNvGrpSpPr/>
-        <p:nvPr/>
-      </p:nvGrpSpPr>
-      <p:grpSpPr>
-        <a:xfrm>
-          <a:off x="0" y="0"/>
-          <a:ext cx="0" cy="0"/>
-          <a:chOff x="0" y="0"/>
-          <a:chExt cx="0" cy="0"/>
-        </a:xfrm>
-      </p:grpSpPr>
-      <p:sp>
-        <p:nvSpPr>
-          <p:cNvPr id="4" name="Title 3">
-            <a:extLst>
-              <a:ext uri="{FF2B5EF4-FFF2-40B4-BE49-F238E27FC236}">
-                <a16:creationId xmlns:a16="http://schemas.microsoft.com/office/drawing/2014/main" id="{57D2E79A-43B0-404A-B78F-2ECB9D8FCD7B}"/>
-              </a:ext>
-            </a:extLst>
-          </p:cNvPr>
-          <p:cNvSpPr>
-            <a:spLocks noGrp="1"/>
-          </p:cNvSpPr>
-          <p:nvPr>
-            <p:ph type="title" idx="4294967295"/>
-          </p:nvPr>
-        </p:nvSpPr>
-        <p:spPr>
-          <a:xfrm>
-            <a:off x="1066800" y="2523021"/>
-            <a:ext cx="10058400" cy="1065005"/>
-          </a:xfrm>
-        </p:spPr>
-        <p:txBody>
-          <a:bodyPr/>
-          <a:lstStyle/>
-          <a:p>
-            <a:r>
-              <a:rPr lang="en-IN" dirty="0"/>
-              <a:t>				   Demo</a:t>
-            </a:r>
-          </a:p>
-        </p:txBody>
-      </p:sp>
-      <p:sp>
-        <p:nvSpPr>
-          <p:cNvPr id="5" name="Footer Placeholder 3">
-            <a:extLst>
-              <a:ext uri="{FF2B5EF4-FFF2-40B4-BE49-F238E27FC236}">
-                <a16:creationId xmlns:a16="http://schemas.microsoft.com/office/drawing/2014/main" id="{FA29DD3E-D48E-4B1E-BE08-F6E7240060BE}"/>
-              </a:ext>
-            </a:extLst>
-          </p:cNvPr>
-          <p:cNvSpPr>
-            <a:spLocks noGrp="1"/>
-          </p:cNvSpPr>
-          <p:nvPr>
-            <p:ph type="ftr" sz="quarter" idx="11"/>
-          </p:nvPr>
-        </p:nvSpPr>
-        <p:spPr>
-          <a:xfrm>
-            <a:off x="0" y="6459785"/>
-            <a:ext cx="12192000" cy="365125"/>
-          </a:xfrm>
-        </p:spPr>
-        <p:txBody>
-          <a:bodyPr/>
-          <a:lstStyle/>
-          <a:p>
-            <a:pPr algn="l"/>
-            <a:r>
-              <a:rPr lang="en-US" sz="1200" dirty="0"/>
-              <a:t>Shaikh Safir Mohammad</a:t>
-            </a:r>
-            <a:br>
-              <a:rPr lang="en-US" sz="1200" dirty="0"/>
-            </a:br>
-            <a:r>
-              <a:rPr lang="en-US" sz="1200" dirty="0" err="1"/>
-              <a:t>Yelpale</a:t>
-            </a:r>
-            <a:r>
-              <a:rPr lang="en-US" sz="1200" dirty="0"/>
-              <a:t> </a:t>
-            </a:r>
-            <a:r>
-              <a:rPr lang="en-US" sz="1200" dirty="0" err="1"/>
-              <a:t>Kshitij</a:t>
-            </a:r>
-            <a:r>
-              <a:rPr lang="en-US" sz="1200" dirty="0"/>
-              <a:t> </a:t>
-            </a:r>
-          </a:p>
-        </p:txBody>
-      </p:sp>
-      <p:sp>
-        <p:nvSpPr>
-          <p:cNvPr id="6" name="Slide Number Placeholder 4">
-            <a:extLst>
-              <a:ext uri="{FF2B5EF4-FFF2-40B4-BE49-F238E27FC236}">
-                <a16:creationId xmlns:a16="http://schemas.microsoft.com/office/drawing/2014/main" id="{52B0BB84-F6FE-4A98-9FF1-2ECD96A63C37}"/>
-              </a:ext>
-            </a:extLst>
-          </p:cNvPr>
-          <p:cNvSpPr txBox="1">
-            <a:spLocks/>
-          </p:cNvSpPr>
-          <p:nvPr/>
-        </p:nvSpPr>
-        <p:spPr>
-          <a:xfrm>
-            <a:off x="10879975" y="6459784"/>
-            <a:ext cx="1312025" cy="365125"/>
-          </a:xfrm>
-          <a:prstGeom prst="rect">
-            <a:avLst/>
-          </a:prstGeom>
-        </p:spPr>
-        <p:txBody>
-          <a:bodyPr vert="horz" lIns="91440" tIns="45720" rIns="91440" bIns="45720" rtlCol="0" anchor="ctr"/>
-          <a:lstStyle>
-            <a:defPPr>
-              <a:defRPr lang="en-US"/>
-            </a:defPPr>
-            <a:lvl1pPr marL="0" algn="r" defTabSz="457200" rtl="0" eaLnBrk="1" latinLnBrk="0" hangingPunct="1">
-              <a:defRPr sz="1050" kern="1200">
-                <a:solidFill>
-                  <a:srgbClr val="FFFFFF"/>
-                </a:solidFill>
-                <a:latin typeface="+mn-lt"/>
-                <a:ea typeface="+mn-ea"/>
-                <a:cs typeface="+mn-cs"/>
-              </a:defRPr>
-            </a:lvl1pPr>
-            <a:lvl2pPr marL="457200" algn="l" defTabSz="457200" rtl="0" eaLnBrk="1" latinLnBrk="0" hangingPunct="1">
-              <a:defRPr sz="1800" kern="1200">
-                <a:solidFill>
-                  <a:schemeClr val="tx1"/>
-                </a:solidFill>
-                <a:latin typeface="+mn-lt"/>
-                <a:ea typeface="+mn-ea"/>
-                <a:cs typeface="+mn-cs"/>
-              </a:defRPr>
-            </a:lvl2pPr>
-            <a:lvl3pPr marL="914400" algn="l" defTabSz="457200" rtl="0" eaLnBrk="1" latinLnBrk="0" hangingPunct="1">
-              <a:defRPr sz="1800" kern="1200">
-                <a:solidFill>
-                  <a:schemeClr val="tx1"/>
-                </a:solidFill>
-                <a:latin typeface="+mn-lt"/>
-                <a:ea typeface="+mn-ea"/>
-                <a:cs typeface="+mn-cs"/>
-              </a:defRPr>
-            </a:lvl3pPr>
-            <a:lvl4pPr marL="1371600" algn="l" defTabSz="457200" rtl="0" eaLnBrk="1" latinLnBrk="0" hangingPunct="1">
-              <a:defRPr sz="1800" kern="1200">
-                <a:solidFill>
-                  <a:schemeClr val="tx1"/>
-                </a:solidFill>
-                <a:latin typeface="+mn-lt"/>
-                <a:ea typeface="+mn-ea"/>
-                <a:cs typeface="+mn-cs"/>
-              </a:defRPr>
-            </a:lvl4pPr>
-            <a:lvl5pPr marL="1828800" algn="l" defTabSz="457200" rtl="0" eaLnBrk="1" latinLnBrk="0" hangingPunct="1">
-              <a:defRPr sz="1800" kern="1200">
-                <a:solidFill>
-                  <a:schemeClr val="tx1"/>
-                </a:solidFill>
-                <a:latin typeface="+mn-lt"/>
-                <a:ea typeface="+mn-ea"/>
-                <a:cs typeface="+mn-cs"/>
-              </a:defRPr>
-            </a:lvl5pPr>
-            <a:lvl6pPr marL="2286000" algn="l" defTabSz="457200" rtl="0" eaLnBrk="1" latinLnBrk="0" hangingPunct="1">
-              <a:defRPr sz="1800" kern="1200">
-                <a:solidFill>
-                  <a:schemeClr val="tx1"/>
-                </a:solidFill>
-                <a:latin typeface="+mn-lt"/>
-                <a:ea typeface="+mn-ea"/>
-                <a:cs typeface="+mn-cs"/>
-              </a:defRPr>
-            </a:lvl6pPr>
-            <a:lvl7pPr marL="2743200" algn="l" defTabSz="457200" rtl="0" eaLnBrk="1" latinLnBrk="0" hangingPunct="1">
-              <a:defRPr sz="1800" kern="1200">
-                <a:solidFill>
-                  <a:schemeClr val="tx1"/>
-                </a:solidFill>
-                <a:latin typeface="+mn-lt"/>
-                <a:ea typeface="+mn-ea"/>
-                <a:cs typeface="+mn-cs"/>
-              </a:defRPr>
-            </a:lvl7pPr>
-            <a:lvl8pPr marL="3200400" algn="l" defTabSz="457200" rtl="0" eaLnBrk="1" latinLnBrk="0" hangingPunct="1">
-              <a:defRPr sz="1800" kern="1200">
-                <a:solidFill>
-                  <a:schemeClr val="tx1"/>
-                </a:solidFill>
-                <a:latin typeface="+mn-lt"/>
-                <a:ea typeface="+mn-ea"/>
-                <a:cs typeface="+mn-cs"/>
-              </a:defRPr>
-            </a:lvl8pPr>
-            <a:lvl9pPr marL="3657600" algn="l" defTabSz="457200" rtl="0" eaLnBrk="1" latinLnBrk="0" hangingPunct="1">
-              <a:defRPr sz="1800" kern="1200">
-                <a:solidFill>
-                  <a:schemeClr val="tx1"/>
-                </a:solidFill>
-                <a:latin typeface="+mn-lt"/>
-                <a:ea typeface="+mn-ea"/>
-                <a:cs typeface="+mn-cs"/>
-              </a:defRPr>
-            </a:lvl9pPr>
-          </a:lstStyle>
-          <a:p>
-            <a:fld id="{A44A4EFC-2442-42B4-818B-150907507D35}" type="slidenum">
-              <a:rPr lang="en-IN" sz="1200" smtClean="0"/>
-              <a:pPr/>
-              <a:t>25</a:t>
-            </a:fld>
-            <a:endParaRPr lang="en-IN" sz="1200" dirty="0"/>
-          </a:p>
-        </p:txBody>
-      </p:sp>
-      <p:sp>
-        <p:nvSpPr>
-          <p:cNvPr id="7" name="TextBox 6">
-            <a:extLst>
-              <a:ext uri="{FF2B5EF4-FFF2-40B4-BE49-F238E27FC236}">
-                <a16:creationId xmlns:a16="http://schemas.microsoft.com/office/drawing/2014/main" id="{5A46364A-F442-40CD-BC3A-2453E1A1D2B6}"/>
-              </a:ext>
-            </a:extLst>
-          </p:cNvPr>
-          <p:cNvSpPr txBox="1"/>
-          <p:nvPr/>
-        </p:nvSpPr>
-        <p:spPr>
-          <a:xfrm>
-            <a:off x="4927862" y="6459785"/>
-            <a:ext cx="2336276" cy="584775"/>
-          </a:xfrm>
-          <a:prstGeom prst="rect">
-            <a:avLst/>
-          </a:prstGeom>
-          <a:noFill/>
-        </p:spPr>
-        <p:txBody>
-          <a:bodyPr wrap="square" rtlCol="0">
-            <a:spAutoFit/>
-          </a:bodyPr>
-          <a:lstStyle/>
-          <a:p>
-            <a:r>
-              <a:rPr lang="en-US" sz="1400" dirty="0">
-                <a:solidFill>
-                  <a:schemeClr val="bg1"/>
-                </a:solidFill>
-              </a:rPr>
-              <a:t>Applications of NN with LSTM</a:t>
-            </a:r>
-            <a:endParaRPr lang="en-IN" sz="1400" dirty="0">
-              <a:solidFill>
-                <a:schemeClr val="bg1"/>
-              </a:solidFill>
-            </a:endParaRPr>
-          </a:p>
-          <a:p>
-            <a:endParaRPr lang="en-IN" dirty="0"/>
-          </a:p>
-        </p:txBody>
-      </p:sp>
-      <p:pic>
-        <p:nvPicPr>
-          <p:cNvPr id="9" name="Picture 2">
-            <a:extLst>
-              <a:ext uri="{FF2B5EF4-FFF2-40B4-BE49-F238E27FC236}">
-                <a16:creationId xmlns:a16="http://schemas.microsoft.com/office/drawing/2014/main" id="{D4D899EB-13FF-4FE3-8FCA-7C43777F6CD5}"/>
-              </a:ext>
-            </a:extLst>
-          </p:cNvPr>
-          <p:cNvPicPr>
-            <a:picLocks noChangeAspect="1" noChangeArrowheads="1"/>
-          </p:cNvPicPr>
-          <p:nvPr/>
-        </p:nvPicPr>
-        <p:blipFill>
-          <a:blip r:embed="rId2">
-            <a:extLst>
-              <a:ext uri="{28A0092B-C50C-407E-A947-70E740481C1C}">
-                <a14:useLocalDpi xmlns:a14="http://schemas.microsoft.com/office/drawing/2010/main" val="0"/>
-              </a:ext>
-            </a:extLst>
-          </a:blip>
-          <a:srcRect/>
-          <a:stretch>
-            <a:fillRect/>
-          </a:stretch>
-        </p:blipFill>
-        <p:spPr bwMode="auto">
-          <a:xfrm>
-            <a:off x="10291240" y="141403"/>
-            <a:ext cx="1728246" cy="713087"/>
-          </a:xfrm>
-          <a:prstGeom prst="rect">
-            <a:avLst/>
-          </a:prstGeom>
-          <a:noFill/>
-          <a:extLst>
-            <a:ext uri="{909E8E84-426E-40DD-AFC4-6F175D3DCCD1}">
-              <a14:hiddenFill xmlns:a14="http://schemas.microsoft.com/office/drawing/2010/main">
-                <a:solidFill>
-                  <a:srgbClr val="FFFFFF"/>
-                </a:solidFill>
-              </a14:hiddenFill>
-            </a:ext>
-          </a:extLst>
-        </p:spPr>
-      </p:pic>
-    </p:spTree>
-    <p:extLst>
-      <p:ext uri="{BB962C8B-B14F-4D97-AF65-F5344CB8AC3E}">
-        <p14:creationId xmlns:p14="http://schemas.microsoft.com/office/powerpoint/2010/main" val="2651463609"/>
       </p:ext>
     </p:extLst>
   </p:cSld>
@@ -13606,6 +14368,346 @@
       </p:grpSpPr>
       <p:sp>
         <p:nvSpPr>
+          <p:cNvPr id="4" name="Title 3">
+            <a:extLst>
+              <a:ext uri="{FF2B5EF4-FFF2-40B4-BE49-F238E27FC236}">
+                <a16:creationId xmlns:a16="http://schemas.microsoft.com/office/drawing/2014/main" id="{57D2E79A-43B0-404A-B78F-2ECB9D8FCD7B}"/>
+              </a:ext>
+            </a:extLst>
+          </p:cNvPr>
+          <p:cNvSpPr>
+            <a:spLocks noGrp="1"/>
+          </p:cNvSpPr>
+          <p:nvPr>
+            <p:ph type="title" idx="4294967295"/>
+          </p:nvPr>
+        </p:nvSpPr>
+        <p:spPr>
+          <a:xfrm>
+            <a:off x="1066800" y="2523021"/>
+            <a:ext cx="10058400" cy="1065005"/>
+          </a:xfrm>
+        </p:spPr>
+        <p:txBody>
+          <a:bodyPr/>
+          <a:lstStyle/>
+          <a:p>
+            <a:r>
+              <a:rPr lang="en-IN" dirty="0"/>
+              <a:t>				   Demo</a:t>
+            </a:r>
+          </a:p>
+        </p:txBody>
+      </p:sp>
+      <p:sp>
+        <p:nvSpPr>
+          <p:cNvPr id="5" name="Footer Placeholder 3">
+            <a:extLst>
+              <a:ext uri="{FF2B5EF4-FFF2-40B4-BE49-F238E27FC236}">
+                <a16:creationId xmlns:a16="http://schemas.microsoft.com/office/drawing/2014/main" id="{FA29DD3E-D48E-4B1E-BE08-F6E7240060BE}"/>
+              </a:ext>
+            </a:extLst>
+          </p:cNvPr>
+          <p:cNvSpPr>
+            <a:spLocks noGrp="1"/>
+          </p:cNvSpPr>
+          <p:nvPr>
+            <p:ph type="ftr" sz="quarter" idx="11"/>
+          </p:nvPr>
+        </p:nvSpPr>
+        <p:spPr>
+          <a:xfrm>
+            <a:off x="0" y="6459785"/>
+            <a:ext cx="12192000" cy="365125"/>
+          </a:xfrm>
+        </p:spPr>
+        <p:txBody>
+          <a:bodyPr/>
+          <a:lstStyle/>
+          <a:p>
+            <a:pPr algn="l"/>
+            <a:r>
+              <a:rPr lang="en-US" sz="1200" dirty="0"/>
+              <a:t>Shaikh Safir Mohammad</a:t>
+            </a:r>
+            <a:br>
+              <a:rPr lang="en-US" sz="1200" dirty="0"/>
+            </a:br>
+            <a:r>
+              <a:rPr lang="en-US" sz="1200" dirty="0" err="1"/>
+              <a:t>Yelpale</a:t>
+            </a:r>
+            <a:r>
+              <a:rPr lang="en-US" sz="1200" dirty="0"/>
+              <a:t> </a:t>
+            </a:r>
+            <a:r>
+              <a:rPr lang="en-US" sz="1200" dirty="0" err="1"/>
+              <a:t>Kshitij</a:t>
+            </a:r>
+            <a:r>
+              <a:rPr lang="en-US" sz="1200" dirty="0"/>
+              <a:t> </a:t>
+            </a:r>
+          </a:p>
+        </p:txBody>
+      </p:sp>
+      <p:sp>
+        <p:nvSpPr>
+          <p:cNvPr id="6" name="Slide Number Placeholder 4">
+            <a:extLst>
+              <a:ext uri="{FF2B5EF4-FFF2-40B4-BE49-F238E27FC236}">
+                <a16:creationId xmlns:a16="http://schemas.microsoft.com/office/drawing/2014/main" id="{52B0BB84-F6FE-4A98-9FF1-2ECD96A63C37}"/>
+              </a:ext>
+            </a:extLst>
+          </p:cNvPr>
+          <p:cNvSpPr txBox="1">
+            <a:spLocks/>
+          </p:cNvSpPr>
+          <p:nvPr/>
+        </p:nvSpPr>
+        <p:spPr>
+          <a:xfrm>
+            <a:off x="10879975" y="6459784"/>
+            <a:ext cx="1312025" cy="365125"/>
+          </a:xfrm>
+          <a:prstGeom prst="rect">
+            <a:avLst/>
+          </a:prstGeom>
+        </p:spPr>
+        <p:txBody>
+          <a:bodyPr vert="horz" lIns="91440" tIns="45720" rIns="91440" bIns="45720" rtlCol="0" anchor="ctr"/>
+          <a:lstStyle>
+            <a:defPPr>
+              <a:defRPr lang="en-US"/>
+            </a:defPPr>
+            <a:lvl1pPr marL="0" algn="r" defTabSz="457200" rtl="0" eaLnBrk="1" latinLnBrk="0" hangingPunct="1">
+              <a:defRPr sz="1050" kern="1200">
+                <a:solidFill>
+                  <a:srgbClr val="FFFFFF"/>
+                </a:solidFill>
+                <a:latin typeface="+mn-lt"/>
+                <a:ea typeface="+mn-ea"/>
+                <a:cs typeface="+mn-cs"/>
+              </a:defRPr>
+            </a:lvl1pPr>
+            <a:lvl2pPr marL="457200" algn="l" defTabSz="457200" rtl="0" eaLnBrk="1" latinLnBrk="0" hangingPunct="1">
+              <a:defRPr sz="1800" kern="1200">
+                <a:solidFill>
+                  <a:schemeClr val="tx1"/>
+                </a:solidFill>
+                <a:latin typeface="+mn-lt"/>
+                <a:ea typeface="+mn-ea"/>
+                <a:cs typeface="+mn-cs"/>
+              </a:defRPr>
+            </a:lvl2pPr>
+            <a:lvl3pPr marL="914400" algn="l" defTabSz="457200" rtl="0" eaLnBrk="1" latinLnBrk="0" hangingPunct="1">
+              <a:defRPr sz="1800" kern="1200">
+                <a:solidFill>
+                  <a:schemeClr val="tx1"/>
+                </a:solidFill>
+                <a:latin typeface="+mn-lt"/>
+                <a:ea typeface="+mn-ea"/>
+                <a:cs typeface="+mn-cs"/>
+              </a:defRPr>
+            </a:lvl3pPr>
+            <a:lvl4pPr marL="1371600" algn="l" defTabSz="457200" rtl="0" eaLnBrk="1" latinLnBrk="0" hangingPunct="1">
+              <a:defRPr sz="1800" kern="1200">
+                <a:solidFill>
+                  <a:schemeClr val="tx1"/>
+                </a:solidFill>
+                <a:latin typeface="+mn-lt"/>
+                <a:ea typeface="+mn-ea"/>
+                <a:cs typeface="+mn-cs"/>
+              </a:defRPr>
+            </a:lvl4pPr>
+            <a:lvl5pPr marL="1828800" algn="l" defTabSz="457200" rtl="0" eaLnBrk="1" latinLnBrk="0" hangingPunct="1">
+              <a:defRPr sz="1800" kern="1200">
+                <a:solidFill>
+                  <a:schemeClr val="tx1"/>
+                </a:solidFill>
+                <a:latin typeface="+mn-lt"/>
+                <a:ea typeface="+mn-ea"/>
+                <a:cs typeface="+mn-cs"/>
+              </a:defRPr>
+            </a:lvl5pPr>
+            <a:lvl6pPr marL="2286000" algn="l" defTabSz="457200" rtl="0" eaLnBrk="1" latinLnBrk="0" hangingPunct="1">
+              <a:defRPr sz="1800" kern="1200">
+                <a:solidFill>
+                  <a:schemeClr val="tx1"/>
+                </a:solidFill>
+                <a:latin typeface="+mn-lt"/>
+                <a:ea typeface="+mn-ea"/>
+                <a:cs typeface="+mn-cs"/>
+              </a:defRPr>
+            </a:lvl6pPr>
+            <a:lvl7pPr marL="2743200" algn="l" defTabSz="457200" rtl="0" eaLnBrk="1" latinLnBrk="0" hangingPunct="1">
+              <a:defRPr sz="1800" kern="1200">
+                <a:solidFill>
+                  <a:schemeClr val="tx1"/>
+                </a:solidFill>
+                <a:latin typeface="+mn-lt"/>
+                <a:ea typeface="+mn-ea"/>
+                <a:cs typeface="+mn-cs"/>
+              </a:defRPr>
+            </a:lvl7pPr>
+            <a:lvl8pPr marL="3200400" algn="l" defTabSz="457200" rtl="0" eaLnBrk="1" latinLnBrk="0" hangingPunct="1">
+              <a:defRPr sz="1800" kern="1200">
+                <a:solidFill>
+                  <a:schemeClr val="tx1"/>
+                </a:solidFill>
+                <a:latin typeface="+mn-lt"/>
+                <a:ea typeface="+mn-ea"/>
+                <a:cs typeface="+mn-cs"/>
+              </a:defRPr>
+            </a:lvl8pPr>
+            <a:lvl9pPr marL="3657600" algn="l" defTabSz="457200" rtl="0" eaLnBrk="1" latinLnBrk="0" hangingPunct="1">
+              <a:defRPr sz="1800" kern="1200">
+                <a:solidFill>
+                  <a:schemeClr val="tx1"/>
+                </a:solidFill>
+                <a:latin typeface="+mn-lt"/>
+                <a:ea typeface="+mn-ea"/>
+                <a:cs typeface="+mn-cs"/>
+              </a:defRPr>
+            </a:lvl9pPr>
+          </a:lstStyle>
+          <a:p>
+            <a:fld id="{A44A4EFC-2442-42B4-818B-150907507D35}" type="slidenum">
+              <a:rPr lang="en-IN" sz="1200" smtClean="0"/>
+              <a:pPr/>
+              <a:t>26</a:t>
+            </a:fld>
+            <a:endParaRPr lang="en-IN" sz="1200" dirty="0"/>
+          </a:p>
+        </p:txBody>
+      </p:sp>
+      <p:sp>
+        <p:nvSpPr>
+          <p:cNvPr id="7" name="TextBox 6">
+            <a:extLst>
+              <a:ext uri="{FF2B5EF4-FFF2-40B4-BE49-F238E27FC236}">
+                <a16:creationId xmlns:a16="http://schemas.microsoft.com/office/drawing/2014/main" id="{5A46364A-F442-40CD-BC3A-2453E1A1D2B6}"/>
+              </a:ext>
+            </a:extLst>
+          </p:cNvPr>
+          <p:cNvSpPr txBox="1"/>
+          <p:nvPr/>
+        </p:nvSpPr>
+        <p:spPr>
+          <a:xfrm>
+            <a:off x="4927862" y="6459785"/>
+            <a:ext cx="2336276" cy="584775"/>
+          </a:xfrm>
+          <a:prstGeom prst="rect">
+            <a:avLst/>
+          </a:prstGeom>
+          <a:noFill/>
+        </p:spPr>
+        <p:txBody>
+          <a:bodyPr wrap="square" rtlCol="0">
+            <a:spAutoFit/>
+          </a:bodyPr>
+          <a:lstStyle/>
+          <a:p>
+            <a:r>
+              <a:rPr lang="en-US" sz="1400" dirty="0">
+                <a:solidFill>
+                  <a:schemeClr val="bg1"/>
+                </a:solidFill>
+              </a:rPr>
+              <a:t>Applications of NN with LSTM</a:t>
+            </a:r>
+            <a:endParaRPr lang="en-IN" sz="1400" dirty="0">
+              <a:solidFill>
+                <a:schemeClr val="bg1"/>
+              </a:solidFill>
+            </a:endParaRPr>
+          </a:p>
+          <a:p>
+            <a:endParaRPr lang="en-IN" dirty="0"/>
+          </a:p>
+        </p:txBody>
+      </p:sp>
+      <p:pic>
+        <p:nvPicPr>
+          <p:cNvPr id="9" name="Picture 2">
+            <a:extLst>
+              <a:ext uri="{FF2B5EF4-FFF2-40B4-BE49-F238E27FC236}">
+                <a16:creationId xmlns:a16="http://schemas.microsoft.com/office/drawing/2014/main" id="{D4D899EB-13FF-4FE3-8FCA-7C43777F6CD5}"/>
+              </a:ext>
+            </a:extLst>
+          </p:cNvPr>
+          <p:cNvPicPr>
+            <a:picLocks noChangeAspect="1" noChangeArrowheads="1"/>
+          </p:cNvPicPr>
+          <p:nvPr/>
+        </p:nvPicPr>
+        <p:blipFill>
+          <a:blip r:embed="rId2">
+            <a:extLst>
+              <a:ext uri="{28A0092B-C50C-407E-A947-70E740481C1C}">
+                <a14:useLocalDpi xmlns:a14="http://schemas.microsoft.com/office/drawing/2010/main" val="0"/>
+              </a:ext>
+            </a:extLst>
+          </a:blip>
+          <a:srcRect/>
+          <a:stretch>
+            <a:fillRect/>
+          </a:stretch>
+        </p:blipFill>
+        <p:spPr bwMode="auto">
+          <a:xfrm>
+            <a:off x="10291240" y="141403"/>
+            <a:ext cx="1728246" cy="713087"/>
+          </a:xfrm>
+          <a:prstGeom prst="rect">
+            <a:avLst/>
+          </a:prstGeom>
+          <a:noFill/>
+          <a:extLst>
+            <a:ext uri="{909E8E84-426E-40DD-AFC4-6F175D3DCCD1}">
+              <a14:hiddenFill xmlns:a14="http://schemas.microsoft.com/office/drawing/2010/main">
+                <a:solidFill>
+                  <a:srgbClr val="FFFFFF"/>
+                </a:solidFill>
+              </a14:hiddenFill>
+            </a:ext>
+          </a:extLst>
+        </p:spPr>
+      </p:pic>
+    </p:spTree>
+    <p:extLst>
+      <p:ext uri="{BB962C8B-B14F-4D97-AF65-F5344CB8AC3E}">
+        <p14:creationId xmlns:p14="http://schemas.microsoft.com/office/powerpoint/2010/main" val="2651463609"/>
+      </p:ext>
+    </p:extLst>
+  </p:cSld>
+  <p:clrMapOvr>
+    <a:masterClrMapping/>
+  </p:clrMapOvr>
+</p:sld>
+</file>
+
+<file path=ppt/slides/slide27.xml><?xml version="1.0" encoding="utf-8"?>
+<p:sld xmlns:a="http://schemas.openxmlformats.org/drawingml/2006/main" xmlns:r="http://schemas.openxmlformats.org/officeDocument/2006/relationships" xmlns:p="http://schemas.openxmlformats.org/presentationml/2006/main">
+  <p:cSld>
+    <p:spTree>
+      <p:nvGrpSpPr>
+        <p:cNvPr id="1" name=""/>
+        <p:cNvGrpSpPr/>
+        <p:nvPr/>
+      </p:nvGrpSpPr>
+      <p:grpSpPr>
+        <a:xfrm>
+          <a:off x="0" y="0"/>
+          <a:ext cx="0" cy="0"/>
+          <a:chOff x="0" y="0"/>
+          <a:chExt cx="0" cy="0"/>
+        </a:xfrm>
+      </p:grpSpPr>
+      <p:sp>
+        <p:nvSpPr>
           <p:cNvPr id="2" name="Title 1">
             <a:extLst>
               <a:ext uri="{FF2B5EF4-FFF2-40B4-BE49-F238E27FC236}">
@@ -13970,7 +15072,7 @@
             <a:fld id="{A44A4EFC-2442-42B4-818B-150907507D35}" type="slidenum">
               <a:rPr lang="en-IN" sz="1200" smtClean="0"/>
               <a:pPr/>
-              <a:t>26</a:t>
+              <a:t>27</a:t>
             </a:fld>
             <a:endParaRPr lang="en-IN" sz="1200" dirty="0"/>
           </a:p>
@@ -14083,7 +15185,7 @@
 </p:sld>
 </file>
 
-<file path=ppt/slides/slide27.xml><?xml version="1.0" encoding="utf-8"?>
+<file path=ppt/slides/slide28.xml><?xml version="1.0" encoding="utf-8"?>
 <p:sld xmlns:a="http://schemas.openxmlformats.org/drawingml/2006/main" xmlns:r="http://schemas.openxmlformats.org/officeDocument/2006/relationships" xmlns:p="http://schemas.openxmlformats.org/presentationml/2006/main">
   <p:cSld>
     <p:spTree>
@@ -14808,7 +15910,7 @@
             <a:fld id="{A44A4EFC-2442-42B4-818B-150907507D35}" type="slidenum">
               <a:rPr lang="en-IN" sz="1200" smtClean="0"/>
               <a:pPr/>
-              <a:t>27</a:t>
+              <a:t>28</a:t>
             </a:fld>
             <a:endParaRPr lang="en-IN" sz="1200" dirty="0"/>
           </a:p>
@@ -14921,7 +16023,7 @@
 </p:sld>
 </file>
 
-<file path=ppt/slides/slide28.xml><?xml version="1.0" encoding="utf-8"?>
+<file path=ppt/slides/slide29.xml><?xml version="1.0" encoding="utf-8"?>
 <p:sld xmlns:a="http://schemas.openxmlformats.org/drawingml/2006/main" xmlns:r="http://schemas.openxmlformats.org/officeDocument/2006/relationships" xmlns:p="http://schemas.openxmlformats.org/presentationml/2006/main">
   <p:cSld>
     <p:spTree>
@@ -15339,7 +16441,7 @@
             <a:fld id="{A44A4EFC-2442-42B4-818B-150907507D35}" type="slidenum">
               <a:rPr lang="en-IN" sz="1200" smtClean="0"/>
               <a:pPr/>
-              <a:t>28</a:t>
+              <a:t>29</a:t>
             </a:fld>
             <a:endParaRPr lang="en-IN" sz="1200" dirty="0"/>
           </a:p>
@@ -15443,480 +16545,6 @@
     <p:extLst>
       <p:ext uri="{BB962C8B-B14F-4D97-AF65-F5344CB8AC3E}">
         <p14:creationId xmlns:p14="http://schemas.microsoft.com/office/powerpoint/2010/main" val="2291112059"/>
-      </p:ext>
-    </p:extLst>
-  </p:cSld>
-  <p:clrMapOvr>
-    <a:masterClrMapping/>
-  </p:clrMapOvr>
-</p:sld>
-</file>
-
-<file path=ppt/slides/slide29.xml><?xml version="1.0" encoding="utf-8"?>
-<p:sld xmlns:a="http://schemas.openxmlformats.org/drawingml/2006/main" xmlns:r="http://schemas.openxmlformats.org/officeDocument/2006/relationships" xmlns:p="http://schemas.openxmlformats.org/presentationml/2006/main">
-  <p:cSld>
-    <p:spTree>
-      <p:nvGrpSpPr>
-        <p:cNvPr id="1" name=""/>
-        <p:cNvGrpSpPr/>
-        <p:nvPr/>
-      </p:nvGrpSpPr>
-      <p:grpSpPr>
-        <a:xfrm>
-          <a:off x="0" y="0"/>
-          <a:ext cx="0" cy="0"/>
-          <a:chOff x="0" y="0"/>
-          <a:chExt cx="0" cy="0"/>
-        </a:xfrm>
-      </p:grpSpPr>
-      <p:sp>
-        <p:nvSpPr>
-          <p:cNvPr id="2" name="Title 1">
-            <a:extLst>
-              <a:ext uri="{FF2B5EF4-FFF2-40B4-BE49-F238E27FC236}">
-                <a16:creationId xmlns:a16="http://schemas.microsoft.com/office/drawing/2014/main" id="{2B179D91-EA36-41BA-A71E-1D2C86D324E6}"/>
-              </a:ext>
-            </a:extLst>
-          </p:cNvPr>
-          <p:cNvSpPr>
-            <a:spLocks noGrp="1"/>
-          </p:cNvSpPr>
-          <p:nvPr>
-            <p:ph type="title"/>
-          </p:nvPr>
-        </p:nvSpPr>
-        <p:spPr/>
-        <p:txBody>
-          <a:bodyPr/>
-          <a:lstStyle/>
-          <a:p>
-            <a:r>
-              <a:rPr lang="en-IN" dirty="0"/>
-              <a:t>Other Applications</a:t>
-            </a:r>
-          </a:p>
-        </p:txBody>
-      </p:sp>
-      <p:sp>
-        <p:nvSpPr>
-          <p:cNvPr id="3" name="Content Placeholder 2">
-            <a:extLst>
-              <a:ext uri="{FF2B5EF4-FFF2-40B4-BE49-F238E27FC236}">
-                <a16:creationId xmlns:a16="http://schemas.microsoft.com/office/drawing/2014/main" id="{B16B96E0-7B61-4E49-BB87-47B0FC79B9DD}"/>
-              </a:ext>
-            </a:extLst>
-          </p:cNvPr>
-          <p:cNvSpPr>
-            <a:spLocks noGrp="1"/>
-          </p:cNvSpPr>
-          <p:nvPr>
-            <p:ph idx="1"/>
-          </p:nvPr>
-        </p:nvSpPr>
-        <p:spPr>
-          <a:xfrm>
-            <a:off x="1097280" y="1980065"/>
-            <a:ext cx="10058400" cy="4237014"/>
-          </a:xfrm>
-        </p:spPr>
-        <p:txBody>
-          <a:bodyPr>
-            <a:normAutofit fontScale="92500" lnSpcReduction="10000"/>
-          </a:bodyPr>
-          <a:lstStyle/>
-          <a:p>
-            <a:pPr marL="457200" indent="-457200">
-              <a:buClrTx/>
-              <a:buFont typeface="+mj-lt"/>
-              <a:buAutoNum type="arabicPeriod"/>
-            </a:pPr>
-            <a:r>
-              <a:rPr lang="en-IN" dirty="0"/>
-              <a:t>Speech recognition</a:t>
-            </a:r>
-          </a:p>
-          <a:p>
-            <a:pPr marL="457200" indent="-457200">
-              <a:buClrTx/>
-              <a:buFont typeface="+mj-lt"/>
-              <a:buAutoNum type="arabicPeriod"/>
-            </a:pPr>
-            <a:r>
-              <a:rPr lang="en-IN" dirty="0"/>
-              <a:t>Speech synthesis</a:t>
-            </a:r>
-          </a:p>
-          <a:p>
-            <a:pPr marL="457200" indent="-457200">
-              <a:buClrTx/>
-              <a:buFont typeface="+mj-lt"/>
-              <a:buAutoNum type="arabicPeriod"/>
-            </a:pPr>
-            <a:r>
-              <a:rPr lang="en-IN" dirty="0"/>
-              <a:t>Text generation</a:t>
-            </a:r>
-          </a:p>
-          <a:p>
-            <a:pPr marL="457200" indent="-457200">
-              <a:buClrTx/>
-              <a:buFont typeface="+mj-lt"/>
-              <a:buAutoNum type="arabicPeriod"/>
-            </a:pPr>
-            <a:r>
-              <a:rPr lang="en-IN" dirty="0"/>
-              <a:t>Video captioning</a:t>
-            </a:r>
-          </a:p>
-          <a:p>
-            <a:pPr marL="457200" indent="-457200">
-              <a:buClrTx/>
-              <a:buFont typeface="+mj-lt"/>
-              <a:buAutoNum type="arabicPeriod"/>
-            </a:pPr>
-            <a:r>
-              <a:rPr lang="en-IN" dirty="0"/>
-              <a:t>Time series analysis</a:t>
-            </a:r>
-          </a:p>
-          <a:p>
-            <a:pPr marL="457200" indent="-457200">
-              <a:buClrTx/>
-              <a:buFont typeface="+mj-lt"/>
-              <a:buAutoNum type="arabicPeriod"/>
-            </a:pPr>
-            <a:r>
-              <a:rPr lang="en-IN" dirty="0"/>
-              <a:t>Name entity recognition</a:t>
-            </a:r>
-          </a:p>
-          <a:p>
-            <a:pPr marL="457200" indent="-457200">
-              <a:buClrTx/>
-              <a:buFont typeface="+mj-lt"/>
-              <a:buAutoNum type="arabicPeriod"/>
-            </a:pPr>
-            <a:r>
-              <a:rPr lang="en-IN" dirty="0"/>
-              <a:t>Video activity recognition</a:t>
-            </a:r>
-          </a:p>
-          <a:p>
-            <a:pPr marL="457200" indent="-457200">
-              <a:buClrTx/>
-              <a:buFont typeface="+mj-lt"/>
-              <a:buAutoNum type="arabicPeriod"/>
-            </a:pPr>
-            <a:r>
-              <a:rPr lang="en-IN" dirty="0"/>
-              <a:t>Image captioning</a:t>
-            </a:r>
-          </a:p>
-          <a:p>
-            <a:pPr marL="457200" indent="-457200">
-              <a:buClrTx/>
-              <a:buFont typeface="+mj-lt"/>
-              <a:buAutoNum type="arabicPeriod"/>
-            </a:pPr>
-            <a:r>
-              <a:rPr lang="en-IN" dirty="0"/>
-              <a:t>Machine translation</a:t>
-            </a:r>
-          </a:p>
-          <a:p>
-            <a:pPr marL="457200" indent="-457200">
-              <a:buClrTx/>
-              <a:buFont typeface="+mj-lt"/>
-              <a:buAutoNum type="arabicPeriod"/>
-            </a:pPr>
-            <a:r>
-              <a:rPr lang="en-IN" dirty="0"/>
-              <a:t>Music generation</a:t>
-            </a:r>
-          </a:p>
-        </p:txBody>
-      </p:sp>
-      <p:sp>
-        <p:nvSpPr>
-          <p:cNvPr id="6" name="Footer Placeholder 3">
-            <a:extLst>
-              <a:ext uri="{FF2B5EF4-FFF2-40B4-BE49-F238E27FC236}">
-                <a16:creationId xmlns:a16="http://schemas.microsoft.com/office/drawing/2014/main" id="{CA1038C6-8F3B-4F8B-BBDA-033445DB7687}"/>
-              </a:ext>
-            </a:extLst>
-          </p:cNvPr>
-          <p:cNvSpPr>
-            <a:spLocks noGrp="1"/>
-          </p:cNvSpPr>
-          <p:nvPr>
-            <p:ph type="ftr" sz="quarter" idx="11"/>
-          </p:nvPr>
-        </p:nvSpPr>
-        <p:spPr>
-          <a:xfrm>
-            <a:off x="0" y="6459785"/>
-            <a:ext cx="12192000" cy="365125"/>
-          </a:xfrm>
-        </p:spPr>
-        <p:txBody>
-          <a:bodyPr/>
-          <a:lstStyle/>
-          <a:p>
-            <a:pPr algn="l"/>
-            <a:r>
-              <a:rPr lang="en-US" sz="1200" dirty="0"/>
-              <a:t>Shaikh Safir Mohammad</a:t>
-            </a:r>
-            <a:br>
-              <a:rPr lang="en-US" sz="1200" dirty="0"/>
-            </a:br>
-            <a:r>
-              <a:rPr lang="en-US" sz="1200" dirty="0" err="1"/>
-              <a:t>Yelpale</a:t>
-            </a:r>
-            <a:r>
-              <a:rPr lang="en-US" sz="1200" dirty="0"/>
-              <a:t> </a:t>
-            </a:r>
-            <a:r>
-              <a:rPr lang="en-US" sz="1200" dirty="0" err="1"/>
-              <a:t>Kshitij</a:t>
-            </a:r>
-            <a:r>
-              <a:rPr lang="en-US" sz="1200" dirty="0"/>
-              <a:t> </a:t>
-            </a:r>
-          </a:p>
-        </p:txBody>
-      </p:sp>
-      <p:sp>
-        <p:nvSpPr>
-          <p:cNvPr id="7" name="Slide Number Placeholder 4">
-            <a:extLst>
-              <a:ext uri="{FF2B5EF4-FFF2-40B4-BE49-F238E27FC236}">
-                <a16:creationId xmlns:a16="http://schemas.microsoft.com/office/drawing/2014/main" id="{06A6D639-0307-48A2-82A6-3E7784FCC6F6}"/>
-              </a:ext>
-            </a:extLst>
-          </p:cNvPr>
-          <p:cNvSpPr txBox="1">
-            <a:spLocks/>
-          </p:cNvSpPr>
-          <p:nvPr/>
-        </p:nvSpPr>
-        <p:spPr>
-          <a:xfrm>
-            <a:off x="10879975" y="6459784"/>
-            <a:ext cx="1312025" cy="365125"/>
-          </a:xfrm>
-          <a:prstGeom prst="rect">
-            <a:avLst/>
-          </a:prstGeom>
-        </p:spPr>
-        <p:txBody>
-          <a:bodyPr vert="horz" lIns="91440" tIns="45720" rIns="91440" bIns="45720" rtlCol="0" anchor="ctr"/>
-          <a:lstStyle>
-            <a:defPPr>
-              <a:defRPr lang="en-US"/>
-            </a:defPPr>
-            <a:lvl1pPr marL="0" algn="r" defTabSz="457200" rtl="0" eaLnBrk="1" latinLnBrk="0" hangingPunct="1">
-              <a:defRPr sz="1050" kern="1200">
-                <a:solidFill>
-                  <a:srgbClr val="FFFFFF"/>
-                </a:solidFill>
-                <a:latin typeface="+mn-lt"/>
-                <a:ea typeface="+mn-ea"/>
-                <a:cs typeface="+mn-cs"/>
-              </a:defRPr>
-            </a:lvl1pPr>
-            <a:lvl2pPr marL="457200" algn="l" defTabSz="457200" rtl="0" eaLnBrk="1" latinLnBrk="0" hangingPunct="1">
-              <a:defRPr sz="1800" kern="1200">
-                <a:solidFill>
-                  <a:schemeClr val="tx1"/>
-                </a:solidFill>
-                <a:latin typeface="+mn-lt"/>
-                <a:ea typeface="+mn-ea"/>
-                <a:cs typeface="+mn-cs"/>
-              </a:defRPr>
-            </a:lvl2pPr>
-            <a:lvl3pPr marL="914400" algn="l" defTabSz="457200" rtl="0" eaLnBrk="1" latinLnBrk="0" hangingPunct="1">
-              <a:defRPr sz="1800" kern="1200">
-                <a:solidFill>
-                  <a:schemeClr val="tx1"/>
-                </a:solidFill>
-                <a:latin typeface="+mn-lt"/>
-                <a:ea typeface="+mn-ea"/>
-                <a:cs typeface="+mn-cs"/>
-              </a:defRPr>
-            </a:lvl3pPr>
-            <a:lvl4pPr marL="1371600" algn="l" defTabSz="457200" rtl="0" eaLnBrk="1" latinLnBrk="0" hangingPunct="1">
-              <a:defRPr sz="1800" kern="1200">
-                <a:solidFill>
-                  <a:schemeClr val="tx1"/>
-                </a:solidFill>
-                <a:latin typeface="+mn-lt"/>
-                <a:ea typeface="+mn-ea"/>
-                <a:cs typeface="+mn-cs"/>
-              </a:defRPr>
-            </a:lvl4pPr>
-            <a:lvl5pPr marL="1828800" algn="l" defTabSz="457200" rtl="0" eaLnBrk="1" latinLnBrk="0" hangingPunct="1">
-              <a:defRPr sz="1800" kern="1200">
-                <a:solidFill>
-                  <a:schemeClr val="tx1"/>
-                </a:solidFill>
-                <a:latin typeface="+mn-lt"/>
-                <a:ea typeface="+mn-ea"/>
-                <a:cs typeface="+mn-cs"/>
-              </a:defRPr>
-            </a:lvl5pPr>
-            <a:lvl6pPr marL="2286000" algn="l" defTabSz="457200" rtl="0" eaLnBrk="1" latinLnBrk="0" hangingPunct="1">
-              <a:defRPr sz="1800" kern="1200">
-                <a:solidFill>
-                  <a:schemeClr val="tx1"/>
-                </a:solidFill>
-                <a:latin typeface="+mn-lt"/>
-                <a:ea typeface="+mn-ea"/>
-                <a:cs typeface="+mn-cs"/>
-              </a:defRPr>
-            </a:lvl6pPr>
-            <a:lvl7pPr marL="2743200" algn="l" defTabSz="457200" rtl="0" eaLnBrk="1" latinLnBrk="0" hangingPunct="1">
-              <a:defRPr sz="1800" kern="1200">
-                <a:solidFill>
-                  <a:schemeClr val="tx1"/>
-                </a:solidFill>
-                <a:latin typeface="+mn-lt"/>
-                <a:ea typeface="+mn-ea"/>
-                <a:cs typeface="+mn-cs"/>
-              </a:defRPr>
-            </a:lvl7pPr>
-            <a:lvl8pPr marL="3200400" algn="l" defTabSz="457200" rtl="0" eaLnBrk="1" latinLnBrk="0" hangingPunct="1">
-              <a:defRPr sz="1800" kern="1200">
-                <a:solidFill>
-                  <a:schemeClr val="tx1"/>
-                </a:solidFill>
-                <a:latin typeface="+mn-lt"/>
-                <a:ea typeface="+mn-ea"/>
-                <a:cs typeface="+mn-cs"/>
-              </a:defRPr>
-            </a:lvl8pPr>
-            <a:lvl9pPr marL="3657600" algn="l" defTabSz="457200" rtl="0" eaLnBrk="1" latinLnBrk="0" hangingPunct="1">
-              <a:defRPr sz="1800" kern="1200">
-                <a:solidFill>
-                  <a:schemeClr val="tx1"/>
-                </a:solidFill>
-                <a:latin typeface="+mn-lt"/>
-                <a:ea typeface="+mn-ea"/>
-                <a:cs typeface="+mn-cs"/>
-              </a:defRPr>
-            </a:lvl9pPr>
-          </a:lstStyle>
-          <a:p>
-            <a:fld id="{A44A4EFC-2442-42B4-818B-150907507D35}" type="slidenum">
-              <a:rPr lang="en-IN" sz="1200" smtClean="0"/>
-              <a:pPr/>
-              <a:t>29</a:t>
-            </a:fld>
-            <a:endParaRPr lang="en-IN" sz="1200" dirty="0"/>
-          </a:p>
-        </p:txBody>
-      </p:sp>
-      <p:sp>
-        <p:nvSpPr>
-          <p:cNvPr id="8" name="TextBox 7">
-            <a:extLst>
-              <a:ext uri="{FF2B5EF4-FFF2-40B4-BE49-F238E27FC236}">
-                <a16:creationId xmlns:a16="http://schemas.microsoft.com/office/drawing/2014/main" id="{7A952DF9-B263-4057-ACBB-43DF9C834B28}"/>
-              </a:ext>
-            </a:extLst>
-          </p:cNvPr>
-          <p:cNvSpPr txBox="1"/>
-          <p:nvPr/>
-        </p:nvSpPr>
-        <p:spPr>
-          <a:xfrm>
-            <a:off x="4927862" y="6459785"/>
-            <a:ext cx="2336276" cy="584775"/>
-          </a:xfrm>
-          <a:prstGeom prst="rect">
-            <a:avLst/>
-          </a:prstGeom>
-          <a:noFill/>
-        </p:spPr>
-        <p:txBody>
-          <a:bodyPr wrap="square" rtlCol="0">
-            <a:spAutoFit/>
-          </a:bodyPr>
-          <a:lstStyle/>
-          <a:p>
-            <a:r>
-              <a:rPr lang="en-US" sz="1400" dirty="0">
-                <a:solidFill>
-                  <a:schemeClr val="bg1"/>
-                </a:solidFill>
-              </a:rPr>
-              <a:t>Applications of NN with LSTM</a:t>
-            </a:r>
-            <a:endParaRPr lang="en-IN" sz="1400" dirty="0">
-              <a:solidFill>
-                <a:schemeClr val="bg1"/>
-              </a:solidFill>
-            </a:endParaRPr>
-          </a:p>
-          <a:p>
-            <a:endParaRPr lang="en-IN" dirty="0"/>
-          </a:p>
-        </p:txBody>
-      </p:sp>
-      <p:pic>
-        <p:nvPicPr>
-          <p:cNvPr id="10" name="Picture 2">
-            <a:extLst>
-              <a:ext uri="{FF2B5EF4-FFF2-40B4-BE49-F238E27FC236}">
-                <a16:creationId xmlns:a16="http://schemas.microsoft.com/office/drawing/2014/main" id="{6A5D1FC0-5FE4-4D1A-89BE-D8436C6B955C}"/>
-              </a:ext>
-            </a:extLst>
-          </p:cNvPr>
-          <p:cNvPicPr>
-            <a:picLocks noChangeAspect="1" noChangeArrowheads="1"/>
-          </p:cNvPicPr>
-          <p:nvPr/>
-        </p:nvPicPr>
-        <p:blipFill>
-          <a:blip r:embed="rId2">
-            <a:extLst>
-              <a:ext uri="{28A0092B-C50C-407E-A947-70E740481C1C}">
-                <a14:useLocalDpi xmlns:a14="http://schemas.microsoft.com/office/drawing/2010/main" val="0"/>
-              </a:ext>
-            </a:extLst>
-          </a:blip>
-          <a:srcRect/>
-          <a:stretch>
-            <a:fillRect/>
-          </a:stretch>
-        </p:blipFill>
-        <p:spPr bwMode="auto">
-          <a:xfrm>
-            <a:off x="10291240" y="141403"/>
-            <a:ext cx="1728246" cy="713087"/>
-          </a:xfrm>
-          <a:prstGeom prst="rect">
-            <a:avLst/>
-          </a:prstGeom>
-          <a:noFill/>
-          <a:extLst>
-            <a:ext uri="{909E8E84-426E-40DD-AFC4-6F175D3DCCD1}">
-              <a14:hiddenFill xmlns:a14="http://schemas.microsoft.com/office/drawing/2010/main">
-                <a:solidFill>
-                  <a:srgbClr val="FFFFFF"/>
-                </a:solidFill>
-              </a14:hiddenFill>
-            </a:ext>
-          </a:extLst>
-        </p:spPr>
-      </p:pic>
-    </p:spTree>
-    <p:extLst>
-      <p:ext uri="{BB962C8B-B14F-4D97-AF65-F5344CB8AC3E}">
-        <p14:creationId xmlns:p14="http://schemas.microsoft.com/office/powerpoint/2010/main" val="1624535056"/>
       </p:ext>
     </p:extLst>
   </p:cSld>
@@ -16367,7 +16995,7 @@
           <p:cNvPr id="2" name="Title 1">
             <a:extLst>
               <a:ext uri="{FF2B5EF4-FFF2-40B4-BE49-F238E27FC236}">
-                <a16:creationId xmlns:a16="http://schemas.microsoft.com/office/drawing/2014/main" id="{94420B2A-712C-4C70-BE61-0384FC337D17}"/>
+                <a16:creationId xmlns:a16="http://schemas.microsoft.com/office/drawing/2014/main" id="{2B179D91-EA36-41BA-A71E-1D2C86D324E6}"/>
               </a:ext>
             </a:extLst>
           </p:cNvPr>
@@ -16385,7 +17013,7 @@
           <a:p>
             <a:r>
               <a:rPr lang="en-IN" dirty="0"/>
-              <a:t>References</a:t>
+              <a:t>Other Applications</a:t>
             </a:r>
           </a:p>
         </p:txBody>
@@ -16395,7 +17023,7 @@
           <p:cNvPr id="3" name="Content Placeholder 2">
             <a:extLst>
               <a:ext uri="{FF2B5EF4-FFF2-40B4-BE49-F238E27FC236}">
-                <a16:creationId xmlns:a16="http://schemas.microsoft.com/office/drawing/2014/main" id="{5426B23E-0255-429E-89D5-698B472FE676}"/>
+                <a16:creationId xmlns:a16="http://schemas.microsoft.com/office/drawing/2014/main" id="{B16B96E0-7B61-4E49-BB87-47B0FC79B9DD}"/>
               </a:ext>
             </a:extLst>
           </p:cNvPr>
@@ -16406,58 +17034,126 @@
             <p:ph idx="1"/>
           </p:nvPr>
         </p:nvSpPr>
-        <p:spPr/>
-        <p:txBody>
-          <a:bodyPr/>
+        <p:spPr>
+          <a:xfrm>
+            <a:off x="1097280" y="1980065"/>
+            <a:ext cx="10058400" cy="4237014"/>
+          </a:xfrm>
+        </p:spPr>
+        <p:txBody>
+          <a:bodyPr>
+            <a:normAutofit fontScale="92500" lnSpcReduction="10000"/>
+          </a:bodyPr>
           <a:lstStyle/>
           <a:p>
-            <a:r>
-              <a:rPr lang="en-US" dirty="0"/>
-              <a:t>[1] Colah, 2015. Understanding LSTM Networks. [Blog] Colah's Blog, Available at: &lt;http://colah.github.io/posts/2015-08-Understanding-LSTMs/&gt; [Accessed 11 September 2020].</a:t>
-            </a:r>
-          </a:p>
-          <a:p>
-            <a:r>
-              <a:rPr lang="en-US" dirty="0"/>
-              <a:t>[2] Phi, M., Medium. 2018. Illustrated Guide to LSTM’s and GRU’s: A step by step explanation. [Blog] Available at: &lt;https://towardsdatascience.com/illustrated-guide-to-lstms-and-gru-s-a-step-by-step-explanation-44e9eb85bf21&gt; [Accessed 11 September 2020].</a:t>
-            </a:r>
-          </a:p>
-          <a:p>
-            <a:r>
-              <a:rPr lang="en-US" dirty="0"/>
-              <a:t>[3] </a:t>
-            </a:r>
-            <a:r>
-              <a:rPr lang="en-US" dirty="0" err="1"/>
-              <a:t>Amidi</a:t>
-            </a:r>
-            <a:r>
-              <a:rPr lang="en-US" dirty="0"/>
-              <a:t>, A. and </a:t>
-            </a:r>
-            <a:r>
-              <a:rPr lang="en-US" dirty="0" err="1"/>
-              <a:t>Amidi</a:t>
-            </a:r>
-            <a:r>
-              <a:rPr lang="en-US" dirty="0"/>
-              <a:t>, S., n.d. CS 230 - Recurrent Neural Networks </a:t>
-            </a:r>
-            <a:r>
-              <a:rPr lang="en-US" dirty="0" err="1"/>
-              <a:t>Cheatsheet</a:t>
-            </a:r>
-            <a:r>
-              <a:rPr lang="en-US" dirty="0"/>
-              <a:t>. [online] Stanford.edu. Available at: &lt;https://stanford.edu/~shervine/teaching/cs-230/cheatsheet-recurrent-neural-networks&gt; [Accessed 14 September 2020].</a:t>
-            </a:r>
-          </a:p>
-          <a:p>
-            <a:r>
-              <a:rPr lang="en-US" dirty="0"/>
-              <a:t>[4] Andrew L. Maas, Raymond E. Daly, Peter T. Pham, Dan Huang, Andrew Y. Ng, and Christopher Potts. (2011). Learning Word Vectors for Sentiment Analysis. The 49th Annual Meeting of the Association for Computational Linguistics (ACL 2011).</a:t>
-            </a:r>
-            <a:endParaRPr lang="en-IN" dirty="0"/>
+            <a:pPr marL="457200" indent="-457200">
+              <a:buClrTx/>
+              <a:buFont typeface="+mj-lt"/>
+              <a:buAutoNum type="arabicPeriod"/>
+            </a:pPr>
+            <a:r>
+              <a:rPr lang="en-IN" dirty="0"/>
+              <a:t>Speech recognition</a:t>
+            </a:r>
+          </a:p>
+          <a:p>
+            <a:pPr marL="457200" indent="-457200">
+              <a:buClrTx/>
+              <a:buFont typeface="+mj-lt"/>
+              <a:buAutoNum type="arabicPeriod"/>
+            </a:pPr>
+            <a:r>
+              <a:rPr lang="en-IN" dirty="0"/>
+              <a:t>Speech synthesis</a:t>
+            </a:r>
+          </a:p>
+          <a:p>
+            <a:pPr marL="457200" indent="-457200">
+              <a:buClrTx/>
+              <a:buFont typeface="+mj-lt"/>
+              <a:buAutoNum type="arabicPeriod"/>
+            </a:pPr>
+            <a:r>
+              <a:rPr lang="en-IN" dirty="0"/>
+              <a:t>Text generation</a:t>
+            </a:r>
+          </a:p>
+          <a:p>
+            <a:pPr marL="457200" indent="-457200">
+              <a:buClrTx/>
+              <a:buFont typeface="+mj-lt"/>
+              <a:buAutoNum type="arabicPeriod"/>
+            </a:pPr>
+            <a:r>
+              <a:rPr lang="en-IN" dirty="0"/>
+              <a:t>Video captioning</a:t>
+            </a:r>
+          </a:p>
+          <a:p>
+            <a:pPr marL="457200" indent="-457200">
+              <a:buClrTx/>
+              <a:buFont typeface="+mj-lt"/>
+              <a:buAutoNum type="arabicPeriod"/>
+            </a:pPr>
+            <a:r>
+              <a:rPr lang="en-IN" dirty="0"/>
+              <a:t>Time series analysis</a:t>
+            </a:r>
+          </a:p>
+          <a:p>
+            <a:pPr marL="457200" indent="-457200">
+              <a:buClrTx/>
+              <a:buFont typeface="+mj-lt"/>
+              <a:buAutoNum type="arabicPeriod"/>
+            </a:pPr>
+            <a:r>
+              <a:rPr lang="en-IN" dirty="0"/>
+              <a:t>Name entity recognition</a:t>
+            </a:r>
+          </a:p>
+          <a:p>
+            <a:pPr marL="457200" indent="-457200">
+              <a:buClrTx/>
+              <a:buFont typeface="+mj-lt"/>
+              <a:buAutoNum type="arabicPeriod"/>
+            </a:pPr>
+            <a:r>
+              <a:rPr lang="en-IN" dirty="0"/>
+              <a:t>Video activity recognition</a:t>
+            </a:r>
+          </a:p>
+          <a:p>
+            <a:pPr marL="457200" indent="-457200">
+              <a:buClrTx/>
+              <a:buFont typeface="+mj-lt"/>
+              <a:buAutoNum type="arabicPeriod"/>
+            </a:pPr>
+            <a:r>
+              <a:rPr lang="en-IN" dirty="0"/>
+              <a:t>Image captioning</a:t>
+            </a:r>
+          </a:p>
+          <a:p>
+            <a:pPr marL="457200" indent="-457200">
+              <a:buClrTx/>
+              <a:buFont typeface="+mj-lt"/>
+              <a:buAutoNum type="arabicPeriod"/>
+            </a:pPr>
+            <a:r>
+              <a:rPr lang="en-IN" dirty="0"/>
+              <a:t>Machine translation</a:t>
+            </a:r>
+          </a:p>
+          <a:p>
+            <a:pPr marL="457200" indent="-457200">
+              <a:buClrTx/>
+              <a:buFont typeface="+mj-lt"/>
+              <a:buAutoNum type="arabicPeriod"/>
+            </a:pPr>
+            <a:r>
+              <a:rPr lang="en-IN" dirty="0"/>
+              <a:t>Music generation</a:t>
+            </a:r>
           </a:p>
         </p:txBody>
       </p:sp>
@@ -16466,7 +17162,7 @@
           <p:cNvPr id="6" name="Footer Placeholder 3">
             <a:extLst>
               <a:ext uri="{FF2B5EF4-FFF2-40B4-BE49-F238E27FC236}">
-                <a16:creationId xmlns:a16="http://schemas.microsoft.com/office/drawing/2014/main" id="{6C80938A-8A9D-4342-AE50-7831C6BDC446}"/>
+                <a16:creationId xmlns:a16="http://schemas.microsoft.com/office/drawing/2014/main" id="{CA1038C6-8F3B-4F8B-BBDA-033445DB7687}"/>
               </a:ext>
             </a:extLst>
           </p:cNvPr>
@@ -16519,7 +17215,7 @@
           <p:cNvPr id="7" name="Slide Number Placeholder 4">
             <a:extLst>
               <a:ext uri="{FF2B5EF4-FFF2-40B4-BE49-F238E27FC236}">
-                <a16:creationId xmlns:a16="http://schemas.microsoft.com/office/drawing/2014/main" id="{54E07632-41E1-460F-B71F-A6A52F16CFD9}"/>
+                <a16:creationId xmlns:a16="http://schemas.microsoft.com/office/drawing/2014/main" id="{06A6D639-0307-48A2-82A6-3E7784FCC6F6}"/>
               </a:ext>
             </a:extLst>
           </p:cNvPr>
@@ -16649,7 +17345,7 @@
           <p:cNvPr id="8" name="TextBox 7">
             <a:extLst>
               <a:ext uri="{FF2B5EF4-FFF2-40B4-BE49-F238E27FC236}">
-                <a16:creationId xmlns:a16="http://schemas.microsoft.com/office/drawing/2014/main" id="{37FC9FD2-F0AA-49D5-A6BD-D95112A754E3}"/>
+                <a16:creationId xmlns:a16="http://schemas.microsoft.com/office/drawing/2014/main" id="{7A952DF9-B263-4057-ACBB-43DF9C834B28}"/>
               </a:ext>
             </a:extLst>
           </p:cNvPr>
@@ -16696,7 +17392,7 @@
           <p:cNvPr id="10" name="Picture 2">
             <a:extLst>
               <a:ext uri="{FF2B5EF4-FFF2-40B4-BE49-F238E27FC236}">
-                <a16:creationId xmlns:a16="http://schemas.microsoft.com/office/drawing/2014/main" id="{9057FD4E-6F34-4B0A-B8C9-7869E17F2CEA}"/>
+                <a16:creationId xmlns:a16="http://schemas.microsoft.com/office/drawing/2014/main" id="{6A5D1FC0-5FE4-4D1A-89BE-D8436C6B955C}"/>
               </a:ext>
             </a:extLst>
           </p:cNvPr>
@@ -16741,7 +17437,7 @@
     </p:spTree>
     <p:extLst>
       <p:ext uri="{BB962C8B-B14F-4D97-AF65-F5344CB8AC3E}">
-        <p14:creationId xmlns:p14="http://schemas.microsoft.com/office/powerpoint/2010/main" val="2140858965"/>
+        <p14:creationId xmlns:p14="http://schemas.microsoft.com/office/powerpoint/2010/main" val="1624535056"/>
       </p:ext>
     </p:extLst>
   </p:cSld>
@@ -16773,7 +17469,7 @@
           <p:cNvPr id="2" name="Title 1">
             <a:extLst>
               <a:ext uri="{FF2B5EF4-FFF2-40B4-BE49-F238E27FC236}">
-                <a16:creationId xmlns:a16="http://schemas.microsoft.com/office/drawing/2014/main" id="{A7B826EE-355C-4EBF-8A8A-98021C747D51}"/>
+                <a16:creationId xmlns:a16="http://schemas.microsoft.com/office/drawing/2014/main" id="{94420B2A-712C-4C70-BE61-0384FC337D17}"/>
               </a:ext>
             </a:extLst>
           </p:cNvPr>
@@ -16791,17 +17487,126 @@
           <a:p>
             <a:r>
               <a:rPr lang="en-IN" dirty="0"/>
-              <a:t>Thank you!</a:t>
-            </a:r>
-          </a:p>
-        </p:txBody>
-      </p:sp>
-      <p:sp>
-        <p:nvSpPr>
-          <p:cNvPr id="5" name="Footer Placeholder 3">
-            <a:extLst>
-              <a:ext uri="{FF2B5EF4-FFF2-40B4-BE49-F238E27FC236}">
-                <a16:creationId xmlns:a16="http://schemas.microsoft.com/office/drawing/2014/main" id="{98C5668C-B1D7-4004-8639-5ED2672B035E}"/>
+              <a:t>References</a:t>
+            </a:r>
+          </a:p>
+        </p:txBody>
+      </p:sp>
+      <p:sp>
+        <p:nvSpPr>
+          <p:cNvPr id="3" name="Content Placeholder 2">
+            <a:extLst>
+              <a:ext uri="{FF2B5EF4-FFF2-40B4-BE49-F238E27FC236}">
+                <a16:creationId xmlns:a16="http://schemas.microsoft.com/office/drawing/2014/main" id="{5426B23E-0255-429E-89D5-698B472FE676}"/>
+              </a:ext>
+            </a:extLst>
+          </p:cNvPr>
+          <p:cNvSpPr>
+            <a:spLocks noGrp="1"/>
+          </p:cNvSpPr>
+          <p:nvPr>
+            <p:ph idx="1"/>
+          </p:nvPr>
+        </p:nvSpPr>
+        <p:spPr/>
+        <p:txBody>
+          <a:bodyPr>
+            <a:normAutofit fontScale="85000" lnSpcReduction="20000"/>
+          </a:bodyPr>
+          <a:lstStyle/>
+          <a:p>
+            <a:r>
+              <a:rPr lang="en-US" dirty="0"/>
+              <a:t>[1] Colah, 2015. Understanding LSTM Networks. [Blog] Colah's Blog, Available at: &lt;http://colah.github.io/posts/2015-08-Understanding-LSTMs/&gt; [Accessed 11 September 2020].</a:t>
+            </a:r>
+          </a:p>
+          <a:p>
+            <a:r>
+              <a:rPr lang="en-US" dirty="0"/>
+              <a:t>[2] Phi, M., Medium. 2018. Illustrated Guide to LSTM’s and GRU’s: A step by step explanation. [Blog] Available at: &lt;https://towardsdatascience.com/illustrated-guide-to-lstms-and-gru-s-a-step-by-step-explanation-44e9eb85bf21&gt; [Accessed 11 September 2020].</a:t>
+            </a:r>
+          </a:p>
+          <a:p>
+            <a:r>
+              <a:rPr lang="en-US" dirty="0"/>
+              <a:t>[3] [</a:t>
+            </a:r>
+            <a:r>
+              <a:rPr lang="en-US" dirty="0" err="1"/>
+              <a:t>cs.LG</a:t>
+            </a:r>
+            <a:r>
+              <a:rPr lang="en-US" dirty="0"/>
+              <a:t>] Chen *, G., 2018. A Gentle Tutorial Of Recurrent Neural Network With Error Backpropagation. Department of Computer Science and Engineering, SUNY at Buffalo.</a:t>
+            </a:r>
+          </a:p>
+          <a:p>
+            <a:r>
+              <a:rPr lang="en-US" dirty="0"/>
+              <a:t>[4] </a:t>
+            </a:r>
+            <a:r>
+              <a:rPr lang="en-US" dirty="0" err="1"/>
+              <a:t>Amidi</a:t>
+            </a:r>
+            <a:r>
+              <a:rPr lang="en-US" dirty="0"/>
+              <a:t>, A. and </a:t>
+            </a:r>
+            <a:r>
+              <a:rPr lang="en-US" dirty="0" err="1"/>
+              <a:t>Amidi</a:t>
+            </a:r>
+            <a:r>
+              <a:rPr lang="en-US" dirty="0"/>
+              <a:t>, S., n.d. CS 230 - Recurrent Neural Networks </a:t>
+            </a:r>
+            <a:r>
+              <a:rPr lang="en-US" dirty="0" err="1"/>
+              <a:t>Cheatsheet</a:t>
+            </a:r>
+            <a:r>
+              <a:rPr lang="en-US" dirty="0"/>
+              <a:t>. [online] Stanford.edu. Available at: &lt;https://stanford.edu/~shervine/teaching/cs-230/cheatsheet-recurrent-neural-networks&gt; [Accessed 14 September 2020].</a:t>
+            </a:r>
+          </a:p>
+          <a:p>
+            <a:r>
+              <a:rPr lang="en-US" dirty="0"/>
+              <a:t>[5] </a:t>
+            </a:r>
+            <a:r>
+              <a:rPr lang="en-US" dirty="0" err="1"/>
+              <a:t>Hochreiter</a:t>
+            </a:r>
+            <a:r>
+              <a:rPr lang="en-US" dirty="0"/>
+              <a:t>, Sepp &amp; </a:t>
+            </a:r>
+            <a:r>
+              <a:rPr lang="en-US" dirty="0" err="1"/>
+              <a:t>Schmidhuber</a:t>
+            </a:r>
+            <a:r>
+              <a:rPr lang="en-US" dirty="0"/>
+              <a:t>, Jürgen. (1997). Long Short-term Memory. Neural computation. 9. 1735-80. 10.1162/neco.1997.9.8.1735.</a:t>
+            </a:r>
+          </a:p>
+          <a:p>
+            <a:r>
+              <a:rPr lang="en-US" dirty="0"/>
+              <a:t>[6] Andrew L. Maas, Raymond E. Daly, Peter T. Pham, Dan Huang, Andrew Y. Ng, and Christopher Potts. (2011). Learning Word Vectors for Sentiment Analysis. The 49th Annual Meeting of the Association for Computational Linguistics (ACL 2011).</a:t>
+            </a:r>
+            <a:endParaRPr lang="en-IN" dirty="0"/>
+          </a:p>
+        </p:txBody>
+      </p:sp>
+      <p:sp>
+        <p:nvSpPr>
+          <p:cNvPr id="6" name="Footer Placeholder 3">
+            <a:extLst>
+              <a:ext uri="{FF2B5EF4-FFF2-40B4-BE49-F238E27FC236}">
+                <a16:creationId xmlns:a16="http://schemas.microsoft.com/office/drawing/2014/main" id="{6C80938A-8A9D-4342-AE50-7831C6BDC446}"/>
               </a:ext>
             </a:extLst>
           </p:cNvPr>
@@ -16851,10 +17656,10 @@
       </p:sp>
       <p:sp>
         <p:nvSpPr>
-          <p:cNvPr id="6" name="Slide Number Placeholder 4">
-            <a:extLst>
-              <a:ext uri="{FF2B5EF4-FFF2-40B4-BE49-F238E27FC236}">
-                <a16:creationId xmlns:a16="http://schemas.microsoft.com/office/drawing/2014/main" id="{62116FA1-2845-4464-B978-C82E35DCCB44}"/>
+          <p:cNvPr id="7" name="Slide Number Placeholder 4">
+            <a:extLst>
+              <a:ext uri="{FF2B5EF4-FFF2-40B4-BE49-F238E27FC236}">
+                <a16:creationId xmlns:a16="http://schemas.microsoft.com/office/drawing/2014/main" id="{54E07632-41E1-460F-B71F-A6A52F16CFD9}"/>
               </a:ext>
             </a:extLst>
           </p:cNvPr>
@@ -16974,6 +17779,341 @@
               <a:rPr lang="en-IN" sz="1200" smtClean="0"/>
               <a:pPr/>
               <a:t>31</a:t>
+            </a:fld>
+            <a:endParaRPr lang="en-IN" sz="1200" dirty="0"/>
+          </a:p>
+        </p:txBody>
+      </p:sp>
+      <p:sp>
+        <p:nvSpPr>
+          <p:cNvPr id="8" name="TextBox 7">
+            <a:extLst>
+              <a:ext uri="{FF2B5EF4-FFF2-40B4-BE49-F238E27FC236}">
+                <a16:creationId xmlns:a16="http://schemas.microsoft.com/office/drawing/2014/main" id="{37FC9FD2-F0AA-49D5-A6BD-D95112A754E3}"/>
+              </a:ext>
+            </a:extLst>
+          </p:cNvPr>
+          <p:cNvSpPr txBox="1"/>
+          <p:nvPr/>
+        </p:nvSpPr>
+        <p:spPr>
+          <a:xfrm>
+            <a:off x="4927862" y="6459785"/>
+            <a:ext cx="2336276" cy="584775"/>
+          </a:xfrm>
+          <a:prstGeom prst="rect">
+            <a:avLst/>
+          </a:prstGeom>
+          <a:noFill/>
+        </p:spPr>
+        <p:txBody>
+          <a:bodyPr wrap="square" rtlCol="0">
+            <a:spAutoFit/>
+          </a:bodyPr>
+          <a:lstStyle/>
+          <a:p>
+            <a:r>
+              <a:rPr lang="en-US" sz="1400" dirty="0">
+                <a:solidFill>
+                  <a:schemeClr val="bg1"/>
+                </a:solidFill>
+              </a:rPr>
+              <a:t>Applications of NN with LSTM</a:t>
+            </a:r>
+            <a:endParaRPr lang="en-IN" sz="1400" dirty="0">
+              <a:solidFill>
+                <a:schemeClr val="bg1"/>
+              </a:solidFill>
+            </a:endParaRPr>
+          </a:p>
+          <a:p>
+            <a:endParaRPr lang="en-IN" dirty="0"/>
+          </a:p>
+        </p:txBody>
+      </p:sp>
+      <p:pic>
+        <p:nvPicPr>
+          <p:cNvPr id="10" name="Picture 2">
+            <a:extLst>
+              <a:ext uri="{FF2B5EF4-FFF2-40B4-BE49-F238E27FC236}">
+                <a16:creationId xmlns:a16="http://schemas.microsoft.com/office/drawing/2014/main" id="{9057FD4E-6F34-4B0A-B8C9-7869E17F2CEA}"/>
+              </a:ext>
+            </a:extLst>
+          </p:cNvPr>
+          <p:cNvPicPr>
+            <a:picLocks noChangeAspect="1" noChangeArrowheads="1"/>
+          </p:cNvPicPr>
+          <p:nvPr/>
+        </p:nvPicPr>
+        <p:blipFill>
+          <a:blip r:embed="rId2">
+            <a:extLst>
+              <a:ext uri="{28A0092B-C50C-407E-A947-70E740481C1C}">
+                <a14:useLocalDpi xmlns:a14="http://schemas.microsoft.com/office/drawing/2010/main" val="0"/>
+              </a:ext>
+            </a:extLst>
+          </a:blip>
+          <a:srcRect/>
+          <a:stretch>
+            <a:fillRect/>
+          </a:stretch>
+        </p:blipFill>
+        <p:spPr bwMode="auto">
+          <a:xfrm>
+            <a:off x="10291240" y="141403"/>
+            <a:ext cx="1728246" cy="713087"/>
+          </a:xfrm>
+          <a:prstGeom prst="rect">
+            <a:avLst/>
+          </a:prstGeom>
+          <a:noFill/>
+          <a:extLst>
+            <a:ext uri="{909E8E84-426E-40DD-AFC4-6F175D3DCCD1}">
+              <a14:hiddenFill xmlns:a14="http://schemas.microsoft.com/office/drawing/2010/main">
+                <a:solidFill>
+                  <a:srgbClr val="FFFFFF"/>
+                </a:solidFill>
+              </a14:hiddenFill>
+            </a:ext>
+          </a:extLst>
+        </p:spPr>
+      </p:pic>
+    </p:spTree>
+    <p:extLst>
+      <p:ext uri="{BB962C8B-B14F-4D97-AF65-F5344CB8AC3E}">
+        <p14:creationId xmlns:p14="http://schemas.microsoft.com/office/powerpoint/2010/main" val="2140858965"/>
+      </p:ext>
+    </p:extLst>
+  </p:cSld>
+  <p:clrMapOvr>
+    <a:masterClrMapping/>
+  </p:clrMapOvr>
+</p:sld>
+</file>
+
+<file path=ppt/slides/slide32.xml><?xml version="1.0" encoding="utf-8"?>
+<p:sld xmlns:a="http://schemas.openxmlformats.org/drawingml/2006/main" xmlns:r="http://schemas.openxmlformats.org/officeDocument/2006/relationships" xmlns:p="http://schemas.openxmlformats.org/presentationml/2006/main">
+  <p:cSld>
+    <p:spTree>
+      <p:nvGrpSpPr>
+        <p:cNvPr id="1" name=""/>
+        <p:cNvGrpSpPr/>
+        <p:nvPr/>
+      </p:nvGrpSpPr>
+      <p:grpSpPr>
+        <a:xfrm>
+          <a:off x="0" y="0"/>
+          <a:ext cx="0" cy="0"/>
+          <a:chOff x="0" y="0"/>
+          <a:chExt cx="0" cy="0"/>
+        </a:xfrm>
+      </p:grpSpPr>
+      <p:sp>
+        <p:nvSpPr>
+          <p:cNvPr id="2" name="Title 1">
+            <a:extLst>
+              <a:ext uri="{FF2B5EF4-FFF2-40B4-BE49-F238E27FC236}">
+                <a16:creationId xmlns:a16="http://schemas.microsoft.com/office/drawing/2014/main" id="{A7B826EE-355C-4EBF-8A8A-98021C747D51}"/>
+              </a:ext>
+            </a:extLst>
+          </p:cNvPr>
+          <p:cNvSpPr>
+            <a:spLocks noGrp="1"/>
+          </p:cNvSpPr>
+          <p:nvPr>
+            <p:ph type="title"/>
+          </p:nvPr>
+        </p:nvSpPr>
+        <p:spPr/>
+        <p:txBody>
+          <a:bodyPr/>
+          <a:lstStyle/>
+          <a:p>
+            <a:r>
+              <a:rPr lang="en-IN" dirty="0"/>
+              <a:t>Thank you!</a:t>
+            </a:r>
+          </a:p>
+        </p:txBody>
+      </p:sp>
+      <p:sp>
+        <p:nvSpPr>
+          <p:cNvPr id="5" name="Footer Placeholder 3">
+            <a:extLst>
+              <a:ext uri="{FF2B5EF4-FFF2-40B4-BE49-F238E27FC236}">
+                <a16:creationId xmlns:a16="http://schemas.microsoft.com/office/drawing/2014/main" id="{98C5668C-B1D7-4004-8639-5ED2672B035E}"/>
+              </a:ext>
+            </a:extLst>
+          </p:cNvPr>
+          <p:cNvSpPr>
+            <a:spLocks noGrp="1"/>
+          </p:cNvSpPr>
+          <p:nvPr>
+            <p:ph type="ftr" sz="quarter" idx="11"/>
+          </p:nvPr>
+        </p:nvSpPr>
+        <p:spPr>
+          <a:xfrm>
+            <a:off x="0" y="6459785"/>
+            <a:ext cx="12192000" cy="365125"/>
+          </a:xfrm>
+        </p:spPr>
+        <p:txBody>
+          <a:bodyPr/>
+          <a:lstStyle/>
+          <a:p>
+            <a:pPr algn="l"/>
+            <a:r>
+              <a:rPr lang="en-US" sz="1200" dirty="0"/>
+              <a:t>Shaikh Safir Mohammad</a:t>
+            </a:r>
+            <a:br>
+              <a:rPr lang="en-US" sz="1200" dirty="0"/>
+            </a:br>
+            <a:r>
+              <a:rPr lang="en-US" sz="1200" dirty="0" err="1"/>
+              <a:t>Yelpale</a:t>
+            </a:r>
+            <a:r>
+              <a:rPr lang="en-US" sz="1200" dirty="0"/>
+              <a:t> </a:t>
+            </a:r>
+            <a:r>
+              <a:rPr lang="en-US" sz="1200" dirty="0" err="1"/>
+              <a:t>Kshitij</a:t>
+            </a:r>
+            <a:r>
+              <a:rPr lang="en-US" sz="1200" dirty="0"/>
+              <a:t> </a:t>
+            </a:r>
+          </a:p>
+        </p:txBody>
+      </p:sp>
+      <p:sp>
+        <p:nvSpPr>
+          <p:cNvPr id="6" name="Slide Number Placeholder 4">
+            <a:extLst>
+              <a:ext uri="{FF2B5EF4-FFF2-40B4-BE49-F238E27FC236}">
+                <a16:creationId xmlns:a16="http://schemas.microsoft.com/office/drawing/2014/main" id="{62116FA1-2845-4464-B978-C82E35DCCB44}"/>
+              </a:ext>
+            </a:extLst>
+          </p:cNvPr>
+          <p:cNvSpPr txBox="1">
+            <a:spLocks/>
+          </p:cNvSpPr>
+          <p:nvPr/>
+        </p:nvSpPr>
+        <p:spPr>
+          <a:xfrm>
+            <a:off x="10879975" y="6459784"/>
+            <a:ext cx="1312025" cy="365125"/>
+          </a:xfrm>
+          <a:prstGeom prst="rect">
+            <a:avLst/>
+          </a:prstGeom>
+        </p:spPr>
+        <p:txBody>
+          <a:bodyPr vert="horz" lIns="91440" tIns="45720" rIns="91440" bIns="45720" rtlCol="0" anchor="ctr"/>
+          <a:lstStyle>
+            <a:defPPr>
+              <a:defRPr lang="en-US"/>
+            </a:defPPr>
+            <a:lvl1pPr marL="0" algn="r" defTabSz="457200" rtl="0" eaLnBrk="1" latinLnBrk="0" hangingPunct="1">
+              <a:defRPr sz="1050" kern="1200">
+                <a:solidFill>
+                  <a:srgbClr val="FFFFFF"/>
+                </a:solidFill>
+                <a:latin typeface="+mn-lt"/>
+                <a:ea typeface="+mn-ea"/>
+                <a:cs typeface="+mn-cs"/>
+              </a:defRPr>
+            </a:lvl1pPr>
+            <a:lvl2pPr marL="457200" algn="l" defTabSz="457200" rtl="0" eaLnBrk="1" latinLnBrk="0" hangingPunct="1">
+              <a:defRPr sz="1800" kern="1200">
+                <a:solidFill>
+                  <a:schemeClr val="tx1"/>
+                </a:solidFill>
+                <a:latin typeface="+mn-lt"/>
+                <a:ea typeface="+mn-ea"/>
+                <a:cs typeface="+mn-cs"/>
+              </a:defRPr>
+            </a:lvl2pPr>
+            <a:lvl3pPr marL="914400" algn="l" defTabSz="457200" rtl="0" eaLnBrk="1" latinLnBrk="0" hangingPunct="1">
+              <a:defRPr sz="1800" kern="1200">
+                <a:solidFill>
+                  <a:schemeClr val="tx1"/>
+                </a:solidFill>
+                <a:latin typeface="+mn-lt"/>
+                <a:ea typeface="+mn-ea"/>
+                <a:cs typeface="+mn-cs"/>
+              </a:defRPr>
+            </a:lvl3pPr>
+            <a:lvl4pPr marL="1371600" algn="l" defTabSz="457200" rtl="0" eaLnBrk="1" latinLnBrk="0" hangingPunct="1">
+              <a:defRPr sz="1800" kern="1200">
+                <a:solidFill>
+                  <a:schemeClr val="tx1"/>
+                </a:solidFill>
+                <a:latin typeface="+mn-lt"/>
+                <a:ea typeface="+mn-ea"/>
+                <a:cs typeface="+mn-cs"/>
+              </a:defRPr>
+            </a:lvl4pPr>
+            <a:lvl5pPr marL="1828800" algn="l" defTabSz="457200" rtl="0" eaLnBrk="1" latinLnBrk="0" hangingPunct="1">
+              <a:defRPr sz="1800" kern="1200">
+                <a:solidFill>
+                  <a:schemeClr val="tx1"/>
+                </a:solidFill>
+                <a:latin typeface="+mn-lt"/>
+                <a:ea typeface="+mn-ea"/>
+                <a:cs typeface="+mn-cs"/>
+              </a:defRPr>
+            </a:lvl5pPr>
+            <a:lvl6pPr marL="2286000" algn="l" defTabSz="457200" rtl="0" eaLnBrk="1" latinLnBrk="0" hangingPunct="1">
+              <a:defRPr sz="1800" kern="1200">
+                <a:solidFill>
+                  <a:schemeClr val="tx1"/>
+                </a:solidFill>
+                <a:latin typeface="+mn-lt"/>
+                <a:ea typeface="+mn-ea"/>
+                <a:cs typeface="+mn-cs"/>
+              </a:defRPr>
+            </a:lvl6pPr>
+            <a:lvl7pPr marL="2743200" algn="l" defTabSz="457200" rtl="0" eaLnBrk="1" latinLnBrk="0" hangingPunct="1">
+              <a:defRPr sz="1800" kern="1200">
+                <a:solidFill>
+                  <a:schemeClr val="tx1"/>
+                </a:solidFill>
+                <a:latin typeface="+mn-lt"/>
+                <a:ea typeface="+mn-ea"/>
+                <a:cs typeface="+mn-cs"/>
+              </a:defRPr>
+            </a:lvl7pPr>
+            <a:lvl8pPr marL="3200400" algn="l" defTabSz="457200" rtl="0" eaLnBrk="1" latinLnBrk="0" hangingPunct="1">
+              <a:defRPr sz="1800" kern="1200">
+                <a:solidFill>
+                  <a:schemeClr val="tx1"/>
+                </a:solidFill>
+                <a:latin typeface="+mn-lt"/>
+                <a:ea typeface="+mn-ea"/>
+                <a:cs typeface="+mn-cs"/>
+              </a:defRPr>
+            </a:lvl8pPr>
+            <a:lvl9pPr marL="3657600" algn="l" defTabSz="457200" rtl="0" eaLnBrk="1" latinLnBrk="0" hangingPunct="1">
+              <a:defRPr sz="1800" kern="1200">
+                <a:solidFill>
+                  <a:schemeClr val="tx1"/>
+                </a:solidFill>
+                <a:latin typeface="+mn-lt"/>
+                <a:ea typeface="+mn-ea"/>
+                <a:cs typeface="+mn-cs"/>
+              </a:defRPr>
+            </a:lvl9pPr>
+          </a:lstStyle>
+          <a:p>
+            <a:fld id="{A44A4EFC-2442-42B4-818B-150907507D35}" type="slidenum">
+              <a:rPr lang="en-IN" sz="1200" smtClean="0"/>
+              <a:pPr/>
+              <a:t>32</a:t>
             </a:fld>
             <a:endParaRPr lang="en-IN" sz="1200" dirty="0"/>
           </a:p>
@@ -17957,6 +19097,77 @@
           </a:p>
         </p:txBody>
       </p:sp>
+      <p:pic>
+        <p:nvPicPr>
+          <p:cNvPr id="12" name="Picture 11">
+            <a:extLst>
+              <a:ext uri="{FF2B5EF4-FFF2-40B4-BE49-F238E27FC236}">
+                <a16:creationId xmlns:a16="http://schemas.microsoft.com/office/drawing/2014/main" id="{DCFFEA15-ED92-4DE7-85D4-9CFFC41BCE62}"/>
+              </a:ext>
+            </a:extLst>
+          </p:cNvPr>
+          <p:cNvPicPr>
+            <a:picLocks noChangeAspect="1"/>
+          </p:cNvPicPr>
+          <p:nvPr/>
+        </p:nvPicPr>
+        <p:blipFill>
+          <a:blip r:embed="rId6">
+            <a:extLst>
+              <a:ext uri="{28A0092B-C50C-407E-A947-70E740481C1C}">
+                <a14:useLocalDpi xmlns:a14="http://schemas.microsoft.com/office/drawing/2010/main" val="0"/>
+              </a:ext>
+            </a:extLst>
+          </a:blip>
+          <a:stretch>
+            <a:fillRect/>
+          </a:stretch>
+        </p:blipFill>
+        <p:spPr>
+          <a:xfrm>
+            <a:off x="7458232" y="4967301"/>
+            <a:ext cx="4022311" cy="429210"/>
+          </a:xfrm>
+          <a:prstGeom prst="rect">
+            <a:avLst/>
+          </a:prstGeom>
+        </p:spPr>
+      </p:pic>
+      <p:sp>
+        <p:nvSpPr>
+          <p:cNvPr id="14" name="TextBox 13">
+            <a:extLst>
+              <a:ext uri="{FF2B5EF4-FFF2-40B4-BE49-F238E27FC236}">
+                <a16:creationId xmlns:a16="http://schemas.microsoft.com/office/drawing/2014/main" id="{64C69ED9-9420-4676-9AB0-01450CD48FBE}"/>
+              </a:ext>
+            </a:extLst>
+          </p:cNvPr>
+          <p:cNvSpPr txBox="1"/>
+          <p:nvPr/>
+        </p:nvSpPr>
+        <p:spPr>
+          <a:xfrm>
+            <a:off x="11480543" y="4976998"/>
+            <a:ext cx="538943" cy="369332"/>
+          </a:xfrm>
+          <a:prstGeom prst="rect">
+            <a:avLst/>
+          </a:prstGeom>
+          <a:noFill/>
+        </p:spPr>
+        <p:txBody>
+          <a:bodyPr wrap="square" rtlCol="0">
+            <a:spAutoFit/>
+          </a:bodyPr>
+          <a:lstStyle/>
+          <a:p>
+            <a:r>
+              <a:rPr lang="en-IN" dirty="0"/>
+              <a:t>[3]</a:t>
+            </a:r>
+          </a:p>
+        </p:txBody>
+      </p:sp>
     </p:spTree>
     <p:extLst>
       <p:ext uri="{BB962C8B-B14F-4D97-AF65-F5344CB8AC3E}">
@@ -18475,7 +19686,7 @@
         <p:spPr>
           <a:xfrm>
             <a:off x="2545745" y="1875718"/>
-            <a:ext cx="7088251" cy="1998698"/>
+            <a:ext cx="7088251" cy="2648644"/>
           </a:xfrm>
         </p:spPr>
       </p:pic>
@@ -19085,7 +20296,7 @@
         </p:nvSpPr>
         <p:spPr>
           <a:xfrm>
-            <a:off x="4814040" y="3874416"/>
+            <a:off x="4814040" y="4155030"/>
             <a:ext cx="2624880" cy="369332"/>
           </a:xfrm>
           <a:prstGeom prst="rect">
@@ -19759,7 +20970,7 @@
             </a:r>
             <a:r>
               <a:rPr lang="en-US" dirty="0"/>
-              <a:t>Vanishing gradient tends to be the bigger problem with training RNNs, although when exploding gradients happens, it can be </a:t>
+              <a:t>Exploding gradient tends to be the bigger problem with training RNNs, although when exploding gradients happens, it can be </a:t>
             </a:r>
             <a:r>
               <a:rPr lang="en-US" b="1" dirty="0"/>

--- a/Documentation/LSTM Presentation.pptx
+++ b/Documentation/LSTM Presentation.pptx
@@ -13594,7 +13594,7 @@
             <p:ph idx="1"/>
             <p:extLst>
               <p:ext uri="{D42A27DB-BD31-4B8C-83A1-F6EECF244321}">
-                <p14:modId xmlns:p14="http://schemas.microsoft.com/office/powerpoint/2010/main" val="3454229645"/>
+                <p14:modId xmlns:p14="http://schemas.microsoft.com/office/powerpoint/2010/main" val="4215062153"/>
               </p:ext>
             </p:extLst>
           </p:nvPr>
@@ -13876,7 +13876,7 @@
                       </a:pPr>
                       <a:r>
                         <a:rPr lang="en-US" dirty="0"/>
-                        <a:t>85.42 %</a:t>
+                        <a:t>93.12 %</a:t>
                       </a:r>
                       <a:endParaRPr lang="en-IN" dirty="0"/>
                     </a:p>
@@ -13931,7 +13931,7 @@
                       </a:pPr>
                       <a:r>
                         <a:rPr lang="en-US" dirty="0"/>
-                        <a:t>82.81 %</a:t>
+                        <a:t>85.96 %</a:t>
                       </a:r>
                       <a:endParaRPr lang="en-IN" dirty="0"/>
                     </a:p>
